--- a/Overview.pptx
+++ b/Overview.pptx
@@ -241,7 +241,7 @@
           <a:p>
             <a:fld id="{CDA3C146-E2BA-41EA-8AE9-0C67692768F2}" type="datetimeFigureOut">
               <a:rPr lang="en-US" smtClean="0"/>
-              <a:t>4/14/2021</a:t>
+              <a:t>4/16/2021</a:t>
             </a:fld>
             <a:endParaRPr lang="en-US" dirty="0"/>
           </a:p>
@@ -418,7 +418,7 @@
           <a:p>
             <a:fld id="{1F7D3EB6-8099-4744-9273-C8C1DD61A2EA}" type="datetimeFigureOut">
               <a:rPr lang="en-US" noProof="0" smtClean="0"/>
-              <a:t>4/14/2021</a:t>
+              <a:t>4/16/2021</a:t>
             </a:fld>
             <a:endParaRPr lang="en-US" noProof="0" dirty="0"/>
           </a:p>
@@ -43869,10 +43869,18 @@
           <a:lstStyle/>
           <a:p>
             <a:r>
-              <a:rPr lang="en-US" dirty="0"/>
+              <a:rPr lang="en-US" dirty="0">
+                <a:solidFill>
+                  <a:srgbClr val="12FFFE"/>
+                </a:solidFill>
+              </a:rPr>
               <a:t>SENTIMENT ANALYZER</a:t>
             </a:r>
-            <a:endParaRPr lang="ru-RU" dirty="0"/>
+            <a:endParaRPr lang="ru-RU" dirty="0">
+              <a:solidFill>
+                <a:srgbClr val="12FFFE"/>
+              </a:solidFill>
+            </a:endParaRPr>
           </a:p>
         </p:txBody>
       </p:sp>
@@ -43898,10 +43906,18 @@
           <a:lstStyle/>
           <a:p>
             <a:r>
-              <a:rPr lang="en-US" dirty="0"/>
+              <a:rPr lang="en-US" dirty="0">
+                <a:solidFill>
+                  <a:schemeClr val="bg2"/>
+                </a:solidFill>
+              </a:rPr>
               <a:t>PYTHON MINI PROJECT</a:t>
             </a:r>
-            <a:endParaRPr lang="ru-RU" dirty="0"/>
+            <a:endParaRPr lang="ru-RU" dirty="0">
+              <a:solidFill>
+                <a:schemeClr val="bg2"/>
+              </a:solidFill>
+            </a:endParaRPr>
           </a:p>
         </p:txBody>
       </p:sp>
@@ -44386,10 +44402,18 @@
           <a:lstStyle/>
           <a:p>
             <a:r>
-              <a:rPr lang="en-US" dirty="0"/>
+              <a:rPr lang="en-US" dirty="0">
+                <a:solidFill>
+                  <a:srgbClr val="12FFFE"/>
+                </a:solidFill>
+              </a:rPr>
               <a:t>THANK YOU</a:t>
             </a:r>
-            <a:endParaRPr lang="ru-RU" dirty="0"/>
+            <a:endParaRPr lang="ru-RU" dirty="0">
+              <a:solidFill>
+                <a:srgbClr val="12FFFE"/>
+              </a:solidFill>
+            </a:endParaRPr>
           </a:p>
         </p:txBody>
       </p:sp>
@@ -44476,7 +44500,11 @@
           <a:lstStyle/>
           <a:p>
             <a:r>
-              <a:rPr lang="en-US" dirty="0"/>
+              <a:rPr lang="en-US" dirty="0">
+                <a:solidFill>
+                  <a:srgbClr val="12FFFE"/>
+                </a:solidFill>
+              </a:rPr>
               <a:t>Problem Statement</a:t>
             </a:r>
           </a:p>
@@ -44509,7 +44537,11 @@
           <a:lstStyle/>
           <a:p>
             <a:r>
-              <a:rPr lang="en-US" dirty="0"/>
+              <a:rPr lang="en-US" dirty="0">
+                <a:solidFill>
+                  <a:schemeClr val="bg2"/>
+                </a:solidFill>
+              </a:rPr>
               <a:t>Sentiment Analysis using Python</a:t>
             </a:r>
           </a:p>
@@ -44811,10 +44843,18 @@
           <a:lstStyle/>
           <a:p>
             <a:r>
-              <a:rPr lang="en-IN" dirty="0"/>
+              <a:rPr lang="en-IN" dirty="0">
+                <a:solidFill>
+                  <a:srgbClr val="12FFFE"/>
+                </a:solidFill>
+              </a:rPr>
               <a:t>Literature Survey</a:t>
             </a:r>
-            <a:endParaRPr lang="en-US" dirty="0"/>
+            <a:endParaRPr lang="en-US" dirty="0">
+              <a:solidFill>
+                <a:srgbClr val="12FFFE"/>
+              </a:solidFill>
+            </a:endParaRPr>
           </a:p>
         </p:txBody>
       </p:sp>
@@ -44840,31 +44880,51 @@
           <a:lstStyle/>
           <a:p>
             <a:r>
-              <a:rPr lang="en-US" dirty="0"/>
+              <a:rPr lang="en-US" dirty="0">
+                <a:solidFill>
+                  <a:schemeClr val="bg2"/>
+                </a:solidFill>
+              </a:rPr>
               <a:t>Lorem ipsum dolor sit amet, consectetuer adipiscing elit. Maecenas porttitor congue massa.</a:t>
             </a:r>
           </a:p>
           <a:p>
             <a:r>
-              <a:rPr lang="en-US" dirty="0"/>
+              <a:rPr lang="en-US" dirty="0">
+                <a:solidFill>
+                  <a:schemeClr val="bg2"/>
+                </a:solidFill>
+              </a:rPr>
               <a:t>Fusce posuere, magna sed pulvinar ultricies, purus lectus malesuada libero, sit amet commodo magna eros quis urna.</a:t>
             </a:r>
           </a:p>
           <a:p>
             <a:r>
-              <a:rPr lang="en-US" dirty="0"/>
+              <a:rPr lang="en-US" dirty="0">
+                <a:solidFill>
+                  <a:schemeClr val="bg2"/>
+                </a:solidFill>
+              </a:rPr>
               <a:t>Nunc viverra imperdiet enim. Fusce est. Vivamus a tellus.</a:t>
             </a:r>
           </a:p>
           <a:p>
             <a:r>
-              <a:rPr lang="en-US" dirty="0"/>
+              <a:rPr lang="en-US" dirty="0">
+                <a:solidFill>
+                  <a:schemeClr val="bg2"/>
+                </a:solidFill>
+              </a:rPr>
               <a:t>Pellentesque habitant morbi tristique senectus et netus et malesuada fames ac turpis egestas. </a:t>
             </a:r>
           </a:p>
           <a:p>
             <a:r>
-              <a:rPr lang="en-US" dirty="0"/>
+              <a:rPr lang="en-US" dirty="0">
+                <a:solidFill>
+                  <a:schemeClr val="bg2"/>
+                </a:solidFill>
+              </a:rPr>
               <a:t>Proin pharetra nonummy pede. Mauris et orci.</a:t>
             </a:r>
           </a:p>
@@ -44991,10 +45051,18 @@
           <a:lstStyle/>
           <a:p>
             <a:r>
-              <a:rPr lang="en-IN" dirty="0"/>
+              <a:rPr lang="en-IN" dirty="0">
+                <a:solidFill>
+                  <a:srgbClr val="12FFFE"/>
+                </a:solidFill>
+              </a:rPr>
               <a:t>Project flow diagram</a:t>
             </a:r>
-            <a:endParaRPr lang="en-US" dirty="0"/>
+            <a:endParaRPr lang="en-US" dirty="0">
+              <a:solidFill>
+                <a:srgbClr val="12FFFE"/>
+              </a:solidFill>
+            </a:endParaRPr>
           </a:p>
         </p:txBody>
       </p:sp>
@@ -45148,10 +45216,18 @@
           <a:lstStyle/>
           <a:p>
             <a:r>
-              <a:rPr lang="en-IN" dirty="0"/>
+              <a:rPr lang="en-IN" dirty="0">
+                <a:solidFill>
+                  <a:srgbClr val="12FFFE"/>
+                </a:solidFill>
+              </a:rPr>
               <a:t>Usage of Technologies</a:t>
             </a:r>
-            <a:endParaRPr lang="en-US" dirty="0"/>
+            <a:endParaRPr lang="en-US" dirty="0">
+              <a:solidFill>
+                <a:srgbClr val="12FFFE"/>
+              </a:solidFill>
+            </a:endParaRPr>
           </a:p>
         </p:txBody>
       </p:sp>
@@ -45177,7 +45253,11 @@
           <a:lstStyle/>
           <a:p>
             <a:r>
-              <a:rPr lang="en-US" dirty="0"/>
+              <a:rPr lang="en-US" dirty="0">
+                <a:solidFill>
+                  <a:schemeClr val="bg2"/>
+                </a:solidFill>
+              </a:rPr>
               <a:t>We have used the following languages/libraries for making the project</a:t>
             </a:r>
           </a:p>
@@ -45626,10 +45706,18 @@
           <a:lstStyle/>
           <a:p>
             <a:r>
-              <a:rPr lang="en-IN" dirty="0"/>
+              <a:rPr lang="en-IN" dirty="0">
+                <a:solidFill>
+                  <a:srgbClr val="12FFFE"/>
+                </a:solidFill>
+              </a:rPr>
               <a:t>Expected outcome/Result</a:t>
             </a:r>
-            <a:endParaRPr lang="en-US" dirty="0"/>
+            <a:endParaRPr lang="en-US" dirty="0">
+              <a:solidFill>
+                <a:srgbClr val="12FFFE"/>
+              </a:solidFill>
+            </a:endParaRPr>
           </a:p>
         </p:txBody>
       </p:sp>
@@ -45825,7 +45913,11 @@
           <a:lstStyle/>
           <a:p>
             <a:r>
-              <a:rPr lang="en-US" dirty="0"/>
+              <a:rPr lang="en-US" dirty="0">
+                <a:solidFill>
+                  <a:srgbClr val="12FFFE"/>
+                </a:solidFill>
+              </a:rPr>
               <a:t>BACKEND</a:t>
             </a:r>
           </a:p>
@@ -45855,7 +45947,11 @@
           <a:lstStyle/>
           <a:p>
             <a:r>
-              <a:rPr lang="en-US" dirty="0"/>
+              <a:rPr lang="en-US" dirty="0">
+                <a:solidFill>
+                  <a:schemeClr val="bg2"/>
+                </a:solidFill>
+              </a:rPr>
               <a:t>LOREM IPSUM DOLOR SIT AMET, CONSECTETUER ADIPISCING ELIT. MAECENAS PORTTITOR</a:t>
             </a:r>
           </a:p>
@@ -49782,7 +49878,11 @@
           <a:lstStyle/>
           <a:p>
             <a:r>
-              <a:rPr lang="en-US" dirty="0"/>
+              <a:rPr lang="en-US" dirty="0">
+                <a:solidFill>
+                  <a:srgbClr val="12FFFE"/>
+                </a:solidFill>
+              </a:rPr>
               <a:t>ER DIAGRAM</a:t>
             </a:r>
           </a:p>
@@ -50729,6 +50829,15 @@
 </file>
 
 <file path=customXml/item2.xml><?xml version="1.0" encoding="utf-8"?>
+<?mso-contentType ?>
+<FormTemplates xmlns="http://schemas.microsoft.com/sharepoint/v3/contenttype/forms">
+  <Display>DocumentLibraryForm</Display>
+  <Edit>DocumentLibraryForm</Edit>
+  <New>DocumentLibraryForm</New>
+</FormTemplates>
+</file>
+
+<file path=customXml/item3.xml><?xml version="1.0" encoding="utf-8"?>
 <ct:contentTypeSchema xmlns:ct="http://schemas.microsoft.com/office/2006/metadata/contentType" xmlns:ma="http://schemas.microsoft.com/office/2006/metadata/properties/metaAttributes" ct:_="" ma:_="" ma:contentTypeName="Document" ma:contentTypeID="0x01010079F111ED35F8CC479449609E8A0923A6" ma:contentTypeVersion="11" ma:contentTypeDescription="Create a new document." ma:contentTypeScope="" ma:versionID="96291512c1ee715ab617f4c07df79fc1">
   <xsd:schema xmlns:xsd="http://www.w3.org/2001/XMLSchema" xmlns:xs="http://www.w3.org/2001/XMLSchema" xmlns:p="http://schemas.microsoft.com/office/2006/metadata/properties" xmlns:ns2="71af3243-3dd4-4a8d-8c0d-dd76da1f02a5" xmlns:ns3="16c05727-aa75-4e4a-9b5f-8a80a1165891" targetNamespace="http://schemas.microsoft.com/office/2006/metadata/properties" ma:root="true" ma:fieldsID="8256c27c40ca5c40ce1cf6c44f0205df" ns2:_="" ns3:_="">
     <xsd:import namespace="71af3243-3dd4-4a8d-8c0d-dd76da1f02a5"/>
@@ -50939,15 +51048,6 @@
 </ct:contentTypeSchema>
 </file>
 
-<file path=customXml/item3.xml><?xml version="1.0" encoding="utf-8"?>
-<?mso-contentType ?>
-<FormTemplates xmlns="http://schemas.microsoft.com/sharepoint/v3/contenttype/forms">
-  <Display>DocumentLibraryForm</Display>
-  <Edit>DocumentLibraryForm</Edit>
-  <New>DocumentLibraryForm</New>
-</FormTemplates>
-</file>
-
 <file path=customXml/itemProps1.xml><?xml version="1.0" encoding="utf-8"?>
 <ds:datastoreItem xmlns:ds="http://schemas.openxmlformats.org/officeDocument/2006/customXml" ds:itemID="{D726A944-A9F4-4295-9B5E-C397EB1318B9}">
   <ds:schemaRefs>
@@ -50959,6 +51059,14 @@
 </file>
 
 <file path=customXml/itemProps2.xml><?xml version="1.0" encoding="utf-8"?>
+<ds:datastoreItem xmlns:ds="http://schemas.openxmlformats.org/officeDocument/2006/customXml" ds:itemID="{01743C61-8CA7-48FF-B2A3-6055DA854CF6}">
+  <ds:schemaRefs>
+    <ds:schemaRef ds:uri="http://schemas.microsoft.com/sharepoint/v3/contenttype/forms"/>
+  </ds:schemaRefs>
+</ds:datastoreItem>
+</file>
+
+<file path=customXml/itemProps3.xml><?xml version="1.0" encoding="utf-8"?>
 <ds:datastoreItem xmlns:ds="http://schemas.openxmlformats.org/officeDocument/2006/customXml" ds:itemID="{472965D8-9C19-4E48-8421-5D6B21FC440C}">
   <ds:schemaRefs>
     <ds:schemaRef ds:uri="http://schemas.microsoft.com/office/2006/metadata/contentType"/>
@@ -50975,12 +51083,4 @@
     <ds:schemaRef ds:uri="http://schemas.microsoft.com/internal/obd"/>
   </ds:schemaRefs>
 </ds:datastoreItem>
-</file>
-
-<file path=customXml/itemProps3.xml><?xml version="1.0" encoding="utf-8"?>
-<ds:datastoreItem xmlns:ds="http://schemas.openxmlformats.org/officeDocument/2006/customXml" ds:itemID="{01743C61-8CA7-48FF-B2A3-6055DA854CF6}">
-  <ds:schemaRefs>
-    <ds:schemaRef ds:uri="http://schemas.microsoft.com/sharepoint/v3/contenttype/forms"/>
-  </ds:schemaRefs>
-</ds:datastoreItem>
 </file>
--- a/Overview.pptx
+++ b/Overview.pptx
@@ -45319,7 +45319,7 @@
           <a:p>
             <a:r>
               <a:rPr lang="en-US" dirty="0"/>
-              <a:t>Python was used as the main language to write the base code for the app.</a:t>
+              <a:t>Python 3 was used as the main language to write the base code for the app.</a:t>
             </a:r>
           </a:p>
         </p:txBody>
@@ -50829,15 +50829,6 @@
 </file>
 
 <file path=customXml/item2.xml><?xml version="1.0" encoding="utf-8"?>
-<?mso-contentType ?>
-<FormTemplates xmlns="http://schemas.microsoft.com/sharepoint/v3/contenttype/forms">
-  <Display>DocumentLibraryForm</Display>
-  <Edit>DocumentLibraryForm</Edit>
-  <New>DocumentLibraryForm</New>
-</FormTemplates>
-</file>
-
-<file path=customXml/item3.xml><?xml version="1.0" encoding="utf-8"?>
 <ct:contentTypeSchema xmlns:ct="http://schemas.microsoft.com/office/2006/metadata/contentType" xmlns:ma="http://schemas.microsoft.com/office/2006/metadata/properties/metaAttributes" ct:_="" ma:_="" ma:contentTypeName="Document" ma:contentTypeID="0x01010079F111ED35F8CC479449609E8A0923A6" ma:contentTypeVersion="11" ma:contentTypeDescription="Create a new document." ma:contentTypeScope="" ma:versionID="96291512c1ee715ab617f4c07df79fc1">
   <xsd:schema xmlns:xsd="http://www.w3.org/2001/XMLSchema" xmlns:xs="http://www.w3.org/2001/XMLSchema" xmlns:p="http://schemas.microsoft.com/office/2006/metadata/properties" xmlns:ns2="71af3243-3dd4-4a8d-8c0d-dd76da1f02a5" xmlns:ns3="16c05727-aa75-4e4a-9b5f-8a80a1165891" targetNamespace="http://schemas.microsoft.com/office/2006/metadata/properties" ma:root="true" ma:fieldsID="8256c27c40ca5c40ce1cf6c44f0205df" ns2:_="" ns3:_="">
     <xsd:import namespace="71af3243-3dd4-4a8d-8c0d-dd76da1f02a5"/>
@@ -51048,6 +51039,15 @@
 </ct:contentTypeSchema>
 </file>
 
+<file path=customXml/item3.xml><?xml version="1.0" encoding="utf-8"?>
+<?mso-contentType ?>
+<FormTemplates xmlns="http://schemas.microsoft.com/sharepoint/v3/contenttype/forms">
+  <Display>DocumentLibraryForm</Display>
+  <Edit>DocumentLibraryForm</Edit>
+  <New>DocumentLibraryForm</New>
+</FormTemplates>
+</file>
+
 <file path=customXml/itemProps1.xml><?xml version="1.0" encoding="utf-8"?>
 <ds:datastoreItem xmlns:ds="http://schemas.openxmlformats.org/officeDocument/2006/customXml" ds:itemID="{D726A944-A9F4-4295-9B5E-C397EB1318B9}">
   <ds:schemaRefs>
@@ -51059,14 +51059,6 @@
 </file>
 
 <file path=customXml/itemProps2.xml><?xml version="1.0" encoding="utf-8"?>
-<ds:datastoreItem xmlns:ds="http://schemas.openxmlformats.org/officeDocument/2006/customXml" ds:itemID="{01743C61-8CA7-48FF-B2A3-6055DA854CF6}">
-  <ds:schemaRefs>
-    <ds:schemaRef ds:uri="http://schemas.microsoft.com/sharepoint/v3/contenttype/forms"/>
-  </ds:schemaRefs>
-</ds:datastoreItem>
-</file>
-
-<file path=customXml/itemProps3.xml><?xml version="1.0" encoding="utf-8"?>
 <ds:datastoreItem xmlns:ds="http://schemas.openxmlformats.org/officeDocument/2006/customXml" ds:itemID="{472965D8-9C19-4E48-8421-5D6B21FC440C}">
   <ds:schemaRefs>
     <ds:schemaRef ds:uri="http://schemas.microsoft.com/office/2006/metadata/contentType"/>
@@ -51083,4 +51075,12 @@
     <ds:schemaRef ds:uri="http://schemas.microsoft.com/internal/obd"/>
   </ds:schemaRefs>
 </ds:datastoreItem>
+</file>
+
+<file path=customXml/itemProps3.xml><?xml version="1.0" encoding="utf-8"?>
+<ds:datastoreItem xmlns:ds="http://schemas.openxmlformats.org/officeDocument/2006/customXml" ds:itemID="{01743C61-8CA7-48FF-B2A3-6055DA854CF6}">
+  <ds:schemaRefs>
+    <ds:schemaRef ds:uri="http://schemas.microsoft.com/sharepoint/v3/contenttype/forms"/>
+  </ds:schemaRefs>
+</ds:datastoreItem>
 </file>
--- a/Overview.pptx
+++ b/Overview.pptx
@@ -5,10 +5,10 @@
     <p:sldMasterId id="2147483648" r:id="rId4"/>
   </p:sldMasterIdLst>
   <p:notesMasterIdLst>
-    <p:notesMasterId r:id="rId16"/>
+    <p:notesMasterId r:id="rId15"/>
   </p:notesMasterIdLst>
   <p:handoutMasterIdLst>
-    <p:handoutMasterId r:id="rId17"/>
+    <p:handoutMasterId r:id="rId16"/>
   </p:handoutMasterIdLst>
   <p:sldIdLst>
     <p:sldId id="256" r:id="rId5"/>
@@ -20,8 +20,7 @@
     <p:sldId id="270" r:id="rId11"/>
     <p:sldId id="272" r:id="rId12"/>
     <p:sldId id="278" r:id="rId13"/>
-    <p:sldId id="279" r:id="rId14"/>
-    <p:sldId id="277" r:id="rId15"/>
+    <p:sldId id="277" r:id="rId14"/>
   </p:sldIdLst>
   <p:sldSz cx="12192000" cy="6858000"/>
   <p:notesSz cx="6858000" cy="9144000"/>
@@ -241,7 +240,7 @@
           <a:p>
             <a:fld id="{CDA3C146-E2BA-41EA-8AE9-0C67692768F2}" type="datetimeFigureOut">
               <a:rPr lang="en-US" smtClean="0"/>
-              <a:t>4/16/2021</a:t>
+              <a:t>4/18/2021</a:t>
             </a:fld>
             <a:endParaRPr lang="en-US" dirty="0"/>
           </a:p>
@@ -418,7 +417,7 @@
           <a:p>
             <a:fld id="{1F7D3EB6-8099-4744-9273-C8C1DD61A2EA}" type="datetimeFigureOut">
               <a:rPr lang="en-US" noProof="0" smtClean="0"/>
-              <a:t>4/16/2021</a:t>
+              <a:t>4/18/2021</a:t>
             </a:fld>
             <a:endParaRPr lang="en-US" noProof="0" dirty="0"/>
           </a:p>
@@ -43953,435 +43952,6 @@
       </p:grpSpPr>
       <p:sp>
         <p:nvSpPr>
-          <p:cNvPr id="5" name="Title 4">
-            <a:extLst>
-              <a:ext uri="{FF2B5EF4-FFF2-40B4-BE49-F238E27FC236}">
-                <a16:creationId xmlns:a16="http://schemas.microsoft.com/office/drawing/2014/main" id="{8D098301-1531-4D1F-B3B5-AA2E1383189F}"/>
-              </a:ext>
-            </a:extLst>
-          </p:cNvPr>
-          <p:cNvSpPr>
-            <a:spLocks noGrp="1"/>
-          </p:cNvSpPr>
-          <p:nvPr>
-            <p:ph type="title"/>
-          </p:nvPr>
-        </p:nvSpPr>
-        <p:spPr/>
-        <p:txBody>
-          <a:bodyPr/>
-          <a:lstStyle/>
-          <a:p>
-            <a:r>
-              <a:rPr lang="en-US" dirty="0"/>
-              <a:t>TESTIMONIALS</a:t>
-            </a:r>
-          </a:p>
-        </p:txBody>
-      </p:sp>
-      <p:sp>
-        <p:nvSpPr>
-          <p:cNvPr id="10" name="Text Placeholder 9">
-            <a:extLst>
-              <a:ext uri="{FF2B5EF4-FFF2-40B4-BE49-F238E27FC236}">
-                <a16:creationId xmlns:a16="http://schemas.microsoft.com/office/drawing/2014/main" id="{21D41190-7F39-488F-9E5D-4AE05DDC58E3}"/>
-              </a:ext>
-            </a:extLst>
-          </p:cNvPr>
-          <p:cNvSpPr>
-            <a:spLocks noGrp="1"/>
-          </p:cNvSpPr>
-          <p:nvPr>
-            <p:ph type="body" sz="quarter" idx="49"/>
-          </p:nvPr>
-        </p:nvSpPr>
-        <p:spPr/>
-        <p:txBody>
-          <a:bodyPr>
-            <a:normAutofit/>
-          </a:bodyPr>
-          <a:lstStyle/>
-          <a:p>
-            <a:r>
-              <a:rPr lang="en-US" dirty="0"/>
-              <a:t>Lorem ipsum dolor sit amet, consectetuer adipiscing elit. Maecenas porttitor congue massa. Fusce posuere, magna sed pulvinar ultricies, purus lectus malesuada libero, sit amet commodo magna eros quis urna. Nunc viverra imperdiet enim. Fusce est. Vivamus a tellus.</a:t>
-            </a:r>
-          </a:p>
-        </p:txBody>
-      </p:sp>
-      <p:sp>
-        <p:nvSpPr>
-          <p:cNvPr id="8" name="Text Placeholder 7">
-            <a:extLst>
-              <a:ext uri="{FF2B5EF4-FFF2-40B4-BE49-F238E27FC236}">
-                <a16:creationId xmlns:a16="http://schemas.microsoft.com/office/drawing/2014/main" id="{6794967E-8F70-4233-99EA-5336D5F27F17}"/>
-              </a:ext>
-            </a:extLst>
-          </p:cNvPr>
-          <p:cNvSpPr>
-            <a:spLocks noGrp="1"/>
-          </p:cNvSpPr>
-          <p:nvPr>
-            <p:ph type="body" idx="35"/>
-          </p:nvPr>
-        </p:nvSpPr>
-        <p:spPr>
-          <a:xfrm>
-            <a:off x="2325739" y="4427562"/>
-            <a:ext cx="1625324" cy="720726"/>
-          </a:xfrm>
-        </p:spPr>
-        <p:txBody>
-          <a:bodyPr/>
-          <a:lstStyle/>
-          <a:p>
-            <a:r>
-              <a:rPr lang="en-US" dirty="0"/>
-              <a:t>Person 1 </a:t>
-            </a:r>
-            <a:br>
-              <a:rPr lang="en-US" dirty="0"/>
-            </a:br>
-            <a:r>
-              <a:rPr lang="en-US" dirty="0"/>
-              <a:t>Name</a:t>
-            </a:r>
-          </a:p>
-        </p:txBody>
-      </p:sp>
-      <p:sp>
-        <p:nvSpPr>
-          <p:cNvPr id="7" name="Text Placeholder 6">
-            <a:extLst>
-              <a:ext uri="{FF2B5EF4-FFF2-40B4-BE49-F238E27FC236}">
-                <a16:creationId xmlns:a16="http://schemas.microsoft.com/office/drawing/2014/main" id="{BA0576E1-AFC7-43F6-8EF6-A945CD9BFC4B}"/>
-              </a:ext>
-            </a:extLst>
-          </p:cNvPr>
-          <p:cNvSpPr>
-            <a:spLocks noGrp="1"/>
-          </p:cNvSpPr>
-          <p:nvPr>
-            <p:ph type="body" idx="34"/>
-          </p:nvPr>
-        </p:nvSpPr>
-        <p:spPr/>
-        <p:txBody>
-          <a:bodyPr/>
-          <a:lstStyle/>
-          <a:p>
-            <a:r>
-              <a:rPr lang="en-US" dirty="0"/>
-              <a:t>Customer Title</a:t>
-            </a:r>
-          </a:p>
-        </p:txBody>
-      </p:sp>
-      <p:sp>
-        <p:nvSpPr>
-          <p:cNvPr id="14" name="Text Placeholder 13">
-            <a:extLst>
-              <a:ext uri="{FF2B5EF4-FFF2-40B4-BE49-F238E27FC236}">
-                <a16:creationId xmlns:a16="http://schemas.microsoft.com/office/drawing/2014/main" id="{59AFD75A-51EE-4D37-BEC2-840C26DF40CB}"/>
-              </a:ext>
-            </a:extLst>
-          </p:cNvPr>
-          <p:cNvSpPr>
-            <a:spLocks noGrp="1"/>
-          </p:cNvSpPr>
-          <p:nvPr>
-            <p:ph type="body" sz="quarter" idx="53"/>
-          </p:nvPr>
-        </p:nvSpPr>
-        <p:spPr/>
-        <p:txBody>
-          <a:bodyPr/>
-          <a:lstStyle/>
-          <a:p>
-            <a:r>
-              <a:rPr lang="en-US" dirty="0"/>
-              <a:t>Lorem ipsum dolor sit amet, consectetuer adipiscing elit. Maecenas porttitor congue massa. Fusce posuere, magna sed pulvinar ultricies, purus lectus malesuada libero, sit amet commodo magna eros quis urna. Nunc viverra imperdiet enim. Fusce est. Vivamus a tellus.</a:t>
-            </a:r>
-          </a:p>
-        </p:txBody>
-      </p:sp>
-      <p:sp>
-        <p:nvSpPr>
-          <p:cNvPr id="12" name="Text Placeholder 11">
-            <a:extLst>
-              <a:ext uri="{FF2B5EF4-FFF2-40B4-BE49-F238E27FC236}">
-                <a16:creationId xmlns:a16="http://schemas.microsoft.com/office/drawing/2014/main" id="{251DECD4-A8B1-4A96-A9C8-05065862365F}"/>
-              </a:ext>
-            </a:extLst>
-          </p:cNvPr>
-          <p:cNvSpPr>
-            <a:spLocks noGrp="1"/>
-          </p:cNvSpPr>
-          <p:nvPr>
-            <p:ph type="body" idx="51"/>
-          </p:nvPr>
-        </p:nvSpPr>
-        <p:spPr/>
-        <p:txBody>
-          <a:bodyPr/>
-          <a:lstStyle/>
-          <a:p>
-            <a:r>
-              <a:rPr lang="en-US" dirty="0"/>
-              <a:t>Person 2</a:t>
-            </a:r>
-            <a:br>
-              <a:rPr lang="en-US" dirty="0"/>
-            </a:br>
-            <a:r>
-              <a:rPr lang="en-US" dirty="0"/>
-              <a:t>Name</a:t>
-            </a:r>
-          </a:p>
-        </p:txBody>
-      </p:sp>
-      <p:sp>
-        <p:nvSpPr>
-          <p:cNvPr id="11" name="Text Placeholder 10">
-            <a:extLst>
-              <a:ext uri="{FF2B5EF4-FFF2-40B4-BE49-F238E27FC236}">
-                <a16:creationId xmlns:a16="http://schemas.microsoft.com/office/drawing/2014/main" id="{D025FF9A-0032-4520-B1C4-7AB210C8D49D}"/>
-              </a:ext>
-            </a:extLst>
-          </p:cNvPr>
-          <p:cNvSpPr>
-            <a:spLocks noGrp="1"/>
-          </p:cNvSpPr>
-          <p:nvPr>
-            <p:ph type="body" idx="50"/>
-          </p:nvPr>
-        </p:nvSpPr>
-        <p:spPr/>
-        <p:txBody>
-          <a:bodyPr/>
-          <a:lstStyle/>
-          <a:p>
-            <a:r>
-              <a:rPr lang="en-US" dirty="0"/>
-              <a:t>Customer Title</a:t>
-            </a:r>
-          </a:p>
-        </p:txBody>
-      </p:sp>
-      <p:pic>
-        <p:nvPicPr>
-          <p:cNvPr id="24" name="Picture Placeholder 23" descr="Team member photo">
-            <a:extLst>
-              <a:ext uri="{FF2B5EF4-FFF2-40B4-BE49-F238E27FC236}">
-                <a16:creationId xmlns:a16="http://schemas.microsoft.com/office/drawing/2014/main" id="{E881B889-6B21-40D2-AB48-80206FFE1C4E}"/>
-              </a:ext>
-            </a:extLst>
-          </p:cNvPr>
-          <p:cNvPicPr>
-            <a:picLocks noGrp="1" noChangeAspect="1"/>
-          </p:cNvPicPr>
-          <p:nvPr>
-            <p:ph type="pic" sz="quarter" idx="52"/>
-          </p:nvPr>
-        </p:nvPicPr>
-        <p:blipFill>
-          <a:blip r:embed="rId2">
-            <a:extLst>
-              <a:ext uri="{28A0092B-C50C-407E-A947-70E740481C1C}">
-                <a14:useLocalDpi xmlns:a14="http://schemas.microsoft.com/office/drawing/2010/main" val="0"/>
-              </a:ext>
-            </a:extLst>
-          </a:blip>
-          <a:srcRect/>
-          <a:stretch>
-            <a:fillRect/>
-          </a:stretch>
-        </p:blipFill>
-        <p:spPr/>
-      </p:pic>
-      <p:sp>
-        <p:nvSpPr>
-          <p:cNvPr id="18" name="Text Placeholder 17">
-            <a:extLst>
-              <a:ext uri="{FF2B5EF4-FFF2-40B4-BE49-F238E27FC236}">
-                <a16:creationId xmlns:a16="http://schemas.microsoft.com/office/drawing/2014/main" id="{60D0B87D-CB88-40FC-B9B2-76F6F933EACC}"/>
-              </a:ext>
-            </a:extLst>
-          </p:cNvPr>
-          <p:cNvSpPr>
-            <a:spLocks noGrp="1"/>
-          </p:cNvSpPr>
-          <p:nvPr>
-            <p:ph type="body" sz="quarter" idx="57"/>
-          </p:nvPr>
-        </p:nvSpPr>
-        <p:spPr/>
-        <p:txBody>
-          <a:bodyPr/>
-          <a:lstStyle/>
-          <a:p>
-            <a:r>
-              <a:rPr lang="en-US" dirty="0"/>
-              <a:t>Lorem ipsum dolor sit amet, consectetuer adipiscing elit. Maecenas porttitor congue massa. Fusce posuere, magna sed pulvinar ultricies, purus lectus malesuada libero, sit amet commodo magna eros quis urna. Nunc viverra imperdiet enim. Fusce est. Vivamus a tellus.</a:t>
-            </a:r>
-          </a:p>
-        </p:txBody>
-      </p:sp>
-      <p:sp>
-        <p:nvSpPr>
-          <p:cNvPr id="16" name="Text Placeholder 15">
-            <a:extLst>
-              <a:ext uri="{FF2B5EF4-FFF2-40B4-BE49-F238E27FC236}">
-                <a16:creationId xmlns:a16="http://schemas.microsoft.com/office/drawing/2014/main" id="{145029F8-F63F-48BD-8D26-E0FB1877D54A}"/>
-              </a:ext>
-            </a:extLst>
-          </p:cNvPr>
-          <p:cNvSpPr>
-            <a:spLocks noGrp="1"/>
-          </p:cNvSpPr>
-          <p:nvPr>
-            <p:ph type="body" idx="55"/>
-          </p:nvPr>
-        </p:nvSpPr>
-        <p:spPr/>
-        <p:txBody>
-          <a:bodyPr/>
-          <a:lstStyle/>
-          <a:p>
-            <a:r>
-              <a:rPr lang="en-US" dirty="0"/>
-              <a:t>Person 3</a:t>
-            </a:r>
-            <a:br>
-              <a:rPr lang="en-US" dirty="0"/>
-            </a:br>
-            <a:r>
-              <a:rPr lang="en-US" dirty="0"/>
-              <a:t>Name</a:t>
-            </a:r>
-          </a:p>
-        </p:txBody>
-      </p:sp>
-      <p:sp>
-        <p:nvSpPr>
-          <p:cNvPr id="15" name="Text Placeholder 14">
-            <a:extLst>
-              <a:ext uri="{FF2B5EF4-FFF2-40B4-BE49-F238E27FC236}">
-                <a16:creationId xmlns:a16="http://schemas.microsoft.com/office/drawing/2014/main" id="{7C674253-BB9C-4BB6-BEC6-066264345C61}"/>
-              </a:ext>
-            </a:extLst>
-          </p:cNvPr>
-          <p:cNvSpPr>
-            <a:spLocks noGrp="1"/>
-          </p:cNvSpPr>
-          <p:nvPr>
-            <p:ph type="body" idx="54"/>
-          </p:nvPr>
-        </p:nvSpPr>
-        <p:spPr/>
-        <p:txBody>
-          <a:bodyPr/>
-          <a:lstStyle/>
-          <a:p>
-            <a:r>
-              <a:rPr lang="en-US" dirty="0"/>
-              <a:t>Customer Title</a:t>
-            </a:r>
-          </a:p>
-        </p:txBody>
-      </p:sp>
-      <p:pic>
-        <p:nvPicPr>
-          <p:cNvPr id="26" name="Picture Placeholder 25" descr="Team member photo">
-            <a:extLst>
-              <a:ext uri="{FF2B5EF4-FFF2-40B4-BE49-F238E27FC236}">
-                <a16:creationId xmlns:a16="http://schemas.microsoft.com/office/drawing/2014/main" id="{8FDDB9F3-117D-4589-A099-58DAD9B062A6}"/>
-              </a:ext>
-            </a:extLst>
-          </p:cNvPr>
-          <p:cNvPicPr>
-            <a:picLocks noGrp="1" noChangeAspect="1"/>
-          </p:cNvPicPr>
-          <p:nvPr>
-            <p:ph type="pic" sz="quarter" idx="56"/>
-          </p:nvPr>
-        </p:nvPicPr>
-        <p:blipFill>
-          <a:blip r:embed="rId3">
-            <a:extLst>
-              <a:ext uri="{28A0092B-C50C-407E-A947-70E740481C1C}">
-                <a14:useLocalDpi xmlns:a14="http://schemas.microsoft.com/office/drawing/2010/main" val="0"/>
-              </a:ext>
-            </a:extLst>
-          </a:blip>
-          <a:srcRect/>
-          <a:stretch>
-            <a:fillRect/>
-          </a:stretch>
-        </p:blipFill>
-        <p:spPr/>
-      </p:pic>
-      <p:sp>
-        <p:nvSpPr>
-          <p:cNvPr id="4" name="Slide Number Placeholder 3">
-            <a:extLst>
-              <a:ext uri="{FF2B5EF4-FFF2-40B4-BE49-F238E27FC236}">
-                <a16:creationId xmlns:a16="http://schemas.microsoft.com/office/drawing/2014/main" id="{C7702740-202F-4187-9EDA-814B3E4A28F0}"/>
-              </a:ext>
-            </a:extLst>
-          </p:cNvPr>
-          <p:cNvSpPr>
-            <a:spLocks noGrp="1"/>
-          </p:cNvSpPr>
-          <p:nvPr>
-            <p:ph type="sldNum" sz="quarter" idx="12"/>
-          </p:nvPr>
-        </p:nvSpPr>
-        <p:spPr/>
-        <p:txBody>
-          <a:bodyPr/>
-          <a:lstStyle/>
-          <a:p>
-            <a:fld id="{8D581BC7-E183-40DB-AC97-C19EA4EB8894}" type="slidenum">
-              <a:rPr lang="en-US" smtClean="0"/>
-              <a:t>10</a:t>
-            </a:fld>
-            <a:endParaRPr lang="en-US" dirty="0"/>
-          </a:p>
-        </p:txBody>
-      </p:sp>
-    </p:spTree>
-    <p:extLst>
-      <p:ext uri="{BB962C8B-B14F-4D97-AF65-F5344CB8AC3E}">
-        <p14:creationId xmlns:p14="http://schemas.microsoft.com/office/powerpoint/2010/main" val="3343489085"/>
-      </p:ext>
-    </p:extLst>
-  </p:cSld>
-  <p:clrMapOvr>
-    <a:masterClrMapping/>
-  </p:clrMapOvr>
-</p:sld>
-</file>
-
-<file path=ppt/slides/slide11.xml><?xml version="1.0" encoding="utf-8"?>
-<p:sld xmlns:a="http://schemas.openxmlformats.org/drawingml/2006/main" xmlns:r="http://schemas.openxmlformats.org/officeDocument/2006/relationships" xmlns:p="http://schemas.openxmlformats.org/presentationml/2006/main">
-  <p:cSld>
-    <p:spTree>
-      <p:nvGrpSpPr>
-        <p:cNvPr id="1" name=""/>
-        <p:cNvGrpSpPr/>
-        <p:nvPr/>
-      </p:nvGrpSpPr>
-      <p:grpSpPr>
-        <a:xfrm>
-          <a:off x="0" y="0"/>
-          <a:ext cx="0" cy="0"/>
-          <a:chOff x="0" y="0"/>
-          <a:chExt cx="0" cy="0"/>
-        </a:xfrm>
-      </p:grpSpPr>
-      <p:sp>
-        <p:nvSpPr>
           <p:cNvPr id="6" name="Title 5">
             <a:extLst>
               <a:ext uri="{FF2B5EF4-FFF2-40B4-BE49-F238E27FC236}">
@@ -44448,6 +44018,57 @@
         </p:blipFill>
         <p:spPr/>
       </p:pic>
+      <p:sp>
+        <p:nvSpPr>
+          <p:cNvPr id="2" name="TextBox 1">
+            <a:extLst>
+              <a:ext uri="{FF2B5EF4-FFF2-40B4-BE49-F238E27FC236}">
+                <a16:creationId xmlns:a16="http://schemas.microsoft.com/office/drawing/2014/main" id="{188C5115-4DD7-4383-9DE9-9EB04F0E8F02}"/>
+              </a:ext>
+            </a:extLst>
+          </p:cNvPr>
+          <p:cNvSpPr txBox="1"/>
+          <p:nvPr/>
+        </p:nvSpPr>
+        <p:spPr>
+          <a:xfrm>
+            <a:off x="1476615" y="4220832"/>
+            <a:ext cx="3513610" cy="923330"/>
+          </a:xfrm>
+          <a:prstGeom prst="rect">
+            <a:avLst/>
+          </a:prstGeom>
+          <a:noFill/>
+        </p:spPr>
+        <p:txBody>
+          <a:bodyPr wrap="square" rtlCol="0">
+            <a:spAutoFit/>
+          </a:bodyPr>
+          <a:lstStyle/>
+          <a:p>
+            <a:pPr algn="ctr"/>
+            <a:r>
+              <a:rPr lang="en-US" dirty="0"/>
+              <a:t>Krishna Kansara 17</a:t>
+            </a:r>
+          </a:p>
+          <a:p>
+            <a:pPr algn="ctr"/>
+            <a:r>
+              <a:rPr lang="en-US" dirty="0"/>
+              <a:t>Soham Shimpi 51</a:t>
+            </a:r>
+          </a:p>
+          <a:p>
+            <a:pPr algn="ctr"/>
+            <a:r>
+              <a:rPr lang="en-US" dirty="0"/>
+              <a:t>Hanish Valecha 62</a:t>
+            </a:r>
+            <a:endParaRPr lang="en-IN" dirty="0"/>
+          </a:p>
+        </p:txBody>
+      </p:sp>
     </p:spTree>
     <p:extLst>
       <p:ext uri="{BB962C8B-B14F-4D97-AF65-F5344CB8AC3E}">
@@ -44512,10 +44133,10 @@
       </p:sp>
       <p:sp>
         <p:nvSpPr>
-          <p:cNvPr id="3" name="Text Placeholder 2">
-            <a:extLst>
-              <a:ext uri="{FF2B5EF4-FFF2-40B4-BE49-F238E27FC236}">
-                <a16:creationId xmlns:a16="http://schemas.microsoft.com/office/drawing/2014/main" id="{A50184F8-7D3E-4F39-85DA-53F65AF618F6}"/>
+          <p:cNvPr id="6" name="Text Placeholder 5">
+            <a:extLst>
+              <a:ext uri="{FF2B5EF4-FFF2-40B4-BE49-F238E27FC236}">
+                <a16:creationId xmlns:a16="http://schemas.microsoft.com/office/drawing/2014/main" id="{32CD4667-BD64-431A-ADB1-7B7ACE38400E}"/>
               </a:ext>
             </a:extLst>
           </p:cNvPr>
@@ -44526,33 +44147,170 @@
             <p:ph type="body" idx="1"/>
           </p:nvPr>
         </p:nvSpPr>
-        <p:spPr>
-          <a:xfrm>
-            <a:off x="813128" y="3243818"/>
-            <a:ext cx="4205904" cy="569085"/>
-          </a:xfrm>
-        </p:spPr>
+        <p:spPr/>
         <p:txBody>
           <a:bodyPr/>
           <a:lstStyle/>
           <a:p>
             <a:r>
+              <a:rPr lang="en-US" dirty="0"/>
+              <a:t>Sentiment Analysis using Python </a:t>
+            </a:r>
+            <a:endParaRPr lang="en-IN" dirty="0"/>
+          </a:p>
+        </p:txBody>
+      </p:sp>
+      <p:sp>
+        <p:nvSpPr>
+          <p:cNvPr id="8" name="Slide Number Placeholder 7">
+            <a:extLst>
+              <a:ext uri="{FF2B5EF4-FFF2-40B4-BE49-F238E27FC236}">
+                <a16:creationId xmlns:a16="http://schemas.microsoft.com/office/drawing/2014/main" id="{FE91C663-2D66-4255-91B4-906F720EB8BA}"/>
+              </a:ext>
+            </a:extLst>
+          </p:cNvPr>
+          <p:cNvSpPr>
+            <a:spLocks noGrp="1"/>
+          </p:cNvSpPr>
+          <p:nvPr>
+            <p:ph type="sldNum" sz="quarter" idx="12"/>
+          </p:nvPr>
+        </p:nvSpPr>
+        <p:spPr/>
+        <p:txBody>
+          <a:bodyPr/>
+          <a:lstStyle/>
+          <a:p>
+            <a:fld id="{8D581BC7-E183-40DB-AC97-C19EA4EB8894}" type="slidenum">
+              <a:rPr lang="en-US" smtClean="0"/>
+              <a:pPr/>
+              <a:t>2</a:t>
+            </a:fld>
+            <a:endParaRPr lang="en-US" dirty="0"/>
+          </a:p>
+        </p:txBody>
+      </p:sp>
+      <p:sp>
+        <p:nvSpPr>
+          <p:cNvPr id="7" name="Text Placeholder 6">
+            <a:extLst>
+              <a:ext uri="{FF2B5EF4-FFF2-40B4-BE49-F238E27FC236}">
+                <a16:creationId xmlns:a16="http://schemas.microsoft.com/office/drawing/2014/main" id="{7F7F3571-FA22-4B78-A272-1436C9A8BC97}"/>
+              </a:ext>
+            </a:extLst>
+          </p:cNvPr>
+          <p:cNvSpPr>
+            <a:spLocks noGrp="1"/>
+          </p:cNvSpPr>
+          <p:nvPr>
+            <p:ph type="body" idx="14"/>
+          </p:nvPr>
+        </p:nvSpPr>
+        <p:spPr>
+          <a:xfrm>
+            <a:off x="808806" y="3642064"/>
+            <a:ext cx="4452987" cy="2015231"/>
+          </a:xfrm>
+        </p:spPr>
+        <p:txBody>
+          <a:bodyPr>
+            <a:normAutofit/>
+          </a:bodyPr>
+          <a:lstStyle/>
+          <a:p>
+            <a:pPr marL="0" indent="0">
+              <a:buNone/>
+            </a:pPr>
+            <a:r>
               <a:rPr lang="en-US" dirty="0">
                 <a:solidFill>
-                  <a:schemeClr val="bg2"/>
+                  <a:schemeClr val="tx1">
+                    <a:lumMod val="60000"/>
+                    <a:lumOff val="40000"/>
+                  </a:schemeClr>
                 </a:solidFill>
               </a:rPr>
-              <a:t>Sentiment Analysis using Python</a:t>
+              <a:t>An output will be given based on the input given by the user. The input will be in three formats:</a:t>
             </a:r>
+          </a:p>
+          <a:p>
+            <a:pPr marL="285750" indent="-285750">
+              <a:buFont typeface="Arial" panose="020B0604020202020204" pitchFamily="34" charset="0"/>
+              <a:buChar char="•"/>
+            </a:pPr>
+            <a:r>
+              <a:rPr lang="en-US" dirty="0">
+                <a:solidFill>
+                  <a:schemeClr val="tx1">
+                    <a:lumMod val="60000"/>
+                    <a:lumOff val="40000"/>
+                  </a:schemeClr>
+                </a:solidFill>
+              </a:rPr>
+              <a:t>Text input</a:t>
+            </a:r>
+          </a:p>
+          <a:p>
+            <a:pPr marL="285750" indent="-285750">
+              <a:buFont typeface="Arial" panose="020B0604020202020204" pitchFamily="34" charset="0"/>
+              <a:buChar char="•"/>
+            </a:pPr>
+            <a:r>
+              <a:rPr lang="en-US" dirty="0">
+                <a:solidFill>
+                  <a:schemeClr val="tx1">
+                    <a:lumMod val="60000"/>
+                    <a:lumOff val="40000"/>
+                  </a:schemeClr>
+                </a:solidFill>
+              </a:rPr>
+              <a:t>Movie reviews from database</a:t>
+            </a:r>
+          </a:p>
+          <a:p>
+            <a:pPr marL="285750" indent="-285750">
+              <a:buFont typeface="Arial" panose="020B0604020202020204" pitchFamily="34" charset="0"/>
+              <a:buChar char="•"/>
+            </a:pPr>
+            <a:r>
+              <a:rPr lang="en-US" dirty="0">
+                <a:solidFill>
+                  <a:schemeClr val="tx1">
+                    <a:lumMod val="60000"/>
+                    <a:lumOff val="40000"/>
+                  </a:schemeClr>
+                </a:solidFill>
+              </a:rPr>
+              <a:t>Voice input</a:t>
+            </a:r>
+          </a:p>
+          <a:p>
+            <a:pPr marL="0" indent="0">
+              <a:buNone/>
+            </a:pPr>
+            <a:r>
+              <a:rPr lang="en-US" dirty="0">
+                <a:solidFill>
+                  <a:schemeClr val="tx1">
+                    <a:lumMod val="60000"/>
+                    <a:lumOff val="40000"/>
+                  </a:schemeClr>
+                </a:solidFill>
+              </a:rPr>
+              <a:t>The given input will then be analyzed to determine whether it is positive, negative or neutral.</a:t>
+            </a:r>
+          </a:p>
+          <a:p>
+            <a:endParaRPr lang="en-IN" dirty="0"/>
           </a:p>
         </p:txBody>
       </p:sp>
       <p:pic>
         <p:nvPicPr>
-          <p:cNvPr id="20" name="Picture Placeholder 19" descr="Abstract background">
-            <a:extLst>
-              <a:ext uri="{FF2B5EF4-FFF2-40B4-BE49-F238E27FC236}">
-                <a16:creationId xmlns:a16="http://schemas.microsoft.com/office/drawing/2014/main" id="{61169563-0C6E-483D-91B6-7AB8952A8FAF}"/>
+          <p:cNvPr id="13" name="Picture Placeholder 19" descr="Abstract background">
+            <a:extLst>
+              <a:ext uri="{FF2B5EF4-FFF2-40B4-BE49-F238E27FC236}">
+                <a16:creationId xmlns:a16="http://schemas.microsoft.com/office/drawing/2014/main" id="{E4C057CA-9D52-439A-AC0C-FDBF2D3EB2AE}"/>
               </a:ext>
             </a:extLst>
           </p:cNvPr>
@@ -44571,41 +44329,19 @@
               </a:ext>
             </a:extLst>
           </a:blip>
-          <a:srcRect/>
+          <a:srcRect l="17113" r="17113"/>
           <a:stretch/>
         </p:blipFill>
-        <p:spPr/>
+        <p:spPr>
+          <a:xfrm>
+            <a:off x="5511336" y="1200704"/>
+            <a:ext cx="6680664" cy="4456591"/>
+          </a:xfrm>
+          <a:ln>
+            <a:noFill/>
+          </a:ln>
+        </p:spPr>
       </p:pic>
-      <p:sp>
-        <p:nvSpPr>
-          <p:cNvPr id="8" name="Slide Number Placeholder 7">
-            <a:extLst>
-              <a:ext uri="{FF2B5EF4-FFF2-40B4-BE49-F238E27FC236}">
-                <a16:creationId xmlns:a16="http://schemas.microsoft.com/office/drawing/2014/main" id="{FE91C663-2D66-4255-91B4-906F720EB8BA}"/>
-              </a:ext>
-            </a:extLst>
-          </p:cNvPr>
-          <p:cNvSpPr>
-            <a:spLocks noGrp="1"/>
-          </p:cNvSpPr>
-          <p:nvPr>
-            <p:ph type="sldNum" sz="quarter" idx="12"/>
-          </p:nvPr>
-        </p:nvSpPr>
-        <p:spPr/>
-        <p:txBody>
-          <a:bodyPr/>
-          <a:lstStyle/>
-          <a:p>
-            <a:fld id="{8D581BC7-E183-40DB-AC97-C19EA4EB8894}" type="slidenum">
-              <a:rPr lang="en-US" smtClean="0"/>
-              <a:pPr/>
-              <a:t>2</a:t>
-            </a:fld>
-            <a:endParaRPr lang="en-US" dirty="0"/>
-          </a:p>
-        </p:txBody>
-      </p:sp>
     </p:spTree>
     <p:extLst>
       <p:ext uri="{BB962C8B-B14F-4D97-AF65-F5344CB8AC3E}">
@@ -44665,7 +44401,12 @@
             <a:fillRect/>
           </a:stretch>
         </p:blipFill>
-        <p:spPr/>
+        <p:spPr>
+          <a:xfrm>
+            <a:off x="1340528" y="0"/>
+            <a:ext cx="4760087" cy="6858000"/>
+          </a:xfrm>
+        </p:spPr>
       </p:pic>
       <p:sp>
         <p:nvSpPr>
@@ -44720,40 +44461,51 @@
         <p:spPr>
           <a:xfrm>
             <a:off x="6905728" y="2309150"/>
-            <a:ext cx="4482996" cy="2432603"/>
-          </a:xfrm>
-        </p:spPr>
-        <p:txBody>
-          <a:bodyPr/>
+            <a:ext cx="4482996" cy="3570506"/>
+          </a:xfrm>
+        </p:spPr>
+        <p:txBody>
+          <a:bodyPr>
+            <a:normAutofit/>
+          </a:bodyPr>
           <a:lstStyle/>
           <a:p>
             <a:r>
               <a:rPr lang="en-US" dirty="0">
                 <a:solidFill>
-                  <a:schemeClr val="bg2"/>
+                  <a:schemeClr val="tx1">
+                    <a:lumMod val="60000"/>
+                    <a:lumOff val="40000"/>
+                  </a:schemeClr>
                 </a:solidFill>
               </a:rPr>
-              <a:t>Lorem ipsum dolor sit amet, consectetuer adipiscing elit. Maecenas porttitor congue massa. Fusce posuere, magna sed pulvinar ultricies, purus lectus malesuada libero, sit amet commodo magna eros quis urna.</a:t>
+              <a:t>The applications of sentiment analysis are broad and powerful. The ability to extract insights from social data is a practice that is being widely adopted by organizations across the world.</a:t>
             </a:r>
           </a:p>
           <a:p>
             <a:r>
               <a:rPr lang="en-US" dirty="0">
                 <a:solidFill>
-                  <a:schemeClr val="bg2"/>
+                  <a:schemeClr val="tx1">
+                    <a:lumMod val="60000"/>
+                    <a:lumOff val="40000"/>
+                  </a:schemeClr>
                 </a:solidFill>
               </a:rPr>
-              <a:t>Nunc viverra imperdiet enim. Fusce est. Vivamus a tellus.</a:t>
+              <a:t>It can also be an essential part of a company’s market research and customer service approach. Not only can a company see what people think of their own products or services, they can see what they think about their competitors too. The overall customer experience of the users can be revealed quickly with sentiment analysis, but it can get far more granular too.</a:t>
             </a:r>
           </a:p>
           <a:p>
             <a:r>
               <a:rPr lang="en-US" dirty="0">
                 <a:solidFill>
-                  <a:schemeClr val="bg2"/>
+                  <a:schemeClr val="tx1">
+                    <a:lumMod val="60000"/>
+                    <a:lumOff val="40000"/>
+                  </a:schemeClr>
                 </a:solidFill>
               </a:rPr>
-              <a:t>Pellentesque habitant morbi tristique senectus et netus et malesuada fames ac turpis egestas. Proin pharetra nonummy pede. Mauris et orci.</a:t>
+              <a:t>Companies can get powerful insights to boost their marketing strategy. For example, marketers can keep an eye on industry trends by analyzing sentiment towards new features or products on social media.</a:t>
             </a:r>
           </a:p>
           <a:p>
@@ -44823,6 +44575,217 @@
       </p:grpSpPr>
       <p:sp>
         <p:nvSpPr>
+          <p:cNvPr id="5" name="Slide Number Placeholder 4">
+            <a:extLst>
+              <a:ext uri="{FF2B5EF4-FFF2-40B4-BE49-F238E27FC236}">
+                <a16:creationId xmlns:a16="http://schemas.microsoft.com/office/drawing/2014/main" id="{1C5328BF-D489-4F39-BA27-5AD38E9116D8}"/>
+              </a:ext>
+            </a:extLst>
+          </p:cNvPr>
+          <p:cNvSpPr>
+            <a:spLocks noGrp="1"/>
+          </p:cNvSpPr>
+          <p:nvPr>
+            <p:ph type="sldNum" sz="quarter" idx="12"/>
+          </p:nvPr>
+        </p:nvSpPr>
+        <p:spPr/>
+        <p:txBody>
+          <a:bodyPr/>
+          <a:lstStyle/>
+          <a:p>
+            <a:fld id="{8D581BC7-E183-40DB-AC97-C19EA4EB8894}" type="slidenum">
+              <a:rPr lang="en-US" smtClean="0"/>
+              <a:pPr/>
+              <a:t>4</a:t>
+            </a:fld>
+            <a:endParaRPr lang="en-US" dirty="0"/>
+          </a:p>
+        </p:txBody>
+      </p:sp>
+      <p:sp>
+        <p:nvSpPr>
+          <p:cNvPr id="25" name="Text Placeholder 24">
+            <a:extLst>
+              <a:ext uri="{FF2B5EF4-FFF2-40B4-BE49-F238E27FC236}">
+                <a16:creationId xmlns:a16="http://schemas.microsoft.com/office/drawing/2014/main" id="{7654E044-5122-4B23-9EBA-C2089465A67D}"/>
+              </a:ext>
+            </a:extLst>
+          </p:cNvPr>
+          <p:cNvSpPr>
+            <a:spLocks noGrp="1"/>
+          </p:cNvSpPr>
+          <p:nvPr>
+            <p:ph type="body" idx="14"/>
+          </p:nvPr>
+        </p:nvSpPr>
+        <p:spPr>
+          <a:xfrm>
+            <a:off x="6894591" y="2636668"/>
+            <a:ext cx="4482996" cy="2985503"/>
+          </a:xfrm>
+        </p:spPr>
+        <p:txBody>
+          <a:bodyPr>
+            <a:normAutofit/>
+          </a:bodyPr>
+          <a:lstStyle/>
+          <a:p>
+            <a:r>
+              <a:rPr lang="en-IN" b="1" dirty="0">
+                <a:solidFill>
+                  <a:schemeClr val="tx1"/>
+                </a:solidFill>
+              </a:rPr>
+              <a:t>Devi, G &amp; Somasundaram, Kamalakkannan. (2020). Literature Review on Sentiment Analysis in Social Media: Open Challenges toward Applications. 29. 1462-1471. </a:t>
+            </a:r>
+          </a:p>
+          <a:p>
+            <a:r>
+              <a:rPr lang="en-IN" b="1" dirty="0">
+                <a:solidFill>
+                  <a:schemeClr val="tx1"/>
+                </a:solidFill>
+              </a:rPr>
+              <a:t> Hemamalini, Dr.S. Perumal, Literature Review on Sentiment Analysis. 9. ISSN 2277-8616.</a:t>
+            </a:r>
+          </a:p>
+          <a:p>
+            <a:r>
+              <a:rPr lang="en-IN" b="1" dirty="0">
+                <a:solidFill>
+                  <a:schemeClr val="tx1"/>
+                </a:solidFill>
+              </a:rPr>
+              <a:t> </a:t>
+            </a:r>
+            <a:r>
+              <a:rPr lang="en-US" b="1" dirty="0">
+                <a:solidFill>
+                  <a:schemeClr val="tx1"/>
+                </a:solidFill>
+                <a:hlinkClick r:id="rId2">
+                  <a:extLst>
+                    <a:ext uri="{A12FA001-AC4F-418D-AE19-62706E023703}">
+                      <ahyp:hlinkClr xmlns:ahyp="http://schemas.microsoft.com/office/drawing/2018/hyperlinkcolor" val="tx"/>
+                    </a:ext>
+                  </a:extLst>
+                </a:hlinkClick>
+              </a:rPr>
+              <a:t>Kivy framework — Kivy 2.0.0 documentation</a:t>
+            </a:r>
+            <a:endParaRPr lang="en-US" b="1" dirty="0">
+              <a:solidFill>
+                <a:schemeClr val="tx1"/>
+              </a:solidFill>
+            </a:endParaRPr>
+          </a:p>
+          <a:p>
+            <a:r>
+              <a:rPr lang="en-IN" b="1" dirty="0">
+                <a:solidFill>
+                  <a:schemeClr val="tx1"/>
+                </a:solidFill>
+                <a:hlinkClick r:id="rId3">
+                  <a:extLst>
+                    <a:ext uri="{A12FA001-AC4F-418D-AE19-62706E023703}">
+                      <ahyp:hlinkClr xmlns:ahyp="http://schemas.microsoft.com/office/drawing/2018/hyperlinkcolor" val="tx"/>
+                    </a:ext>
+                  </a:extLst>
+                </a:hlinkClick>
+              </a:rPr>
+              <a:t>TextBlob: Simplified Text Processing — TextBlob 0.16.0 documentation</a:t>
+            </a:r>
+            <a:endParaRPr lang="en-IN" b="1" dirty="0">
+              <a:solidFill>
+                <a:schemeClr val="tx1"/>
+              </a:solidFill>
+            </a:endParaRPr>
+          </a:p>
+          <a:p>
+            <a:r>
+              <a:rPr lang="en-IN" b="1" dirty="0">
+                <a:solidFill>
+                  <a:schemeClr val="tx1"/>
+                </a:solidFill>
+                <a:hlinkClick r:id="rId4">
+                  <a:extLst>
+                    <a:ext uri="{A12FA001-AC4F-418D-AE19-62706E023703}">
+                      <ahyp:hlinkClr xmlns:ahyp="http://schemas.microsoft.com/office/drawing/2018/hyperlinkcolor" val="tx"/>
+                    </a:ext>
+                  </a:extLst>
+                </a:hlinkClick>
+              </a:rPr>
+              <a:t>PyAudio · PyPI</a:t>
+            </a:r>
+            <a:endParaRPr lang="en-IN" b="1" dirty="0">
+              <a:solidFill>
+                <a:schemeClr val="tx1"/>
+              </a:solidFill>
+            </a:endParaRPr>
+          </a:p>
+          <a:p>
+            <a:r>
+              <a:rPr lang="en-IN" b="1" dirty="0">
+                <a:solidFill>
+                  <a:schemeClr val="tx1"/>
+                </a:solidFill>
+                <a:hlinkClick r:id="rId5">
+                  <a:extLst>
+                    <a:ext uri="{A12FA001-AC4F-418D-AE19-62706E023703}">
+                      <ahyp:hlinkClr xmlns:ahyp="http://schemas.microsoft.com/office/drawing/2018/hyperlinkcolor" val="tx"/>
+                    </a:ext>
+                  </a:extLst>
+                </a:hlinkClick>
+              </a:rPr>
+              <a:t>PyMySQL · PyPI</a:t>
+            </a:r>
+            <a:endParaRPr lang="en-IN" b="1" dirty="0">
+              <a:solidFill>
+                <a:schemeClr val="tx1"/>
+              </a:solidFill>
+            </a:endParaRPr>
+          </a:p>
+        </p:txBody>
+      </p:sp>
+      <p:pic>
+        <p:nvPicPr>
+          <p:cNvPr id="31" name="Picture Placeholder 17" descr="Abstract background">
+            <a:extLst>
+              <a:ext uri="{FF2B5EF4-FFF2-40B4-BE49-F238E27FC236}">
+                <a16:creationId xmlns:a16="http://schemas.microsoft.com/office/drawing/2014/main" id="{096D9865-737B-4173-AE66-5E2ACB867633}"/>
+              </a:ext>
+            </a:extLst>
+          </p:cNvPr>
+          <p:cNvPicPr>
+            <a:picLocks noGrp="1" noChangeAspect="1"/>
+          </p:cNvPicPr>
+          <p:nvPr>
+            <p:ph type="pic" sz="quarter" idx="15"/>
+          </p:nvPr>
+        </p:nvPicPr>
+        <p:blipFill>
+          <a:blip r:embed="rId6">
+            <a:extLst>
+              <a:ext uri="{28A0092B-C50C-407E-A947-70E740481C1C}">
+                <a14:useLocalDpi xmlns:a14="http://schemas.microsoft.com/office/drawing/2010/main" val="0"/>
+              </a:ext>
+            </a:extLst>
+          </a:blip>
+          <a:srcRect t="20177" b="20177"/>
+          <a:stretch>
+            <a:fillRect/>
+          </a:stretch>
+        </p:blipFill>
+        <p:spPr>
+          <a:xfrm>
+            <a:off x="-3175" y="1792288"/>
+            <a:ext cx="6073775" cy="3722687"/>
+          </a:xfrm>
+        </p:spPr>
+      </p:pic>
+      <p:sp>
+        <p:nvSpPr>
           <p:cNvPr id="2" name="Title 1">
             <a:extLst>
               <a:ext uri="{FF2B5EF4-FFF2-40B4-BE49-F238E27FC236}">
@@ -44855,142 +44818,6 @@
                 <a:srgbClr val="12FFFE"/>
               </a:solidFill>
             </a:endParaRPr>
-          </a:p>
-        </p:txBody>
-      </p:sp>
-      <p:sp>
-        <p:nvSpPr>
-          <p:cNvPr id="7" name="Text Placeholder 6">
-            <a:extLst>
-              <a:ext uri="{FF2B5EF4-FFF2-40B4-BE49-F238E27FC236}">
-                <a16:creationId xmlns:a16="http://schemas.microsoft.com/office/drawing/2014/main" id="{1EBE5B37-5B62-411B-BD45-E04DD958A3F9}"/>
-              </a:ext>
-            </a:extLst>
-          </p:cNvPr>
-          <p:cNvSpPr>
-            <a:spLocks noGrp="1"/>
-          </p:cNvSpPr>
-          <p:nvPr>
-            <p:ph type="body" idx="14"/>
-          </p:nvPr>
-        </p:nvSpPr>
-        <p:spPr/>
-        <p:txBody>
-          <a:bodyPr/>
-          <a:lstStyle/>
-          <a:p>
-            <a:r>
-              <a:rPr lang="en-US" dirty="0">
-                <a:solidFill>
-                  <a:schemeClr val="bg2"/>
-                </a:solidFill>
-              </a:rPr>
-              <a:t>Lorem ipsum dolor sit amet, consectetuer adipiscing elit. Maecenas porttitor congue massa.</a:t>
-            </a:r>
-          </a:p>
-          <a:p>
-            <a:r>
-              <a:rPr lang="en-US" dirty="0">
-                <a:solidFill>
-                  <a:schemeClr val="bg2"/>
-                </a:solidFill>
-              </a:rPr>
-              <a:t>Fusce posuere, magna sed pulvinar ultricies, purus lectus malesuada libero, sit amet commodo magna eros quis urna.</a:t>
-            </a:r>
-          </a:p>
-          <a:p>
-            <a:r>
-              <a:rPr lang="en-US" dirty="0">
-                <a:solidFill>
-                  <a:schemeClr val="bg2"/>
-                </a:solidFill>
-              </a:rPr>
-              <a:t>Nunc viverra imperdiet enim. Fusce est. Vivamus a tellus.</a:t>
-            </a:r>
-          </a:p>
-          <a:p>
-            <a:r>
-              <a:rPr lang="en-US" dirty="0">
-                <a:solidFill>
-                  <a:schemeClr val="bg2"/>
-                </a:solidFill>
-              </a:rPr>
-              <a:t>Pellentesque habitant morbi tristique senectus et netus et malesuada fames ac turpis egestas. </a:t>
-            </a:r>
-          </a:p>
-          <a:p>
-            <a:r>
-              <a:rPr lang="en-US" dirty="0">
-                <a:solidFill>
-                  <a:schemeClr val="bg2"/>
-                </a:solidFill>
-              </a:rPr>
-              <a:t>Proin pharetra nonummy pede. Mauris et orci.</a:t>
-            </a:r>
-          </a:p>
-          <a:p>
-            <a:endParaRPr lang="en-US" dirty="0"/>
-          </a:p>
-        </p:txBody>
-      </p:sp>
-      <p:pic>
-        <p:nvPicPr>
-          <p:cNvPr id="18" name="Picture Placeholder 17" descr="Abstract background">
-            <a:extLst>
-              <a:ext uri="{FF2B5EF4-FFF2-40B4-BE49-F238E27FC236}">
-                <a16:creationId xmlns:a16="http://schemas.microsoft.com/office/drawing/2014/main" id="{FA9DAA9F-5926-4BC1-8F7B-06E0B1C2F013}"/>
-              </a:ext>
-            </a:extLst>
-          </p:cNvPr>
-          <p:cNvPicPr>
-            <a:picLocks noGrp="1" noChangeAspect="1"/>
-          </p:cNvPicPr>
-          <p:nvPr>
-            <p:ph type="pic" sz="quarter" idx="15"/>
-          </p:nvPr>
-        </p:nvPicPr>
-        <p:blipFill>
-          <a:blip r:embed="rId2">
-            <a:extLst>
-              <a:ext uri="{28A0092B-C50C-407E-A947-70E740481C1C}">
-                <a14:useLocalDpi xmlns:a14="http://schemas.microsoft.com/office/drawing/2010/main" val="0"/>
-              </a:ext>
-            </a:extLst>
-          </a:blip>
-          <a:srcRect/>
-          <a:stretch>
-            <a:fillRect/>
-          </a:stretch>
-        </p:blipFill>
-        <p:spPr/>
-      </p:pic>
-      <p:sp>
-        <p:nvSpPr>
-          <p:cNvPr id="5" name="Slide Number Placeholder 4">
-            <a:extLst>
-              <a:ext uri="{FF2B5EF4-FFF2-40B4-BE49-F238E27FC236}">
-                <a16:creationId xmlns:a16="http://schemas.microsoft.com/office/drawing/2014/main" id="{1C5328BF-D489-4F39-BA27-5AD38E9116D8}"/>
-              </a:ext>
-            </a:extLst>
-          </p:cNvPr>
-          <p:cNvSpPr>
-            <a:spLocks noGrp="1"/>
-          </p:cNvSpPr>
-          <p:nvPr>
-            <p:ph type="sldNum" sz="quarter" idx="12"/>
-          </p:nvPr>
-        </p:nvSpPr>
-        <p:spPr/>
-        <p:txBody>
-          <a:bodyPr/>
-          <a:lstStyle/>
-          <a:p>
-            <a:fld id="{8D581BC7-E183-40DB-AC97-C19EA4EB8894}" type="slidenum">
-              <a:rPr lang="en-US" smtClean="0"/>
-              <a:pPr/>
-              <a:t>4</a:t>
-            </a:fld>
-            <a:endParaRPr lang="en-US" dirty="0"/>
           </a:p>
         </p:txBody>
       </p:sp>
@@ -45040,12 +44867,7 @@
             <p:ph type="title"/>
           </p:nvPr>
         </p:nvSpPr>
-        <p:spPr>
-          <a:xfrm>
-            <a:off x="3863974" y="288211"/>
-            <a:ext cx="4464049" cy="569086"/>
-          </a:xfrm>
-        </p:spPr>
+        <p:spPr/>
         <p:txBody>
           <a:bodyPr/>
           <a:lstStyle/>
@@ -45066,42 +44888,6 @@
           </a:p>
         </p:txBody>
       </p:sp>
-      <p:pic>
-        <p:nvPicPr>
-          <p:cNvPr id="22" name="Picture Placeholder 21" descr="Abstract background">
-            <a:extLst>
-              <a:ext uri="{FF2B5EF4-FFF2-40B4-BE49-F238E27FC236}">
-                <a16:creationId xmlns:a16="http://schemas.microsoft.com/office/drawing/2014/main" id="{0342E5A4-E598-4185-B93F-5814F00C2011}"/>
-              </a:ext>
-            </a:extLst>
-          </p:cNvPr>
-          <p:cNvPicPr>
-            <a:picLocks noGrp="1" noChangeAspect="1"/>
-          </p:cNvPicPr>
-          <p:nvPr>
-            <p:ph type="pic" sz="quarter" idx="15"/>
-          </p:nvPr>
-        </p:nvPicPr>
-        <p:blipFill>
-          <a:blip r:embed="rId2">
-            <a:extLst>
-              <a:ext uri="{28A0092B-C50C-407E-A947-70E740481C1C}">
-                <a14:useLocalDpi xmlns:a14="http://schemas.microsoft.com/office/drawing/2010/main" val="0"/>
-              </a:ext>
-            </a:extLst>
-          </a:blip>
-          <a:srcRect/>
-          <a:stretch>
-            <a:fillRect/>
-          </a:stretch>
-        </p:blipFill>
-        <p:spPr>
-          <a:xfrm>
-            <a:off x="0" y="1682496"/>
-            <a:ext cx="12192000" cy="3493008"/>
-          </a:xfrm>
-        </p:spPr>
-      </p:pic>
       <p:sp>
         <p:nvSpPr>
           <p:cNvPr id="6" name="Slide Number Placeholder 5">
@@ -45132,6 +44918,42 @@
           </a:p>
         </p:txBody>
       </p:sp>
+      <p:pic>
+        <p:nvPicPr>
+          <p:cNvPr id="22" name="Picture Placeholder 21" descr="Abstract background">
+            <a:extLst>
+              <a:ext uri="{FF2B5EF4-FFF2-40B4-BE49-F238E27FC236}">
+                <a16:creationId xmlns:a16="http://schemas.microsoft.com/office/drawing/2014/main" id="{0342E5A4-E598-4185-B93F-5814F00C2011}"/>
+              </a:ext>
+            </a:extLst>
+          </p:cNvPr>
+          <p:cNvPicPr>
+            <a:picLocks noGrp="1" noChangeAspect="1"/>
+          </p:cNvPicPr>
+          <p:nvPr>
+            <p:ph type="pic" sz="quarter" idx="13"/>
+          </p:nvPr>
+        </p:nvPicPr>
+        <p:blipFill>
+          <a:blip r:embed="rId2">
+            <a:extLst>
+              <a:ext uri="{28A0092B-C50C-407E-A947-70E740481C1C}">
+                <a14:useLocalDpi xmlns:a14="http://schemas.microsoft.com/office/drawing/2010/main" val="0"/>
+              </a:ext>
+            </a:extLst>
+          </a:blip>
+          <a:srcRect l="21744" r="21744"/>
+          <a:stretch>
+            <a:fillRect/>
+          </a:stretch>
+        </p:blipFill>
+        <p:spPr>
+          <a:xfrm>
+            <a:off x="4021585" y="0"/>
+            <a:ext cx="8170416" cy="5879656"/>
+          </a:xfrm>
+        </p:spPr>
+      </p:pic>
       <p:pic>
         <p:nvPicPr>
           <p:cNvPr id="7" name="Picture 6">
@@ -45154,8 +44976,8 @@
         </p:blipFill>
         <p:spPr>
           <a:xfrm>
-            <a:off x="4447641" y="1541163"/>
-            <a:ext cx="3296714" cy="4752217"/>
+            <a:off x="6285390" y="168819"/>
+            <a:ext cx="3816404" cy="5501351"/>
           </a:xfrm>
           <a:prstGeom prst="rect">
             <a:avLst/>
@@ -45253,11 +45075,7 @@
           <a:lstStyle/>
           <a:p>
             <a:r>
-              <a:rPr lang="en-US" dirty="0">
-                <a:solidFill>
-                  <a:schemeClr val="bg2"/>
-                </a:solidFill>
-              </a:rPr>
+              <a:rPr lang="en-US" dirty="0"/>
               <a:t>We have used the following languages/libraries for making the project</a:t>
             </a:r>
           </a:p>
@@ -45318,7 +45136,11 @@
           <a:lstStyle/>
           <a:p>
             <a:r>
-              <a:rPr lang="en-US" dirty="0"/>
+              <a:rPr lang="en-US" dirty="0">
+                <a:solidFill>
+                  <a:schemeClr val="tx1"/>
+                </a:solidFill>
+              </a:rPr>
               <a:t>Python 3 was used as the main language to write the base code for the app.</a:t>
             </a:r>
           </a:p>
@@ -45380,8 +45202,8 @@
         </p:blipFill>
         <p:spPr>
           <a:xfrm>
-            <a:off x="7753982" y="3273552"/>
-            <a:ext cx="570949" cy="658368"/>
+            <a:off x="7625918" y="3125880"/>
+            <a:ext cx="699013" cy="806040"/>
           </a:xfrm>
         </p:spPr>
       </p:pic>
@@ -45407,7 +45229,11 @@
           <a:lstStyle/>
           <a:p>
             <a:r>
-              <a:rPr lang="en-US" dirty="0"/>
+              <a:rPr lang="en-US" dirty="0">
+                <a:solidFill>
+                  <a:schemeClr val="tx1"/>
+                </a:solidFill>
+              </a:rPr>
               <a:t>SQL was used as the main language for database management.</a:t>
             </a:r>
           </a:p>
@@ -45496,7 +45322,11 @@
           <a:lstStyle/>
           <a:p>
             <a:r>
-              <a:rPr lang="en-US" dirty="0"/>
+              <a:rPr lang="en-US" dirty="0">
+                <a:solidFill>
+                  <a:schemeClr val="tx1"/>
+                </a:solidFill>
+              </a:rPr>
               <a:t>Kivy was used to build the GUI for the app.</a:t>
             </a:r>
           </a:p>
@@ -45564,8 +45394,8 @@
         </p:blipFill>
         <p:spPr>
           <a:xfrm>
-            <a:off x="7719417" y="4495372"/>
-            <a:ext cx="640080" cy="572315"/>
+            <a:off x="7625918" y="4411772"/>
+            <a:ext cx="733579" cy="655915"/>
           </a:xfrm>
         </p:spPr>
       </p:pic>
@@ -45591,8 +45421,12 @@
           <a:lstStyle/>
           <a:p>
             <a:r>
-              <a:rPr lang="en-US" dirty="0"/>
-              <a:t>Wamp Server was used to establish the connection between python code and the SQL server</a:t>
+              <a:rPr lang="en-US" dirty="0">
+                <a:solidFill>
+                  <a:schemeClr val="tx1"/>
+                </a:solidFill>
+              </a:rPr>
+              <a:t>Wamp Server was used to host the SQL server.</a:t>
             </a:r>
           </a:p>
         </p:txBody>
@@ -45721,6 +45555,36 @@
           </a:p>
         </p:txBody>
       </p:sp>
+      <p:pic>
+        <p:nvPicPr>
+          <p:cNvPr id="12" name="Picture 11">
+            <a:extLst>
+              <a:ext uri="{FF2B5EF4-FFF2-40B4-BE49-F238E27FC236}">
+                <a16:creationId xmlns:a16="http://schemas.microsoft.com/office/drawing/2014/main" id="{78DF64A4-122C-47E7-AB39-80C79526700E}"/>
+              </a:ext>
+            </a:extLst>
+          </p:cNvPr>
+          <p:cNvPicPr>
+            <a:picLocks noChangeAspect="1"/>
+          </p:cNvPicPr>
+          <p:nvPr/>
+        </p:nvPicPr>
+        <p:blipFill>
+          <a:blip r:embed="rId2"/>
+          <a:stretch>
+            <a:fillRect/>
+          </a:stretch>
+        </p:blipFill>
+        <p:spPr>
+          <a:xfrm>
+            <a:off x="311134" y="2637888"/>
+            <a:ext cx="3648308" cy="2701641"/>
+          </a:xfrm>
+          <a:prstGeom prst="rect">
+            <a:avLst/>
+          </a:prstGeom>
+        </p:spPr>
+      </p:pic>
       <p:sp>
         <p:nvSpPr>
           <p:cNvPr id="7" name="Text Placeholder 6">
@@ -45737,18 +45601,88 @@
             <p:ph type="body" idx="29"/>
           </p:nvPr>
         </p:nvSpPr>
-        <p:spPr/>
+        <p:spPr>
+          <a:xfrm>
+            <a:off x="677422" y="2021109"/>
+            <a:ext cx="2915732" cy="360000"/>
+          </a:xfrm>
+        </p:spPr>
         <p:txBody>
           <a:bodyPr/>
           <a:lstStyle/>
           <a:p>
+            <a:pPr algn="ctr"/>
             <a:r>
-              <a:rPr lang="en-US" dirty="0"/>
-              <a:t>Key Metrics</a:t>
+              <a:rPr lang="en-US" dirty="0">
+                <a:solidFill>
+                  <a:schemeClr val="tx1"/>
+                </a:solidFill>
+              </a:rPr>
+              <a:t>Text input screen</a:t>
             </a:r>
           </a:p>
         </p:txBody>
       </p:sp>
+      <p:pic>
+        <p:nvPicPr>
+          <p:cNvPr id="14" name="Picture 13">
+            <a:extLst>
+              <a:ext uri="{FF2B5EF4-FFF2-40B4-BE49-F238E27FC236}">
+                <a16:creationId xmlns:a16="http://schemas.microsoft.com/office/drawing/2014/main" id="{9E106153-79AF-4BA1-9A6B-3EA57AE432F2}"/>
+              </a:ext>
+            </a:extLst>
+          </p:cNvPr>
+          <p:cNvPicPr>
+            <a:picLocks noChangeAspect="1"/>
+          </p:cNvPicPr>
+          <p:nvPr/>
+        </p:nvPicPr>
+        <p:blipFill>
+          <a:blip r:embed="rId3"/>
+          <a:stretch>
+            <a:fillRect/>
+          </a:stretch>
+        </p:blipFill>
+        <p:spPr>
+          <a:xfrm>
+            <a:off x="4365949" y="2637887"/>
+            <a:ext cx="3673417" cy="2701641"/>
+          </a:xfrm>
+          <a:prstGeom prst="rect">
+            <a:avLst/>
+          </a:prstGeom>
+        </p:spPr>
+      </p:pic>
+      <p:pic>
+        <p:nvPicPr>
+          <p:cNvPr id="15" name="Picture 14">
+            <a:extLst>
+              <a:ext uri="{FF2B5EF4-FFF2-40B4-BE49-F238E27FC236}">
+                <a16:creationId xmlns:a16="http://schemas.microsoft.com/office/drawing/2014/main" id="{7B152F6D-917C-402F-94B0-CF7ED5158224}"/>
+              </a:ext>
+            </a:extLst>
+          </p:cNvPr>
+          <p:cNvPicPr>
+            <a:picLocks noChangeAspect="1"/>
+          </p:cNvPicPr>
+          <p:nvPr/>
+        </p:nvPicPr>
+        <p:blipFill>
+          <a:blip r:embed="rId4"/>
+          <a:stretch>
+            <a:fillRect/>
+          </a:stretch>
+        </p:blipFill>
+        <p:spPr>
+          <a:xfrm>
+            <a:off x="8445873" y="2637889"/>
+            <a:ext cx="3434993" cy="2701641"/>
+          </a:xfrm>
+          <a:prstGeom prst="rect">
+            <a:avLst/>
+          </a:prstGeom>
+        </p:spPr>
+      </p:pic>
       <p:sp>
         <p:nvSpPr>
           <p:cNvPr id="8" name="Text Placeholder 7">
@@ -45767,7 +45701,7 @@
         </p:nvSpPr>
         <p:spPr>
           <a:xfrm>
-            <a:off x="6571988" y="2031832"/>
+            <a:off x="4744791" y="2021109"/>
             <a:ext cx="2915732" cy="360000"/>
           </a:xfrm>
         </p:spPr>
@@ -45775,9 +45709,14 @@
           <a:bodyPr/>
           <a:lstStyle/>
           <a:p>
+            <a:pPr algn="ctr"/>
             <a:r>
-              <a:rPr lang="en-US" dirty="0"/>
-              <a:t>Revenue by Year</a:t>
+              <a:rPr lang="en-US" dirty="0">
+                <a:solidFill>
+                  <a:schemeClr val="tx1"/>
+                </a:solidFill>
+              </a:rPr>
+              <a:t>Movie Review Screen</a:t>
             </a:r>
           </a:p>
         </p:txBody>
@@ -45813,51 +45752,42 @@
       </p:sp>
       <p:sp>
         <p:nvSpPr>
-          <p:cNvPr id="13" name="Content Placeholder 12">
-            <a:extLst>
-              <a:ext uri="{FF2B5EF4-FFF2-40B4-BE49-F238E27FC236}">
-                <a16:creationId xmlns:a16="http://schemas.microsoft.com/office/drawing/2014/main" id="{AD4CE331-D21D-4067-BF64-CD91F77F4002}"/>
-              </a:ext>
-            </a:extLst>
-          </p:cNvPr>
-          <p:cNvSpPr>
-            <a:spLocks noGrp="1"/>
-          </p:cNvSpPr>
-          <p:nvPr>
-            <p:ph sz="quarter" idx="32"/>
-          </p:nvPr>
-        </p:nvSpPr>
-        <p:spPr/>
-        <p:txBody>
-          <a:bodyPr/>
+          <p:cNvPr id="18" name="TextBox 17">
+            <a:extLst>
+              <a:ext uri="{FF2B5EF4-FFF2-40B4-BE49-F238E27FC236}">
+                <a16:creationId xmlns:a16="http://schemas.microsoft.com/office/drawing/2014/main" id="{6775B728-CE29-47D5-A5E7-D9B79CA9EA0A}"/>
+              </a:ext>
+            </a:extLst>
+          </p:cNvPr>
+          <p:cNvSpPr txBox="1"/>
+          <p:nvPr/>
+        </p:nvSpPr>
+        <p:spPr>
+          <a:xfrm>
+            <a:off x="8445873" y="1991722"/>
+            <a:ext cx="3399112" cy="400110"/>
+          </a:xfrm>
+          <a:prstGeom prst="rect">
+            <a:avLst/>
+          </a:prstGeom>
+          <a:noFill/>
+        </p:spPr>
+        <p:txBody>
+          <a:bodyPr wrap="square" rtlCol="0">
+            <a:spAutoFit/>
+          </a:bodyPr>
           <a:lstStyle/>
           <a:p>
-            <a:endParaRPr lang="en-IN"/>
-          </a:p>
-        </p:txBody>
-      </p:sp>
-      <p:sp>
-        <p:nvSpPr>
-          <p:cNvPr id="16" name="Content Placeholder 15">
-            <a:extLst>
-              <a:ext uri="{FF2B5EF4-FFF2-40B4-BE49-F238E27FC236}">
-                <a16:creationId xmlns:a16="http://schemas.microsoft.com/office/drawing/2014/main" id="{B03CBF03-404F-42B9-8AF9-FE2A5B1C1EF2}"/>
-              </a:ext>
-            </a:extLst>
-          </p:cNvPr>
-          <p:cNvSpPr>
-            <a:spLocks noGrp="1"/>
-          </p:cNvSpPr>
-          <p:nvPr>
-            <p:ph sz="quarter" idx="33"/>
-          </p:nvPr>
-        </p:nvSpPr>
-        <p:spPr/>
-        <p:txBody>
-          <a:bodyPr/>
-          <a:lstStyle/>
-          <a:p>
-            <a:endParaRPr lang="en-IN"/>
+            <a:pPr algn="ctr"/>
+            <a:r>
+              <a:rPr lang="en-US" sz="2000" b="1" dirty="0">
+                <a:latin typeface="+mj-lt"/>
+              </a:rPr>
+              <a:t>Voice Input Screen</a:t>
+            </a:r>
+            <a:endParaRPr lang="en-IN" sz="2000" b="1" dirty="0">
+              <a:latin typeface="+mj-lt"/>
+            </a:endParaRPr>
           </a:p>
         </p:txBody>
       </p:sp>
@@ -45925,3880 +45855,6 @@
       </p:sp>
       <p:sp>
         <p:nvSpPr>
-          <p:cNvPr id="3" name="Text Placeholder 2">
-            <a:extLst>
-              <a:ext uri="{FF2B5EF4-FFF2-40B4-BE49-F238E27FC236}">
-                <a16:creationId xmlns:a16="http://schemas.microsoft.com/office/drawing/2014/main" id="{85D5E241-5BDF-4E31-AEE3-F95545B01405}"/>
-              </a:ext>
-            </a:extLst>
-          </p:cNvPr>
-          <p:cNvSpPr>
-            <a:spLocks noGrp="1"/>
-          </p:cNvSpPr>
-          <p:nvPr>
-            <p:ph type="body" idx="1"/>
-          </p:nvPr>
-        </p:nvSpPr>
-        <p:spPr/>
-        <p:txBody>
-          <a:bodyPr>
-            <a:normAutofit/>
-          </a:bodyPr>
-          <a:lstStyle/>
-          <a:p>
-            <a:r>
-              <a:rPr lang="en-US" dirty="0">
-                <a:solidFill>
-                  <a:schemeClr val="bg2"/>
-                </a:solidFill>
-              </a:rPr>
-              <a:t>LOREM IPSUM DOLOR SIT AMET, CONSECTETUER ADIPISCING ELIT. MAECENAS PORTTITOR</a:t>
-            </a:r>
-          </a:p>
-        </p:txBody>
-      </p:sp>
-      <p:graphicFrame>
-        <p:nvGraphicFramePr>
-          <p:cNvPr id="9" name="Table Placeholder 8" descr="Table">
-            <a:extLst>
-              <a:ext uri="{FF2B5EF4-FFF2-40B4-BE49-F238E27FC236}">
-                <a16:creationId xmlns:a16="http://schemas.microsoft.com/office/drawing/2014/main" id="{310E0F95-76C3-48B4-BEFB-5B1DB71B97E0}"/>
-              </a:ext>
-            </a:extLst>
-          </p:cNvPr>
-          <p:cNvGraphicFramePr>
-            <a:graphicFrameLocks noGrp="1"/>
-          </p:cNvGraphicFramePr>
-          <p:nvPr>
-            <p:ph type="tbl" sz="quarter" idx="14"/>
-            <p:extLst>
-              <p:ext uri="{D42A27DB-BD31-4B8C-83A1-F6EECF244321}">
-                <p14:modId xmlns:p14="http://schemas.microsoft.com/office/powerpoint/2010/main" val="1164335710"/>
-              </p:ext>
-            </p:extLst>
-          </p:nvPr>
-        </p:nvGraphicFramePr>
-        <p:xfrm>
-          <a:off x="4430062" y="859665"/>
-          <a:ext cx="6510345" cy="4536000"/>
-        </p:xfrm>
-        <a:graphic>
-          <a:graphicData uri="http://schemas.openxmlformats.org/drawingml/2006/table">
-            <a:tbl>
-              <a:tblPr firstRow="1" bandRow="1">
-                <a:tableStyleId>{5C22544A-7EE6-4342-B048-85BDC9FD1C3A}</a:tableStyleId>
-              </a:tblPr>
-              <a:tblGrid>
-                <a:gridCol w="2232000">
-                  <a:extLst>
-                    <a:ext uri="{9D8B030D-6E8A-4147-A177-3AD203B41FA5}">
-                      <a16:colId xmlns:a16="http://schemas.microsoft.com/office/drawing/2014/main" val="164802800"/>
-                    </a:ext>
-                  </a:extLst>
-                </a:gridCol>
-                <a:gridCol w="1174115">
-                  <a:extLst>
-                    <a:ext uri="{9D8B030D-6E8A-4147-A177-3AD203B41FA5}">
-                      <a16:colId xmlns:a16="http://schemas.microsoft.com/office/drawing/2014/main" val="1653645961"/>
-                    </a:ext>
-                  </a:extLst>
-                </a:gridCol>
-                <a:gridCol w="1174115">
-                  <a:extLst>
-                    <a:ext uri="{9D8B030D-6E8A-4147-A177-3AD203B41FA5}">
-                      <a16:colId xmlns:a16="http://schemas.microsoft.com/office/drawing/2014/main" val="714343349"/>
-                    </a:ext>
-                  </a:extLst>
-                </a:gridCol>
-                <a:gridCol w="1174115">
-                  <a:extLst>
-                    <a:ext uri="{9D8B030D-6E8A-4147-A177-3AD203B41FA5}">
-                      <a16:colId xmlns:a16="http://schemas.microsoft.com/office/drawing/2014/main" val="3380443448"/>
-                    </a:ext>
-                  </a:extLst>
-                </a:gridCol>
-                <a:gridCol w="756000">
-                  <a:extLst>
-                    <a:ext uri="{9D8B030D-6E8A-4147-A177-3AD203B41FA5}">
-                      <a16:colId xmlns:a16="http://schemas.microsoft.com/office/drawing/2014/main" val="9414629"/>
-                    </a:ext>
-                  </a:extLst>
-                </a:gridCol>
-              </a:tblGrid>
-              <a:tr h="324000">
-                <a:tc>
-                  <a:txBody>
-                    <a:bodyPr/>
-                    <a:lstStyle/>
-                    <a:p>
-                      <a:pPr marL="0" algn="l" defTabSz="914400" rtl="0" eaLnBrk="1" latinLnBrk="0" hangingPunct="1"/>
-                      <a:endParaRPr lang="ru-RU" sz="1200" b="1" i="1" kern="1200" dirty="0">
-                        <a:solidFill>
-                          <a:schemeClr val="lt1"/>
-                        </a:solidFill>
-                        <a:latin typeface="+mj-lt"/>
-                        <a:ea typeface="+mn-ea"/>
-                        <a:cs typeface="+mn-cs"/>
-                      </a:endParaRPr>
-                    </a:p>
-                  </a:txBody>
-                  <a:tcPr anchor="ctr">
-                    <a:lnL w="12700" cmpd="sng">
-                      <a:noFill/>
-                    </a:lnL>
-                    <a:lnR w="12700" cmpd="sng">
-                      <a:noFill/>
-                    </a:lnR>
-                    <a:lnT w="12700" cmpd="sng">
-                      <a:noFill/>
-                    </a:lnT>
-                    <a:lnB w="38100" cmpd="sng">
-                      <a:noFill/>
-                    </a:lnB>
-                    <a:lnTlToBr w="12700" cmpd="sng">
-                      <a:noFill/>
-                      <a:prstDash val="solid"/>
-                    </a:lnTlToBr>
-                    <a:lnBlToTr w="12700" cmpd="sng">
-                      <a:noFill/>
-                      <a:prstDash val="solid"/>
-                    </a:lnBlToTr>
-                    <a:solidFill>
-                      <a:schemeClr val="accent1"/>
-                    </a:solidFill>
-                  </a:tcPr>
-                </a:tc>
-                <a:tc>
-                  <a:txBody>
-                    <a:bodyPr/>
-                    <a:lstStyle/>
-                    <a:p>
-                      <a:pPr marL="0" algn="r" defTabSz="914400" rtl="0" eaLnBrk="1" latinLnBrk="0" hangingPunct="1"/>
-                      <a:r>
-                        <a:rPr lang="ru-RU" sz="1200" b="1" kern="1200" dirty="0">
-                          <a:solidFill>
-                            <a:srgbClr val="0F1722"/>
-                          </a:solidFill>
-                          <a:latin typeface="Segoe UI" panose="020B0502040204020203" pitchFamily="34" charset="0"/>
-                          <a:ea typeface="+mn-ea"/>
-                          <a:cs typeface="Segoe UI" panose="020B0502040204020203" pitchFamily="34" charset="0"/>
-                        </a:rPr>
-                        <a:t>20</a:t>
-                      </a:r>
-                      <a:r>
-                        <a:rPr lang="en-US" sz="1200" b="1" kern="1200" dirty="0">
-                          <a:solidFill>
-                            <a:srgbClr val="0F1722"/>
-                          </a:solidFill>
-                          <a:latin typeface="Segoe UI" panose="020B0502040204020203" pitchFamily="34" charset="0"/>
-                          <a:ea typeface="+mn-ea"/>
-                          <a:cs typeface="Segoe UI" panose="020B0502040204020203" pitchFamily="34" charset="0"/>
-                        </a:rPr>
-                        <a:t>XX</a:t>
-                      </a:r>
-                      <a:endParaRPr lang="ru-RU" sz="1200" b="1" kern="1200" dirty="0">
-                        <a:solidFill>
-                          <a:srgbClr val="0F1722"/>
-                        </a:solidFill>
-                        <a:latin typeface="Segoe UI" panose="020B0502040204020203" pitchFamily="34" charset="0"/>
-                        <a:ea typeface="+mn-ea"/>
-                        <a:cs typeface="Segoe UI" panose="020B0502040204020203" pitchFamily="34" charset="0"/>
-                      </a:endParaRPr>
-                    </a:p>
-                  </a:txBody>
-                  <a:tcPr anchor="ctr">
-                    <a:lnL w="12700" cmpd="sng">
-                      <a:noFill/>
-                    </a:lnL>
-                    <a:lnR w="12700" cmpd="sng">
-                      <a:noFill/>
-                    </a:lnR>
-                    <a:lnT w="12700" cmpd="sng">
-                      <a:noFill/>
-                    </a:lnT>
-                    <a:lnB w="38100" cmpd="sng">
-                      <a:noFill/>
-                    </a:lnB>
-                    <a:lnTlToBr w="12700" cmpd="sng">
-                      <a:noFill/>
-                      <a:prstDash val="solid"/>
-                    </a:lnTlToBr>
-                    <a:lnBlToTr w="12700" cmpd="sng">
-                      <a:noFill/>
-                      <a:prstDash val="solid"/>
-                    </a:lnBlToTr>
-                    <a:solidFill>
-                      <a:schemeClr val="tx1"/>
-                    </a:solidFill>
-                  </a:tcPr>
-                </a:tc>
-                <a:tc>
-                  <a:txBody>
-                    <a:bodyPr/>
-                    <a:lstStyle/>
-                    <a:p>
-                      <a:pPr marL="0" algn="r" defTabSz="914400" rtl="0" eaLnBrk="1" latinLnBrk="0" hangingPunct="1"/>
-                      <a:r>
-                        <a:rPr lang="en-US" sz="1200" b="1" kern="1200" dirty="0">
-                          <a:solidFill>
-                            <a:srgbClr val="0F1722"/>
-                          </a:solidFill>
-                          <a:latin typeface="Segoe UI" panose="020B0502040204020203" pitchFamily="34" charset="0"/>
-                          <a:ea typeface="+mn-ea"/>
-                          <a:cs typeface="Segoe UI" panose="020B0502040204020203" pitchFamily="34" charset="0"/>
-                        </a:rPr>
-                        <a:t>20XX</a:t>
-                      </a:r>
-                      <a:endParaRPr lang="ru-RU" sz="1200" b="1" kern="1200" dirty="0">
-                        <a:solidFill>
-                          <a:srgbClr val="0F1722"/>
-                        </a:solidFill>
-                        <a:latin typeface="Segoe UI" panose="020B0502040204020203" pitchFamily="34" charset="0"/>
-                        <a:ea typeface="+mn-ea"/>
-                        <a:cs typeface="Segoe UI" panose="020B0502040204020203" pitchFamily="34" charset="0"/>
-                      </a:endParaRPr>
-                    </a:p>
-                  </a:txBody>
-                  <a:tcPr anchor="ctr">
-                    <a:lnL w="12700" cmpd="sng">
-                      <a:noFill/>
-                    </a:lnL>
-                    <a:lnR w="12700" cmpd="sng">
-                      <a:noFill/>
-                    </a:lnR>
-                    <a:lnT w="12700" cmpd="sng">
-                      <a:noFill/>
-                    </a:lnT>
-                    <a:lnB w="38100" cmpd="sng">
-                      <a:noFill/>
-                    </a:lnB>
-                    <a:lnTlToBr w="12700" cmpd="sng">
-                      <a:noFill/>
-                      <a:prstDash val="solid"/>
-                    </a:lnTlToBr>
-                    <a:lnBlToTr w="12700" cmpd="sng">
-                      <a:noFill/>
-                      <a:prstDash val="solid"/>
-                    </a:lnBlToTr>
-                    <a:solidFill>
-                      <a:schemeClr val="tx1"/>
-                    </a:solidFill>
-                  </a:tcPr>
-                </a:tc>
-                <a:tc>
-                  <a:txBody>
-                    <a:bodyPr/>
-                    <a:lstStyle/>
-                    <a:p>
-                      <a:pPr marL="0" algn="r" defTabSz="914400" rtl="0" eaLnBrk="1" latinLnBrk="0" hangingPunct="1"/>
-                      <a:r>
-                        <a:rPr lang="en-US" sz="1200" b="1" kern="1200" dirty="0">
-                          <a:solidFill>
-                            <a:srgbClr val="0F1722"/>
-                          </a:solidFill>
-                          <a:latin typeface="Segoe UI" panose="020B0502040204020203" pitchFamily="34" charset="0"/>
-                          <a:ea typeface="+mn-ea"/>
-                          <a:cs typeface="Segoe UI" panose="020B0502040204020203" pitchFamily="34" charset="0"/>
-                        </a:rPr>
-                        <a:t>20XX</a:t>
-                      </a:r>
-                      <a:endParaRPr lang="ru-RU" sz="1200" b="1" kern="1200" dirty="0">
-                        <a:solidFill>
-                          <a:srgbClr val="0F1722"/>
-                        </a:solidFill>
-                        <a:latin typeface="Segoe UI" panose="020B0502040204020203" pitchFamily="34" charset="0"/>
-                        <a:ea typeface="+mn-ea"/>
-                        <a:cs typeface="Segoe UI" panose="020B0502040204020203" pitchFamily="34" charset="0"/>
-                      </a:endParaRPr>
-                    </a:p>
-                  </a:txBody>
-                  <a:tcPr anchor="ctr">
-                    <a:lnL w="12700" cmpd="sng">
-                      <a:noFill/>
-                    </a:lnL>
-                    <a:lnR w="12700" cmpd="sng">
-                      <a:noFill/>
-                    </a:lnR>
-                    <a:lnT w="12700" cmpd="sng">
-                      <a:noFill/>
-                    </a:lnT>
-                    <a:lnB w="38100" cmpd="sng">
-                      <a:noFill/>
-                    </a:lnB>
-                    <a:lnTlToBr w="12700" cmpd="sng">
-                      <a:noFill/>
-                      <a:prstDash val="solid"/>
-                    </a:lnTlToBr>
-                    <a:lnBlToTr w="12700" cmpd="sng">
-                      <a:noFill/>
-                      <a:prstDash val="solid"/>
-                    </a:lnBlToTr>
-                    <a:solidFill>
-                      <a:schemeClr val="tx1"/>
-                    </a:solidFill>
-                  </a:tcPr>
-                </a:tc>
-                <a:tc>
-                  <a:txBody>
-                    <a:bodyPr/>
-                    <a:lstStyle/>
-                    <a:p>
-                      <a:pPr marL="0" algn="ctr" defTabSz="914400" rtl="0" eaLnBrk="1" latinLnBrk="0" hangingPunct="1"/>
-                      <a:endParaRPr lang="ru-RU" sz="1200" b="1" kern="1200" dirty="0">
-                        <a:solidFill>
-                          <a:srgbClr val="0F1722"/>
-                        </a:solidFill>
-                        <a:latin typeface="+mn-lt"/>
-                        <a:ea typeface="+mn-ea"/>
-                        <a:cs typeface="+mn-cs"/>
-                      </a:endParaRPr>
-                    </a:p>
-                  </a:txBody>
-                  <a:tcPr anchor="ctr">
-                    <a:lnL w="12700" cmpd="sng">
-                      <a:noFill/>
-                    </a:lnL>
-                    <a:lnR w="12700" cmpd="sng">
-                      <a:noFill/>
-                    </a:lnR>
-                    <a:lnT w="12700" cmpd="sng">
-                      <a:noFill/>
-                    </a:lnT>
-                    <a:lnB w="38100" cmpd="sng">
-                      <a:noFill/>
-                    </a:lnB>
-                    <a:lnTlToBr w="12700" cmpd="sng">
-                      <a:noFill/>
-                      <a:prstDash val="solid"/>
-                    </a:lnTlToBr>
-                    <a:lnBlToTr w="12700" cmpd="sng">
-                      <a:noFill/>
-                      <a:prstDash val="solid"/>
-                    </a:lnBlToTr>
-                    <a:noFill/>
-                  </a:tcPr>
-                </a:tc>
-                <a:extLst>
-                  <a:ext uri="{0D108BD9-81ED-4DB2-BD59-A6C34878D82A}">
-                    <a16:rowId xmlns:a16="http://schemas.microsoft.com/office/drawing/2014/main" val="1007924912"/>
-                  </a:ext>
-                </a:extLst>
-              </a:tr>
-              <a:tr h="324000">
-                <a:tc>
-                  <a:txBody>
-                    <a:bodyPr/>
-                    <a:lstStyle/>
-                    <a:p>
-                      <a:pPr marL="0" algn="l" defTabSz="914400" rtl="0" eaLnBrk="1" latinLnBrk="0" hangingPunct="1"/>
-                      <a:r>
-                        <a:rPr lang="en-US" sz="1200" b="1" kern="1200" dirty="0">
-                          <a:solidFill>
-                            <a:srgbClr val="0F1722"/>
-                          </a:solidFill>
-                          <a:latin typeface="Segoe UI" panose="020B0502040204020203" pitchFamily="34" charset="0"/>
-                          <a:ea typeface="+mn-ea"/>
-                          <a:cs typeface="Segoe UI" panose="020B0502040204020203" pitchFamily="34" charset="0"/>
-                        </a:rPr>
-                        <a:t>Users</a:t>
-                      </a:r>
-                      <a:endParaRPr lang="ru-RU" sz="1200" b="1" kern="1200" dirty="0">
-                        <a:solidFill>
-                          <a:srgbClr val="0F1722"/>
-                        </a:solidFill>
-                        <a:latin typeface="Segoe UI" panose="020B0502040204020203" pitchFamily="34" charset="0"/>
-                        <a:ea typeface="+mn-ea"/>
-                        <a:cs typeface="Segoe UI" panose="020B0502040204020203" pitchFamily="34" charset="0"/>
-                      </a:endParaRPr>
-                    </a:p>
-                  </a:txBody>
-                  <a:tcPr anchor="ctr">
-                    <a:lnL w="12700" cmpd="sng">
-                      <a:noFill/>
-                    </a:lnL>
-                    <a:lnR w="12700" cmpd="sng">
-                      <a:noFill/>
-                    </a:lnR>
-                    <a:lnT w="38100" cmpd="sng">
-                      <a:noFill/>
-                    </a:lnT>
-                    <a:lnB w="12700" cmpd="sng">
-                      <a:noFill/>
-                    </a:lnB>
-                    <a:lnTlToBr w="12700" cmpd="sng">
-                      <a:noFill/>
-                      <a:prstDash val="solid"/>
-                    </a:lnTlToBr>
-                    <a:lnBlToTr w="12700" cmpd="sng">
-                      <a:noFill/>
-                      <a:prstDash val="solid"/>
-                    </a:lnBlToTr>
-                    <a:solidFill>
-                      <a:schemeClr val="tx1"/>
-                    </a:solidFill>
-                  </a:tcPr>
-                </a:tc>
-                <a:tc>
-                  <a:txBody>
-                    <a:bodyPr/>
-                    <a:lstStyle/>
-                    <a:p>
-                      <a:pPr marL="0" algn="r" defTabSz="914400" rtl="0" eaLnBrk="1" latinLnBrk="0" hangingPunct="1"/>
-                      <a:r>
-                        <a:rPr lang="en-US" sz="1400" i="0" kern="1200" dirty="0">
-                          <a:solidFill>
-                            <a:schemeClr val="bg2">
-                              <a:lumMod val="95000"/>
-                            </a:schemeClr>
-                          </a:solidFill>
-                          <a:latin typeface="+mn-lt"/>
-                          <a:ea typeface="+mn-ea"/>
-                          <a:cs typeface="+mn-cs"/>
-                        </a:rPr>
-                        <a:t>50,000</a:t>
-                      </a:r>
-                      <a:endParaRPr lang="ru-RU" sz="1400" i="0" kern="1200" dirty="0">
-                        <a:solidFill>
-                          <a:schemeClr val="bg2">
-                            <a:lumMod val="95000"/>
-                          </a:schemeClr>
-                        </a:solidFill>
-                        <a:latin typeface="+mn-lt"/>
-                        <a:ea typeface="+mn-ea"/>
-                        <a:cs typeface="+mn-cs"/>
-                      </a:endParaRPr>
-                    </a:p>
-                  </a:txBody>
-                  <a:tcPr anchor="ctr">
-                    <a:lnL w="12700" cmpd="sng">
-                      <a:noFill/>
-                    </a:lnL>
-                    <a:lnR w="12700" cmpd="sng">
-                      <a:noFill/>
-                    </a:lnR>
-                    <a:lnT w="38100" cmpd="sng">
-                      <a:noFill/>
-                    </a:lnT>
-                    <a:lnB w="12700" cmpd="sng">
-                      <a:noFill/>
-                    </a:lnB>
-                    <a:lnTlToBr w="12700" cmpd="sng">
-                      <a:noFill/>
-                      <a:prstDash val="solid"/>
-                    </a:lnTlToBr>
-                    <a:lnBlToTr w="12700" cmpd="sng">
-                      <a:noFill/>
-                      <a:prstDash val="solid"/>
-                    </a:lnBlToTr>
-                    <a:noFill/>
-                  </a:tcPr>
-                </a:tc>
-                <a:tc>
-                  <a:txBody>
-                    <a:bodyPr/>
-                    <a:lstStyle/>
-                    <a:p>
-                      <a:pPr marL="0" algn="r" defTabSz="914400" rtl="0" eaLnBrk="1" latinLnBrk="0" hangingPunct="1"/>
-                      <a:r>
-                        <a:rPr lang="en-US" sz="1400" i="0" kern="1200" dirty="0">
-                          <a:solidFill>
-                            <a:schemeClr val="bg2">
-                              <a:lumMod val="95000"/>
-                            </a:schemeClr>
-                          </a:solidFill>
-                          <a:latin typeface="+mn-lt"/>
-                          <a:ea typeface="+mn-ea"/>
-                          <a:cs typeface="+mn-cs"/>
-                        </a:rPr>
-                        <a:t>400,000</a:t>
-                      </a:r>
-                      <a:endParaRPr lang="ru-RU" sz="1400" i="0" kern="1200" dirty="0">
-                        <a:solidFill>
-                          <a:schemeClr val="bg2">
-                            <a:lumMod val="95000"/>
-                          </a:schemeClr>
-                        </a:solidFill>
-                        <a:latin typeface="+mn-lt"/>
-                        <a:ea typeface="+mn-ea"/>
-                        <a:cs typeface="+mn-cs"/>
-                      </a:endParaRPr>
-                    </a:p>
-                  </a:txBody>
-                  <a:tcPr anchor="ctr">
-                    <a:lnL w="12700" cmpd="sng">
-                      <a:noFill/>
-                    </a:lnL>
-                    <a:lnR w="12700" cmpd="sng">
-                      <a:noFill/>
-                    </a:lnR>
-                    <a:lnT w="38100" cmpd="sng">
-                      <a:noFill/>
-                    </a:lnT>
-                    <a:lnB w="12700" cmpd="sng">
-                      <a:noFill/>
-                    </a:lnB>
-                    <a:lnTlToBr w="12700" cmpd="sng">
-                      <a:noFill/>
-                      <a:prstDash val="solid"/>
-                    </a:lnTlToBr>
-                    <a:lnBlToTr w="12700" cmpd="sng">
-                      <a:noFill/>
-                      <a:prstDash val="solid"/>
-                    </a:lnBlToTr>
-                    <a:noFill/>
-                  </a:tcPr>
-                </a:tc>
-                <a:tc>
-                  <a:txBody>
-                    <a:bodyPr/>
-                    <a:lstStyle/>
-                    <a:p>
-                      <a:pPr marL="0" algn="r" defTabSz="914400" rtl="0" eaLnBrk="1" latinLnBrk="0" hangingPunct="1"/>
-                      <a:r>
-                        <a:rPr lang="en-US" sz="1400" i="0" kern="1200" dirty="0">
-                          <a:solidFill>
-                            <a:schemeClr val="bg2">
-                              <a:lumMod val="95000"/>
-                            </a:schemeClr>
-                          </a:solidFill>
-                          <a:latin typeface="+mn-lt"/>
-                          <a:ea typeface="+mn-ea"/>
-                          <a:cs typeface="+mn-cs"/>
-                        </a:rPr>
-                        <a:t>1,600,000</a:t>
-                      </a:r>
-                      <a:endParaRPr lang="ru-RU" sz="1400" i="0" kern="1200" dirty="0">
-                        <a:solidFill>
-                          <a:schemeClr val="bg2">
-                            <a:lumMod val="95000"/>
-                          </a:schemeClr>
-                        </a:solidFill>
-                        <a:latin typeface="+mn-lt"/>
-                        <a:ea typeface="+mn-ea"/>
-                        <a:cs typeface="+mn-cs"/>
-                      </a:endParaRPr>
-                    </a:p>
-                  </a:txBody>
-                  <a:tcPr anchor="ctr">
-                    <a:lnL w="12700" cmpd="sng">
-                      <a:noFill/>
-                    </a:lnL>
-                    <a:lnR w="12700" cmpd="sng">
-                      <a:noFill/>
-                    </a:lnR>
-                    <a:lnT w="38100" cmpd="sng">
-                      <a:noFill/>
-                    </a:lnT>
-                    <a:lnB w="12700" cmpd="sng">
-                      <a:noFill/>
-                    </a:lnB>
-                    <a:lnTlToBr w="12700" cmpd="sng">
-                      <a:noFill/>
-                      <a:prstDash val="solid"/>
-                    </a:lnTlToBr>
-                    <a:lnBlToTr w="12700" cmpd="sng">
-                      <a:noFill/>
-                      <a:prstDash val="solid"/>
-                    </a:lnBlToTr>
-                    <a:noFill/>
-                  </a:tcPr>
-                </a:tc>
-                <a:tc>
-                  <a:txBody>
-                    <a:bodyPr/>
-                    <a:lstStyle/>
-                    <a:p>
-                      <a:pPr marL="0" algn="ctr" defTabSz="914400" rtl="0" eaLnBrk="1" latinLnBrk="0" hangingPunct="1"/>
-                      <a:endParaRPr lang="ru-RU" sz="1400" i="0" kern="1200" dirty="0">
-                        <a:solidFill>
-                          <a:schemeClr val="bg2">
-                            <a:lumMod val="95000"/>
-                          </a:schemeClr>
-                        </a:solidFill>
-                        <a:latin typeface="+mn-lt"/>
-                        <a:ea typeface="+mn-ea"/>
-                        <a:cs typeface="+mn-cs"/>
-                      </a:endParaRPr>
-                    </a:p>
-                  </a:txBody>
-                  <a:tcPr anchor="ctr">
-                    <a:lnL w="12700" cmpd="sng">
-                      <a:noFill/>
-                    </a:lnL>
-                    <a:lnR w="12700" cmpd="sng">
-                      <a:noFill/>
-                    </a:lnR>
-                    <a:lnT w="38100" cmpd="sng">
-                      <a:noFill/>
-                    </a:lnT>
-                    <a:lnB w="12700" cmpd="sng">
-                      <a:noFill/>
-                    </a:lnB>
-                    <a:lnTlToBr w="12700" cmpd="sng">
-                      <a:noFill/>
-                      <a:prstDash val="solid"/>
-                    </a:lnTlToBr>
-                    <a:lnBlToTr w="12700" cmpd="sng">
-                      <a:noFill/>
-                      <a:prstDash val="solid"/>
-                    </a:lnBlToTr>
-                    <a:noFill/>
-                  </a:tcPr>
-                </a:tc>
-                <a:extLst>
-                  <a:ext uri="{0D108BD9-81ED-4DB2-BD59-A6C34878D82A}">
-                    <a16:rowId xmlns:a16="http://schemas.microsoft.com/office/drawing/2014/main" val="2550825263"/>
-                  </a:ext>
-                </a:extLst>
-              </a:tr>
-              <a:tr h="324000">
-                <a:tc>
-                  <a:txBody>
-                    <a:bodyPr/>
-                    <a:lstStyle/>
-                    <a:p>
-                      <a:pPr marL="0" algn="l" defTabSz="914400" rtl="0" eaLnBrk="1" latinLnBrk="0" hangingPunct="1"/>
-                      <a:r>
-                        <a:rPr lang="en-US" sz="1200" b="1" kern="1200" dirty="0">
-                          <a:solidFill>
-                            <a:srgbClr val="0F1722"/>
-                          </a:solidFill>
-                          <a:latin typeface="Segoe UI" panose="020B0502040204020203" pitchFamily="34" charset="0"/>
-                          <a:ea typeface="+mn-ea"/>
-                          <a:cs typeface="Segoe UI" panose="020B0502040204020203" pitchFamily="34" charset="0"/>
-                        </a:rPr>
-                        <a:t>Jobs</a:t>
-                      </a:r>
-                      <a:endParaRPr lang="ru-RU" sz="1200" b="1" kern="1200" dirty="0">
-                        <a:solidFill>
-                          <a:srgbClr val="0F1722"/>
-                        </a:solidFill>
-                        <a:latin typeface="Segoe UI" panose="020B0502040204020203" pitchFamily="34" charset="0"/>
-                        <a:ea typeface="+mn-ea"/>
-                        <a:cs typeface="Segoe UI" panose="020B0502040204020203" pitchFamily="34" charset="0"/>
-                      </a:endParaRPr>
-                    </a:p>
-                  </a:txBody>
-                  <a:tcPr anchor="ctr">
-                    <a:lnL w="12700" cmpd="sng">
-                      <a:noFill/>
-                    </a:lnL>
-                    <a:lnR w="12700" cmpd="sng">
-                      <a:noFill/>
-                    </a:lnR>
-                    <a:lnT w="12700" cmpd="sng">
-                      <a:noFill/>
-                    </a:lnT>
-                    <a:lnB w="12700" cmpd="sng">
-                      <a:noFill/>
-                    </a:lnB>
-                    <a:lnTlToBr w="12700" cmpd="sng">
-                      <a:noFill/>
-                      <a:prstDash val="solid"/>
-                    </a:lnTlToBr>
-                    <a:lnBlToTr w="12700" cmpd="sng">
-                      <a:noFill/>
-                      <a:prstDash val="solid"/>
-                    </a:lnBlToTr>
-                    <a:solidFill>
-                      <a:schemeClr val="tx1"/>
-                    </a:solidFill>
-                  </a:tcPr>
-                </a:tc>
-                <a:tc>
-                  <a:txBody>
-                    <a:bodyPr/>
-                    <a:lstStyle/>
-                    <a:p>
-                      <a:pPr marL="0" algn="r" defTabSz="914400" rtl="0" eaLnBrk="1" latinLnBrk="0" hangingPunct="1"/>
-                      <a:r>
-                        <a:rPr lang="en-US" sz="1400" i="0" kern="1200" dirty="0">
-                          <a:solidFill>
-                            <a:schemeClr val="bg2">
-                              <a:lumMod val="95000"/>
-                            </a:schemeClr>
-                          </a:solidFill>
-                          <a:latin typeface="+mn-lt"/>
-                          <a:ea typeface="+mn-ea"/>
-                          <a:cs typeface="+mn-cs"/>
-                        </a:rPr>
-                        <a:t>500,000</a:t>
-                      </a:r>
-                      <a:endParaRPr lang="ru-RU" sz="1400" i="0" kern="1200" dirty="0">
-                        <a:solidFill>
-                          <a:schemeClr val="bg2">
-                            <a:lumMod val="95000"/>
-                          </a:schemeClr>
-                        </a:solidFill>
-                        <a:latin typeface="+mn-lt"/>
-                        <a:ea typeface="+mn-ea"/>
-                        <a:cs typeface="+mn-cs"/>
-                      </a:endParaRPr>
-                    </a:p>
-                  </a:txBody>
-                  <a:tcPr anchor="ctr">
-                    <a:lnL w="12700" cmpd="sng">
-                      <a:noFill/>
-                    </a:lnL>
-                    <a:lnR w="12700" cmpd="sng">
-                      <a:noFill/>
-                    </a:lnR>
-                    <a:lnT w="12700" cmpd="sng">
-                      <a:noFill/>
-                    </a:lnT>
-                    <a:lnB w="12700" cmpd="sng">
-                      <a:noFill/>
-                    </a:lnB>
-                    <a:lnTlToBr w="12700" cmpd="sng">
-                      <a:noFill/>
-                      <a:prstDash val="solid"/>
-                    </a:lnTlToBr>
-                    <a:lnBlToTr w="12700" cmpd="sng">
-                      <a:noFill/>
-                      <a:prstDash val="solid"/>
-                    </a:lnBlToTr>
-                    <a:solidFill>
-                      <a:srgbClr val="1B2434"/>
-                    </a:solidFill>
-                  </a:tcPr>
-                </a:tc>
-                <a:tc>
-                  <a:txBody>
-                    <a:bodyPr/>
-                    <a:lstStyle/>
-                    <a:p>
-                      <a:pPr marL="0" algn="r" defTabSz="914400" rtl="0" eaLnBrk="1" latinLnBrk="0" hangingPunct="1"/>
-                      <a:r>
-                        <a:rPr lang="en-US" sz="1400" i="0" kern="1200" dirty="0">
-                          <a:solidFill>
-                            <a:schemeClr val="bg2">
-                              <a:lumMod val="95000"/>
-                            </a:schemeClr>
-                          </a:solidFill>
-                          <a:latin typeface="+mn-lt"/>
-                          <a:ea typeface="+mn-ea"/>
-                          <a:cs typeface="+mn-cs"/>
-                        </a:rPr>
-                        <a:t>4,000,000</a:t>
-                      </a:r>
-                      <a:endParaRPr lang="ru-RU" sz="1400" i="0" kern="1200" dirty="0">
-                        <a:solidFill>
-                          <a:schemeClr val="bg2">
-                            <a:lumMod val="95000"/>
-                          </a:schemeClr>
-                        </a:solidFill>
-                        <a:latin typeface="+mn-lt"/>
-                        <a:ea typeface="+mn-ea"/>
-                        <a:cs typeface="+mn-cs"/>
-                      </a:endParaRPr>
-                    </a:p>
-                  </a:txBody>
-                  <a:tcPr anchor="ctr">
-                    <a:lnL w="12700" cmpd="sng">
-                      <a:noFill/>
-                    </a:lnL>
-                    <a:lnR w="12700" cmpd="sng">
-                      <a:noFill/>
-                    </a:lnR>
-                    <a:lnT w="12700" cmpd="sng">
-                      <a:noFill/>
-                    </a:lnT>
-                    <a:lnB w="12700" cmpd="sng">
-                      <a:noFill/>
-                    </a:lnB>
-                    <a:lnTlToBr w="12700" cmpd="sng">
-                      <a:noFill/>
-                      <a:prstDash val="solid"/>
-                    </a:lnTlToBr>
-                    <a:lnBlToTr w="12700" cmpd="sng">
-                      <a:noFill/>
-                      <a:prstDash val="solid"/>
-                    </a:lnBlToTr>
-                    <a:solidFill>
-                      <a:srgbClr val="1B2434"/>
-                    </a:solidFill>
-                  </a:tcPr>
-                </a:tc>
-                <a:tc>
-                  <a:txBody>
-                    <a:bodyPr/>
-                    <a:lstStyle/>
-                    <a:p>
-                      <a:pPr marL="0" algn="r" defTabSz="914400" rtl="0" eaLnBrk="1" latinLnBrk="0" hangingPunct="1"/>
-                      <a:r>
-                        <a:rPr lang="en-US" sz="1400" i="0" kern="1200" dirty="0">
-                          <a:solidFill>
-                            <a:schemeClr val="bg2">
-                              <a:lumMod val="95000"/>
-                            </a:schemeClr>
-                          </a:solidFill>
-                          <a:latin typeface="+mn-lt"/>
-                          <a:ea typeface="+mn-ea"/>
-                          <a:cs typeface="+mn-cs"/>
-                        </a:rPr>
-                        <a:t>16,000,000</a:t>
-                      </a:r>
-                      <a:endParaRPr lang="ru-RU" sz="1400" i="0" kern="1200" dirty="0">
-                        <a:solidFill>
-                          <a:schemeClr val="bg2">
-                            <a:lumMod val="95000"/>
-                          </a:schemeClr>
-                        </a:solidFill>
-                        <a:latin typeface="+mn-lt"/>
-                        <a:ea typeface="+mn-ea"/>
-                        <a:cs typeface="+mn-cs"/>
-                      </a:endParaRPr>
-                    </a:p>
-                  </a:txBody>
-                  <a:tcPr anchor="ctr">
-                    <a:lnL w="12700" cmpd="sng">
-                      <a:noFill/>
-                    </a:lnL>
-                    <a:lnR w="12700" cmpd="sng">
-                      <a:noFill/>
-                    </a:lnR>
-                    <a:lnT w="12700" cmpd="sng">
-                      <a:noFill/>
-                    </a:lnT>
-                    <a:lnB w="12700" cmpd="sng">
-                      <a:noFill/>
-                    </a:lnB>
-                    <a:lnTlToBr w="12700" cmpd="sng">
-                      <a:noFill/>
-                      <a:prstDash val="solid"/>
-                    </a:lnTlToBr>
-                    <a:lnBlToTr w="12700" cmpd="sng">
-                      <a:noFill/>
-                      <a:prstDash val="solid"/>
-                    </a:lnBlToTr>
-                    <a:solidFill>
-                      <a:srgbClr val="1B2434"/>
-                    </a:solidFill>
-                  </a:tcPr>
-                </a:tc>
-                <a:tc>
-                  <a:txBody>
-                    <a:bodyPr/>
-                    <a:lstStyle/>
-                    <a:p>
-                      <a:pPr marL="0" algn="ctr" defTabSz="914400" rtl="0" eaLnBrk="1" latinLnBrk="0" hangingPunct="1"/>
-                      <a:endParaRPr lang="ru-RU" sz="1400" i="0" kern="1200" dirty="0">
-                        <a:solidFill>
-                          <a:schemeClr val="bg2">
-                            <a:lumMod val="95000"/>
-                          </a:schemeClr>
-                        </a:solidFill>
-                        <a:latin typeface="+mn-lt"/>
-                        <a:ea typeface="+mn-ea"/>
-                        <a:cs typeface="+mn-cs"/>
-                      </a:endParaRPr>
-                    </a:p>
-                  </a:txBody>
-                  <a:tcPr anchor="ctr">
-                    <a:lnL w="12700" cmpd="sng">
-                      <a:noFill/>
-                    </a:lnL>
-                    <a:lnR w="12700" cmpd="sng">
-                      <a:noFill/>
-                    </a:lnR>
-                    <a:lnT w="12700" cmpd="sng">
-                      <a:noFill/>
-                    </a:lnT>
-                    <a:lnB w="12700" cmpd="sng">
-                      <a:noFill/>
-                    </a:lnB>
-                    <a:lnTlToBr w="12700" cmpd="sng">
-                      <a:noFill/>
-                      <a:prstDash val="solid"/>
-                    </a:lnTlToBr>
-                    <a:lnBlToTr w="12700" cmpd="sng">
-                      <a:noFill/>
-                      <a:prstDash val="solid"/>
-                    </a:lnBlToTr>
-                    <a:noFill/>
-                  </a:tcPr>
-                </a:tc>
-                <a:extLst>
-                  <a:ext uri="{0D108BD9-81ED-4DB2-BD59-A6C34878D82A}">
-                    <a16:rowId xmlns:a16="http://schemas.microsoft.com/office/drawing/2014/main" val="3188612503"/>
-                  </a:ext>
-                </a:extLst>
-              </a:tr>
-              <a:tr h="324000">
-                <a:tc>
-                  <a:txBody>
-                    <a:bodyPr/>
-                    <a:lstStyle/>
-                    <a:p>
-                      <a:pPr marL="0" algn="l" defTabSz="914400" rtl="0" eaLnBrk="1" latinLnBrk="0" hangingPunct="1"/>
-                      <a:r>
-                        <a:rPr lang="en-US" sz="1200" b="1" kern="1200" dirty="0">
-                          <a:solidFill>
-                            <a:srgbClr val="0F1722"/>
-                          </a:solidFill>
-                          <a:latin typeface="Segoe UI" panose="020B0502040204020203" pitchFamily="34" charset="0"/>
-                          <a:ea typeface="+mn-ea"/>
-                          <a:cs typeface="Segoe UI" panose="020B0502040204020203" pitchFamily="34" charset="0"/>
-                        </a:rPr>
-                        <a:t>Average price per job</a:t>
-                      </a:r>
-                      <a:endParaRPr lang="ru-RU" sz="1200" b="1" kern="1200" dirty="0">
-                        <a:solidFill>
-                          <a:srgbClr val="0F1722"/>
-                        </a:solidFill>
-                        <a:latin typeface="Segoe UI" panose="020B0502040204020203" pitchFamily="34" charset="0"/>
-                        <a:ea typeface="+mn-ea"/>
-                        <a:cs typeface="Segoe UI" panose="020B0502040204020203" pitchFamily="34" charset="0"/>
-                      </a:endParaRPr>
-                    </a:p>
-                  </a:txBody>
-                  <a:tcPr anchor="ctr">
-                    <a:lnL w="12700" cmpd="sng">
-                      <a:noFill/>
-                    </a:lnL>
-                    <a:lnR w="12700" cmpd="sng">
-                      <a:noFill/>
-                    </a:lnR>
-                    <a:lnT w="12700" cmpd="sng">
-                      <a:noFill/>
-                    </a:lnT>
-                    <a:lnB w="12700" cmpd="sng">
-                      <a:noFill/>
-                    </a:lnB>
-                    <a:lnTlToBr w="12700" cmpd="sng">
-                      <a:noFill/>
-                      <a:prstDash val="solid"/>
-                    </a:lnTlToBr>
-                    <a:lnBlToTr w="12700" cmpd="sng">
-                      <a:noFill/>
-                      <a:prstDash val="solid"/>
-                    </a:lnBlToTr>
-                    <a:solidFill>
-                      <a:schemeClr val="tx1"/>
-                    </a:solidFill>
-                  </a:tcPr>
-                </a:tc>
-                <a:tc>
-                  <a:txBody>
-                    <a:bodyPr/>
-                    <a:lstStyle/>
-                    <a:p>
-                      <a:pPr marL="0" algn="r" defTabSz="914400" rtl="0" eaLnBrk="1" latinLnBrk="0" hangingPunct="1"/>
-                      <a:r>
-                        <a:rPr lang="en-US" sz="1400" i="0" kern="1200" dirty="0">
-                          <a:solidFill>
-                            <a:schemeClr val="bg2">
-                              <a:lumMod val="95000"/>
-                            </a:schemeClr>
-                          </a:solidFill>
-                          <a:latin typeface="+mn-lt"/>
-                          <a:ea typeface="+mn-ea"/>
-                          <a:cs typeface="+mn-cs"/>
-                        </a:rPr>
-                        <a:t>75</a:t>
-                      </a:r>
-                      <a:endParaRPr lang="ru-RU" sz="1400" i="0" kern="1200" dirty="0">
-                        <a:solidFill>
-                          <a:schemeClr val="bg2">
-                            <a:lumMod val="95000"/>
-                          </a:schemeClr>
-                        </a:solidFill>
-                        <a:latin typeface="+mn-lt"/>
-                        <a:ea typeface="+mn-ea"/>
-                        <a:cs typeface="+mn-cs"/>
-                      </a:endParaRPr>
-                    </a:p>
-                  </a:txBody>
-                  <a:tcPr anchor="ctr">
-                    <a:lnL w="12700" cmpd="sng">
-                      <a:noFill/>
-                    </a:lnL>
-                    <a:lnR w="12700" cmpd="sng">
-                      <a:noFill/>
-                    </a:lnR>
-                    <a:lnT w="12700" cmpd="sng">
-                      <a:noFill/>
-                    </a:lnT>
-                    <a:lnB w="12700" cmpd="sng">
-                      <a:noFill/>
-                    </a:lnB>
-                    <a:lnTlToBr w="12700" cmpd="sng">
-                      <a:noFill/>
-                      <a:prstDash val="solid"/>
-                    </a:lnTlToBr>
-                    <a:lnBlToTr w="12700" cmpd="sng">
-                      <a:noFill/>
-                      <a:prstDash val="solid"/>
-                    </a:lnBlToTr>
-                    <a:noFill/>
-                  </a:tcPr>
-                </a:tc>
-                <a:tc>
-                  <a:txBody>
-                    <a:bodyPr/>
-                    <a:lstStyle/>
-                    <a:p>
-                      <a:pPr marL="0" algn="r" defTabSz="914400" rtl="0" eaLnBrk="1" latinLnBrk="0" hangingPunct="1"/>
-                      <a:r>
-                        <a:rPr lang="en-US" sz="1400" i="0" kern="1200" dirty="0">
-                          <a:solidFill>
-                            <a:schemeClr val="bg2">
-                              <a:lumMod val="95000"/>
-                            </a:schemeClr>
-                          </a:solidFill>
-                          <a:latin typeface="+mn-lt"/>
-                          <a:ea typeface="+mn-ea"/>
-                          <a:cs typeface="+mn-cs"/>
-                        </a:rPr>
-                        <a:t>80</a:t>
-                      </a:r>
-                      <a:endParaRPr lang="ru-RU" sz="1400" i="0" kern="1200" dirty="0">
-                        <a:solidFill>
-                          <a:schemeClr val="bg2">
-                            <a:lumMod val="95000"/>
-                          </a:schemeClr>
-                        </a:solidFill>
-                        <a:latin typeface="+mn-lt"/>
-                        <a:ea typeface="+mn-ea"/>
-                        <a:cs typeface="+mn-cs"/>
-                      </a:endParaRPr>
-                    </a:p>
-                  </a:txBody>
-                  <a:tcPr anchor="ctr">
-                    <a:lnL w="12700" cmpd="sng">
-                      <a:noFill/>
-                    </a:lnL>
-                    <a:lnR w="12700" cmpd="sng">
-                      <a:noFill/>
-                    </a:lnR>
-                    <a:lnT w="12700" cmpd="sng">
-                      <a:noFill/>
-                    </a:lnT>
-                    <a:lnB w="12700" cmpd="sng">
-                      <a:noFill/>
-                    </a:lnB>
-                    <a:lnTlToBr w="12700" cmpd="sng">
-                      <a:noFill/>
-                      <a:prstDash val="solid"/>
-                    </a:lnTlToBr>
-                    <a:lnBlToTr w="12700" cmpd="sng">
-                      <a:noFill/>
-                      <a:prstDash val="solid"/>
-                    </a:lnBlToTr>
-                    <a:noFill/>
-                  </a:tcPr>
-                </a:tc>
-                <a:tc>
-                  <a:txBody>
-                    <a:bodyPr/>
-                    <a:lstStyle/>
-                    <a:p>
-                      <a:pPr marL="0" algn="r" defTabSz="914400" rtl="0" eaLnBrk="1" latinLnBrk="0" hangingPunct="1"/>
-                      <a:r>
-                        <a:rPr lang="en-US" sz="1400" i="0" kern="1200" dirty="0">
-                          <a:solidFill>
-                            <a:schemeClr val="bg2">
-                              <a:lumMod val="95000"/>
-                            </a:schemeClr>
-                          </a:solidFill>
-                          <a:latin typeface="+mn-lt"/>
-                          <a:ea typeface="+mn-ea"/>
-                          <a:cs typeface="+mn-cs"/>
-                        </a:rPr>
-                        <a:t>90</a:t>
-                      </a:r>
-                      <a:endParaRPr lang="ru-RU" sz="1400" i="0" kern="1200" dirty="0">
-                        <a:solidFill>
-                          <a:schemeClr val="bg2">
-                            <a:lumMod val="95000"/>
-                          </a:schemeClr>
-                        </a:solidFill>
-                        <a:latin typeface="+mn-lt"/>
-                        <a:ea typeface="+mn-ea"/>
-                        <a:cs typeface="+mn-cs"/>
-                      </a:endParaRPr>
-                    </a:p>
-                  </a:txBody>
-                  <a:tcPr anchor="ctr">
-                    <a:lnL w="12700" cmpd="sng">
-                      <a:noFill/>
-                    </a:lnL>
-                    <a:lnR w="12700" cmpd="sng">
-                      <a:noFill/>
-                    </a:lnR>
-                    <a:lnT w="12700" cmpd="sng">
-                      <a:noFill/>
-                    </a:lnT>
-                    <a:lnB w="12700" cmpd="sng">
-                      <a:noFill/>
-                    </a:lnB>
-                    <a:lnTlToBr w="12700" cmpd="sng">
-                      <a:noFill/>
-                      <a:prstDash val="solid"/>
-                    </a:lnTlToBr>
-                    <a:lnBlToTr w="12700" cmpd="sng">
-                      <a:noFill/>
-                      <a:prstDash val="solid"/>
-                    </a:lnBlToTr>
-                    <a:noFill/>
-                  </a:tcPr>
-                </a:tc>
-                <a:tc>
-                  <a:txBody>
-                    <a:bodyPr/>
-                    <a:lstStyle/>
-                    <a:p>
-                      <a:pPr marL="0" algn="ctr" defTabSz="914400" rtl="0" eaLnBrk="1" latinLnBrk="0" hangingPunct="1"/>
-                      <a:endParaRPr lang="ru-RU" sz="1400" i="0" kern="1200" dirty="0">
-                        <a:solidFill>
-                          <a:schemeClr val="bg2">
-                            <a:lumMod val="95000"/>
-                          </a:schemeClr>
-                        </a:solidFill>
-                        <a:latin typeface="+mn-lt"/>
-                        <a:ea typeface="+mn-ea"/>
-                        <a:cs typeface="+mn-cs"/>
-                      </a:endParaRPr>
-                    </a:p>
-                  </a:txBody>
-                  <a:tcPr anchor="ctr">
-                    <a:lnL w="12700" cmpd="sng">
-                      <a:noFill/>
-                    </a:lnL>
-                    <a:lnR w="12700" cmpd="sng">
-                      <a:noFill/>
-                    </a:lnR>
-                    <a:lnT w="12700" cmpd="sng">
-                      <a:noFill/>
-                    </a:lnT>
-                    <a:lnB w="12700" cmpd="sng">
-                      <a:noFill/>
-                    </a:lnB>
-                    <a:lnTlToBr w="12700" cmpd="sng">
-                      <a:noFill/>
-                      <a:prstDash val="solid"/>
-                    </a:lnTlToBr>
-                    <a:lnBlToTr w="12700" cmpd="sng">
-                      <a:noFill/>
-                      <a:prstDash val="solid"/>
-                    </a:lnBlToTr>
-                    <a:noFill/>
-                  </a:tcPr>
-                </a:tc>
-                <a:extLst>
-                  <a:ext uri="{0D108BD9-81ED-4DB2-BD59-A6C34878D82A}">
-                    <a16:rowId xmlns:a16="http://schemas.microsoft.com/office/drawing/2014/main" val="4025380785"/>
-                  </a:ext>
-                </a:extLst>
-              </a:tr>
-              <a:tr h="324000">
-                <a:tc>
-                  <a:txBody>
-                    <a:bodyPr/>
-                    <a:lstStyle/>
-                    <a:p>
-                      <a:pPr marL="0" algn="l" defTabSz="914400" rtl="0" eaLnBrk="1" latinLnBrk="0" hangingPunct="1"/>
-                      <a:r>
-                        <a:rPr lang="en-US" sz="1200" b="1" kern="1200" dirty="0">
-                          <a:solidFill>
-                            <a:srgbClr val="0F1722"/>
-                          </a:solidFill>
-                          <a:latin typeface="Segoe UI" panose="020B0502040204020203" pitchFamily="34" charset="0"/>
-                          <a:ea typeface="+mn-ea"/>
-                          <a:cs typeface="Segoe UI" panose="020B0502040204020203" pitchFamily="34" charset="0"/>
-                        </a:rPr>
-                        <a:t>COMPANY REVENUE @15%</a:t>
-                      </a:r>
-                      <a:endParaRPr lang="ru-RU" sz="1200" b="1" kern="1200" dirty="0">
-                        <a:solidFill>
-                          <a:srgbClr val="0F1722"/>
-                        </a:solidFill>
-                        <a:latin typeface="Segoe UI" panose="020B0502040204020203" pitchFamily="34" charset="0"/>
-                        <a:ea typeface="+mn-ea"/>
-                        <a:cs typeface="Segoe UI" panose="020B0502040204020203" pitchFamily="34" charset="0"/>
-                      </a:endParaRPr>
-                    </a:p>
-                  </a:txBody>
-                  <a:tcPr anchor="ctr">
-                    <a:lnL w="12700" cmpd="sng">
-                      <a:noFill/>
-                    </a:lnL>
-                    <a:lnR w="12700" cmpd="sng">
-                      <a:noFill/>
-                    </a:lnR>
-                    <a:lnT w="12700" cmpd="sng">
-                      <a:noFill/>
-                    </a:lnT>
-                    <a:lnB w="12700" cmpd="sng">
-                      <a:noFill/>
-                    </a:lnB>
-                    <a:lnTlToBr w="12700" cmpd="sng">
-                      <a:noFill/>
-                      <a:prstDash val="solid"/>
-                    </a:lnTlToBr>
-                    <a:lnBlToTr w="12700" cmpd="sng">
-                      <a:noFill/>
-                      <a:prstDash val="solid"/>
-                    </a:lnBlToTr>
-                    <a:solidFill>
-                      <a:schemeClr val="tx1"/>
-                    </a:solidFill>
-                  </a:tcPr>
-                </a:tc>
-                <a:tc>
-                  <a:txBody>
-                    <a:bodyPr/>
-                    <a:lstStyle/>
-                    <a:p>
-                      <a:pPr marL="0" algn="r" defTabSz="914400" rtl="0" eaLnBrk="1" latinLnBrk="0" hangingPunct="1"/>
-                      <a:r>
-                        <a:rPr lang="en-US" sz="1400" i="0" kern="1200" dirty="0">
-                          <a:solidFill>
-                            <a:schemeClr val="bg2">
-                              <a:lumMod val="95000"/>
-                            </a:schemeClr>
-                          </a:solidFill>
-                          <a:latin typeface="+mn-lt"/>
-                          <a:ea typeface="+mn-ea"/>
-                          <a:cs typeface="+mn-cs"/>
-                        </a:rPr>
-                        <a:t>5,625,000</a:t>
-                      </a:r>
-                      <a:endParaRPr lang="ru-RU" sz="1400" i="0" kern="1200" dirty="0">
-                        <a:solidFill>
-                          <a:schemeClr val="bg2">
-                            <a:lumMod val="95000"/>
-                          </a:schemeClr>
-                        </a:solidFill>
-                        <a:latin typeface="+mn-lt"/>
-                        <a:ea typeface="+mn-ea"/>
-                        <a:cs typeface="+mn-cs"/>
-                      </a:endParaRPr>
-                    </a:p>
-                  </a:txBody>
-                  <a:tcPr anchor="ctr">
-                    <a:lnL w="12700" cmpd="sng">
-                      <a:noFill/>
-                    </a:lnL>
-                    <a:lnR w="12700" cmpd="sng">
-                      <a:noFill/>
-                    </a:lnR>
-                    <a:lnT w="12700" cmpd="sng">
-                      <a:noFill/>
-                    </a:lnT>
-                    <a:lnB w="12700" cmpd="sng">
-                      <a:noFill/>
-                    </a:lnB>
-                    <a:lnTlToBr w="12700" cmpd="sng">
-                      <a:noFill/>
-                      <a:prstDash val="solid"/>
-                    </a:lnTlToBr>
-                    <a:lnBlToTr w="12700" cmpd="sng">
-                      <a:noFill/>
-                      <a:prstDash val="solid"/>
-                    </a:lnBlToTr>
-                    <a:solidFill>
-                      <a:srgbClr val="1B2434"/>
-                    </a:solidFill>
-                  </a:tcPr>
-                </a:tc>
-                <a:tc>
-                  <a:txBody>
-                    <a:bodyPr/>
-                    <a:lstStyle/>
-                    <a:p>
-                      <a:pPr marL="0" algn="r" defTabSz="914400" rtl="0" eaLnBrk="1" latinLnBrk="0" hangingPunct="1"/>
-                      <a:r>
-                        <a:rPr lang="en-US" sz="1400" i="0" kern="1200" dirty="0">
-                          <a:solidFill>
-                            <a:schemeClr val="bg2">
-                              <a:lumMod val="95000"/>
-                            </a:schemeClr>
-                          </a:solidFill>
-                          <a:latin typeface="+mn-lt"/>
-                          <a:ea typeface="+mn-ea"/>
-                          <a:cs typeface="+mn-cs"/>
-                        </a:rPr>
-                        <a:t>48,000,000</a:t>
-                      </a:r>
-                      <a:endParaRPr lang="ru-RU" sz="1400" i="0" kern="1200" dirty="0">
-                        <a:solidFill>
-                          <a:schemeClr val="bg2">
-                            <a:lumMod val="95000"/>
-                          </a:schemeClr>
-                        </a:solidFill>
-                        <a:latin typeface="+mn-lt"/>
-                        <a:ea typeface="+mn-ea"/>
-                        <a:cs typeface="+mn-cs"/>
-                      </a:endParaRPr>
-                    </a:p>
-                  </a:txBody>
-                  <a:tcPr anchor="ctr">
-                    <a:lnL w="12700" cmpd="sng">
-                      <a:noFill/>
-                    </a:lnL>
-                    <a:lnR w="12700" cmpd="sng">
-                      <a:noFill/>
-                    </a:lnR>
-                    <a:lnT w="12700" cmpd="sng">
-                      <a:noFill/>
-                    </a:lnT>
-                    <a:lnB w="12700" cmpd="sng">
-                      <a:noFill/>
-                    </a:lnB>
-                    <a:lnTlToBr w="12700" cmpd="sng">
-                      <a:noFill/>
-                      <a:prstDash val="solid"/>
-                    </a:lnTlToBr>
-                    <a:lnBlToTr w="12700" cmpd="sng">
-                      <a:noFill/>
-                      <a:prstDash val="solid"/>
-                    </a:lnBlToTr>
-                    <a:solidFill>
-                      <a:srgbClr val="1B2434"/>
-                    </a:solidFill>
-                  </a:tcPr>
-                </a:tc>
-                <a:tc>
-                  <a:txBody>
-                    <a:bodyPr/>
-                    <a:lstStyle/>
-                    <a:p>
-                      <a:pPr marL="0" algn="r" defTabSz="914400" rtl="0" eaLnBrk="1" latinLnBrk="0" hangingPunct="1"/>
-                      <a:r>
-                        <a:rPr lang="en-US" sz="1400" i="0" kern="1200" dirty="0">
-                          <a:solidFill>
-                            <a:schemeClr val="bg2">
-                              <a:lumMod val="95000"/>
-                            </a:schemeClr>
-                          </a:solidFill>
-                          <a:latin typeface="+mn-lt"/>
-                          <a:ea typeface="+mn-ea"/>
-                          <a:cs typeface="+mn-cs"/>
-                        </a:rPr>
-                        <a:t>216,000,000</a:t>
-                      </a:r>
-                      <a:endParaRPr lang="ru-RU" sz="1400" i="0" kern="1200" dirty="0">
-                        <a:solidFill>
-                          <a:schemeClr val="bg2">
-                            <a:lumMod val="95000"/>
-                          </a:schemeClr>
-                        </a:solidFill>
-                        <a:latin typeface="+mn-lt"/>
-                        <a:ea typeface="+mn-ea"/>
-                        <a:cs typeface="+mn-cs"/>
-                      </a:endParaRPr>
-                    </a:p>
-                  </a:txBody>
-                  <a:tcPr anchor="ctr">
-                    <a:lnL w="12700" cmpd="sng">
-                      <a:noFill/>
-                    </a:lnL>
-                    <a:lnR w="12700" cmpd="sng">
-                      <a:noFill/>
-                    </a:lnR>
-                    <a:lnT w="12700" cmpd="sng">
-                      <a:noFill/>
-                    </a:lnT>
-                    <a:lnB w="12700" cmpd="sng">
-                      <a:noFill/>
-                    </a:lnB>
-                    <a:lnTlToBr w="12700" cmpd="sng">
-                      <a:noFill/>
-                      <a:prstDash val="solid"/>
-                    </a:lnTlToBr>
-                    <a:lnBlToTr w="12700" cmpd="sng">
-                      <a:noFill/>
-                      <a:prstDash val="solid"/>
-                    </a:lnBlToTr>
-                    <a:solidFill>
-                      <a:srgbClr val="1B2434"/>
-                    </a:solidFill>
-                  </a:tcPr>
-                </a:tc>
-                <a:tc>
-                  <a:txBody>
-                    <a:bodyPr/>
-                    <a:lstStyle/>
-                    <a:p>
-                      <a:pPr marL="0" algn="ctr" defTabSz="914400" rtl="0" eaLnBrk="1" latinLnBrk="0" hangingPunct="1"/>
-                      <a:endParaRPr lang="ru-RU" sz="1400" i="0" kern="1200" dirty="0">
-                        <a:solidFill>
-                          <a:schemeClr val="bg2">
-                            <a:lumMod val="95000"/>
-                          </a:schemeClr>
-                        </a:solidFill>
-                        <a:latin typeface="+mn-lt"/>
-                        <a:ea typeface="+mn-ea"/>
-                        <a:cs typeface="+mn-cs"/>
-                      </a:endParaRPr>
-                    </a:p>
-                  </a:txBody>
-                  <a:tcPr anchor="ctr">
-                    <a:lnL w="12700" cmpd="sng">
-                      <a:noFill/>
-                    </a:lnL>
-                    <a:lnR w="12700" cmpd="sng">
-                      <a:noFill/>
-                    </a:lnR>
-                    <a:lnT w="12700" cmpd="sng">
-                      <a:noFill/>
-                    </a:lnT>
-                    <a:lnB w="12700" cmpd="sng">
-                      <a:noFill/>
-                    </a:lnB>
-                    <a:lnTlToBr w="12700" cmpd="sng">
-                      <a:noFill/>
-                      <a:prstDash val="solid"/>
-                    </a:lnTlToBr>
-                    <a:lnBlToTr w="12700" cmpd="sng">
-                      <a:noFill/>
-                      <a:prstDash val="solid"/>
-                    </a:lnBlToTr>
-                    <a:noFill/>
-                  </a:tcPr>
-                </a:tc>
-                <a:extLst>
-                  <a:ext uri="{0D108BD9-81ED-4DB2-BD59-A6C34878D82A}">
-                    <a16:rowId xmlns:a16="http://schemas.microsoft.com/office/drawing/2014/main" val="3114977462"/>
-                  </a:ext>
-                </a:extLst>
-              </a:tr>
-              <a:tr h="324000">
-                <a:tc>
-                  <a:txBody>
-                    <a:bodyPr/>
-                    <a:lstStyle/>
-                    <a:p>
-                      <a:pPr marL="0" algn="l" defTabSz="914400" rtl="0" eaLnBrk="1" latinLnBrk="0" hangingPunct="1"/>
-                      <a:r>
-                        <a:rPr lang="en-US" sz="1200" b="1" kern="1200" dirty="0">
-                          <a:solidFill>
-                            <a:srgbClr val="0F1722"/>
-                          </a:solidFill>
-                          <a:latin typeface="Segoe UI" panose="020B0502040204020203" pitchFamily="34" charset="0"/>
-                          <a:ea typeface="+mn-ea"/>
-                          <a:cs typeface="Segoe UI" panose="020B0502040204020203" pitchFamily="34" charset="0"/>
-                        </a:rPr>
-                        <a:t>- Cost of Revenue</a:t>
-                      </a:r>
-                      <a:endParaRPr lang="ru-RU" sz="1200" b="1" kern="1200" dirty="0">
-                        <a:solidFill>
-                          <a:srgbClr val="0F1722"/>
-                        </a:solidFill>
-                        <a:latin typeface="Segoe UI" panose="020B0502040204020203" pitchFamily="34" charset="0"/>
-                        <a:ea typeface="+mn-ea"/>
-                        <a:cs typeface="Segoe UI" panose="020B0502040204020203" pitchFamily="34" charset="0"/>
-                      </a:endParaRPr>
-                    </a:p>
-                  </a:txBody>
-                  <a:tcPr anchor="ctr">
-                    <a:lnL w="12700" cmpd="sng">
-                      <a:noFill/>
-                    </a:lnL>
-                    <a:lnR w="12700" cmpd="sng">
-                      <a:noFill/>
-                    </a:lnR>
-                    <a:lnT w="12700" cmpd="sng">
-                      <a:noFill/>
-                    </a:lnT>
-                    <a:lnB w="12700" cmpd="sng">
-                      <a:noFill/>
-                    </a:lnB>
-                    <a:lnTlToBr w="12700" cmpd="sng">
-                      <a:noFill/>
-                      <a:prstDash val="solid"/>
-                    </a:lnTlToBr>
-                    <a:lnBlToTr w="12700" cmpd="sng">
-                      <a:noFill/>
-                      <a:prstDash val="solid"/>
-                    </a:lnBlToTr>
-                    <a:solidFill>
-                      <a:schemeClr val="tx1"/>
-                    </a:solidFill>
-                  </a:tcPr>
-                </a:tc>
-                <a:tc>
-                  <a:txBody>
-                    <a:bodyPr/>
-                    <a:lstStyle/>
-                    <a:p>
-                      <a:pPr marL="0" algn="r" defTabSz="914400" rtl="0" eaLnBrk="1" latinLnBrk="0" hangingPunct="1"/>
-                      <a:r>
-                        <a:rPr lang="en-US" sz="1400" i="0" kern="1200" dirty="0">
-                          <a:solidFill>
-                            <a:schemeClr val="bg2">
-                              <a:lumMod val="95000"/>
-                            </a:schemeClr>
-                          </a:solidFill>
-                          <a:latin typeface="+mn-lt"/>
-                          <a:ea typeface="+mn-ea"/>
-                          <a:cs typeface="+mn-cs"/>
-                        </a:rPr>
-                        <a:t>0</a:t>
-                      </a:r>
-                      <a:endParaRPr lang="ru-RU" sz="1400" i="0" kern="1200" dirty="0">
-                        <a:solidFill>
-                          <a:schemeClr val="bg2">
-                            <a:lumMod val="95000"/>
-                          </a:schemeClr>
-                        </a:solidFill>
-                        <a:latin typeface="+mn-lt"/>
-                        <a:ea typeface="+mn-ea"/>
-                        <a:cs typeface="+mn-cs"/>
-                      </a:endParaRPr>
-                    </a:p>
-                  </a:txBody>
-                  <a:tcPr anchor="ctr">
-                    <a:lnL w="12700" cmpd="sng">
-                      <a:noFill/>
-                    </a:lnL>
-                    <a:lnR w="12700" cmpd="sng">
-                      <a:noFill/>
-                    </a:lnR>
-                    <a:lnT w="12700" cmpd="sng">
-                      <a:noFill/>
-                    </a:lnT>
-                    <a:lnB w="12700" cmpd="sng">
-                      <a:noFill/>
-                    </a:lnB>
-                    <a:lnTlToBr w="12700" cmpd="sng">
-                      <a:noFill/>
-                      <a:prstDash val="solid"/>
-                    </a:lnTlToBr>
-                    <a:lnBlToTr w="12700" cmpd="sng">
-                      <a:noFill/>
-                      <a:prstDash val="solid"/>
-                    </a:lnBlToTr>
-                    <a:noFill/>
-                  </a:tcPr>
-                </a:tc>
-                <a:tc>
-                  <a:txBody>
-                    <a:bodyPr/>
-                    <a:lstStyle/>
-                    <a:p>
-                      <a:pPr marL="0" algn="r" defTabSz="914400" rtl="0" eaLnBrk="1" latinLnBrk="0" hangingPunct="1"/>
-                      <a:r>
-                        <a:rPr lang="en-US" sz="1400" i="0" kern="1200" dirty="0">
-                          <a:solidFill>
-                            <a:schemeClr val="bg2">
-                              <a:lumMod val="95000"/>
-                            </a:schemeClr>
-                          </a:solidFill>
-                          <a:latin typeface="+mn-lt"/>
-                          <a:ea typeface="+mn-ea"/>
-                          <a:cs typeface="+mn-cs"/>
-                        </a:rPr>
-                        <a:t>0</a:t>
-                      </a:r>
-                      <a:endParaRPr lang="ru-RU" sz="1400" i="0" kern="1200" dirty="0">
-                        <a:solidFill>
-                          <a:schemeClr val="bg2">
-                            <a:lumMod val="95000"/>
-                          </a:schemeClr>
-                        </a:solidFill>
-                        <a:latin typeface="+mn-lt"/>
-                        <a:ea typeface="+mn-ea"/>
-                        <a:cs typeface="+mn-cs"/>
-                      </a:endParaRPr>
-                    </a:p>
-                  </a:txBody>
-                  <a:tcPr anchor="ctr">
-                    <a:lnL w="12700" cmpd="sng">
-                      <a:noFill/>
-                    </a:lnL>
-                    <a:lnR w="12700" cmpd="sng">
-                      <a:noFill/>
-                    </a:lnR>
-                    <a:lnT w="12700" cmpd="sng">
-                      <a:noFill/>
-                    </a:lnT>
-                    <a:lnB w="12700" cmpd="sng">
-                      <a:noFill/>
-                    </a:lnB>
-                    <a:lnTlToBr w="12700" cmpd="sng">
-                      <a:noFill/>
-                      <a:prstDash val="solid"/>
-                    </a:lnTlToBr>
-                    <a:lnBlToTr w="12700" cmpd="sng">
-                      <a:noFill/>
-                      <a:prstDash val="solid"/>
-                    </a:lnBlToTr>
-                    <a:noFill/>
-                  </a:tcPr>
-                </a:tc>
-                <a:tc>
-                  <a:txBody>
-                    <a:bodyPr/>
-                    <a:lstStyle/>
-                    <a:p>
-                      <a:pPr marL="0" algn="r" defTabSz="914400" rtl="0" eaLnBrk="1" latinLnBrk="0" hangingPunct="1"/>
-                      <a:r>
-                        <a:rPr lang="en-US" sz="1400" i="0" kern="1200" dirty="0">
-                          <a:solidFill>
-                            <a:schemeClr val="bg2">
-                              <a:lumMod val="95000"/>
-                            </a:schemeClr>
-                          </a:solidFill>
-                          <a:latin typeface="+mn-lt"/>
-                          <a:ea typeface="+mn-ea"/>
-                          <a:cs typeface="+mn-cs"/>
-                        </a:rPr>
-                        <a:t>0</a:t>
-                      </a:r>
-                      <a:endParaRPr lang="ru-RU" sz="1400" i="0" kern="1200" dirty="0">
-                        <a:solidFill>
-                          <a:schemeClr val="bg2">
-                            <a:lumMod val="95000"/>
-                          </a:schemeClr>
-                        </a:solidFill>
-                        <a:latin typeface="+mn-lt"/>
-                        <a:ea typeface="+mn-ea"/>
-                        <a:cs typeface="+mn-cs"/>
-                      </a:endParaRPr>
-                    </a:p>
-                  </a:txBody>
-                  <a:tcPr anchor="ctr">
-                    <a:lnL w="12700" cmpd="sng">
-                      <a:noFill/>
-                    </a:lnL>
-                    <a:lnR w="12700" cmpd="sng">
-                      <a:noFill/>
-                    </a:lnR>
-                    <a:lnT w="12700" cmpd="sng">
-                      <a:noFill/>
-                    </a:lnT>
-                    <a:lnB w="12700" cmpd="sng">
-                      <a:noFill/>
-                    </a:lnB>
-                    <a:lnTlToBr w="12700" cmpd="sng">
-                      <a:noFill/>
-                      <a:prstDash val="solid"/>
-                    </a:lnTlToBr>
-                    <a:lnBlToTr w="12700" cmpd="sng">
-                      <a:noFill/>
-                      <a:prstDash val="solid"/>
-                    </a:lnBlToTr>
-                    <a:noFill/>
-                  </a:tcPr>
-                </a:tc>
-                <a:tc>
-                  <a:txBody>
-                    <a:bodyPr/>
-                    <a:lstStyle/>
-                    <a:p>
-                      <a:pPr marL="0" algn="ctr" defTabSz="914400" rtl="0" eaLnBrk="1" latinLnBrk="0" hangingPunct="1"/>
-                      <a:endParaRPr lang="ru-RU" sz="1400" i="0" kern="1200" dirty="0">
-                        <a:solidFill>
-                          <a:schemeClr val="bg2">
-                            <a:lumMod val="95000"/>
-                          </a:schemeClr>
-                        </a:solidFill>
-                        <a:latin typeface="+mn-lt"/>
-                        <a:ea typeface="+mn-ea"/>
-                        <a:cs typeface="+mn-cs"/>
-                      </a:endParaRPr>
-                    </a:p>
-                  </a:txBody>
-                  <a:tcPr anchor="ctr">
-                    <a:lnL w="12700" cmpd="sng">
-                      <a:noFill/>
-                    </a:lnL>
-                    <a:lnR w="12700" cmpd="sng">
-                      <a:noFill/>
-                    </a:lnR>
-                    <a:lnT w="12700" cmpd="sng">
-                      <a:noFill/>
-                    </a:lnT>
-                    <a:lnB w="12700" cmpd="sng">
-                      <a:noFill/>
-                    </a:lnB>
-                    <a:lnTlToBr w="12700" cmpd="sng">
-                      <a:noFill/>
-                      <a:prstDash val="solid"/>
-                    </a:lnTlToBr>
-                    <a:lnBlToTr w="12700" cmpd="sng">
-                      <a:noFill/>
-                      <a:prstDash val="solid"/>
-                    </a:lnBlToTr>
-                    <a:noFill/>
-                  </a:tcPr>
-                </a:tc>
-                <a:extLst>
-                  <a:ext uri="{0D108BD9-81ED-4DB2-BD59-A6C34878D82A}">
-                    <a16:rowId xmlns:a16="http://schemas.microsoft.com/office/drawing/2014/main" val="599806537"/>
-                  </a:ext>
-                </a:extLst>
-              </a:tr>
-              <a:tr h="324000">
-                <a:tc>
-                  <a:txBody>
-                    <a:bodyPr/>
-                    <a:lstStyle/>
-                    <a:p>
-                      <a:pPr marL="0" algn="l" defTabSz="914400" rtl="0" eaLnBrk="1" latinLnBrk="0" hangingPunct="1"/>
-                      <a:r>
-                        <a:rPr lang="en-US" sz="1200" b="1" kern="1200" dirty="0">
-                          <a:solidFill>
-                            <a:srgbClr val="0F1722"/>
-                          </a:solidFill>
-                          <a:latin typeface="Segoe UI" panose="020B0502040204020203" pitchFamily="34" charset="0"/>
-                          <a:ea typeface="+mn-ea"/>
-                          <a:cs typeface="Segoe UI" panose="020B0502040204020203" pitchFamily="34" charset="0"/>
-                        </a:rPr>
-                        <a:t>Gross Profit</a:t>
-                      </a:r>
-                      <a:endParaRPr lang="ru-RU" sz="1200" b="1" kern="1200" dirty="0">
-                        <a:solidFill>
-                          <a:srgbClr val="0F1722"/>
-                        </a:solidFill>
-                        <a:latin typeface="Segoe UI" panose="020B0502040204020203" pitchFamily="34" charset="0"/>
-                        <a:ea typeface="+mn-ea"/>
-                        <a:cs typeface="Segoe UI" panose="020B0502040204020203" pitchFamily="34" charset="0"/>
-                      </a:endParaRPr>
-                    </a:p>
-                  </a:txBody>
-                  <a:tcPr anchor="ctr">
-                    <a:lnL w="12700" cmpd="sng">
-                      <a:noFill/>
-                    </a:lnL>
-                    <a:lnR w="12700" cmpd="sng">
-                      <a:noFill/>
-                    </a:lnR>
-                    <a:lnT w="12700" cmpd="sng">
-                      <a:noFill/>
-                    </a:lnT>
-                    <a:lnB w="12700" cmpd="sng">
-                      <a:noFill/>
-                    </a:lnB>
-                    <a:lnTlToBr w="12700" cmpd="sng">
-                      <a:noFill/>
-                      <a:prstDash val="solid"/>
-                    </a:lnTlToBr>
-                    <a:lnBlToTr w="12700" cmpd="sng">
-                      <a:noFill/>
-                      <a:prstDash val="solid"/>
-                    </a:lnBlToTr>
-                    <a:solidFill>
-                      <a:schemeClr val="tx1"/>
-                    </a:solidFill>
-                  </a:tcPr>
-                </a:tc>
-                <a:tc>
-                  <a:txBody>
-                    <a:bodyPr/>
-                    <a:lstStyle/>
-                    <a:p>
-                      <a:pPr marL="0" algn="r" defTabSz="914400" rtl="0" eaLnBrk="1" latinLnBrk="0" hangingPunct="1"/>
-                      <a:r>
-                        <a:rPr lang="en-US" sz="1400" i="0" kern="1200" dirty="0">
-                          <a:solidFill>
-                            <a:schemeClr val="bg2">
-                              <a:lumMod val="95000"/>
-                            </a:schemeClr>
-                          </a:solidFill>
-                          <a:latin typeface="+mn-lt"/>
-                          <a:ea typeface="+mn-ea"/>
-                          <a:cs typeface="+mn-cs"/>
-                        </a:rPr>
-                        <a:t>5,625,000</a:t>
-                      </a:r>
-                      <a:endParaRPr lang="ru-RU" sz="1400" i="0" kern="1200" dirty="0">
-                        <a:solidFill>
-                          <a:schemeClr val="bg2">
-                            <a:lumMod val="95000"/>
-                          </a:schemeClr>
-                        </a:solidFill>
-                        <a:latin typeface="+mn-lt"/>
-                        <a:ea typeface="+mn-ea"/>
-                        <a:cs typeface="+mn-cs"/>
-                      </a:endParaRPr>
-                    </a:p>
-                  </a:txBody>
-                  <a:tcPr anchor="ctr">
-                    <a:lnL w="12700" cmpd="sng">
-                      <a:noFill/>
-                    </a:lnL>
-                    <a:lnR w="12700" cmpd="sng">
-                      <a:noFill/>
-                    </a:lnR>
-                    <a:lnT w="12700" cmpd="sng">
-                      <a:noFill/>
-                    </a:lnT>
-                    <a:lnB w="12700" cmpd="sng">
-                      <a:noFill/>
-                    </a:lnB>
-                    <a:lnTlToBr w="12700" cmpd="sng">
-                      <a:noFill/>
-                      <a:prstDash val="solid"/>
-                    </a:lnTlToBr>
-                    <a:lnBlToTr w="12700" cmpd="sng">
-                      <a:noFill/>
-                      <a:prstDash val="solid"/>
-                    </a:lnBlToTr>
-                    <a:solidFill>
-                      <a:srgbClr val="1B2434"/>
-                    </a:solidFill>
-                  </a:tcPr>
-                </a:tc>
-                <a:tc>
-                  <a:txBody>
-                    <a:bodyPr/>
-                    <a:lstStyle/>
-                    <a:p>
-                      <a:pPr marL="0" algn="r" defTabSz="914400" rtl="0" eaLnBrk="1" latinLnBrk="0" hangingPunct="1"/>
-                      <a:r>
-                        <a:rPr lang="en-US" sz="1400" i="0" kern="1200" dirty="0">
-                          <a:solidFill>
-                            <a:schemeClr val="bg2">
-                              <a:lumMod val="95000"/>
-                            </a:schemeClr>
-                          </a:solidFill>
-                          <a:latin typeface="+mn-lt"/>
-                          <a:ea typeface="+mn-ea"/>
-                          <a:cs typeface="+mn-cs"/>
-                        </a:rPr>
-                        <a:t>48,000,000</a:t>
-                      </a:r>
-                      <a:endParaRPr lang="ru-RU" sz="1400" i="0" kern="1200" dirty="0">
-                        <a:solidFill>
-                          <a:schemeClr val="bg2">
-                            <a:lumMod val="95000"/>
-                          </a:schemeClr>
-                        </a:solidFill>
-                        <a:latin typeface="+mn-lt"/>
-                        <a:ea typeface="+mn-ea"/>
-                        <a:cs typeface="+mn-cs"/>
-                      </a:endParaRPr>
-                    </a:p>
-                  </a:txBody>
-                  <a:tcPr anchor="ctr">
-                    <a:lnL w="12700" cmpd="sng">
-                      <a:noFill/>
-                    </a:lnL>
-                    <a:lnR w="12700" cmpd="sng">
-                      <a:noFill/>
-                    </a:lnR>
-                    <a:lnT w="12700" cmpd="sng">
-                      <a:noFill/>
-                    </a:lnT>
-                    <a:lnB w="12700" cmpd="sng">
-                      <a:noFill/>
-                    </a:lnB>
-                    <a:lnTlToBr w="12700" cmpd="sng">
-                      <a:noFill/>
-                      <a:prstDash val="solid"/>
-                    </a:lnTlToBr>
-                    <a:lnBlToTr w="12700" cmpd="sng">
-                      <a:noFill/>
-                      <a:prstDash val="solid"/>
-                    </a:lnBlToTr>
-                    <a:solidFill>
-                      <a:srgbClr val="1B2434"/>
-                    </a:solidFill>
-                  </a:tcPr>
-                </a:tc>
-                <a:tc>
-                  <a:txBody>
-                    <a:bodyPr/>
-                    <a:lstStyle/>
-                    <a:p>
-                      <a:pPr marL="0" algn="r" defTabSz="914400" rtl="0" eaLnBrk="1" latinLnBrk="0" hangingPunct="1"/>
-                      <a:r>
-                        <a:rPr lang="en-US" sz="1400" i="0" kern="1200" dirty="0">
-                          <a:solidFill>
-                            <a:schemeClr val="bg2">
-                              <a:lumMod val="95000"/>
-                            </a:schemeClr>
-                          </a:solidFill>
-                          <a:latin typeface="+mn-lt"/>
-                          <a:ea typeface="+mn-ea"/>
-                          <a:cs typeface="+mn-cs"/>
-                        </a:rPr>
-                        <a:t>216,000,000</a:t>
-                      </a:r>
-                      <a:endParaRPr lang="ru-RU" sz="1400" i="0" kern="1200" dirty="0">
-                        <a:solidFill>
-                          <a:schemeClr val="bg2">
-                            <a:lumMod val="95000"/>
-                          </a:schemeClr>
-                        </a:solidFill>
-                        <a:latin typeface="+mn-lt"/>
-                        <a:ea typeface="+mn-ea"/>
-                        <a:cs typeface="+mn-cs"/>
-                      </a:endParaRPr>
-                    </a:p>
-                  </a:txBody>
-                  <a:tcPr anchor="ctr">
-                    <a:lnL w="12700" cmpd="sng">
-                      <a:noFill/>
-                    </a:lnL>
-                    <a:lnR w="12700" cmpd="sng">
-                      <a:noFill/>
-                    </a:lnR>
-                    <a:lnT w="12700" cmpd="sng">
-                      <a:noFill/>
-                    </a:lnT>
-                    <a:lnB w="12700" cmpd="sng">
-                      <a:noFill/>
-                    </a:lnB>
-                    <a:lnTlToBr w="12700" cmpd="sng">
-                      <a:noFill/>
-                      <a:prstDash val="solid"/>
-                    </a:lnTlToBr>
-                    <a:lnBlToTr w="12700" cmpd="sng">
-                      <a:noFill/>
-                      <a:prstDash val="solid"/>
-                    </a:lnBlToTr>
-                    <a:solidFill>
-                      <a:srgbClr val="1B2434"/>
-                    </a:solidFill>
-                  </a:tcPr>
-                </a:tc>
-                <a:tc>
-                  <a:txBody>
-                    <a:bodyPr/>
-                    <a:lstStyle/>
-                    <a:p>
-                      <a:pPr marL="0" algn="ctr" defTabSz="914400" rtl="0" eaLnBrk="1" latinLnBrk="0" hangingPunct="1"/>
-                      <a:endParaRPr lang="ru-RU" sz="1400" i="0" kern="1200" dirty="0">
-                        <a:solidFill>
-                          <a:schemeClr val="bg2">
-                            <a:lumMod val="95000"/>
-                          </a:schemeClr>
-                        </a:solidFill>
-                        <a:latin typeface="+mn-lt"/>
-                        <a:ea typeface="+mn-ea"/>
-                        <a:cs typeface="+mn-cs"/>
-                      </a:endParaRPr>
-                    </a:p>
-                  </a:txBody>
-                  <a:tcPr anchor="ctr">
-                    <a:lnL w="12700" cmpd="sng">
-                      <a:noFill/>
-                    </a:lnL>
-                    <a:lnR w="12700" cmpd="sng">
-                      <a:noFill/>
-                    </a:lnR>
-                    <a:lnT w="12700" cmpd="sng">
-                      <a:noFill/>
-                    </a:lnT>
-                    <a:lnB w="12700" cmpd="sng">
-                      <a:noFill/>
-                    </a:lnB>
-                    <a:lnTlToBr w="12700" cmpd="sng">
-                      <a:noFill/>
-                      <a:prstDash val="solid"/>
-                    </a:lnTlToBr>
-                    <a:lnBlToTr w="12700" cmpd="sng">
-                      <a:noFill/>
-                      <a:prstDash val="solid"/>
-                    </a:lnBlToTr>
-                    <a:noFill/>
-                  </a:tcPr>
-                </a:tc>
-                <a:extLst>
-                  <a:ext uri="{0D108BD9-81ED-4DB2-BD59-A6C34878D82A}">
-                    <a16:rowId xmlns:a16="http://schemas.microsoft.com/office/drawing/2014/main" val="2241909821"/>
-                  </a:ext>
-                </a:extLst>
-              </a:tr>
-              <a:tr h="324000">
-                <a:tc>
-                  <a:txBody>
-                    <a:bodyPr/>
-                    <a:lstStyle/>
-                    <a:p>
-                      <a:pPr marL="0" algn="l" defTabSz="914400" rtl="0" eaLnBrk="1" latinLnBrk="0" hangingPunct="1"/>
-                      <a:r>
-                        <a:rPr lang="en-US" sz="1200" b="1" kern="1200" dirty="0">
-                          <a:solidFill>
-                            <a:schemeClr val="bg2">
-                              <a:lumMod val="95000"/>
-                            </a:schemeClr>
-                          </a:solidFill>
-                          <a:latin typeface="Segoe UI" panose="020B0502040204020203" pitchFamily="34" charset="0"/>
-                          <a:ea typeface="+mn-ea"/>
-                          <a:cs typeface="Segoe UI" panose="020B0502040204020203" pitchFamily="34" charset="0"/>
-                        </a:rPr>
-                        <a:t>OPEX</a:t>
-                      </a:r>
-                      <a:endParaRPr lang="ru-RU" sz="1200" b="1" kern="1200" dirty="0">
-                        <a:solidFill>
-                          <a:schemeClr val="bg2">
-                            <a:lumMod val="95000"/>
-                          </a:schemeClr>
-                        </a:solidFill>
-                        <a:latin typeface="Segoe UI" panose="020B0502040204020203" pitchFamily="34" charset="0"/>
-                        <a:ea typeface="+mn-ea"/>
-                        <a:cs typeface="Segoe UI" panose="020B0502040204020203" pitchFamily="34" charset="0"/>
-                      </a:endParaRPr>
-                    </a:p>
-                  </a:txBody>
-                  <a:tcPr anchor="ctr">
-                    <a:lnL w="12700" cmpd="sng">
-                      <a:noFill/>
-                    </a:lnL>
-                    <a:lnR w="12700" cmpd="sng">
-                      <a:noFill/>
-                    </a:lnR>
-                    <a:lnT w="12700" cmpd="sng">
-                      <a:noFill/>
-                    </a:lnT>
-                    <a:lnB w="12700" cmpd="sng">
-                      <a:noFill/>
-                    </a:lnB>
-                    <a:lnTlToBr w="12700" cmpd="sng">
-                      <a:noFill/>
-                      <a:prstDash val="solid"/>
-                    </a:lnTlToBr>
-                    <a:lnBlToTr w="12700" cmpd="sng">
-                      <a:noFill/>
-                      <a:prstDash val="solid"/>
-                    </a:lnBlToTr>
-                    <a:solidFill>
-                      <a:schemeClr val="accent5"/>
-                    </a:solidFill>
-                  </a:tcPr>
-                </a:tc>
-                <a:tc>
-                  <a:txBody>
-                    <a:bodyPr/>
-                    <a:lstStyle/>
-                    <a:p>
-                      <a:pPr marL="0" algn="r" defTabSz="914400" rtl="0" eaLnBrk="1" latinLnBrk="0" hangingPunct="1"/>
-                      <a:endParaRPr lang="ru-RU" sz="1400" i="0" kern="1200" dirty="0">
-                        <a:solidFill>
-                          <a:schemeClr val="bg2">
-                            <a:lumMod val="95000"/>
-                          </a:schemeClr>
-                        </a:solidFill>
-                        <a:latin typeface="+mn-lt"/>
-                        <a:ea typeface="+mn-ea"/>
-                        <a:cs typeface="+mn-cs"/>
-                      </a:endParaRPr>
-                    </a:p>
-                  </a:txBody>
-                  <a:tcPr anchor="ctr">
-                    <a:lnL w="12700" cmpd="sng">
-                      <a:noFill/>
-                    </a:lnL>
-                    <a:lnR w="12700" cmpd="sng">
-                      <a:noFill/>
-                    </a:lnR>
-                    <a:lnT w="12700" cmpd="sng">
-                      <a:noFill/>
-                    </a:lnT>
-                    <a:lnB w="12700" cmpd="sng">
-                      <a:noFill/>
-                    </a:lnB>
-                    <a:lnTlToBr w="12700" cmpd="sng">
-                      <a:noFill/>
-                      <a:prstDash val="solid"/>
-                    </a:lnTlToBr>
-                    <a:lnBlToTr w="12700" cmpd="sng">
-                      <a:noFill/>
-                      <a:prstDash val="solid"/>
-                    </a:lnBlToTr>
-                    <a:noFill/>
-                  </a:tcPr>
-                </a:tc>
-                <a:tc>
-                  <a:txBody>
-                    <a:bodyPr/>
-                    <a:lstStyle/>
-                    <a:p>
-                      <a:pPr marL="0" algn="r" defTabSz="914400" rtl="0" eaLnBrk="1" latinLnBrk="0" hangingPunct="1"/>
-                      <a:endParaRPr lang="ru-RU" sz="1400" i="0" kern="1200" dirty="0">
-                        <a:solidFill>
-                          <a:schemeClr val="bg2">
-                            <a:lumMod val="95000"/>
-                          </a:schemeClr>
-                        </a:solidFill>
-                        <a:latin typeface="+mn-lt"/>
-                        <a:ea typeface="+mn-ea"/>
-                        <a:cs typeface="+mn-cs"/>
-                      </a:endParaRPr>
-                    </a:p>
-                  </a:txBody>
-                  <a:tcPr anchor="ctr">
-                    <a:lnL w="12700" cmpd="sng">
-                      <a:noFill/>
-                    </a:lnL>
-                    <a:lnR w="12700" cmpd="sng">
-                      <a:noFill/>
-                    </a:lnR>
-                    <a:lnT w="12700" cmpd="sng">
-                      <a:noFill/>
-                    </a:lnT>
-                    <a:lnB w="12700" cmpd="sng">
-                      <a:noFill/>
-                    </a:lnB>
-                    <a:lnTlToBr w="12700" cmpd="sng">
-                      <a:noFill/>
-                      <a:prstDash val="solid"/>
-                    </a:lnTlToBr>
-                    <a:lnBlToTr w="12700" cmpd="sng">
-                      <a:noFill/>
-                      <a:prstDash val="solid"/>
-                    </a:lnBlToTr>
-                    <a:noFill/>
-                  </a:tcPr>
-                </a:tc>
-                <a:tc>
-                  <a:txBody>
-                    <a:bodyPr/>
-                    <a:lstStyle/>
-                    <a:p>
-                      <a:pPr marL="0" algn="r" defTabSz="914400" rtl="0" eaLnBrk="1" latinLnBrk="0" hangingPunct="1"/>
-                      <a:endParaRPr lang="ru-RU" sz="1400" i="0" kern="1200" dirty="0">
-                        <a:solidFill>
-                          <a:schemeClr val="bg2">
-                            <a:lumMod val="95000"/>
-                          </a:schemeClr>
-                        </a:solidFill>
-                        <a:latin typeface="+mn-lt"/>
-                        <a:ea typeface="+mn-ea"/>
-                        <a:cs typeface="+mn-cs"/>
-                      </a:endParaRPr>
-                    </a:p>
-                  </a:txBody>
-                  <a:tcPr anchor="ctr">
-                    <a:lnL w="12700" cmpd="sng">
-                      <a:noFill/>
-                    </a:lnL>
-                    <a:lnR w="12700" cmpd="sng">
-                      <a:noFill/>
-                    </a:lnR>
-                    <a:lnT w="12700" cmpd="sng">
-                      <a:noFill/>
-                    </a:lnT>
-                    <a:lnB w="12700" cmpd="sng">
-                      <a:noFill/>
-                    </a:lnB>
-                    <a:lnTlToBr w="12700" cmpd="sng">
-                      <a:noFill/>
-                      <a:prstDash val="solid"/>
-                    </a:lnTlToBr>
-                    <a:lnBlToTr w="12700" cmpd="sng">
-                      <a:noFill/>
-                      <a:prstDash val="solid"/>
-                    </a:lnBlToTr>
-                    <a:noFill/>
-                  </a:tcPr>
-                </a:tc>
-                <a:tc>
-                  <a:txBody>
-                    <a:bodyPr/>
-                    <a:lstStyle/>
-                    <a:p>
-                      <a:pPr marL="0" algn="ctr" defTabSz="914400" rtl="0" eaLnBrk="1" latinLnBrk="0" hangingPunct="1"/>
-                      <a:endParaRPr lang="ru-RU" sz="1400" i="0" kern="1200" dirty="0">
-                        <a:solidFill>
-                          <a:schemeClr val="bg2">
-                            <a:lumMod val="95000"/>
-                          </a:schemeClr>
-                        </a:solidFill>
-                        <a:latin typeface="+mn-lt"/>
-                        <a:ea typeface="+mn-ea"/>
-                        <a:cs typeface="+mn-cs"/>
-                      </a:endParaRPr>
-                    </a:p>
-                  </a:txBody>
-                  <a:tcPr anchor="ctr">
-                    <a:lnL w="12700" cmpd="sng">
-                      <a:noFill/>
-                    </a:lnL>
-                    <a:lnR w="12700" cmpd="sng">
-                      <a:noFill/>
-                    </a:lnR>
-                    <a:lnT w="12700" cmpd="sng">
-                      <a:noFill/>
-                    </a:lnT>
-                    <a:lnB w="12700" cmpd="sng">
-                      <a:noFill/>
-                    </a:lnB>
-                    <a:lnTlToBr w="12700" cmpd="sng">
-                      <a:noFill/>
-                      <a:prstDash val="solid"/>
-                    </a:lnTlToBr>
-                    <a:lnBlToTr w="12700" cmpd="sng">
-                      <a:noFill/>
-                      <a:prstDash val="solid"/>
-                    </a:lnBlToTr>
-                    <a:noFill/>
-                  </a:tcPr>
-                </a:tc>
-                <a:extLst>
-                  <a:ext uri="{0D108BD9-81ED-4DB2-BD59-A6C34878D82A}">
-                    <a16:rowId xmlns:a16="http://schemas.microsoft.com/office/drawing/2014/main" val="2326609514"/>
-                  </a:ext>
-                </a:extLst>
-              </a:tr>
-              <a:tr h="324000">
-                <a:tc>
-                  <a:txBody>
-                    <a:bodyPr/>
-                    <a:lstStyle/>
-                    <a:p>
-                      <a:pPr marL="0" algn="l" defTabSz="914400" rtl="0" eaLnBrk="1" latinLnBrk="0" hangingPunct="1"/>
-                      <a:r>
-                        <a:rPr lang="en-US" sz="1200" b="1" kern="1200" dirty="0">
-                          <a:solidFill>
-                            <a:srgbClr val="0F1722"/>
-                          </a:solidFill>
-                          <a:latin typeface="Segoe UI" panose="020B0502040204020203" pitchFamily="34" charset="0"/>
-                          <a:ea typeface="+mn-ea"/>
-                          <a:cs typeface="Segoe UI" panose="020B0502040204020203" pitchFamily="34" charset="0"/>
-                        </a:rPr>
-                        <a:t>- Sales &amp; Marketing</a:t>
-                      </a:r>
-                      <a:endParaRPr lang="ru-RU" sz="1200" b="1" kern="1200" dirty="0">
-                        <a:solidFill>
-                          <a:srgbClr val="0F1722"/>
-                        </a:solidFill>
-                        <a:latin typeface="Segoe UI" panose="020B0502040204020203" pitchFamily="34" charset="0"/>
-                        <a:ea typeface="+mn-ea"/>
-                        <a:cs typeface="Segoe UI" panose="020B0502040204020203" pitchFamily="34" charset="0"/>
-                      </a:endParaRPr>
-                    </a:p>
-                  </a:txBody>
-                  <a:tcPr anchor="ctr">
-                    <a:lnL w="12700" cmpd="sng">
-                      <a:noFill/>
-                    </a:lnL>
-                    <a:lnR w="12700" cmpd="sng">
-                      <a:noFill/>
-                    </a:lnR>
-                    <a:lnT w="12700" cmpd="sng">
-                      <a:noFill/>
-                    </a:lnT>
-                    <a:lnB w="12700" cmpd="sng">
-                      <a:noFill/>
-                    </a:lnB>
-                    <a:lnTlToBr w="12700" cmpd="sng">
-                      <a:noFill/>
-                      <a:prstDash val="solid"/>
-                    </a:lnTlToBr>
-                    <a:lnBlToTr w="12700" cmpd="sng">
-                      <a:noFill/>
-                      <a:prstDash val="solid"/>
-                    </a:lnBlToTr>
-                    <a:solidFill>
-                      <a:schemeClr val="tx1"/>
-                    </a:solidFill>
-                  </a:tcPr>
-                </a:tc>
-                <a:tc>
-                  <a:txBody>
-                    <a:bodyPr/>
-                    <a:lstStyle/>
-                    <a:p>
-                      <a:pPr marL="0" algn="r" defTabSz="914400" rtl="0" eaLnBrk="1" latinLnBrk="0" hangingPunct="1"/>
-                      <a:r>
-                        <a:rPr lang="en-US" sz="1400" i="0" kern="1200" dirty="0">
-                          <a:solidFill>
-                            <a:schemeClr val="bg2">
-                              <a:lumMod val="95000"/>
-                            </a:schemeClr>
-                          </a:solidFill>
-                          <a:latin typeface="+mn-lt"/>
-                          <a:ea typeface="+mn-ea"/>
-                          <a:cs typeface="+mn-cs"/>
-                        </a:rPr>
-                        <a:t>5,062,500</a:t>
-                      </a:r>
-                      <a:endParaRPr lang="ru-RU" sz="1400" i="0" kern="1200" dirty="0">
-                        <a:solidFill>
-                          <a:schemeClr val="bg2">
-                            <a:lumMod val="95000"/>
-                          </a:schemeClr>
-                        </a:solidFill>
-                        <a:latin typeface="+mn-lt"/>
-                        <a:ea typeface="+mn-ea"/>
-                        <a:cs typeface="+mn-cs"/>
-                      </a:endParaRPr>
-                    </a:p>
-                  </a:txBody>
-                  <a:tcPr anchor="ctr">
-                    <a:lnL w="12700" cmpd="sng">
-                      <a:noFill/>
-                    </a:lnL>
-                    <a:lnR w="12700" cmpd="sng">
-                      <a:noFill/>
-                    </a:lnR>
-                    <a:lnT w="12700" cmpd="sng">
-                      <a:noFill/>
-                    </a:lnT>
-                    <a:lnB w="12700" cmpd="sng">
-                      <a:noFill/>
-                    </a:lnB>
-                    <a:lnTlToBr w="12700" cmpd="sng">
-                      <a:noFill/>
-                      <a:prstDash val="solid"/>
-                    </a:lnTlToBr>
-                    <a:lnBlToTr w="12700" cmpd="sng">
-                      <a:noFill/>
-                      <a:prstDash val="solid"/>
-                    </a:lnBlToTr>
-                    <a:solidFill>
-                      <a:srgbClr val="1B2434"/>
-                    </a:solidFill>
-                  </a:tcPr>
-                </a:tc>
-                <a:tc>
-                  <a:txBody>
-                    <a:bodyPr/>
-                    <a:lstStyle/>
-                    <a:p>
-                      <a:pPr marL="0" algn="r" defTabSz="914400" rtl="0" eaLnBrk="1" latinLnBrk="0" hangingPunct="1"/>
-                      <a:r>
-                        <a:rPr lang="en-US" sz="1400" i="0" kern="1200" dirty="0">
-                          <a:solidFill>
-                            <a:schemeClr val="bg2">
-                              <a:lumMod val="95000"/>
-                            </a:schemeClr>
-                          </a:solidFill>
-                          <a:latin typeface="+mn-lt"/>
-                          <a:ea typeface="+mn-ea"/>
-                          <a:cs typeface="+mn-cs"/>
-                        </a:rPr>
-                        <a:t>38,400,000</a:t>
-                      </a:r>
-                      <a:endParaRPr lang="ru-RU" sz="1400" i="0" kern="1200" dirty="0">
-                        <a:solidFill>
-                          <a:schemeClr val="bg2">
-                            <a:lumMod val="95000"/>
-                          </a:schemeClr>
-                        </a:solidFill>
-                        <a:latin typeface="+mn-lt"/>
-                        <a:ea typeface="+mn-ea"/>
-                        <a:cs typeface="+mn-cs"/>
-                      </a:endParaRPr>
-                    </a:p>
-                  </a:txBody>
-                  <a:tcPr anchor="ctr">
-                    <a:lnL w="12700" cmpd="sng">
-                      <a:noFill/>
-                    </a:lnL>
-                    <a:lnR w="12700" cmpd="sng">
-                      <a:noFill/>
-                    </a:lnR>
-                    <a:lnT w="12700" cmpd="sng">
-                      <a:noFill/>
-                    </a:lnT>
-                    <a:lnB w="12700" cmpd="sng">
-                      <a:noFill/>
-                    </a:lnB>
-                    <a:lnTlToBr w="12700" cmpd="sng">
-                      <a:noFill/>
-                      <a:prstDash val="solid"/>
-                    </a:lnTlToBr>
-                    <a:lnBlToTr w="12700" cmpd="sng">
-                      <a:noFill/>
-                      <a:prstDash val="solid"/>
-                    </a:lnBlToTr>
-                    <a:solidFill>
-                      <a:srgbClr val="1B2434"/>
-                    </a:solidFill>
-                  </a:tcPr>
-                </a:tc>
-                <a:tc>
-                  <a:txBody>
-                    <a:bodyPr/>
-                    <a:lstStyle/>
-                    <a:p>
-                      <a:pPr marL="0" algn="r" defTabSz="914400" rtl="0" eaLnBrk="1" latinLnBrk="0" hangingPunct="1"/>
-                      <a:r>
-                        <a:rPr lang="en-US" sz="1400" i="0" kern="1200" dirty="0">
-                          <a:solidFill>
-                            <a:schemeClr val="bg2">
-                              <a:lumMod val="95000"/>
-                            </a:schemeClr>
-                          </a:solidFill>
-                          <a:latin typeface="+mn-lt"/>
-                          <a:ea typeface="+mn-ea"/>
-                          <a:cs typeface="+mn-cs"/>
-                        </a:rPr>
-                        <a:t>151,200,000</a:t>
-                      </a:r>
-                      <a:endParaRPr lang="ru-RU" sz="1400" i="0" kern="1200" dirty="0">
-                        <a:solidFill>
-                          <a:schemeClr val="bg2">
-                            <a:lumMod val="95000"/>
-                          </a:schemeClr>
-                        </a:solidFill>
-                        <a:latin typeface="+mn-lt"/>
-                        <a:ea typeface="+mn-ea"/>
-                        <a:cs typeface="+mn-cs"/>
-                      </a:endParaRPr>
-                    </a:p>
-                  </a:txBody>
-                  <a:tcPr anchor="ctr">
-                    <a:lnL w="12700" cmpd="sng">
-                      <a:noFill/>
-                    </a:lnL>
-                    <a:lnR w="12700" cmpd="sng">
-                      <a:noFill/>
-                    </a:lnR>
-                    <a:lnT w="12700" cmpd="sng">
-                      <a:noFill/>
-                    </a:lnT>
-                    <a:lnB w="12700" cmpd="sng">
-                      <a:noFill/>
-                    </a:lnB>
-                    <a:lnTlToBr w="12700" cmpd="sng">
-                      <a:noFill/>
-                      <a:prstDash val="solid"/>
-                    </a:lnTlToBr>
-                    <a:lnBlToTr w="12700" cmpd="sng">
-                      <a:noFill/>
-                      <a:prstDash val="solid"/>
-                    </a:lnBlToTr>
-                    <a:solidFill>
-                      <a:srgbClr val="1B2434"/>
-                    </a:solidFill>
-                  </a:tcPr>
-                </a:tc>
-                <a:tc>
-                  <a:txBody>
-                    <a:bodyPr/>
-                    <a:lstStyle/>
-                    <a:p>
-                      <a:pPr marL="0" algn="ctr" defTabSz="914400" rtl="0" eaLnBrk="1" latinLnBrk="0" hangingPunct="1"/>
-                      <a:r>
-                        <a:rPr lang="en-US" sz="1400" i="0" kern="1200" dirty="0">
-                          <a:solidFill>
-                            <a:schemeClr val="tx1"/>
-                          </a:solidFill>
-                          <a:latin typeface="+mn-lt"/>
-                          <a:ea typeface="+mn-ea"/>
-                          <a:cs typeface="+mn-cs"/>
-                        </a:rPr>
-                        <a:t>70%</a:t>
-                      </a:r>
-                      <a:endParaRPr lang="ru-RU" sz="1400" i="0" kern="1200" dirty="0">
-                        <a:solidFill>
-                          <a:schemeClr val="tx1"/>
-                        </a:solidFill>
-                        <a:latin typeface="+mn-lt"/>
-                        <a:ea typeface="+mn-ea"/>
-                        <a:cs typeface="+mn-cs"/>
-                      </a:endParaRPr>
-                    </a:p>
-                  </a:txBody>
-                  <a:tcPr anchor="ctr">
-                    <a:lnL w="12700" cmpd="sng">
-                      <a:noFill/>
-                    </a:lnL>
-                    <a:lnR w="12700" cmpd="sng">
-                      <a:noFill/>
-                    </a:lnR>
-                    <a:lnT w="12700" cmpd="sng">
-                      <a:noFill/>
-                    </a:lnT>
-                    <a:lnB w="12700" cmpd="sng">
-                      <a:noFill/>
-                    </a:lnB>
-                    <a:lnTlToBr w="12700" cmpd="sng">
-                      <a:noFill/>
-                      <a:prstDash val="solid"/>
-                    </a:lnTlToBr>
-                    <a:lnBlToTr w="12700" cmpd="sng">
-                      <a:noFill/>
-                      <a:prstDash val="solid"/>
-                    </a:lnBlToTr>
-                    <a:noFill/>
-                  </a:tcPr>
-                </a:tc>
-                <a:extLst>
-                  <a:ext uri="{0D108BD9-81ED-4DB2-BD59-A6C34878D82A}">
-                    <a16:rowId xmlns:a16="http://schemas.microsoft.com/office/drawing/2014/main" val="2496749726"/>
-                  </a:ext>
-                </a:extLst>
-              </a:tr>
-              <a:tr h="324000">
-                <a:tc>
-                  <a:txBody>
-                    <a:bodyPr/>
-                    <a:lstStyle/>
-                    <a:p>
-                      <a:pPr marL="0" algn="l" defTabSz="914400" rtl="0" eaLnBrk="1" latinLnBrk="0" hangingPunct="1"/>
-                      <a:r>
-                        <a:rPr lang="en-US" sz="1200" b="1" kern="1200" dirty="0">
-                          <a:solidFill>
-                            <a:srgbClr val="0F1722"/>
-                          </a:solidFill>
-                          <a:latin typeface="Segoe UI" panose="020B0502040204020203" pitchFamily="34" charset="0"/>
-                          <a:ea typeface="+mn-ea"/>
-                          <a:cs typeface="Segoe UI" panose="020B0502040204020203" pitchFamily="34" charset="0"/>
-                        </a:rPr>
-                        <a:t>- Customer Service</a:t>
-                      </a:r>
-                      <a:endParaRPr lang="ru-RU" sz="1200" b="1" kern="1200" dirty="0">
-                        <a:solidFill>
-                          <a:srgbClr val="0F1722"/>
-                        </a:solidFill>
-                        <a:latin typeface="Segoe UI" panose="020B0502040204020203" pitchFamily="34" charset="0"/>
-                        <a:ea typeface="+mn-ea"/>
-                        <a:cs typeface="Segoe UI" panose="020B0502040204020203" pitchFamily="34" charset="0"/>
-                      </a:endParaRPr>
-                    </a:p>
-                  </a:txBody>
-                  <a:tcPr anchor="ctr">
-                    <a:lnL w="12700" cmpd="sng">
-                      <a:noFill/>
-                    </a:lnL>
-                    <a:lnR w="12700" cmpd="sng">
-                      <a:noFill/>
-                    </a:lnR>
-                    <a:lnT w="12700" cmpd="sng">
-                      <a:noFill/>
-                    </a:lnT>
-                    <a:lnB w="12700" cmpd="sng">
-                      <a:noFill/>
-                    </a:lnB>
-                    <a:lnTlToBr w="12700" cmpd="sng">
-                      <a:noFill/>
-                      <a:prstDash val="solid"/>
-                    </a:lnTlToBr>
-                    <a:lnBlToTr w="12700" cmpd="sng">
-                      <a:noFill/>
-                      <a:prstDash val="solid"/>
-                    </a:lnBlToTr>
-                    <a:solidFill>
-                      <a:schemeClr val="tx1"/>
-                    </a:solidFill>
-                  </a:tcPr>
-                </a:tc>
-                <a:tc>
-                  <a:txBody>
-                    <a:bodyPr/>
-                    <a:lstStyle/>
-                    <a:p>
-                      <a:pPr marL="0" algn="r" defTabSz="914400" rtl="0" eaLnBrk="1" latinLnBrk="0" hangingPunct="1"/>
-                      <a:r>
-                        <a:rPr lang="en-US" sz="1400" i="0" kern="1200" dirty="0">
-                          <a:solidFill>
-                            <a:schemeClr val="bg2">
-                              <a:lumMod val="95000"/>
-                            </a:schemeClr>
-                          </a:solidFill>
-                          <a:latin typeface="+mn-lt"/>
-                          <a:ea typeface="+mn-ea"/>
-                          <a:cs typeface="+mn-cs"/>
-                        </a:rPr>
-                        <a:t>1,687,500</a:t>
-                      </a:r>
-                      <a:endParaRPr lang="ru-RU" sz="1400" i="0" kern="1200" dirty="0">
-                        <a:solidFill>
-                          <a:schemeClr val="bg2">
-                            <a:lumMod val="95000"/>
-                          </a:schemeClr>
-                        </a:solidFill>
-                        <a:latin typeface="+mn-lt"/>
-                        <a:ea typeface="+mn-ea"/>
-                        <a:cs typeface="+mn-cs"/>
-                      </a:endParaRPr>
-                    </a:p>
-                  </a:txBody>
-                  <a:tcPr anchor="ctr">
-                    <a:lnL w="12700" cmpd="sng">
-                      <a:noFill/>
-                    </a:lnL>
-                    <a:lnR w="12700" cmpd="sng">
-                      <a:noFill/>
-                    </a:lnR>
-                    <a:lnT w="12700" cmpd="sng">
-                      <a:noFill/>
-                    </a:lnT>
-                    <a:lnB w="12700" cmpd="sng">
-                      <a:noFill/>
-                    </a:lnB>
-                    <a:lnTlToBr w="12700" cmpd="sng">
-                      <a:noFill/>
-                      <a:prstDash val="solid"/>
-                    </a:lnTlToBr>
-                    <a:lnBlToTr w="12700" cmpd="sng">
-                      <a:noFill/>
-                      <a:prstDash val="solid"/>
-                    </a:lnBlToTr>
-                    <a:noFill/>
-                  </a:tcPr>
-                </a:tc>
-                <a:tc>
-                  <a:txBody>
-                    <a:bodyPr/>
-                    <a:lstStyle/>
-                    <a:p>
-                      <a:pPr marL="0" algn="r" defTabSz="914400" rtl="0" eaLnBrk="1" latinLnBrk="0" hangingPunct="1"/>
-                      <a:r>
-                        <a:rPr lang="en-US" sz="1400" i="0" kern="1200" dirty="0">
-                          <a:solidFill>
-                            <a:schemeClr val="bg2">
-                              <a:lumMod val="95000"/>
-                            </a:schemeClr>
-                          </a:solidFill>
-                          <a:latin typeface="+mn-lt"/>
-                          <a:ea typeface="+mn-ea"/>
-                          <a:cs typeface="+mn-cs"/>
-                        </a:rPr>
-                        <a:t>9,600,000</a:t>
-                      </a:r>
-                      <a:endParaRPr lang="ru-RU" sz="1400" i="0" kern="1200" dirty="0">
-                        <a:solidFill>
-                          <a:schemeClr val="bg2">
-                            <a:lumMod val="95000"/>
-                          </a:schemeClr>
-                        </a:solidFill>
-                        <a:latin typeface="+mn-lt"/>
-                        <a:ea typeface="+mn-ea"/>
-                        <a:cs typeface="+mn-cs"/>
-                      </a:endParaRPr>
-                    </a:p>
-                  </a:txBody>
-                  <a:tcPr anchor="ctr">
-                    <a:lnL w="12700" cmpd="sng">
-                      <a:noFill/>
-                    </a:lnL>
-                    <a:lnR w="12700" cmpd="sng">
-                      <a:noFill/>
-                    </a:lnR>
-                    <a:lnT w="12700" cmpd="sng">
-                      <a:noFill/>
-                    </a:lnT>
-                    <a:lnB w="12700" cmpd="sng">
-                      <a:noFill/>
-                    </a:lnB>
-                    <a:lnTlToBr w="12700" cmpd="sng">
-                      <a:noFill/>
-                      <a:prstDash val="solid"/>
-                    </a:lnTlToBr>
-                    <a:lnBlToTr w="12700" cmpd="sng">
-                      <a:noFill/>
-                      <a:prstDash val="solid"/>
-                    </a:lnBlToTr>
-                    <a:noFill/>
-                  </a:tcPr>
-                </a:tc>
-                <a:tc>
-                  <a:txBody>
-                    <a:bodyPr/>
-                    <a:lstStyle/>
-                    <a:p>
-                      <a:pPr marL="0" algn="r" defTabSz="914400" rtl="0" eaLnBrk="1" latinLnBrk="0" hangingPunct="1"/>
-                      <a:r>
-                        <a:rPr lang="en-US" sz="1400" i="0" kern="1200" dirty="0">
-                          <a:solidFill>
-                            <a:schemeClr val="bg2">
-                              <a:lumMod val="95000"/>
-                            </a:schemeClr>
-                          </a:solidFill>
-                          <a:latin typeface="+mn-lt"/>
-                          <a:ea typeface="+mn-ea"/>
-                          <a:cs typeface="+mn-cs"/>
-                        </a:rPr>
-                        <a:t>21,600,000</a:t>
-                      </a:r>
-                      <a:endParaRPr lang="ru-RU" sz="1400" i="0" kern="1200" dirty="0">
-                        <a:solidFill>
-                          <a:schemeClr val="bg2">
-                            <a:lumMod val="95000"/>
-                          </a:schemeClr>
-                        </a:solidFill>
-                        <a:latin typeface="+mn-lt"/>
-                        <a:ea typeface="+mn-ea"/>
-                        <a:cs typeface="+mn-cs"/>
-                      </a:endParaRPr>
-                    </a:p>
-                  </a:txBody>
-                  <a:tcPr anchor="ctr">
-                    <a:lnL w="12700" cmpd="sng">
-                      <a:noFill/>
-                    </a:lnL>
-                    <a:lnR w="12700" cmpd="sng">
-                      <a:noFill/>
-                    </a:lnR>
-                    <a:lnT w="12700" cmpd="sng">
-                      <a:noFill/>
-                    </a:lnT>
-                    <a:lnB w="12700" cmpd="sng">
-                      <a:noFill/>
-                    </a:lnB>
-                    <a:lnTlToBr w="12700" cmpd="sng">
-                      <a:noFill/>
-                      <a:prstDash val="solid"/>
-                    </a:lnTlToBr>
-                    <a:lnBlToTr w="12700" cmpd="sng">
-                      <a:noFill/>
-                      <a:prstDash val="solid"/>
-                    </a:lnBlToTr>
-                    <a:noFill/>
-                  </a:tcPr>
-                </a:tc>
-                <a:tc>
-                  <a:txBody>
-                    <a:bodyPr/>
-                    <a:lstStyle/>
-                    <a:p>
-                      <a:pPr marL="0" algn="ctr" defTabSz="914400" rtl="0" eaLnBrk="1" latinLnBrk="0" hangingPunct="1"/>
-                      <a:r>
-                        <a:rPr lang="en-US" sz="1400" i="0" kern="1200" dirty="0">
-                          <a:solidFill>
-                            <a:schemeClr val="tx1"/>
-                          </a:solidFill>
-                          <a:latin typeface="+mn-lt"/>
-                          <a:ea typeface="+mn-ea"/>
-                          <a:cs typeface="+mn-cs"/>
-                        </a:rPr>
-                        <a:t>10%</a:t>
-                      </a:r>
-                      <a:endParaRPr lang="ru-RU" sz="1400" i="0" kern="1200" dirty="0">
-                        <a:solidFill>
-                          <a:schemeClr val="tx1"/>
-                        </a:solidFill>
-                        <a:latin typeface="+mn-lt"/>
-                        <a:ea typeface="+mn-ea"/>
-                        <a:cs typeface="+mn-cs"/>
-                      </a:endParaRPr>
-                    </a:p>
-                  </a:txBody>
-                  <a:tcPr anchor="ctr">
-                    <a:lnL w="12700" cmpd="sng">
-                      <a:noFill/>
-                    </a:lnL>
-                    <a:lnR w="12700" cmpd="sng">
-                      <a:noFill/>
-                    </a:lnR>
-                    <a:lnT w="12700" cmpd="sng">
-                      <a:noFill/>
-                    </a:lnT>
-                    <a:lnB w="12700" cmpd="sng">
-                      <a:noFill/>
-                    </a:lnB>
-                    <a:lnTlToBr w="12700" cmpd="sng">
-                      <a:noFill/>
-                      <a:prstDash val="solid"/>
-                    </a:lnTlToBr>
-                    <a:lnBlToTr w="12700" cmpd="sng">
-                      <a:noFill/>
-                      <a:prstDash val="solid"/>
-                    </a:lnBlToTr>
-                    <a:noFill/>
-                  </a:tcPr>
-                </a:tc>
-                <a:extLst>
-                  <a:ext uri="{0D108BD9-81ED-4DB2-BD59-A6C34878D82A}">
-                    <a16:rowId xmlns:a16="http://schemas.microsoft.com/office/drawing/2014/main" val="1298929021"/>
-                  </a:ext>
-                </a:extLst>
-              </a:tr>
-              <a:tr h="324000">
-                <a:tc>
-                  <a:txBody>
-                    <a:bodyPr/>
-                    <a:lstStyle/>
-                    <a:p>
-                      <a:pPr marL="0" algn="l" defTabSz="914400" rtl="0" eaLnBrk="1" latinLnBrk="0" hangingPunct="1"/>
-                      <a:r>
-                        <a:rPr lang="en-US" sz="1200" b="1" kern="1200" dirty="0">
-                          <a:solidFill>
-                            <a:srgbClr val="0F1722"/>
-                          </a:solidFill>
-                          <a:latin typeface="Segoe UI" panose="020B0502040204020203" pitchFamily="34" charset="0"/>
-                          <a:ea typeface="+mn-ea"/>
-                          <a:cs typeface="Segoe UI" panose="020B0502040204020203" pitchFamily="34" charset="0"/>
-                        </a:rPr>
-                        <a:t>- Product Development</a:t>
-                      </a:r>
-                      <a:endParaRPr lang="ru-RU" sz="1200" b="1" kern="1200" dirty="0">
-                        <a:solidFill>
-                          <a:srgbClr val="0F1722"/>
-                        </a:solidFill>
-                        <a:latin typeface="Segoe UI" panose="020B0502040204020203" pitchFamily="34" charset="0"/>
-                        <a:ea typeface="+mn-ea"/>
-                        <a:cs typeface="Segoe UI" panose="020B0502040204020203" pitchFamily="34" charset="0"/>
-                      </a:endParaRPr>
-                    </a:p>
-                  </a:txBody>
-                  <a:tcPr anchor="ctr">
-                    <a:lnL w="12700" cmpd="sng">
-                      <a:noFill/>
-                    </a:lnL>
-                    <a:lnR w="12700" cmpd="sng">
-                      <a:noFill/>
-                    </a:lnR>
-                    <a:lnT w="12700" cmpd="sng">
-                      <a:noFill/>
-                    </a:lnT>
-                    <a:lnB w="12700" cmpd="sng">
-                      <a:noFill/>
-                    </a:lnB>
-                    <a:lnTlToBr w="12700" cmpd="sng">
-                      <a:noFill/>
-                      <a:prstDash val="solid"/>
-                    </a:lnTlToBr>
-                    <a:lnBlToTr w="12700" cmpd="sng">
-                      <a:noFill/>
-                      <a:prstDash val="solid"/>
-                    </a:lnBlToTr>
-                    <a:solidFill>
-                      <a:schemeClr val="tx1"/>
-                    </a:solidFill>
-                  </a:tcPr>
-                </a:tc>
-                <a:tc>
-                  <a:txBody>
-                    <a:bodyPr/>
-                    <a:lstStyle/>
-                    <a:p>
-                      <a:pPr marL="0" algn="r" defTabSz="914400" rtl="0" eaLnBrk="1" latinLnBrk="0" hangingPunct="1"/>
-                      <a:r>
-                        <a:rPr lang="en-US" sz="1400" i="0" kern="1200" dirty="0">
-                          <a:solidFill>
-                            <a:schemeClr val="bg2">
-                              <a:lumMod val="95000"/>
-                            </a:schemeClr>
-                          </a:solidFill>
-                          <a:latin typeface="+mn-lt"/>
-                          <a:ea typeface="+mn-ea"/>
-                          <a:cs typeface="+mn-cs"/>
-                        </a:rPr>
-                        <a:t>562,500</a:t>
-                      </a:r>
-                      <a:endParaRPr lang="ru-RU" sz="1400" i="0" kern="1200" dirty="0">
-                        <a:solidFill>
-                          <a:schemeClr val="bg2">
-                            <a:lumMod val="95000"/>
-                          </a:schemeClr>
-                        </a:solidFill>
-                        <a:latin typeface="+mn-lt"/>
-                        <a:ea typeface="+mn-ea"/>
-                        <a:cs typeface="+mn-cs"/>
-                      </a:endParaRPr>
-                    </a:p>
-                  </a:txBody>
-                  <a:tcPr anchor="ctr">
-                    <a:lnL w="12700" cmpd="sng">
-                      <a:noFill/>
-                    </a:lnL>
-                    <a:lnR w="12700" cmpd="sng">
-                      <a:noFill/>
-                    </a:lnR>
-                    <a:lnT w="12700" cmpd="sng">
-                      <a:noFill/>
-                    </a:lnT>
-                    <a:lnB w="12700" cmpd="sng">
-                      <a:noFill/>
-                    </a:lnB>
-                    <a:lnTlToBr w="12700" cmpd="sng">
-                      <a:noFill/>
-                      <a:prstDash val="solid"/>
-                    </a:lnTlToBr>
-                    <a:lnBlToTr w="12700" cmpd="sng">
-                      <a:noFill/>
-                      <a:prstDash val="solid"/>
-                    </a:lnBlToTr>
-                    <a:solidFill>
-                      <a:srgbClr val="1B2434"/>
-                    </a:solidFill>
-                  </a:tcPr>
-                </a:tc>
-                <a:tc>
-                  <a:txBody>
-                    <a:bodyPr/>
-                    <a:lstStyle/>
-                    <a:p>
-                      <a:pPr marL="0" algn="r" defTabSz="914400" rtl="0" eaLnBrk="1" latinLnBrk="0" hangingPunct="1"/>
-                      <a:r>
-                        <a:rPr lang="en-US" sz="1400" i="0" kern="1200" dirty="0">
-                          <a:solidFill>
-                            <a:schemeClr val="bg2">
-                              <a:lumMod val="95000"/>
-                            </a:schemeClr>
-                          </a:solidFill>
-                          <a:latin typeface="+mn-lt"/>
-                          <a:ea typeface="+mn-ea"/>
-                          <a:cs typeface="+mn-cs"/>
-                        </a:rPr>
-                        <a:t>2,400,000</a:t>
-                      </a:r>
-                      <a:endParaRPr lang="ru-RU" sz="1400" i="0" kern="1200" dirty="0">
-                        <a:solidFill>
-                          <a:schemeClr val="bg2">
-                            <a:lumMod val="95000"/>
-                          </a:schemeClr>
-                        </a:solidFill>
-                        <a:latin typeface="+mn-lt"/>
-                        <a:ea typeface="+mn-ea"/>
-                        <a:cs typeface="+mn-cs"/>
-                      </a:endParaRPr>
-                    </a:p>
-                  </a:txBody>
-                  <a:tcPr anchor="ctr">
-                    <a:lnL w="12700" cmpd="sng">
-                      <a:noFill/>
-                    </a:lnL>
-                    <a:lnR w="12700" cmpd="sng">
-                      <a:noFill/>
-                    </a:lnR>
-                    <a:lnT w="12700" cmpd="sng">
-                      <a:noFill/>
-                    </a:lnT>
-                    <a:lnB w="12700" cmpd="sng">
-                      <a:noFill/>
-                    </a:lnB>
-                    <a:lnTlToBr w="12700" cmpd="sng">
-                      <a:noFill/>
-                      <a:prstDash val="solid"/>
-                    </a:lnTlToBr>
-                    <a:lnBlToTr w="12700" cmpd="sng">
-                      <a:noFill/>
-                      <a:prstDash val="solid"/>
-                    </a:lnBlToTr>
-                    <a:solidFill>
-                      <a:srgbClr val="1B2434"/>
-                    </a:solidFill>
-                  </a:tcPr>
-                </a:tc>
-                <a:tc>
-                  <a:txBody>
-                    <a:bodyPr/>
-                    <a:lstStyle/>
-                    <a:p>
-                      <a:pPr marL="0" algn="r" defTabSz="914400" rtl="0" eaLnBrk="1" latinLnBrk="0" hangingPunct="1"/>
-                      <a:r>
-                        <a:rPr lang="en-US" sz="1400" i="0" kern="1200" dirty="0">
-                          <a:solidFill>
-                            <a:schemeClr val="bg2">
-                              <a:lumMod val="95000"/>
-                            </a:schemeClr>
-                          </a:solidFill>
-                          <a:latin typeface="+mn-lt"/>
-                          <a:ea typeface="+mn-ea"/>
-                          <a:cs typeface="+mn-cs"/>
-                        </a:rPr>
-                        <a:t>10,800,000</a:t>
-                      </a:r>
-                      <a:endParaRPr lang="ru-RU" sz="1400" i="0" kern="1200" dirty="0">
-                        <a:solidFill>
-                          <a:schemeClr val="bg2">
-                            <a:lumMod val="95000"/>
-                          </a:schemeClr>
-                        </a:solidFill>
-                        <a:latin typeface="+mn-lt"/>
-                        <a:ea typeface="+mn-ea"/>
-                        <a:cs typeface="+mn-cs"/>
-                      </a:endParaRPr>
-                    </a:p>
-                  </a:txBody>
-                  <a:tcPr anchor="ctr">
-                    <a:lnL w="12700" cmpd="sng">
-                      <a:noFill/>
-                    </a:lnL>
-                    <a:lnR w="12700" cmpd="sng">
-                      <a:noFill/>
-                    </a:lnR>
-                    <a:lnT w="12700" cmpd="sng">
-                      <a:noFill/>
-                    </a:lnT>
-                    <a:lnB w="12700" cmpd="sng">
-                      <a:noFill/>
-                    </a:lnB>
-                    <a:lnTlToBr w="12700" cmpd="sng">
-                      <a:noFill/>
-                      <a:prstDash val="solid"/>
-                    </a:lnTlToBr>
-                    <a:lnBlToTr w="12700" cmpd="sng">
-                      <a:noFill/>
-                      <a:prstDash val="solid"/>
-                    </a:lnBlToTr>
-                    <a:solidFill>
-                      <a:srgbClr val="1B2434"/>
-                    </a:solidFill>
-                  </a:tcPr>
-                </a:tc>
-                <a:tc>
-                  <a:txBody>
-                    <a:bodyPr/>
-                    <a:lstStyle/>
-                    <a:p>
-                      <a:pPr marL="0" algn="ctr" defTabSz="914400" rtl="0" eaLnBrk="1" latinLnBrk="0" hangingPunct="1"/>
-                      <a:r>
-                        <a:rPr lang="en-US" sz="1400" i="0" kern="1200" dirty="0">
-                          <a:solidFill>
-                            <a:schemeClr val="tx1"/>
-                          </a:solidFill>
-                          <a:latin typeface="+mn-lt"/>
-                          <a:ea typeface="+mn-ea"/>
-                          <a:cs typeface="+mn-cs"/>
-                        </a:rPr>
-                        <a:t>5%</a:t>
-                      </a:r>
-                      <a:endParaRPr lang="ru-RU" sz="1400" i="0" kern="1200" dirty="0">
-                        <a:solidFill>
-                          <a:schemeClr val="tx1"/>
-                        </a:solidFill>
-                        <a:latin typeface="+mn-lt"/>
-                        <a:ea typeface="+mn-ea"/>
-                        <a:cs typeface="+mn-cs"/>
-                      </a:endParaRPr>
-                    </a:p>
-                  </a:txBody>
-                  <a:tcPr anchor="ctr">
-                    <a:lnL w="12700" cmpd="sng">
-                      <a:noFill/>
-                    </a:lnL>
-                    <a:lnR w="12700" cmpd="sng">
-                      <a:noFill/>
-                    </a:lnR>
-                    <a:lnT w="12700" cmpd="sng">
-                      <a:noFill/>
-                    </a:lnT>
-                    <a:lnB w="12700" cmpd="sng">
-                      <a:noFill/>
-                    </a:lnB>
-                    <a:lnTlToBr w="12700" cmpd="sng">
-                      <a:noFill/>
-                      <a:prstDash val="solid"/>
-                    </a:lnTlToBr>
-                    <a:lnBlToTr w="12700" cmpd="sng">
-                      <a:noFill/>
-                      <a:prstDash val="solid"/>
-                    </a:lnBlToTr>
-                    <a:noFill/>
-                  </a:tcPr>
-                </a:tc>
-                <a:extLst>
-                  <a:ext uri="{0D108BD9-81ED-4DB2-BD59-A6C34878D82A}">
-                    <a16:rowId xmlns:a16="http://schemas.microsoft.com/office/drawing/2014/main" val="590403119"/>
-                  </a:ext>
-                </a:extLst>
-              </a:tr>
-              <a:tr h="324000">
-                <a:tc>
-                  <a:txBody>
-                    <a:bodyPr/>
-                    <a:lstStyle/>
-                    <a:p>
-                      <a:pPr marL="0" algn="l" defTabSz="914400" rtl="0" eaLnBrk="1" latinLnBrk="0" hangingPunct="1"/>
-                      <a:r>
-                        <a:rPr lang="en-US" sz="1200" b="1" kern="1200" dirty="0">
-                          <a:solidFill>
-                            <a:srgbClr val="0F1722"/>
-                          </a:solidFill>
-                          <a:latin typeface="Segoe UI" panose="020B0502040204020203" pitchFamily="34" charset="0"/>
-                          <a:ea typeface="+mn-ea"/>
-                          <a:cs typeface="Segoe UI" panose="020B0502040204020203" pitchFamily="34" charset="0"/>
-                        </a:rPr>
-                        <a:t>- Misc.</a:t>
-                      </a:r>
-                      <a:endParaRPr lang="ru-RU" sz="1200" b="1" kern="1200" dirty="0">
-                        <a:solidFill>
-                          <a:srgbClr val="0F1722"/>
-                        </a:solidFill>
-                        <a:latin typeface="Segoe UI" panose="020B0502040204020203" pitchFamily="34" charset="0"/>
-                        <a:ea typeface="+mn-ea"/>
-                        <a:cs typeface="Segoe UI" panose="020B0502040204020203" pitchFamily="34" charset="0"/>
-                      </a:endParaRPr>
-                    </a:p>
-                  </a:txBody>
-                  <a:tcPr anchor="ctr">
-                    <a:lnL w="12700" cmpd="sng">
-                      <a:noFill/>
-                    </a:lnL>
-                    <a:lnR w="12700" cmpd="sng">
-                      <a:noFill/>
-                    </a:lnR>
-                    <a:lnT w="12700" cmpd="sng">
-                      <a:noFill/>
-                    </a:lnT>
-                    <a:lnB w="12700" cmpd="sng">
-                      <a:noFill/>
-                    </a:lnB>
-                    <a:lnTlToBr w="12700" cmpd="sng">
-                      <a:noFill/>
-                      <a:prstDash val="solid"/>
-                    </a:lnTlToBr>
-                    <a:lnBlToTr w="12700" cmpd="sng">
-                      <a:noFill/>
-                      <a:prstDash val="solid"/>
-                    </a:lnBlToTr>
-                    <a:solidFill>
-                      <a:schemeClr val="tx1"/>
-                    </a:solidFill>
-                  </a:tcPr>
-                </a:tc>
-                <a:tc>
-                  <a:txBody>
-                    <a:bodyPr/>
-                    <a:lstStyle/>
-                    <a:p>
-                      <a:pPr marL="0" algn="r" defTabSz="914400" rtl="0" eaLnBrk="1" latinLnBrk="0" hangingPunct="1"/>
-                      <a:r>
-                        <a:rPr lang="en-US" sz="1400" i="0" kern="1200" dirty="0">
-                          <a:solidFill>
-                            <a:schemeClr val="bg2">
-                              <a:lumMod val="95000"/>
-                            </a:schemeClr>
-                          </a:solidFill>
-                          <a:latin typeface="+mn-lt"/>
-                          <a:ea typeface="+mn-ea"/>
-                          <a:cs typeface="+mn-cs"/>
-                        </a:rPr>
-                        <a:t>281,250</a:t>
-                      </a:r>
-                      <a:endParaRPr lang="ru-RU" sz="1400" i="0" kern="1200" dirty="0">
-                        <a:solidFill>
-                          <a:schemeClr val="bg2">
-                            <a:lumMod val="95000"/>
-                          </a:schemeClr>
-                        </a:solidFill>
-                        <a:latin typeface="+mn-lt"/>
-                        <a:ea typeface="+mn-ea"/>
-                        <a:cs typeface="+mn-cs"/>
-                      </a:endParaRPr>
-                    </a:p>
-                  </a:txBody>
-                  <a:tcPr anchor="ctr">
-                    <a:lnL w="12700" cmpd="sng">
-                      <a:noFill/>
-                    </a:lnL>
-                    <a:lnR w="12700" cmpd="sng">
-                      <a:noFill/>
-                    </a:lnR>
-                    <a:lnT w="12700" cmpd="sng">
-                      <a:noFill/>
-                    </a:lnT>
-                    <a:lnB w="12700" cmpd="sng">
-                      <a:noFill/>
-                    </a:lnB>
-                    <a:lnTlToBr w="12700" cmpd="sng">
-                      <a:noFill/>
-                      <a:prstDash val="solid"/>
-                    </a:lnTlToBr>
-                    <a:lnBlToTr w="12700" cmpd="sng">
-                      <a:noFill/>
-                      <a:prstDash val="solid"/>
-                    </a:lnBlToTr>
-                    <a:noFill/>
-                  </a:tcPr>
-                </a:tc>
-                <a:tc>
-                  <a:txBody>
-                    <a:bodyPr/>
-                    <a:lstStyle/>
-                    <a:p>
-                      <a:pPr marL="0" algn="r" defTabSz="914400" rtl="0" eaLnBrk="1" latinLnBrk="0" hangingPunct="1"/>
-                      <a:r>
-                        <a:rPr lang="en-US" sz="1400" i="0" kern="1200" dirty="0">
-                          <a:solidFill>
-                            <a:schemeClr val="bg2">
-                              <a:lumMod val="95000"/>
-                            </a:schemeClr>
-                          </a:solidFill>
-                          <a:latin typeface="+mn-lt"/>
-                          <a:ea typeface="+mn-ea"/>
-                          <a:cs typeface="+mn-cs"/>
-                        </a:rPr>
-                        <a:t>2,400,000</a:t>
-                      </a:r>
-                      <a:endParaRPr lang="ru-RU" sz="1400" i="0" kern="1200" dirty="0">
-                        <a:solidFill>
-                          <a:schemeClr val="bg2">
-                            <a:lumMod val="95000"/>
-                          </a:schemeClr>
-                        </a:solidFill>
-                        <a:latin typeface="+mn-lt"/>
-                        <a:ea typeface="+mn-ea"/>
-                        <a:cs typeface="+mn-cs"/>
-                      </a:endParaRPr>
-                    </a:p>
-                  </a:txBody>
-                  <a:tcPr anchor="ctr">
-                    <a:lnL w="12700" cmpd="sng">
-                      <a:noFill/>
-                    </a:lnL>
-                    <a:lnR w="12700" cmpd="sng">
-                      <a:noFill/>
-                    </a:lnR>
-                    <a:lnT w="12700" cmpd="sng">
-                      <a:noFill/>
-                    </a:lnT>
-                    <a:lnB w="12700" cmpd="sng">
-                      <a:noFill/>
-                    </a:lnB>
-                    <a:lnTlToBr w="12700" cmpd="sng">
-                      <a:noFill/>
-                      <a:prstDash val="solid"/>
-                    </a:lnTlToBr>
-                    <a:lnBlToTr w="12700" cmpd="sng">
-                      <a:noFill/>
-                      <a:prstDash val="solid"/>
-                    </a:lnBlToTr>
-                    <a:noFill/>
-                  </a:tcPr>
-                </a:tc>
-                <a:tc>
-                  <a:txBody>
-                    <a:bodyPr/>
-                    <a:lstStyle/>
-                    <a:p>
-                      <a:pPr marL="0" algn="r" defTabSz="914400" rtl="0" eaLnBrk="1" latinLnBrk="0" hangingPunct="1"/>
-                      <a:r>
-                        <a:rPr lang="en-US" sz="1400" i="0" kern="1200" dirty="0">
-                          <a:solidFill>
-                            <a:schemeClr val="bg2">
-                              <a:lumMod val="95000"/>
-                            </a:schemeClr>
-                          </a:solidFill>
-                          <a:latin typeface="+mn-lt"/>
-                          <a:ea typeface="+mn-ea"/>
-                          <a:cs typeface="+mn-cs"/>
-                        </a:rPr>
-                        <a:t>4,320,000</a:t>
-                      </a:r>
-                      <a:endParaRPr lang="ru-RU" sz="1400" i="0" kern="1200" dirty="0">
-                        <a:solidFill>
-                          <a:schemeClr val="bg2">
-                            <a:lumMod val="95000"/>
-                          </a:schemeClr>
-                        </a:solidFill>
-                        <a:latin typeface="+mn-lt"/>
-                        <a:ea typeface="+mn-ea"/>
-                        <a:cs typeface="+mn-cs"/>
-                      </a:endParaRPr>
-                    </a:p>
-                  </a:txBody>
-                  <a:tcPr anchor="ctr">
-                    <a:lnL w="12700" cmpd="sng">
-                      <a:noFill/>
-                    </a:lnL>
-                    <a:lnR w="12700" cmpd="sng">
-                      <a:noFill/>
-                    </a:lnR>
-                    <a:lnT w="12700" cmpd="sng">
-                      <a:noFill/>
-                    </a:lnT>
-                    <a:lnB w="12700" cmpd="sng">
-                      <a:noFill/>
-                    </a:lnB>
-                    <a:lnTlToBr w="12700" cmpd="sng">
-                      <a:noFill/>
-                      <a:prstDash val="solid"/>
-                    </a:lnTlToBr>
-                    <a:lnBlToTr w="12700" cmpd="sng">
-                      <a:noFill/>
-                      <a:prstDash val="solid"/>
-                    </a:lnBlToTr>
-                    <a:noFill/>
-                  </a:tcPr>
-                </a:tc>
-                <a:tc>
-                  <a:txBody>
-                    <a:bodyPr/>
-                    <a:lstStyle/>
-                    <a:p>
-                      <a:pPr marL="0" algn="ctr" defTabSz="914400" rtl="0" eaLnBrk="1" latinLnBrk="0" hangingPunct="1"/>
-                      <a:r>
-                        <a:rPr lang="en-US" sz="1400" i="0" kern="1200" dirty="0">
-                          <a:solidFill>
-                            <a:schemeClr val="tx1"/>
-                          </a:solidFill>
-                          <a:latin typeface="+mn-lt"/>
-                          <a:ea typeface="+mn-ea"/>
-                          <a:cs typeface="+mn-cs"/>
-                        </a:rPr>
-                        <a:t>2%</a:t>
-                      </a:r>
-                      <a:endParaRPr lang="ru-RU" sz="1400" i="0" kern="1200" dirty="0">
-                        <a:solidFill>
-                          <a:schemeClr val="tx1"/>
-                        </a:solidFill>
-                        <a:latin typeface="+mn-lt"/>
-                        <a:ea typeface="+mn-ea"/>
-                        <a:cs typeface="+mn-cs"/>
-                      </a:endParaRPr>
-                    </a:p>
-                  </a:txBody>
-                  <a:tcPr anchor="ctr">
-                    <a:lnL w="12700" cmpd="sng">
-                      <a:noFill/>
-                    </a:lnL>
-                    <a:lnR w="12700" cmpd="sng">
-                      <a:noFill/>
-                    </a:lnR>
-                    <a:lnT w="12700" cmpd="sng">
-                      <a:noFill/>
-                    </a:lnT>
-                    <a:lnB w="12700" cmpd="sng">
-                      <a:noFill/>
-                    </a:lnB>
-                    <a:lnTlToBr w="12700" cmpd="sng">
-                      <a:noFill/>
-                      <a:prstDash val="solid"/>
-                    </a:lnTlToBr>
-                    <a:lnBlToTr w="12700" cmpd="sng">
-                      <a:noFill/>
-                      <a:prstDash val="solid"/>
-                    </a:lnBlToTr>
-                    <a:noFill/>
-                  </a:tcPr>
-                </a:tc>
-                <a:extLst>
-                  <a:ext uri="{0D108BD9-81ED-4DB2-BD59-A6C34878D82A}">
-                    <a16:rowId xmlns:a16="http://schemas.microsoft.com/office/drawing/2014/main" val="2691393806"/>
-                  </a:ext>
-                </a:extLst>
-              </a:tr>
-              <a:tr h="324000">
-                <a:tc>
-                  <a:txBody>
-                    <a:bodyPr/>
-                    <a:lstStyle/>
-                    <a:p>
-                      <a:pPr marL="0" algn="l" defTabSz="914400" rtl="0" eaLnBrk="1" latinLnBrk="0" hangingPunct="1"/>
-                      <a:r>
-                        <a:rPr lang="en-US" sz="1200" b="1" kern="1200" dirty="0">
-                          <a:solidFill>
-                            <a:srgbClr val="0F1722"/>
-                          </a:solidFill>
-                          <a:latin typeface="Segoe UI" panose="020B0502040204020203" pitchFamily="34" charset="0"/>
-                          <a:ea typeface="+mn-ea"/>
-                          <a:cs typeface="Segoe UI" panose="020B0502040204020203" pitchFamily="34" charset="0"/>
-                        </a:rPr>
-                        <a:t>TOTAL OPEX</a:t>
-                      </a:r>
-                      <a:endParaRPr lang="ru-RU" sz="1200" b="1" kern="1200" dirty="0">
-                        <a:solidFill>
-                          <a:srgbClr val="0F1722"/>
-                        </a:solidFill>
-                        <a:latin typeface="Segoe UI" panose="020B0502040204020203" pitchFamily="34" charset="0"/>
-                        <a:ea typeface="+mn-ea"/>
-                        <a:cs typeface="Segoe UI" panose="020B0502040204020203" pitchFamily="34" charset="0"/>
-                      </a:endParaRPr>
-                    </a:p>
-                  </a:txBody>
-                  <a:tcPr anchor="ctr">
-                    <a:lnL w="12700" cmpd="sng">
-                      <a:noFill/>
-                    </a:lnL>
-                    <a:lnR w="12700" cmpd="sng">
-                      <a:noFill/>
-                    </a:lnR>
-                    <a:lnT w="12700" cmpd="sng">
-                      <a:noFill/>
-                    </a:lnT>
-                    <a:lnB w="12700" cmpd="sng">
-                      <a:noFill/>
-                    </a:lnB>
-                    <a:lnTlToBr w="12700" cmpd="sng">
-                      <a:noFill/>
-                      <a:prstDash val="solid"/>
-                    </a:lnTlToBr>
-                    <a:lnBlToTr w="12700" cmpd="sng">
-                      <a:noFill/>
-                      <a:prstDash val="solid"/>
-                    </a:lnBlToTr>
-                    <a:solidFill>
-                      <a:schemeClr val="tx1"/>
-                    </a:solidFill>
-                  </a:tcPr>
-                </a:tc>
-                <a:tc>
-                  <a:txBody>
-                    <a:bodyPr/>
-                    <a:lstStyle/>
-                    <a:p>
-                      <a:pPr marL="0" algn="r" defTabSz="914400" rtl="0" eaLnBrk="1" latinLnBrk="0" hangingPunct="1"/>
-                      <a:r>
-                        <a:rPr lang="en-US" sz="1400" i="0" kern="1200" dirty="0">
-                          <a:solidFill>
-                            <a:schemeClr val="bg2">
-                              <a:lumMod val="95000"/>
-                            </a:schemeClr>
-                          </a:solidFill>
-                          <a:latin typeface="+mn-lt"/>
-                          <a:ea typeface="+mn-ea"/>
-                          <a:cs typeface="+mn-cs"/>
-                        </a:rPr>
-                        <a:t>7,596,750</a:t>
-                      </a:r>
-                      <a:endParaRPr lang="ru-RU" sz="1400" i="0" kern="1200" dirty="0">
-                        <a:solidFill>
-                          <a:schemeClr val="bg2">
-                            <a:lumMod val="95000"/>
-                          </a:schemeClr>
-                        </a:solidFill>
-                        <a:latin typeface="+mn-lt"/>
-                        <a:ea typeface="+mn-ea"/>
-                        <a:cs typeface="+mn-cs"/>
-                      </a:endParaRPr>
-                    </a:p>
-                  </a:txBody>
-                  <a:tcPr anchor="ctr">
-                    <a:lnL w="12700" cmpd="sng">
-                      <a:noFill/>
-                    </a:lnL>
-                    <a:lnR w="12700" cmpd="sng">
-                      <a:noFill/>
-                    </a:lnR>
-                    <a:lnT w="12700" cmpd="sng">
-                      <a:noFill/>
-                    </a:lnT>
-                    <a:lnB w="12700" cmpd="sng">
-                      <a:noFill/>
-                    </a:lnB>
-                    <a:lnTlToBr w="12700" cmpd="sng">
-                      <a:noFill/>
-                      <a:prstDash val="solid"/>
-                    </a:lnTlToBr>
-                    <a:lnBlToTr w="12700" cmpd="sng">
-                      <a:noFill/>
-                      <a:prstDash val="solid"/>
-                    </a:lnBlToTr>
-                    <a:solidFill>
-                      <a:srgbClr val="1B2434"/>
-                    </a:solidFill>
-                  </a:tcPr>
-                </a:tc>
-                <a:tc>
-                  <a:txBody>
-                    <a:bodyPr/>
-                    <a:lstStyle/>
-                    <a:p>
-                      <a:pPr marL="0" algn="r" defTabSz="914400" rtl="0" eaLnBrk="1" latinLnBrk="0" hangingPunct="1"/>
-                      <a:r>
-                        <a:rPr lang="en-US" sz="1400" i="0" kern="1200" dirty="0">
-                          <a:solidFill>
-                            <a:schemeClr val="bg2">
-                              <a:lumMod val="95000"/>
-                            </a:schemeClr>
-                          </a:solidFill>
-                          <a:latin typeface="+mn-lt"/>
-                          <a:ea typeface="+mn-ea"/>
-                          <a:cs typeface="+mn-cs"/>
-                        </a:rPr>
-                        <a:t>52,800,000</a:t>
-                      </a:r>
-                      <a:endParaRPr lang="ru-RU" sz="1400" i="0" kern="1200" dirty="0">
-                        <a:solidFill>
-                          <a:schemeClr val="bg2">
-                            <a:lumMod val="95000"/>
-                          </a:schemeClr>
-                        </a:solidFill>
-                        <a:latin typeface="+mn-lt"/>
-                        <a:ea typeface="+mn-ea"/>
-                        <a:cs typeface="+mn-cs"/>
-                      </a:endParaRPr>
-                    </a:p>
-                  </a:txBody>
-                  <a:tcPr anchor="ctr">
-                    <a:lnL w="12700" cmpd="sng">
-                      <a:noFill/>
-                    </a:lnL>
-                    <a:lnR w="12700" cmpd="sng">
-                      <a:noFill/>
-                    </a:lnR>
-                    <a:lnT w="12700" cmpd="sng">
-                      <a:noFill/>
-                    </a:lnT>
-                    <a:lnB w="12700" cmpd="sng">
-                      <a:noFill/>
-                    </a:lnB>
-                    <a:lnTlToBr w="12700" cmpd="sng">
-                      <a:noFill/>
-                      <a:prstDash val="solid"/>
-                    </a:lnTlToBr>
-                    <a:lnBlToTr w="12700" cmpd="sng">
-                      <a:noFill/>
-                      <a:prstDash val="solid"/>
-                    </a:lnBlToTr>
-                    <a:solidFill>
-                      <a:srgbClr val="1B2434"/>
-                    </a:solidFill>
-                  </a:tcPr>
-                </a:tc>
-                <a:tc>
-                  <a:txBody>
-                    <a:bodyPr/>
-                    <a:lstStyle/>
-                    <a:p>
-                      <a:pPr marL="0" algn="r" defTabSz="914400" rtl="0" eaLnBrk="1" latinLnBrk="0" hangingPunct="1"/>
-                      <a:r>
-                        <a:rPr lang="en-US" sz="1400" i="0" kern="1200" dirty="0">
-                          <a:solidFill>
-                            <a:schemeClr val="bg2">
-                              <a:lumMod val="95000"/>
-                            </a:schemeClr>
-                          </a:solidFill>
-                          <a:latin typeface="+mn-lt"/>
-                          <a:ea typeface="+mn-ea"/>
-                          <a:cs typeface="+mn-cs"/>
-                        </a:rPr>
-                        <a:t>187,920,000</a:t>
-                      </a:r>
-                      <a:endParaRPr lang="ru-RU" sz="1400" i="0" kern="1200" dirty="0">
-                        <a:solidFill>
-                          <a:schemeClr val="bg2">
-                            <a:lumMod val="95000"/>
-                          </a:schemeClr>
-                        </a:solidFill>
-                        <a:latin typeface="+mn-lt"/>
-                        <a:ea typeface="+mn-ea"/>
-                        <a:cs typeface="+mn-cs"/>
-                      </a:endParaRPr>
-                    </a:p>
-                  </a:txBody>
-                  <a:tcPr anchor="ctr">
-                    <a:lnL w="12700" cmpd="sng">
-                      <a:noFill/>
-                    </a:lnL>
-                    <a:lnR w="12700" cmpd="sng">
-                      <a:noFill/>
-                    </a:lnR>
-                    <a:lnT w="12700" cmpd="sng">
-                      <a:noFill/>
-                    </a:lnT>
-                    <a:lnB w="12700" cmpd="sng">
-                      <a:noFill/>
-                    </a:lnB>
-                    <a:lnTlToBr w="12700" cmpd="sng">
-                      <a:noFill/>
-                      <a:prstDash val="solid"/>
-                    </a:lnTlToBr>
-                    <a:lnBlToTr w="12700" cmpd="sng">
-                      <a:noFill/>
-                      <a:prstDash val="solid"/>
-                    </a:lnBlToTr>
-                    <a:solidFill>
-                      <a:srgbClr val="1B2434"/>
-                    </a:solidFill>
-                  </a:tcPr>
-                </a:tc>
-                <a:tc>
-                  <a:txBody>
-                    <a:bodyPr/>
-                    <a:lstStyle/>
-                    <a:p>
-                      <a:pPr marL="0" algn="ctr" defTabSz="914400" rtl="0" eaLnBrk="1" latinLnBrk="0" hangingPunct="1"/>
-                      <a:endParaRPr lang="ru-RU" sz="1400" i="0" kern="1200" dirty="0">
-                        <a:solidFill>
-                          <a:schemeClr val="tx1"/>
-                        </a:solidFill>
-                        <a:latin typeface="+mn-lt"/>
-                        <a:ea typeface="+mn-ea"/>
-                        <a:cs typeface="+mn-cs"/>
-                      </a:endParaRPr>
-                    </a:p>
-                  </a:txBody>
-                  <a:tcPr anchor="ctr">
-                    <a:lnL w="12700" cmpd="sng">
-                      <a:noFill/>
-                    </a:lnL>
-                    <a:lnR w="12700" cmpd="sng">
-                      <a:noFill/>
-                    </a:lnR>
-                    <a:lnT w="12700" cmpd="sng">
-                      <a:noFill/>
-                    </a:lnT>
-                    <a:lnB w="12700" cmpd="sng">
-                      <a:noFill/>
-                    </a:lnB>
-                    <a:lnTlToBr w="12700" cmpd="sng">
-                      <a:noFill/>
-                      <a:prstDash val="solid"/>
-                    </a:lnTlToBr>
-                    <a:lnBlToTr w="12700" cmpd="sng">
-                      <a:noFill/>
-                      <a:prstDash val="solid"/>
-                    </a:lnBlToTr>
-                    <a:noFill/>
-                  </a:tcPr>
-                </a:tc>
-                <a:extLst>
-                  <a:ext uri="{0D108BD9-81ED-4DB2-BD59-A6C34878D82A}">
-                    <a16:rowId xmlns:a16="http://schemas.microsoft.com/office/drawing/2014/main" val="2053853485"/>
-                  </a:ext>
-                </a:extLst>
-              </a:tr>
-              <a:tr h="324000">
-                <a:tc>
-                  <a:txBody>
-                    <a:bodyPr/>
-                    <a:lstStyle/>
-                    <a:p>
-                      <a:pPr marL="0" algn="l" defTabSz="914400" rtl="0" eaLnBrk="1" latinLnBrk="0" hangingPunct="1"/>
-                      <a:r>
-                        <a:rPr lang="en-US" sz="1200" b="1" kern="1200" dirty="0">
-                          <a:solidFill>
-                            <a:schemeClr val="tx1"/>
-                          </a:solidFill>
-                          <a:latin typeface="Segoe UI" panose="020B0502040204020203" pitchFamily="34" charset="0"/>
-                          <a:ea typeface="+mn-ea"/>
-                          <a:cs typeface="Segoe UI" panose="020B0502040204020203" pitchFamily="34" charset="0"/>
-                        </a:rPr>
-                        <a:t>EBIT</a:t>
-                      </a:r>
-                      <a:endParaRPr lang="ru-RU" sz="1200" b="1" kern="1200" dirty="0">
-                        <a:solidFill>
-                          <a:schemeClr val="tx1"/>
-                        </a:solidFill>
-                        <a:latin typeface="Segoe UI" panose="020B0502040204020203" pitchFamily="34" charset="0"/>
-                        <a:ea typeface="+mn-ea"/>
-                        <a:cs typeface="Segoe UI" panose="020B0502040204020203" pitchFamily="34" charset="0"/>
-                      </a:endParaRPr>
-                    </a:p>
-                  </a:txBody>
-                  <a:tcPr anchor="ctr">
-                    <a:lnL w="12700" cmpd="sng">
-                      <a:noFill/>
-                    </a:lnL>
-                    <a:lnR w="12700" cmpd="sng">
-                      <a:noFill/>
-                    </a:lnR>
-                    <a:lnT w="12700" cmpd="sng">
-                      <a:noFill/>
-                    </a:lnT>
-                    <a:lnB w="12700" cmpd="sng">
-                      <a:noFill/>
-                    </a:lnB>
-                    <a:lnTlToBr w="12700" cmpd="sng">
-                      <a:noFill/>
-                      <a:prstDash val="solid"/>
-                    </a:lnTlToBr>
-                    <a:lnBlToTr w="12700" cmpd="sng">
-                      <a:noFill/>
-                      <a:prstDash val="solid"/>
-                    </a:lnBlToTr>
-                    <a:solidFill>
-                      <a:schemeClr val="bg1"/>
-                    </a:solidFill>
-                  </a:tcPr>
-                </a:tc>
-                <a:tc>
-                  <a:txBody>
-                    <a:bodyPr/>
-                    <a:lstStyle/>
-                    <a:p>
-                      <a:pPr marL="0" algn="r" defTabSz="914400" rtl="0" eaLnBrk="1" latinLnBrk="0" hangingPunct="1"/>
-                      <a:r>
-                        <a:rPr lang="en-US" sz="1400" b="1" i="1" kern="1200" dirty="0">
-                          <a:solidFill>
-                            <a:srgbClr val="B53164"/>
-                          </a:solidFill>
-                          <a:latin typeface="Segoe UI" panose="020B0502040204020203" pitchFamily="34" charset="0"/>
-                          <a:ea typeface="+mn-ea"/>
-                          <a:cs typeface="Segoe UI" panose="020B0502040204020203" pitchFamily="34" charset="0"/>
-                        </a:rPr>
-                        <a:t>-1,968,750</a:t>
-                      </a:r>
-                      <a:endParaRPr lang="ru-RU" sz="1400" b="1" i="1" kern="1200" dirty="0">
-                        <a:solidFill>
-                          <a:srgbClr val="B53164"/>
-                        </a:solidFill>
-                        <a:latin typeface="Segoe UI" panose="020B0502040204020203" pitchFamily="34" charset="0"/>
-                        <a:ea typeface="+mn-ea"/>
-                        <a:cs typeface="Segoe UI" panose="020B0502040204020203" pitchFamily="34" charset="0"/>
-                      </a:endParaRPr>
-                    </a:p>
-                  </a:txBody>
-                  <a:tcPr anchor="ctr">
-                    <a:lnL w="12700" cmpd="sng">
-                      <a:noFill/>
-                    </a:lnL>
-                    <a:lnR w="12700" cmpd="sng">
-                      <a:noFill/>
-                    </a:lnR>
-                    <a:lnT w="12700" cmpd="sng">
-                      <a:noFill/>
-                    </a:lnT>
-                    <a:lnB w="12700" cmpd="sng">
-                      <a:noFill/>
-                    </a:lnB>
-                    <a:lnTlToBr w="12700" cmpd="sng">
-                      <a:noFill/>
-                      <a:prstDash val="solid"/>
-                    </a:lnTlToBr>
-                    <a:lnBlToTr w="12700" cmpd="sng">
-                      <a:noFill/>
-                      <a:prstDash val="solid"/>
-                    </a:lnBlToTr>
-                    <a:solidFill>
-                      <a:schemeClr val="bg1"/>
-                    </a:solidFill>
-                  </a:tcPr>
-                </a:tc>
-                <a:tc>
-                  <a:txBody>
-                    <a:bodyPr/>
-                    <a:lstStyle/>
-                    <a:p>
-                      <a:pPr marL="0" algn="r" defTabSz="914400" rtl="0" eaLnBrk="1" latinLnBrk="0" hangingPunct="1"/>
-                      <a:r>
-                        <a:rPr lang="en-US" sz="1400" b="1" i="1" kern="1200" dirty="0">
-                          <a:solidFill>
-                            <a:srgbClr val="B53164"/>
-                          </a:solidFill>
-                          <a:latin typeface="Segoe UI" panose="020B0502040204020203" pitchFamily="34" charset="0"/>
-                          <a:ea typeface="+mn-ea"/>
-                          <a:cs typeface="Segoe UI" panose="020B0502040204020203" pitchFamily="34" charset="0"/>
-                        </a:rPr>
-                        <a:t>-4,800,000</a:t>
-                      </a:r>
-                      <a:endParaRPr lang="ru-RU" sz="1400" b="1" i="1" kern="1200" dirty="0">
-                        <a:solidFill>
-                          <a:srgbClr val="B53164"/>
-                        </a:solidFill>
-                        <a:latin typeface="Segoe UI" panose="020B0502040204020203" pitchFamily="34" charset="0"/>
-                        <a:ea typeface="+mn-ea"/>
-                        <a:cs typeface="Segoe UI" panose="020B0502040204020203" pitchFamily="34" charset="0"/>
-                      </a:endParaRPr>
-                    </a:p>
-                  </a:txBody>
-                  <a:tcPr anchor="ctr">
-                    <a:lnL w="12700" cmpd="sng">
-                      <a:noFill/>
-                    </a:lnL>
-                    <a:lnR w="12700" cmpd="sng">
-                      <a:noFill/>
-                    </a:lnR>
-                    <a:lnT w="12700" cmpd="sng">
-                      <a:noFill/>
-                    </a:lnT>
-                    <a:lnB w="12700" cmpd="sng">
-                      <a:noFill/>
-                    </a:lnB>
-                    <a:lnTlToBr w="12700" cmpd="sng">
-                      <a:noFill/>
-                      <a:prstDash val="solid"/>
-                    </a:lnTlToBr>
-                    <a:lnBlToTr w="12700" cmpd="sng">
-                      <a:noFill/>
-                      <a:prstDash val="solid"/>
-                    </a:lnBlToTr>
-                    <a:solidFill>
-                      <a:schemeClr val="bg1"/>
-                    </a:solidFill>
-                  </a:tcPr>
-                </a:tc>
-                <a:tc>
-                  <a:txBody>
-                    <a:bodyPr/>
-                    <a:lstStyle/>
-                    <a:p>
-                      <a:pPr marL="0" algn="r" defTabSz="914400" rtl="0" eaLnBrk="1" latinLnBrk="0" hangingPunct="1"/>
-                      <a:r>
-                        <a:rPr lang="en-US" sz="1400" b="1" i="1" kern="1200" dirty="0">
-                          <a:solidFill>
-                            <a:srgbClr val="348151"/>
-                          </a:solidFill>
-                          <a:latin typeface="Segoe UI" panose="020B0502040204020203" pitchFamily="34" charset="0"/>
-                          <a:ea typeface="+mn-ea"/>
-                          <a:cs typeface="Segoe UI" panose="020B0502040204020203" pitchFamily="34" charset="0"/>
-                        </a:rPr>
-                        <a:t>28,080,000</a:t>
-                      </a:r>
-                      <a:endParaRPr lang="ru-RU" sz="1400" b="1" i="1" kern="1200" dirty="0">
-                        <a:solidFill>
-                          <a:srgbClr val="348151"/>
-                        </a:solidFill>
-                        <a:latin typeface="Segoe UI" panose="020B0502040204020203" pitchFamily="34" charset="0"/>
-                        <a:ea typeface="+mn-ea"/>
-                        <a:cs typeface="Segoe UI" panose="020B0502040204020203" pitchFamily="34" charset="0"/>
-                      </a:endParaRPr>
-                    </a:p>
-                  </a:txBody>
-                  <a:tcPr anchor="ctr">
-                    <a:lnL w="12700" cmpd="sng">
-                      <a:noFill/>
-                    </a:lnL>
-                    <a:lnR w="12700" cmpd="sng">
-                      <a:noFill/>
-                    </a:lnR>
-                    <a:lnT w="12700" cmpd="sng">
-                      <a:noFill/>
-                    </a:lnT>
-                    <a:lnB w="12700" cmpd="sng">
-                      <a:noFill/>
-                    </a:lnB>
-                    <a:lnTlToBr w="12700" cmpd="sng">
-                      <a:noFill/>
-                      <a:prstDash val="solid"/>
-                    </a:lnTlToBr>
-                    <a:lnBlToTr w="12700" cmpd="sng">
-                      <a:noFill/>
-                      <a:prstDash val="solid"/>
-                    </a:lnBlToTr>
-                    <a:solidFill>
-                      <a:schemeClr val="bg1"/>
-                    </a:solidFill>
-                  </a:tcPr>
-                </a:tc>
-                <a:tc>
-                  <a:txBody>
-                    <a:bodyPr/>
-                    <a:lstStyle/>
-                    <a:p>
-                      <a:pPr marL="0" algn="ctr" defTabSz="914400" rtl="0" eaLnBrk="1" latinLnBrk="0" hangingPunct="1"/>
-                      <a:r>
-                        <a:rPr lang="en-US" sz="1400" i="0" kern="1200" dirty="0">
-                          <a:solidFill>
-                            <a:schemeClr val="tx1"/>
-                          </a:solidFill>
-                          <a:latin typeface="+mn-lt"/>
-                          <a:ea typeface="+mn-ea"/>
-                          <a:cs typeface="+mn-cs"/>
-                        </a:rPr>
-                        <a:t>13%</a:t>
-                      </a:r>
-                      <a:endParaRPr lang="ru-RU" sz="1400" i="0" kern="1200" dirty="0">
-                        <a:solidFill>
-                          <a:schemeClr val="tx1"/>
-                        </a:solidFill>
-                        <a:latin typeface="+mn-lt"/>
-                        <a:ea typeface="+mn-ea"/>
-                        <a:cs typeface="+mn-cs"/>
-                      </a:endParaRPr>
-                    </a:p>
-                  </a:txBody>
-                  <a:tcPr anchor="ctr">
-                    <a:lnL w="12700" cmpd="sng">
-                      <a:noFill/>
-                    </a:lnL>
-                    <a:lnR w="12700" cmpd="sng">
-                      <a:noFill/>
-                    </a:lnR>
-                    <a:lnT w="12700" cmpd="sng">
-                      <a:noFill/>
-                    </a:lnT>
-                    <a:lnB w="12700" cmpd="sng">
-                      <a:noFill/>
-                    </a:lnB>
-                    <a:lnTlToBr w="12700" cmpd="sng">
-                      <a:noFill/>
-                      <a:prstDash val="solid"/>
-                    </a:lnTlToBr>
-                    <a:lnBlToTr w="12700" cmpd="sng">
-                      <a:noFill/>
-                      <a:prstDash val="solid"/>
-                    </a:lnBlToTr>
-                    <a:noFill/>
-                  </a:tcPr>
-                </a:tc>
-                <a:extLst>
-                  <a:ext uri="{0D108BD9-81ED-4DB2-BD59-A6C34878D82A}">
-                    <a16:rowId xmlns:a16="http://schemas.microsoft.com/office/drawing/2014/main" val="3958882539"/>
-                  </a:ext>
-                </a:extLst>
-              </a:tr>
-            </a:tbl>
-          </a:graphicData>
-        </a:graphic>
-      </p:graphicFrame>
-      <p:sp>
-        <p:nvSpPr>
           <p:cNvPr id="6" name="Slide Number Placeholder 5">
             <a:extLst>
               <a:ext uri="{FF2B5EF4-FFF2-40B4-BE49-F238E27FC236}">
@@ -49826,6 +45882,36 @@
           </a:p>
         </p:txBody>
       </p:sp>
+      <p:pic>
+        <p:nvPicPr>
+          <p:cNvPr id="8" name="Picture 7">
+            <a:extLst>
+              <a:ext uri="{FF2B5EF4-FFF2-40B4-BE49-F238E27FC236}">
+                <a16:creationId xmlns:a16="http://schemas.microsoft.com/office/drawing/2014/main" id="{5F5AEE5F-828F-4A0B-89BC-F09D092EBC81}"/>
+              </a:ext>
+            </a:extLst>
+          </p:cNvPr>
+          <p:cNvPicPr>
+            <a:picLocks noChangeAspect="1"/>
+          </p:cNvPicPr>
+          <p:nvPr/>
+        </p:nvPicPr>
+        <p:blipFill>
+          <a:blip r:embed="rId2"/>
+          <a:stretch>
+            <a:fillRect/>
+          </a:stretch>
+        </p:blipFill>
+        <p:spPr>
+          <a:xfrm>
+            <a:off x="4714875" y="2743365"/>
+            <a:ext cx="7094691" cy="2029000"/>
+          </a:xfrm>
+          <a:prstGeom prst="rect">
+            <a:avLst/>
+          </a:prstGeom>
+        </p:spPr>
+      </p:pic>
     </p:spTree>
     <p:extLst>
       <p:ext uri="{BB962C8B-B14F-4D97-AF65-F5344CB8AC3E}">
@@ -50829,6 +46915,15 @@
 </file>
 
 <file path=customXml/item2.xml><?xml version="1.0" encoding="utf-8"?>
+<?mso-contentType ?>
+<FormTemplates xmlns="http://schemas.microsoft.com/sharepoint/v3/contenttype/forms">
+  <Display>DocumentLibraryForm</Display>
+  <Edit>DocumentLibraryForm</Edit>
+  <New>DocumentLibraryForm</New>
+</FormTemplates>
+</file>
+
+<file path=customXml/item3.xml><?xml version="1.0" encoding="utf-8"?>
 <ct:contentTypeSchema xmlns:ct="http://schemas.microsoft.com/office/2006/metadata/contentType" xmlns:ma="http://schemas.microsoft.com/office/2006/metadata/properties/metaAttributes" ct:_="" ma:_="" ma:contentTypeName="Document" ma:contentTypeID="0x01010079F111ED35F8CC479449609E8A0923A6" ma:contentTypeVersion="11" ma:contentTypeDescription="Create a new document." ma:contentTypeScope="" ma:versionID="96291512c1ee715ab617f4c07df79fc1">
   <xsd:schema xmlns:xsd="http://www.w3.org/2001/XMLSchema" xmlns:xs="http://www.w3.org/2001/XMLSchema" xmlns:p="http://schemas.microsoft.com/office/2006/metadata/properties" xmlns:ns2="71af3243-3dd4-4a8d-8c0d-dd76da1f02a5" xmlns:ns3="16c05727-aa75-4e4a-9b5f-8a80a1165891" targetNamespace="http://schemas.microsoft.com/office/2006/metadata/properties" ma:root="true" ma:fieldsID="8256c27c40ca5c40ce1cf6c44f0205df" ns2:_="" ns3:_="">
     <xsd:import namespace="71af3243-3dd4-4a8d-8c0d-dd76da1f02a5"/>
@@ -51039,15 +47134,6 @@
 </ct:contentTypeSchema>
 </file>
 
-<file path=customXml/item3.xml><?xml version="1.0" encoding="utf-8"?>
-<?mso-contentType ?>
-<FormTemplates xmlns="http://schemas.microsoft.com/sharepoint/v3/contenttype/forms">
-  <Display>DocumentLibraryForm</Display>
-  <Edit>DocumentLibraryForm</Edit>
-  <New>DocumentLibraryForm</New>
-</FormTemplates>
-</file>
-
 <file path=customXml/itemProps1.xml><?xml version="1.0" encoding="utf-8"?>
 <ds:datastoreItem xmlns:ds="http://schemas.openxmlformats.org/officeDocument/2006/customXml" ds:itemID="{D726A944-A9F4-4295-9B5E-C397EB1318B9}">
   <ds:schemaRefs>
@@ -51059,6 +47145,14 @@
 </file>
 
 <file path=customXml/itemProps2.xml><?xml version="1.0" encoding="utf-8"?>
+<ds:datastoreItem xmlns:ds="http://schemas.openxmlformats.org/officeDocument/2006/customXml" ds:itemID="{01743C61-8CA7-48FF-B2A3-6055DA854CF6}">
+  <ds:schemaRefs>
+    <ds:schemaRef ds:uri="http://schemas.microsoft.com/sharepoint/v3/contenttype/forms"/>
+  </ds:schemaRefs>
+</ds:datastoreItem>
+</file>
+
+<file path=customXml/itemProps3.xml><?xml version="1.0" encoding="utf-8"?>
 <ds:datastoreItem xmlns:ds="http://schemas.openxmlformats.org/officeDocument/2006/customXml" ds:itemID="{472965D8-9C19-4E48-8421-5D6B21FC440C}">
   <ds:schemaRefs>
     <ds:schemaRef ds:uri="http://schemas.microsoft.com/office/2006/metadata/contentType"/>
@@ -51075,12 +47169,4 @@
     <ds:schemaRef ds:uri="http://schemas.microsoft.com/internal/obd"/>
   </ds:schemaRefs>
 </ds:datastoreItem>
-</file>
-
-<file path=customXml/itemProps3.xml><?xml version="1.0" encoding="utf-8"?>
-<ds:datastoreItem xmlns:ds="http://schemas.openxmlformats.org/officeDocument/2006/customXml" ds:itemID="{01743C61-8CA7-48FF-B2A3-6055DA854CF6}">
-  <ds:schemaRefs>
-    <ds:schemaRef ds:uri="http://schemas.microsoft.com/sharepoint/v3/contenttype/forms"/>
-  </ds:schemaRefs>
-</ds:datastoreItem>
 </file>
--- a/Overview.pptx
+++ b/Overview.pptx
@@ -240,7 +240,7 @@
           <a:p>
             <a:fld id="{CDA3C146-E2BA-41EA-8AE9-0C67692768F2}" type="datetimeFigureOut">
               <a:rPr lang="en-US" smtClean="0"/>
-              <a:t>4/18/2021</a:t>
+              <a:t>4/19/2021</a:t>
             </a:fld>
             <a:endParaRPr lang="en-US" dirty="0"/>
           </a:p>
@@ -417,7 +417,7 @@
           <a:p>
             <a:fld id="{1F7D3EB6-8099-4744-9273-C8C1DD61A2EA}" type="datetimeFigureOut">
               <a:rPr lang="en-US" noProof="0" smtClean="0"/>
-              <a:t>4/18/2021</a:t>
+              <a:t>4/19/2021</a:t>
             </a:fld>
             <a:endParaRPr lang="en-US" noProof="0" dirty="0"/>
           </a:p>
@@ -44746,6 +44746,28 @@
               </a:solidFill>
             </a:endParaRPr>
           </a:p>
+          <a:p>
+            <a:r>
+              <a:rPr lang="en-IN" b="1" dirty="0">
+                <a:solidFill>
+                  <a:schemeClr val="tx1"/>
+                </a:solidFill>
+                <a:hlinkClick r:id="rId6">
+                  <a:extLst>
+                    <a:ext uri="{A12FA001-AC4F-418D-AE19-62706E023703}">
+                      <ahyp:hlinkClr xmlns:ahyp="http://schemas.microsoft.com/office/drawing/2018/hyperlinkcolor" val="tx"/>
+                    </a:ext>
+                  </a:extLst>
+                </a:hlinkClick>
+              </a:rPr>
+              <a:t>SpeechRecognition · PyPI</a:t>
+            </a:r>
+            <a:endParaRPr lang="en-IN" b="1" dirty="0">
+              <a:solidFill>
+                <a:schemeClr val="tx1"/>
+              </a:solidFill>
+            </a:endParaRPr>
+          </a:p>
         </p:txBody>
       </p:sp>
       <p:pic>
@@ -44765,7 +44787,7 @@
           </p:nvPr>
         </p:nvPicPr>
         <p:blipFill>
-          <a:blip r:embed="rId6">
+          <a:blip r:embed="rId7">
             <a:extLst>
               <a:ext uri="{28A0092B-C50C-407E-A947-70E740481C1C}">
                 <a14:useLocalDpi xmlns:a14="http://schemas.microsoft.com/office/drawing/2010/main" val="0"/>
@@ -46915,15 +46937,6 @@
 </file>
 
 <file path=customXml/item2.xml><?xml version="1.0" encoding="utf-8"?>
-<?mso-contentType ?>
-<FormTemplates xmlns="http://schemas.microsoft.com/sharepoint/v3/contenttype/forms">
-  <Display>DocumentLibraryForm</Display>
-  <Edit>DocumentLibraryForm</Edit>
-  <New>DocumentLibraryForm</New>
-</FormTemplates>
-</file>
-
-<file path=customXml/item3.xml><?xml version="1.0" encoding="utf-8"?>
 <ct:contentTypeSchema xmlns:ct="http://schemas.microsoft.com/office/2006/metadata/contentType" xmlns:ma="http://schemas.microsoft.com/office/2006/metadata/properties/metaAttributes" ct:_="" ma:_="" ma:contentTypeName="Document" ma:contentTypeID="0x01010079F111ED35F8CC479449609E8A0923A6" ma:contentTypeVersion="11" ma:contentTypeDescription="Create a new document." ma:contentTypeScope="" ma:versionID="96291512c1ee715ab617f4c07df79fc1">
   <xsd:schema xmlns:xsd="http://www.w3.org/2001/XMLSchema" xmlns:xs="http://www.w3.org/2001/XMLSchema" xmlns:p="http://schemas.microsoft.com/office/2006/metadata/properties" xmlns:ns2="71af3243-3dd4-4a8d-8c0d-dd76da1f02a5" xmlns:ns3="16c05727-aa75-4e4a-9b5f-8a80a1165891" targetNamespace="http://schemas.microsoft.com/office/2006/metadata/properties" ma:root="true" ma:fieldsID="8256c27c40ca5c40ce1cf6c44f0205df" ns2:_="" ns3:_="">
     <xsd:import namespace="71af3243-3dd4-4a8d-8c0d-dd76da1f02a5"/>
@@ -47134,6 +47147,15 @@
 </ct:contentTypeSchema>
 </file>
 
+<file path=customXml/item3.xml><?xml version="1.0" encoding="utf-8"?>
+<?mso-contentType ?>
+<FormTemplates xmlns="http://schemas.microsoft.com/sharepoint/v3/contenttype/forms">
+  <Display>DocumentLibraryForm</Display>
+  <Edit>DocumentLibraryForm</Edit>
+  <New>DocumentLibraryForm</New>
+</FormTemplates>
+</file>
+
 <file path=customXml/itemProps1.xml><?xml version="1.0" encoding="utf-8"?>
 <ds:datastoreItem xmlns:ds="http://schemas.openxmlformats.org/officeDocument/2006/customXml" ds:itemID="{D726A944-A9F4-4295-9B5E-C397EB1318B9}">
   <ds:schemaRefs>
@@ -47145,14 +47167,6 @@
 </file>
 
 <file path=customXml/itemProps2.xml><?xml version="1.0" encoding="utf-8"?>
-<ds:datastoreItem xmlns:ds="http://schemas.openxmlformats.org/officeDocument/2006/customXml" ds:itemID="{01743C61-8CA7-48FF-B2A3-6055DA854CF6}">
-  <ds:schemaRefs>
-    <ds:schemaRef ds:uri="http://schemas.microsoft.com/sharepoint/v3/contenttype/forms"/>
-  </ds:schemaRefs>
-</ds:datastoreItem>
-</file>
-
-<file path=customXml/itemProps3.xml><?xml version="1.0" encoding="utf-8"?>
 <ds:datastoreItem xmlns:ds="http://schemas.openxmlformats.org/officeDocument/2006/customXml" ds:itemID="{472965D8-9C19-4E48-8421-5D6B21FC440C}">
   <ds:schemaRefs>
     <ds:schemaRef ds:uri="http://schemas.microsoft.com/office/2006/metadata/contentType"/>
@@ -47169,4 +47183,12 @@
     <ds:schemaRef ds:uri="http://schemas.microsoft.com/internal/obd"/>
   </ds:schemaRefs>
 </ds:datastoreItem>
+</file>
+
+<file path=customXml/itemProps3.xml><?xml version="1.0" encoding="utf-8"?>
+<ds:datastoreItem xmlns:ds="http://schemas.openxmlformats.org/officeDocument/2006/customXml" ds:itemID="{01743C61-8CA7-48FF-B2A3-6055DA854CF6}">
+  <ds:schemaRefs>
+    <ds:schemaRef ds:uri="http://schemas.microsoft.com/sharepoint/v3/contenttype/forms"/>
+  </ds:schemaRefs>
+</ds:datastoreItem>
 </file>
--- a/Overview.pptx
+++ b/Overview.pptx
@@ -44631,34 +44631,6 @@
           </a:bodyPr>
           <a:lstStyle/>
           <a:p>
-            <a:r>
-              <a:rPr lang="en-IN" b="1" dirty="0">
-                <a:solidFill>
-                  <a:schemeClr val="tx1"/>
-                </a:solidFill>
-              </a:rPr>
-              <a:t>Devi, G &amp; Somasundaram, Kamalakkannan. (2020). Literature Review on Sentiment Analysis in Social Media: Open Challenges toward Applications. 29. 1462-1471. </a:t>
-            </a:r>
-          </a:p>
-          <a:p>
-            <a:r>
-              <a:rPr lang="en-IN" b="1" dirty="0">
-                <a:solidFill>
-                  <a:schemeClr val="tx1"/>
-                </a:solidFill>
-              </a:rPr>
-              <a:t> Hemamalini, Dr.S. Perumal, Literature Review on Sentiment Analysis. 9. ISSN 2277-8616.</a:t>
-            </a:r>
-          </a:p>
-          <a:p>
-            <a:r>
-              <a:rPr lang="en-IN" b="1" dirty="0">
-                <a:solidFill>
-                  <a:schemeClr val="tx1"/>
-                </a:solidFill>
-              </a:rPr>
-              <a:t> </a:t>
-            </a:r>
             <a:r>
               <a:rPr lang="en-US" b="1" dirty="0">
                 <a:solidFill>
@@ -46937,6 +46909,15 @@
 </file>
 
 <file path=customXml/item2.xml><?xml version="1.0" encoding="utf-8"?>
+<?mso-contentType ?>
+<FormTemplates xmlns="http://schemas.microsoft.com/sharepoint/v3/contenttype/forms">
+  <Display>DocumentLibraryForm</Display>
+  <Edit>DocumentLibraryForm</Edit>
+  <New>DocumentLibraryForm</New>
+</FormTemplates>
+</file>
+
+<file path=customXml/item3.xml><?xml version="1.0" encoding="utf-8"?>
 <ct:contentTypeSchema xmlns:ct="http://schemas.microsoft.com/office/2006/metadata/contentType" xmlns:ma="http://schemas.microsoft.com/office/2006/metadata/properties/metaAttributes" ct:_="" ma:_="" ma:contentTypeName="Document" ma:contentTypeID="0x01010079F111ED35F8CC479449609E8A0923A6" ma:contentTypeVersion="11" ma:contentTypeDescription="Create a new document." ma:contentTypeScope="" ma:versionID="96291512c1ee715ab617f4c07df79fc1">
   <xsd:schema xmlns:xsd="http://www.w3.org/2001/XMLSchema" xmlns:xs="http://www.w3.org/2001/XMLSchema" xmlns:p="http://schemas.microsoft.com/office/2006/metadata/properties" xmlns:ns2="71af3243-3dd4-4a8d-8c0d-dd76da1f02a5" xmlns:ns3="16c05727-aa75-4e4a-9b5f-8a80a1165891" targetNamespace="http://schemas.microsoft.com/office/2006/metadata/properties" ma:root="true" ma:fieldsID="8256c27c40ca5c40ce1cf6c44f0205df" ns2:_="" ns3:_="">
     <xsd:import namespace="71af3243-3dd4-4a8d-8c0d-dd76da1f02a5"/>
@@ -47147,15 +47128,6 @@
 </ct:contentTypeSchema>
 </file>
 
-<file path=customXml/item3.xml><?xml version="1.0" encoding="utf-8"?>
-<?mso-contentType ?>
-<FormTemplates xmlns="http://schemas.microsoft.com/sharepoint/v3/contenttype/forms">
-  <Display>DocumentLibraryForm</Display>
-  <Edit>DocumentLibraryForm</Edit>
-  <New>DocumentLibraryForm</New>
-</FormTemplates>
-</file>
-
 <file path=customXml/itemProps1.xml><?xml version="1.0" encoding="utf-8"?>
 <ds:datastoreItem xmlns:ds="http://schemas.openxmlformats.org/officeDocument/2006/customXml" ds:itemID="{D726A944-A9F4-4295-9B5E-C397EB1318B9}">
   <ds:schemaRefs>
@@ -47167,6 +47139,14 @@
 </file>
 
 <file path=customXml/itemProps2.xml><?xml version="1.0" encoding="utf-8"?>
+<ds:datastoreItem xmlns:ds="http://schemas.openxmlformats.org/officeDocument/2006/customXml" ds:itemID="{01743C61-8CA7-48FF-B2A3-6055DA854CF6}">
+  <ds:schemaRefs>
+    <ds:schemaRef ds:uri="http://schemas.microsoft.com/sharepoint/v3/contenttype/forms"/>
+  </ds:schemaRefs>
+</ds:datastoreItem>
+</file>
+
+<file path=customXml/itemProps3.xml><?xml version="1.0" encoding="utf-8"?>
 <ds:datastoreItem xmlns:ds="http://schemas.openxmlformats.org/officeDocument/2006/customXml" ds:itemID="{472965D8-9C19-4E48-8421-5D6B21FC440C}">
   <ds:schemaRefs>
     <ds:schemaRef ds:uri="http://schemas.microsoft.com/office/2006/metadata/contentType"/>
@@ -47183,12 +47163,4 @@
     <ds:schemaRef ds:uri="http://schemas.microsoft.com/internal/obd"/>
   </ds:schemaRefs>
 </ds:datastoreItem>
-</file>
-
-<file path=customXml/itemProps3.xml><?xml version="1.0" encoding="utf-8"?>
-<ds:datastoreItem xmlns:ds="http://schemas.openxmlformats.org/officeDocument/2006/customXml" ds:itemID="{01743C61-8CA7-48FF-B2A3-6055DA854CF6}">
-  <ds:schemaRefs>
-    <ds:schemaRef ds:uri="http://schemas.microsoft.com/sharepoint/v3/contenttype/forms"/>
-  </ds:schemaRefs>
-</ds:datastoreItem>
 </file>
--- a/Overview.pptx
+++ b/Overview.pptx
@@ -18,8 +18,8 @@
     <p:sldId id="262" r:id="rId9"/>
     <p:sldId id="261" r:id="rId10"/>
     <p:sldId id="270" r:id="rId11"/>
-    <p:sldId id="272" r:id="rId12"/>
-    <p:sldId id="278" r:id="rId13"/>
+    <p:sldId id="278" r:id="rId12"/>
+    <p:sldId id="272" r:id="rId13"/>
     <p:sldId id="277" r:id="rId14"/>
   </p:sldIdLst>
   <p:sldSz cx="12192000" cy="6858000"/>
@@ -44437,7 +44437,7 @@
                   <a:srgbClr val="12FFFE"/>
                 </a:solidFill>
               </a:rPr>
-              <a:t>Objectives/scope and need of the project</a:t>
+              <a:t>Objectives, scope and need of the project</a:t>
             </a:r>
           </a:p>
         </p:txBody>
@@ -44630,6 +44630,31 @@
             <a:normAutofit/>
           </a:bodyPr>
           <a:lstStyle/>
+          <a:p>
+            <a:endParaRPr lang="en-IN" dirty="0"/>
+          </a:p>
+          <a:p>
+            <a:r>
+              <a:rPr lang="en-IN" b="1" dirty="0">
+                <a:solidFill>
+                  <a:schemeClr val="tx1"/>
+                </a:solidFill>
+              </a:rPr>
+              <a:t>Hemamalini, Dr.S. Perumal,  LITERATURE REVIEW ON SENTIMENT ANALYSIS, ISSN 2277-8616 </a:t>
+            </a:r>
+            <a:endParaRPr lang="en-US" b="1" dirty="0">
+              <a:solidFill>
+                <a:schemeClr val="tx1"/>
+              </a:solidFill>
+              <a:hlinkClick r:id="rId2">
+                <a:extLst>
+                  <a:ext uri="{A12FA001-AC4F-418D-AE19-62706E023703}">
+                    <ahyp:hlinkClr xmlns:ahyp="http://schemas.microsoft.com/office/drawing/2018/hyperlinkcolor" val="tx"/>
+                  </a:ext>
+                </a:extLst>
+              </a:hlinkClick>
+            </a:endParaRPr>
+          </a:p>
           <a:p>
             <a:r>
               <a:rPr lang="en-US" b="1" dirty="0">
@@ -45817,10 +45842,10 @@
       </p:grpSpPr>
       <p:sp>
         <p:nvSpPr>
-          <p:cNvPr id="2" name="Title 1">
-            <a:extLst>
-              <a:ext uri="{FF2B5EF4-FFF2-40B4-BE49-F238E27FC236}">
-                <a16:creationId xmlns:a16="http://schemas.microsoft.com/office/drawing/2014/main" id="{5DB65365-4521-4F81-B6BD-11364F3F1A43}"/>
+          <p:cNvPr id="6" name="Title 5">
+            <a:extLst>
+              <a:ext uri="{FF2B5EF4-FFF2-40B4-BE49-F238E27FC236}">
+                <a16:creationId xmlns:a16="http://schemas.microsoft.com/office/drawing/2014/main" id="{DBCAB2DE-EF98-46F8-A621-2E1A6624F138}"/>
               </a:ext>
             </a:extLst>
           </p:cNvPr>
@@ -45842,17 +45867,48 @@
                   <a:srgbClr val="12FFFE"/>
                 </a:solidFill>
               </a:rPr>
-              <a:t>BACKEND</a:t>
+              <a:t>ER DIAGRAM</a:t>
             </a:r>
           </a:p>
         </p:txBody>
       </p:sp>
-      <p:sp>
-        <p:nvSpPr>
-          <p:cNvPr id="6" name="Slide Number Placeholder 5">
-            <a:extLst>
-              <a:ext uri="{FF2B5EF4-FFF2-40B4-BE49-F238E27FC236}">
-                <a16:creationId xmlns:a16="http://schemas.microsoft.com/office/drawing/2014/main" id="{30845F57-2399-46AA-85F3-D790CEA7EE1E}"/>
+      <p:pic>
+        <p:nvPicPr>
+          <p:cNvPr id="11" name="Picture Placeholder 10" descr="Abstract background">
+            <a:extLst>
+              <a:ext uri="{FF2B5EF4-FFF2-40B4-BE49-F238E27FC236}">
+                <a16:creationId xmlns:a16="http://schemas.microsoft.com/office/drawing/2014/main" id="{FBF9093D-0565-48ED-AA9F-AE0E34947179}"/>
+              </a:ext>
+            </a:extLst>
+          </p:cNvPr>
+          <p:cNvPicPr>
+            <a:picLocks noGrp="1" noChangeAspect="1"/>
+          </p:cNvPicPr>
+          <p:nvPr>
+            <p:ph type="pic" sz="quarter" idx="14"/>
+          </p:nvPr>
+        </p:nvPicPr>
+        <p:blipFill>
+          <a:blip r:embed="rId2">
+            <a:extLst>
+              <a:ext uri="{28A0092B-C50C-407E-A947-70E740481C1C}">
+                <a14:useLocalDpi xmlns:a14="http://schemas.microsoft.com/office/drawing/2010/main" val="0"/>
+              </a:ext>
+            </a:extLst>
+          </a:blip>
+          <a:srcRect/>
+          <a:stretch>
+            <a:fillRect/>
+          </a:stretch>
+        </p:blipFill>
+        <p:spPr/>
+      </p:pic>
+      <p:sp>
+        <p:nvSpPr>
+          <p:cNvPr id="5" name="Slide Number Placeholder 4">
+            <a:extLst>
+              <a:ext uri="{FF2B5EF4-FFF2-40B4-BE49-F238E27FC236}">
+                <a16:creationId xmlns:a16="http://schemas.microsoft.com/office/drawing/2014/main" id="{5C57986C-983F-481D-81FB-E03E9127DF12}"/>
               </a:ext>
             </a:extLst>
           </p:cNvPr>
@@ -45878,10 +45934,10 @@
       </p:sp>
       <p:pic>
         <p:nvPicPr>
-          <p:cNvPr id="8" name="Picture 7">
-            <a:extLst>
-              <a:ext uri="{FF2B5EF4-FFF2-40B4-BE49-F238E27FC236}">
-                <a16:creationId xmlns:a16="http://schemas.microsoft.com/office/drawing/2014/main" id="{5F5AEE5F-828F-4A0B-89BC-F09D092EBC81}"/>
+          <p:cNvPr id="7" name="Picture 6">
+            <a:extLst>
+              <a:ext uri="{FF2B5EF4-FFF2-40B4-BE49-F238E27FC236}">
+                <a16:creationId xmlns:a16="http://schemas.microsoft.com/office/drawing/2014/main" id="{260200E9-5FB3-4038-AE69-00ECC30C8FDF}"/>
               </a:ext>
             </a:extLst>
           </p:cNvPr>
@@ -45891,15 +45947,15 @@
           <p:nvPr/>
         </p:nvPicPr>
         <p:blipFill>
-          <a:blip r:embed="rId2"/>
+          <a:blip r:embed="rId3"/>
           <a:stretch>
             <a:fillRect/>
           </a:stretch>
         </p:blipFill>
         <p:spPr>
           <a:xfrm>
-            <a:off x="4714875" y="2743365"/>
-            <a:ext cx="7094691" cy="2029000"/>
+            <a:off x="556432" y="2492360"/>
+            <a:ext cx="11079136" cy="2334180"/>
           </a:xfrm>
           <a:prstGeom prst="rect">
             <a:avLst/>
@@ -45909,7 +45965,7 @@
     </p:spTree>
     <p:extLst>
       <p:ext uri="{BB962C8B-B14F-4D97-AF65-F5344CB8AC3E}">
-        <p14:creationId xmlns:p14="http://schemas.microsoft.com/office/powerpoint/2010/main" val="3507090979"/>
+        <p14:creationId xmlns:p14="http://schemas.microsoft.com/office/powerpoint/2010/main" val="689311810"/>
       </p:ext>
     </p:extLst>
   </p:cSld>
@@ -45938,10 +45994,10 @@
       </p:grpSpPr>
       <p:sp>
         <p:nvSpPr>
-          <p:cNvPr id="6" name="Title 5">
-            <a:extLst>
-              <a:ext uri="{FF2B5EF4-FFF2-40B4-BE49-F238E27FC236}">
-                <a16:creationId xmlns:a16="http://schemas.microsoft.com/office/drawing/2014/main" id="{DBCAB2DE-EF98-46F8-A621-2E1A6624F138}"/>
+          <p:cNvPr id="2" name="Title 1">
+            <a:extLst>
+              <a:ext uri="{FF2B5EF4-FFF2-40B4-BE49-F238E27FC236}">
+                <a16:creationId xmlns:a16="http://schemas.microsoft.com/office/drawing/2014/main" id="{5DB65365-4521-4F81-B6BD-11364F3F1A43}"/>
               </a:ext>
             </a:extLst>
           </p:cNvPr>
@@ -45963,48 +46019,17 @@
                   <a:srgbClr val="12FFFE"/>
                 </a:solidFill>
               </a:rPr>
-              <a:t>ER DIAGRAM</a:t>
+              <a:t>BACKEND</a:t>
             </a:r>
           </a:p>
         </p:txBody>
       </p:sp>
-      <p:pic>
-        <p:nvPicPr>
-          <p:cNvPr id="11" name="Picture Placeholder 10" descr="Abstract background">
-            <a:extLst>
-              <a:ext uri="{FF2B5EF4-FFF2-40B4-BE49-F238E27FC236}">
-                <a16:creationId xmlns:a16="http://schemas.microsoft.com/office/drawing/2014/main" id="{FBF9093D-0565-48ED-AA9F-AE0E34947179}"/>
-              </a:ext>
-            </a:extLst>
-          </p:cNvPr>
-          <p:cNvPicPr>
-            <a:picLocks noGrp="1" noChangeAspect="1"/>
-          </p:cNvPicPr>
-          <p:nvPr>
-            <p:ph type="pic" sz="quarter" idx="14"/>
-          </p:nvPr>
-        </p:nvPicPr>
-        <p:blipFill>
-          <a:blip r:embed="rId2">
-            <a:extLst>
-              <a:ext uri="{28A0092B-C50C-407E-A947-70E740481C1C}">
-                <a14:useLocalDpi xmlns:a14="http://schemas.microsoft.com/office/drawing/2010/main" val="0"/>
-              </a:ext>
-            </a:extLst>
-          </a:blip>
-          <a:srcRect/>
-          <a:stretch>
-            <a:fillRect/>
-          </a:stretch>
-        </p:blipFill>
-        <p:spPr/>
-      </p:pic>
-      <p:sp>
-        <p:nvSpPr>
-          <p:cNvPr id="5" name="Slide Number Placeholder 4">
-            <a:extLst>
-              <a:ext uri="{FF2B5EF4-FFF2-40B4-BE49-F238E27FC236}">
-                <a16:creationId xmlns:a16="http://schemas.microsoft.com/office/drawing/2014/main" id="{5C57986C-983F-481D-81FB-E03E9127DF12}"/>
+      <p:sp>
+        <p:nvSpPr>
+          <p:cNvPr id="6" name="Slide Number Placeholder 5">
+            <a:extLst>
+              <a:ext uri="{FF2B5EF4-FFF2-40B4-BE49-F238E27FC236}">
+                <a16:creationId xmlns:a16="http://schemas.microsoft.com/office/drawing/2014/main" id="{30845F57-2399-46AA-85F3-D790CEA7EE1E}"/>
               </a:ext>
             </a:extLst>
           </p:cNvPr>
@@ -46030,10 +46055,10 @@
       </p:sp>
       <p:pic>
         <p:nvPicPr>
-          <p:cNvPr id="7" name="Picture 6">
-            <a:extLst>
-              <a:ext uri="{FF2B5EF4-FFF2-40B4-BE49-F238E27FC236}">
-                <a16:creationId xmlns:a16="http://schemas.microsoft.com/office/drawing/2014/main" id="{260200E9-5FB3-4038-AE69-00ECC30C8FDF}"/>
+          <p:cNvPr id="8" name="Picture 7">
+            <a:extLst>
+              <a:ext uri="{FF2B5EF4-FFF2-40B4-BE49-F238E27FC236}">
+                <a16:creationId xmlns:a16="http://schemas.microsoft.com/office/drawing/2014/main" id="{5F5AEE5F-828F-4A0B-89BC-F09D092EBC81}"/>
               </a:ext>
             </a:extLst>
           </p:cNvPr>
@@ -46043,15 +46068,15 @@
           <p:nvPr/>
         </p:nvPicPr>
         <p:blipFill>
-          <a:blip r:embed="rId3"/>
+          <a:blip r:embed="rId2"/>
           <a:stretch>
             <a:fillRect/>
           </a:stretch>
         </p:blipFill>
         <p:spPr>
           <a:xfrm>
-            <a:off x="556432" y="2492360"/>
-            <a:ext cx="11079136" cy="2334180"/>
+            <a:off x="4714875" y="2743365"/>
+            <a:ext cx="7094691" cy="2029000"/>
           </a:xfrm>
           <a:prstGeom prst="rect">
             <a:avLst/>
@@ -46061,7 +46086,7 @@
     </p:spTree>
     <p:extLst>
       <p:ext uri="{BB962C8B-B14F-4D97-AF65-F5344CB8AC3E}">
-        <p14:creationId xmlns:p14="http://schemas.microsoft.com/office/powerpoint/2010/main" val="689311810"/>
+        <p14:creationId xmlns:p14="http://schemas.microsoft.com/office/powerpoint/2010/main" val="3507090979"/>
       </p:ext>
     </p:extLst>
   </p:cSld>
@@ -46909,15 +46934,6 @@
 </file>
 
 <file path=customXml/item2.xml><?xml version="1.0" encoding="utf-8"?>
-<?mso-contentType ?>
-<FormTemplates xmlns="http://schemas.microsoft.com/sharepoint/v3/contenttype/forms">
-  <Display>DocumentLibraryForm</Display>
-  <Edit>DocumentLibraryForm</Edit>
-  <New>DocumentLibraryForm</New>
-</FormTemplates>
-</file>
-
-<file path=customXml/item3.xml><?xml version="1.0" encoding="utf-8"?>
 <ct:contentTypeSchema xmlns:ct="http://schemas.microsoft.com/office/2006/metadata/contentType" xmlns:ma="http://schemas.microsoft.com/office/2006/metadata/properties/metaAttributes" ct:_="" ma:_="" ma:contentTypeName="Document" ma:contentTypeID="0x01010079F111ED35F8CC479449609E8A0923A6" ma:contentTypeVersion="11" ma:contentTypeDescription="Create a new document." ma:contentTypeScope="" ma:versionID="96291512c1ee715ab617f4c07df79fc1">
   <xsd:schema xmlns:xsd="http://www.w3.org/2001/XMLSchema" xmlns:xs="http://www.w3.org/2001/XMLSchema" xmlns:p="http://schemas.microsoft.com/office/2006/metadata/properties" xmlns:ns2="71af3243-3dd4-4a8d-8c0d-dd76da1f02a5" xmlns:ns3="16c05727-aa75-4e4a-9b5f-8a80a1165891" targetNamespace="http://schemas.microsoft.com/office/2006/metadata/properties" ma:root="true" ma:fieldsID="8256c27c40ca5c40ce1cf6c44f0205df" ns2:_="" ns3:_="">
     <xsd:import namespace="71af3243-3dd4-4a8d-8c0d-dd76da1f02a5"/>
@@ -47128,6 +47144,15 @@
 </ct:contentTypeSchema>
 </file>
 
+<file path=customXml/item3.xml><?xml version="1.0" encoding="utf-8"?>
+<?mso-contentType ?>
+<FormTemplates xmlns="http://schemas.microsoft.com/sharepoint/v3/contenttype/forms">
+  <Display>DocumentLibraryForm</Display>
+  <Edit>DocumentLibraryForm</Edit>
+  <New>DocumentLibraryForm</New>
+</FormTemplates>
+</file>
+
 <file path=customXml/itemProps1.xml><?xml version="1.0" encoding="utf-8"?>
 <ds:datastoreItem xmlns:ds="http://schemas.openxmlformats.org/officeDocument/2006/customXml" ds:itemID="{D726A944-A9F4-4295-9B5E-C397EB1318B9}">
   <ds:schemaRefs>
@@ -47139,14 +47164,6 @@
 </file>
 
 <file path=customXml/itemProps2.xml><?xml version="1.0" encoding="utf-8"?>
-<ds:datastoreItem xmlns:ds="http://schemas.openxmlformats.org/officeDocument/2006/customXml" ds:itemID="{01743C61-8CA7-48FF-B2A3-6055DA854CF6}">
-  <ds:schemaRefs>
-    <ds:schemaRef ds:uri="http://schemas.microsoft.com/sharepoint/v3/contenttype/forms"/>
-  </ds:schemaRefs>
-</ds:datastoreItem>
-</file>
-
-<file path=customXml/itemProps3.xml><?xml version="1.0" encoding="utf-8"?>
 <ds:datastoreItem xmlns:ds="http://schemas.openxmlformats.org/officeDocument/2006/customXml" ds:itemID="{472965D8-9C19-4E48-8421-5D6B21FC440C}">
   <ds:schemaRefs>
     <ds:schemaRef ds:uri="http://schemas.microsoft.com/office/2006/metadata/contentType"/>
@@ -47163,4 +47180,12 @@
     <ds:schemaRef ds:uri="http://schemas.microsoft.com/internal/obd"/>
   </ds:schemaRefs>
 </ds:datastoreItem>
+</file>
+
+<file path=customXml/itemProps3.xml><?xml version="1.0" encoding="utf-8"?>
+<ds:datastoreItem xmlns:ds="http://schemas.openxmlformats.org/officeDocument/2006/customXml" ds:itemID="{01743C61-8CA7-48FF-B2A3-6055DA854CF6}">
+  <ds:schemaRefs>
+    <ds:schemaRef ds:uri="http://schemas.microsoft.com/sharepoint/v3/contenttype/forms"/>
+  </ds:schemaRefs>
+</ds:datastoreItem>
 </file>
--- a/Overview.pptx
+++ b/Overview.pptx
@@ -240,7 +240,7 @@
           <a:p>
             <a:fld id="{CDA3C146-E2BA-41EA-8AE9-0C67692768F2}" type="datetimeFigureOut">
               <a:rPr lang="en-US" smtClean="0"/>
-              <a:t>4/19/2021</a:t>
+              <a:t>4/25/2021</a:t>
             </a:fld>
             <a:endParaRPr lang="en-US" dirty="0"/>
           </a:p>
@@ -417,7 +417,7 @@
           <a:p>
             <a:fld id="{1F7D3EB6-8099-4744-9273-C8C1DD61A2EA}" type="datetimeFigureOut">
               <a:rPr lang="en-US" noProof="0" smtClean="0"/>
-              <a:t>4/19/2021</a:t>
+              <a:t>4/25/2021</a:t>
             </a:fld>
             <a:endParaRPr lang="en-US" noProof="0" dirty="0"/>
           </a:p>
@@ -44154,7 +44154,7 @@
           <a:p>
             <a:r>
               <a:rPr lang="en-US" dirty="0"/>
-              <a:t>Sentiment Analysis using Python </a:t>
+              <a:t>Sentiment Analysis using Python based on different inputs </a:t>
             </a:r>
             <a:endParaRPr lang="en-IN" dirty="0"/>
           </a:p>
@@ -44208,7 +44208,7 @@
         </p:nvSpPr>
         <p:spPr>
           <a:xfrm>
-            <a:off x="808806" y="3642064"/>
+            <a:off x="803276" y="3953749"/>
             <a:ext cx="4452987" cy="2015231"/>
           </a:xfrm>
         </p:spPr>
@@ -44995,7 +44995,7 @@
         </p:blipFill>
         <p:spPr>
           <a:xfrm>
-            <a:off x="6285390" y="168819"/>
+            <a:off x="4290389" y="0"/>
             <a:ext cx="3816404" cy="5501351"/>
           </a:xfrm>
           <a:prstGeom prst="rect">
@@ -46934,6 +46934,15 @@
 </file>
 
 <file path=customXml/item2.xml><?xml version="1.0" encoding="utf-8"?>
+<?mso-contentType ?>
+<FormTemplates xmlns="http://schemas.microsoft.com/sharepoint/v3/contenttype/forms">
+  <Display>DocumentLibraryForm</Display>
+  <Edit>DocumentLibraryForm</Edit>
+  <New>DocumentLibraryForm</New>
+</FormTemplates>
+</file>
+
+<file path=customXml/item3.xml><?xml version="1.0" encoding="utf-8"?>
 <ct:contentTypeSchema xmlns:ct="http://schemas.microsoft.com/office/2006/metadata/contentType" xmlns:ma="http://schemas.microsoft.com/office/2006/metadata/properties/metaAttributes" ct:_="" ma:_="" ma:contentTypeName="Document" ma:contentTypeID="0x01010079F111ED35F8CC479449609E8A0923A6" ma:contentTypeVersion="11" ma:contentTypeDescription="Create a new document." ma:contentTypeScope="" ma:versionID="96291512c1ee715ab617f4c07df79fc1">
   <xsd:schema xmlns:xsd="http://www.w3.org/2001/XMLSchema" xmlns:xs="http://www.w3.org/2001/XMLSchema" xmlns:p="http://schemas.microsoft.com/office/2006/metadata/properties" xmlns:ns2="71af3243-3dd4-4a8d-8c0d-dd76da1f02a5" xmlns:ns3="16c05727-aa75-4e4a-9b5f-8a80a1165891" targetNamespace="http://schemas.microsoft.com/office/2006/metadata/properties" ma:root="true" ma:fieldsID="8256c27c40ca5c40ce1cf6c44f0205df" ns2:_="" ns3:_="">
     <xsd:import namespace="71af3243-3dd4-4a8d-8c0d-dd76da1f02a5"/>
@@ -47144,15 +47153,6 @@
 </ct:contentTypeSchema>
 </file>
 
-<file path=customXml/item3.xml><?xml version="1.0" encoding="utf-8"?>
-<?mso-contentType ?>
-<FormTemplates xmlns="http://schemas.microsoft.com/sharepoint/v3/contenttype/forms">
-  <Display>DocumentLibraryForm</Display>
-  <Edit>DocumentLibraryForm</Edit>
-  <New>DocumentLibraryForm</New>
-</FormTemplates>
-</file>
-
 <file path=customXml/itemProps1.xml><?xml version="1.0" encoding="utf-8"?>
 <ds:datastoreItem xmlns:ds="http://schemas.openxmlformats.org/officeDocument/2006/customXml" ds:itemID="{D726A944-A9F4-4295-9B5E-C397EB1318B9}">
   <ds:schemaRefs>
@@ -47164,6 +47164,14 @@
 </file>
 
 <file path=customXml/itemProps2.xml><?xml version="1.0" encoding="utf-8"?>
+<ds:datastoreItem xmlns:ds="http://schemas.openxmlformats.org/officeDocument/2006/customXml" ds:itemID="{01743C61-8CA7-48FF-B2A3-6055DA854CF6}">
+  <ds:schemaRefs>
+    <ds:schemaRef ds:uri="http://schemas.microsoft.com/sharepoint/v3/contenttype/forms"/>
+  </ds:schemaRefs>
+</ds:datastoreItem>
+</file>
+
+<file path=customXml/itemProps3.xml><?xml version="1.0" encoding="utf-8"?>
 <ds:datastoreItem xmlns:ds="http://schemas.openxmlformats.org/officeDocument/2006/customXml" ds:itemID="{472965D8-9C19-4E48-8421-5D6B21FC440C}">
   <ds:schemaRefs>
     <ds:schemaRef ds:uri="http://schemas.microsoft.com/office/2006/metadata/contentType"/>
@@ -47180,12 +47188,4 @@
     <ds:schemaRef ds:uri="http://schemas.microsoft.com/internal/obd"/>
   </ds:schemaRefs>
 </ds:datastoreItem>
-</file>
-
-<file path=customXml/itemProps3.xml><?xml version="1.0" encoding="utf-8"?>
-<ds:datastoreItem xmlns:ds="http://schemas.openxmlformats.org/officeDocument/2006/customXml" ds:itemID="{01743C61-8CA7-48FF-B2A3-6055DA854CF6}">
-  <ds:schemaRefs>
-    <ds:schemaRef ds:uri="http://schemas.microsoft.com/sharepoint/v3/contenttype/forms"/>
-  </ds:schemaRefs>
-</ds:datastoreItem>
 </file>
--- a/Overview.pptx
+++ b/Overview.pptx
@@ -240,7 +240,7 @@
           <a:p>
             <a:fld id="{CDA3C146-E2BA-41EA-8AE9-0C67692768F2}" type="datetimeFigureOut">
               <a:rPr lang="en-US" smtClean="0"/>
-              <a:t>4/25/2021</a:t>
+              <a:t>5/17/2021</a:t>
             </a:fld>
             <a:endParaRPr lang="en-US" dirty="0"/>
           </a:p>
@@ -417,7 +417,7 @@
           <a:p>
             <a:fld id="{1F7D3EB6-8099-4744-9273-C8C1DD61A2EA}" type="datetimeFigureOut">
               <a:rPr lang="en-US" noProof="0" smtClean="0"/>
-              <a:t>4/25/2021</a:t>
+              <a:t>5/17/2021</a:t>
             </a:fld>
             <a:endParaRPr lang="en-US" noProof="0" dirty="0"/>
           </a:p>
@@ -44975,10 +44975,10 @@
       </p:pic>
       <p:pic>
         <p:nvPicPr>
-          <p:cNvPr id="7" name="Picture 6">
-            <a:extLst>
-              <a:ext uri="{FF2B5EF4-FFF2-40B4-BE49-F238E27FC236}">
-                <a16:creationId xmlns:a16="http://schemas.microsoft.com/office/drawing/2014/main" id="{1F427DE6-39CC-43A7-BDA3-E6F38CB9C8FA}"/>
+          <p:cNvPr id="8" name="Picture 7">
+            <a:extLst>
+              <a:ext uri="{FF2B5EF4-FFF2-40B4-BE49-F238E27FC236}">
+                <a16:creationId xmlns:a16="http://schemas.microsoft.com/office/drawing/2014/main" id="{DB6DF00D-BF1C-46EA-8E33-3E6B8E573853}"/>
               </a:ext>
             </a:extLst>
           </p:cNvPr>
@@ -44995,8 +44995,8 @@
         </p:blipFill>
         <p:spPr>
           <a:xfrm>
-            <a:off x="4290389" y="0"/>
-            <a:ext cx="3816404" cy="5501351"/>
+            <a:off x="5741546" y="346047"/>
+            <a:ext cx="4905252" cy="5291428"/>
           </a:xfrm>
           <a:prstGeom prst="rect">
             <a:avLst/>
@@ -46934,15 +46934,6 @@
 </file>
 
 <file path=customXml/item2.xml><?xml version="1.0" encoding="utf-8"?>
-<?mso-contentType ?>
-<FormTemplates xmlns="http://schemas.microsoft.com/sharepoint/v3/contenttype/forms">
-  <Display>DocumentLibraryForm</Display>
-  <Edit>DocumentLibraryForm</Edit>
-  <New>DocumentLibraryForm</New>
-</FormTemplates>
-</file>
-
-<file path=customXml/item3.xml><?xml version="1.0" encoding="utf-8"?>
 <ct:contentTypeSchema xmlns:ct="http://schemas.microsoft.com/office/2006/metadata/contentType" xmlns:ma="http://schemas.microsoft.com/office/2006/metadata/properties/metaAttributes" ct:_="" ma:_="" ma:contentTypeName="Document" ma:contentTypeID="0x01010079F111ED35F8CC479449609E8A0923A6" ma:contentTypeVersion="11" ma:contentTypeDescription="Create a new document." ma:contentTypeScope="" ma:versionID="96291512c1ee715ab617f4c07df79fc1">
   <xsd:schema xmlns:xsd="http://www.w3.org/2001/XMLSchema" xmlns:xs="http://www.w3.org/2001/XMLSchema" xmlns:p="http://schemas.microsoft.com/office/2006/metadata/properties" xmlns:ns2="71af3243-3dd4-4a8d-8c0d-dd76da1f02a5" xmlns:ns3="16c05727-aa75-4e4a-9b5f-8a80a1165891" targetNamespace="http://schemas.microsoft.com/office/2006/metadata/properties" ma:root="true" ma:fieldsID="8256c27c40ca5c40ce1cf6c44f0205df" ns2:_="" ns3:_="">
     <xsd:import namespace="71af3243-3dd4-4a8d-8c0d-dd76da1f02a5"/>
@@ -47153,6 +47144,15 @@
 </ct:contentTypeSchema>
 </file>
 
+<file path=customXml/item3.xml><?xml version="1.0" encoding="utf-8"?>
+<?mso-contentType ?>
+<FormTemplates xmlns="http://schemas.microsoft.com/sharepoint/v3/contenttype/forms">
+  <Display>DocumentLibraryForm</Display>
+  <Edit>DocumentLibraryForm</Edit>
+  <New>DocumentLibraryForm</New>
+</FormTemplates>
+</file>
+
 <file path=customXml/itemProps1.xml><?xml version="1.0" encoding="utf-8"?>
 <ds:datastoreItem xmlns:ds="http://schemas.openxmlformats.org/officeDocument/2006/customXml" ds:itemID="{D726A944-A9F4-4295-9B5E-C397EB1318B9}">
   <ds:schemaRefs>
@@ -47164,14 +47164,6 @@
 </file>
 
 <file path=customXml/itemProps2.xml><?xml version="1.0" encoding="utf-8"?>
-<ds:datastoreItem xmlns:ds="http://schemas.openxmlformats.org/officeDocument/2006/customXml" ds:itemID="{01743C61-8CA7-48FF-B2A3-6055DA854CF6}">
-  <ds:schemaRefs>
-    <ds:schemaRef ds:uri="http://schemas.microsoft.com/sharepoint/v3/contenttype/forms"/>
-  </ds:schemaRefs>
-</ds:datastoreItem>
-</file>
-
-<file path=customXml/itemProps3.xml><?xml version="1.0" encoding="utf-8"?>
 <ds:datastoreItem xmlns:ds="http://schemas.openxmlformats.org/officeDocument/2006/customXml" ds:itemID="{472965D8-9C19-4E48-8421-5D6B21FC440C}">
   <ds:schemaRefs>
     <ds:schemaRef ds:uri="http://schemas.microsoft.com/office/2006/metadata/contentType"/>
@@ -47188,4 +47180,12 @@
     <ds:schemaRef ds:uri="http://schemas.microsoft.com/internal/obd"/>
   </ds:schemaRefs>
 </ds:datastoreItem>
+</file>
+
+<file path=customXml/itemProps3.xml><?xml version="1.0" encoding="utf-8"?>
+<ds:datastoreItem xmlns:ds="http://schemas.openxmlformats.org/officeDocument/2006/customXml" ds:itemID="{01743C61-8CA7-48FF-B2A3-6055DA854CF6}">
+  <ds:schemaRefs>
+    <ds:schemaRef ds:uri="http://schemas.microsoft.com/sharepoint/v3/contenttype/forms"/>
+  </ds:schemaRefs>
+</ds:datastoreItem>
 </file>
--- a/Overview.pptx
+++ b/Overview.pptx
@@ -5,22 +5,23 @@
     <p:sldMasterId id="2147483648" r:id="rId4"/>
   </p:sldMasterIdLst>
   <p:notesMasterIdLst>
-    <p:notesMasterId r:id="rId15"/>
+    <p:notesMasterId r:id="rId16"/>
   </p:notesMasterIdLst>
   <p:handoutMasterIdLst>
-    <p:handoutMasterId r:id="rId16"/>
+    <p:handoutMasterId r:id="rId17"/>
   </p:handoutMasterIdLst>
   <p:sldIdLst>
     <p:sldId id="256" r:id="rId5"/>
     <p:sldId id="258" r:id="rId6"/>
-    <p:sldId id="259" r:id="rId7"/>
-    <p:sldId id="260" r:id="rId8"/>
-    <p:sldId id="262" r:id="rId9"/>
-    <p:sldId id="261" r:id="rId10"/>
-    <p:sldId id="270" r:id="rId11"/>
-    <p:sldId id="278" r:id="rId12"/>
-    <p:sldId id="272" r:id="rId13"/>
-    <p:sldId id="277" r:id="rId14"/>
+    <p:sldId id="279" r:id="rId7"/>
+    <p:sldId id="259" r:id="rId8"/>
+    <p:sldId id="260" r:id="rId9"/>
+    <p:sldId id="262" r:id="rId10"/>
+    <p:sldId id="261" r:id="rId11"/>
+    <p:sldId id="270" r:id="rId12"/>
+    <p:sldId id="278" r:id="rId13"/>
+    <p:sldId id="272" r:id="rId14"/>
+    <p:sldId id="277" r:id="rId15"/>
   </p:sldIdLst>
   <p:sldSz cx="12192000" cy="6858000"/>
   <p:notesSz cx="6858000" cy="9144000"/>
@@ -43873,7 +43874,22 @@
                   <a:srgbClr val="12FFFE"/>
                 </a:solidFill>
               </a:rPr>
-              <a:t>SENTIMENT ANALYZER</a:t>
+              <a:t>SENTIMENT </a:t>
+            </a:r>
+            <a:br>
+              <a:rPr lang="en-US" dirty="0">
+                <a:solidFill>
+                  <a:srgbClr val="12FFFE"/>
+                </a:solidFill>
+              </a:rPr>
+            </a:br>
+            <a:r>
+              <a:rPr lang="en-US" dirty="0">
+                <a:solidFill>
+                  <a:srgbClr val="12FFFE"/>
+                </a:solidFill>
+              </a:rPr>
+              <a:t>ANALYSIS</a:t>
             </a:r>
             <a:endParaRPr lang="ru-RU" dirty="0">
               <a:solidFill>
@@ -43952,6 +43968,127 @@
       </p:grpSpPr>
       <p:sp>
         <p:nvSpPr>
+          <p:cNvPr id="2" name="Title 1">
+            <a:extLst>
+              <a:ext uri="{FF2B5EF4-FFF2-40B4-BE49-F238E27FC236}">
+                <a16:creationId xmlns:a16="http://schemas.microsoft.com/office/drawing/2014/main" id="{5DB65365-4521-4F81-B6BD-11364F3F1A43}"/>
+              </a:ext>
+            </a:extLst>
+          </p:cNvPr>
+          <p:cNvSpPr>
+            <a:spLocks noGrp="1"/>
+          </p:cNvSpPr>
+          <p:nvPr>
+            <p:ph type="title"/>
+          </p:nvPr>
+        </p:nvSpPr>
+        <p:spPr/>
+        <p:txBody>
+          <a:bodyPr/>
+          <a:lstStyle/>
+          <a:p>
+            <a:r>
+              <a:rPr lang="en-US" dirty="0">
+                <a:solidFill>
+                  <a:srgbClr val="12FFFE"/>
+                </a:solidFill>
+              </a:rPr>
+              <a:t>BACKEND</a:t>
+            </a:r>
+          </a:p>
+        </p:txBody>
+      </p:sp>
+      <p:sp>
+        <p:nvSpPr>
+          <p:cNvPr id="6" name="Slide Number Placeholder 5">
+            <a:extLst>
+              <a:ext uri="{FF2B5EF4-FFF2-40B4-BE49-F238E27FC236}">
+                <a16:creationId xmlns:a16="http://schemas.microsoft.com/office/drawing/2014/main" id="{30845F57-2399-46AA-85F3-D790CEA7EE1E}"/>
+              </a:ext>
+            </a:extLst>
+          </p:cNvPr>
+          <p:cNvSpPr>
+            <a:spLocks noGrp="1"/>
+          </p:cNvSpPr>
+          <p:nvPr>
+            <p:ph type="sldNum" sz="quarter" idx="12"/>
+          </p:nvPr>
+        </p:nvSpPr>
+        <p:spPr/>
+        <p:txBody>
+          <a:bodyPr/>
+          <a:lstStyle/>
+          <a:p>
+            <a:fld id="{8D581BC7-E183-40DB-AC97-C19EA4EB8894}" type="slidenum">
+              <a:rPr lang="en-US" smtClean="0"/>
+              <a:t>10</a:t>
+            </a:fld>
+            <a:endParaRPr lang="en-US" dirty="0"/>
+          </a:p>
+        </p:txBody>
+      </p:sp>
+      <p:pic>
+        <p:nvPicPr>
+          <p:cNvPr id="8" name="Picture 7">
+            <a:extLst>
+              <a:ext uri="{FF2B5EF4-FFF2-40B4-BE49-F238E27FC236}">
+                <a16:creationId xmlns:a16="http://schemas.microsoft.com/office/drawing/2014/main" id="{5F5AEE5F-828F-4A0B-89BC-F09D092EBC81}"/>
+              </a:ext>
+            </a:extLst>
+          </p:cNvPr>
+          <p:cNvPicPr>
+            <a:picLocks noChangeAspect="1"/>
+          </p:cNvPicPr>
+          <p:nvPr/>
+        </p:nvPicPr>
+        <p:blipFill>
+          <a:blip r:embed="rId2"/>
+          <a:stretch>
+            <a:fillRect/>
+          </a:stretch>
+        </p:blipFill>
+        <p:spPr>
+          <a:xfrm>
+            <a:off x="4714875" y="2743365"/>
+            <a:ext cx="7094691" cy="2029000"/>
+          </a:xfrm>
+          <a:prstGeom prst="rect">
+            <a:avLst/>
+          </a:prstGeom>
+        </p:spPr>
+      </p:pic>
+    </p:spTree>
+    <p:extLst>
+      <p:ext uri="{BB962C8B-B14F-4D97-AF65-F5344CB8AC3E}">
+        <p14:creationId xmlns:p14="http://schemas.microsoft.com/office/powerpoint/2010/main" val="3507090979"/>
+      </p:ext>
+    </p:extLst>
+  </p:cSld>
+  <p:clrMapOvr>
+    <a:masterClrMapping/>
+  </p:clrMapOvr>
+</p:sld>
+</file>
+
+<file path=ppt/slides/slide11.xml><?xml version="1.0" encoding="utf-8"?>
+<p:sld xmlns:a="http://schemas.openxmlformats.org/drawingml/2006/main" xmlns:r="http://schemas.openxmlformats.org/officeDocument/2006/relationships" xmlns:p="http://schemas.openxmlformats.org/presentationml/2006/main">
+  <p:cSld>
+    <p:spTree>
+      <p:nvGrpSpPr>
+        <p:cNvPr id="1" name=""/>
+        <p:cNvGrpSpPr/>
+        <p:nvPr/>
+      </p:nvGrpSpPr>
+      <p:grpSpPr>
+        <a:xfrm>
+          <a:off x="0" y="0"/>
+          <a:ext cx="0" cy="0"/>
+          <a:chOff x="0" y="0"/>
+          <a:chExt cx="0" cy="0"/>
+        </a:xfrm>
+      </p:grpSpPr>
+      <p:sp>
+        <p:nvSpPr>
           <p:cNvPr id="6" name="Title 5">
             <a:extLst>
               <a:ext uri="{FF2B5EF4-FFF2-40B4-BE49-F238E27FC236}">
@@ -44117,11 +44254,13 @@
         </p:nvSpPr>
         <p:spPr/>
         <p:txBody>
-          <a:bodyPr/>
+          <a:bodyPr>
+            <a:normAutofit/>
+          </a:bodyPr>
           <a:lstStyle/>
           <a:p>
             <a:r>
-              <a:rPr lang="en-US" dirty="0">
+              <a:rPr lang="en-US" sz="3200" dirty="0">
                 <a:solidFill>
                   <a:srgbClr val="12FFFE"/>
                 </a:solidFill>
@@ -44234,9 +44373,9 @@
             </a:r>
           </a:p>
           <a:p>
-            <a:pPr marL="285750" indent="-285750">
-              <a:buFont typeface="Arial" panose="020B0604020202020204" pitchFamily="34" charset="0"/>
-              <a:buChar char="•"/>
+            <a:pPr>
+              <a:buFont typeface="Wingdings" panose="05000000000000000000" pitchFamily="2" charset="2"/>
+              <a:buChar char="Ø"/>
             </a:pPr>
             <a:r>
               <a:rPr lang="en-US" dirty="0">
@@ -44251,9 +44390,9 @@
             </a:r>
           </a:p>
           <a:p>
-            <a:pPr marL="285750" indent="-285750">
-              <a:buFont typeface="Arial" panose="020B0604020202020204" pitchFamily="34" charset="0"/>
-              <a:buChar char="•"/>
+            <a:pPr>
+              <a:buFont typeface="Wingdings" panose="05000000000000000000" pitchFamily="2" charset="2"/>
+              <a:buChar char="Ø"/>
             </a:pPr>
             <a:r>
               <a:rPr lang="en-US" dirty="0">
@@ -44268,9 +44407,9 @@
             </a:r>
           </a:p>
           <a:p>
-            <a:pPr marL="285750" indent="-285750">
-              <a:buFont typeface="Arial" panose="020B0604020202020204" pitchFamily="34" charset="0"/>
-              <a:buChar char="•"/>
+            <a:pPr>
+              <a:buFont typeface="Wingdings" panose="05000000000000000000" pitchFamily="2" charset="2"/>
+              <a:buChar char="Ø"/>
             </a:pPr>
             <a:r>
               <a:rPr lang="en-US" dirty="0">
@@ -44372,48 +44511,12 @@
           <a:chExt cx="0" cy="0"/>
         </a:xfrm>
       </p:grpSpPr>
-      <p:pic>
-        <p:nvPicPr>
-          <p:cNvPr id="20" name="Picture Placeholder 19" descr="Abstract background&#10;">
-            <a:extLst>
-              <a:ext uri="{FF2B5EF4-FFF2-40B4-BE49-F238E27FC236}">
-                <a16:creationId xmlns:a16="http://schemas.microsoft.com/office/drawing/2014/main" id="{3330B498-1497-4DA8-99F4-8F8159B24FF9}"/>
-              </a:ext>
-            </a:extLst>
-          </p:cNvPr>
-          <p:cNvPicPr>
-            <a:picLocks noGrp="1" noChangeAspect="1"/>
-          </p:cNvPicPr>
-          <p:nvPr>
-            <p:ph type="pic" sz="quarter" idx="15"/>
-          </p:nvPr>
-        </p:nvPicPr>
-        <p:blipFill>
-          <a:blip r:embed="rId2">
-            <a:extLst>
-              <a:ext uri="{28A0092B-C50C-407E-A947-70E740481C1C}">
-                <a14:useLocalDpi xmlns:a14="http://schemas.microsoft.com/office/drawing/2010/main" val="0"/>
-              </a:ext>
-            </a:extLst>
-          </a:blip>
-          <a:srcRect/>
-          <a:stretch>
-            <a:fillRect/>
-          </a:stretch>
-        </p:blipFill>
-        <p:spPr>
-          <a:xfrm>
-            <a:off x="1340528" y="0"/>
-            <a:ext cx="4760087" cy="6858000"/>
-          </a:xfrm>
-        </p:spPr>
-      </p:pic>
-      <p:sp>
-        <p:nvSpPr>
-          <p:cNvPr id="5" name="Title 4">
-            <a:extLst>
-              <a:ext uri="{FF2B5EF4-FFF2-40B4-BE49-F238E27FC236}">
-                <a16:creationId xmlns:a16="http://schemas.microsoft.com/office/drawing/2014/main" id="{FF93F71D-1663-42FA-A91E-FA23F03F0287}"/>
+      <p:sp>
+        <p:nvSpPr>
+          <p:cNvPr id="3" name="Title 2">
+            <a:extLst>
+              <a:ext uri="{FF2B5EF4-FFF2-40B4-BE49-F238E27FC236}">
+                <a16:creationId xmlns:a16="http://schemas.microsoft.com/office/drawing/2014/main" id="{63318639-7669-4D89-810E-FA47B10D5782}"/>
               </a:ext>
             </a:extLst>
           </p:cNvPr>
@@ -44424,101 +44527,32 @@
             <p:ph type="title"/>
           </p:nvPr>
         </p:nvSpPr>
-        <p:spPr/>
-        <p:txBody>
-          <a:bodyPr>
-            <a:normAutofit fontScale="90000"/>
-          </a:bodyPr>
+        <p:spPr>
+          <a:xfrm>
+            <a:off x="6769768" y="2133600"/>
+            <a:ext cx="4618957" cy="2287480"/>
+          </a:xfrm>
+        </p:spPr>
+        <p:txBody>
+          <a:bodyPr/>
           <a:lstStyle/>
           <a:p>
-            <a:r>
-              <a:rPr lang="en-US" dirty="0">
-                <a:solidFill>
-                  <a:srgbClr val="12FFFE"/>
-                </a:solidFill>
-              </a:rPr>
-              <a:t>Objectives, scope and need of the project</a:t>
-            </a:r>
-          </a:p>
-        </p:txBody>
-      </p:sp>
-      <p:sp>
-        <p:nvSpPr>
-          <p:cNvPr id="8" name="Text Placeholder 7">
-            <a:extLst>
-              <a:ext uri="{FF2B5EF4-FFF2-40B4-BE49-F238E27FC236}">
-                <a16:creationId xmlns:a16="http://schemas.microsoft.com/office/drawing/2014/main" id="{1C19D996-1EAD-4EC5-92CC-5A60F9A9E91F}"/>
-              </a:ext>
-            </a:extLst>
-          </p:cNvPr>
-          <p:cNvSpPr>
-            <a:spLocks noGrp="1"/>
-          </p:cNvSpPr>
-          <p:nvPr>
-            <p:ph type="body" idx="14"/>
-          </p:nvPr>
-        </p:nvSpPr>
-        <p:spPr>
-          <a:xfrm>
-            <a:off x="6905728" y="2309150"/>
-            <a:ext cx="4482996" cy="3570506"/>
-          </a:xfrm>
-        </p:spPr>
-        <p:txBody>
-          <a:bodyPr>
-            <a:normAutofit/>
-          </a:bodyPr>
-          <a:lstStyle/>
-          <a:p>
-            <a:r>
-              <a:rPr lang="en-US" dirty="0">
-                <a:solidFill>
-                  <a:schemeClr val="tx1">
-                    <a:lumMod val="60000"/>
-                    <a:lumOff val="40000"/>
-                  </a:schemeClr>
-                </a:solidFill>
-              </a:rPr>
-              <a:t>The applications of sentiment analysis are broad and powerful. The ability to extract insights from social data is a practice that is being widely adopted by organizations across the world.</a:t>
-            </a:r>
-          </a:p>
-          <a:p>
-            <a:r>
-              <a:rPr lang="en-US" dirty="0">
-                <a:solidFill>
-                  <a:schemeClr val="tx1">
-                    <a:lumMod val="60000"/>
-                    <a:lumOff val="40000"/>
-                  </a:schemeClr>
-                </a:solidFill>
-              </a:rPr>
-              <a:t>It can also be an essential part of a company’s market research and customer service approach. Not only can a company see what people think of their own products or services, they can see what they think about their competitors too. The overall customer experience of the users can be revealed quickly with sentiment analysis, but it can get far more granular too.</a:t>
-            </a:r>
-          </a:p>
-          <a:p>
-            <a:r>
-              <a:rPr lang="en-US" dirty="0">
-                <a:solidFill>
-                  <a:schemeClr val="tx1">
-                    <a:lumMod val="60000"/>
-                    <a:lumOff val="40000"/>
-                  </a:schemeClr>
-                </a:solidFill>
-              </a:rPr>
-              <a:t>Companies can get powerful insights to boost their marketing strategy. For example, marketers can keep an eye on industry trends by analyzing sentiment towards new features or products on social media.</a:t>
-            </a:r>
-          </a:p>
-          <a:p>
-            <a:endParaRPr lang="en-US" dirty="0"/>
-          </a:p>
-        </p:txBody>
-      </p:sp>
-      <p:sp>
-        <p:nvSpPr>
-          <p:cNvPr id="4" name="Slide Number Placeholder 3">
-            <a:extLst>
-              <a:ext uri="{FF2B5EF4-FFF2-40B4-BE49-F238E27FC236}">
-                <a16:creationId xmlns:a16="http://schemas.microsoft.com/office/drawing/2014/main" id="{494C7D40-6709-40D4-B0FB-9D6311AF439F}"/>
+            <a:br>
+              <a:rPr lang="en-US" sz="1050" b="0" dirty="0"/>
+            </a:br>
+            <a:br>
+              <a:rPr lang="en-US" sz="1050" dirty="0"/>
+            </a:br>
+            <a:endParaRPr lang="en-IN" sz="1050" dirty="0"/>
+          </a:p>
+        </p:txBody>
+      </p:sp>
+      <p:sp>
+        <p:nvSpPr>
+          <p:cNvPr id="6" name="Slide Number Placeholder 5">
+            <a:extLst>
+              <a:ext uri="{FF2B5EF4-FFF2-40B4-BE49-F238E27FC236}">
+                <a16:creationId xmlns:a16="http://schemas.microsoft.com/office/drawing/2014/main" id="{2ECB9DFF-2C00-4250-8622-C7A7A839AB3E}"/>
               </a:ext>
             </a:extLst>
           </p:cNvPr>
@@ -44535,18 +44569,269 @@
           <a:lstStyle/>
           <a:p>
             <a:fld id="{8D581BC7-E183-40DB-AC97-C19EA4EB8894}" type="slidenum">
-              <a:rPr lang="en-US" smtClean="0"/>
-              <a:pPr/>
+              <a:rPr lang="en-US" noProof="0" smtClean="0"/>
               <a:t>3</a:t>
             </a:fld>
-            <a:endParaRPr lang="en-US" dirty="0"/>
+            <a:endParaRPr lang="en-US" noProof="0" dirty="0"/>
+          </a:p>
+        </p:txBody>
+      </p:sp>
+      <p:sp>
+        <p:nvSpPr>
+          <p:cNvPr id="7" name="Subtitle 6">
+            <a:extLst>
+              <a:ext uri="{FF2B5EF4-FFF2-40B4-BE49-F238E27FC236}">
+                <a16:creationId xmlns:a16="http://schemas.microsoft.com/office/drawing/2014/main" id="{3186C3A6-D448-4163-ACEA-8F323E9EE866}"/>
+              </a:ext>
+            </a:extLst>
+          </p:cNvPr>
+          <p:cNvSpPr>
+            <a:spLocks noGrp="1"/>
+          </p:cNvSpPr>
+          <p:nvPr>
+            <p:ph type="subTitle" idx="1"/>
+          </p:nvPr>
+        </p:nvSpPr>
+        <p:spPr>
+          <a:xfrm>
+            <a:off x="6769767" y="1325370"/>
+            <a:ext cx="4618957" cy="590626"/>
+          </a:xfrm>
+        </p:spPr>
+        <p:txBody>
+          <a:bodyPr>
+            <a:normAutofit/>
+          </a:bodyPr>
+          <a:lstStyle/>
+          <a:p>
+            <a:r>
+              <a:rPr lang="en-US" sz="3200" dirty="0">
+                <a:solidFill>
+                  <a:srgbClr val="12FFFE"/>
+                </a:solidFill>
+                <a:latin typeface="+mj-lt"/>
+              </a:rPr>
+              <a:t>Objectives</a:t>
+            </a:r>
+            <a:endParaRPr lang="en-IN" sz="3200" b="0" dirty="0">
+              <a:latin typeface="+mj-lt"/>
+            </a:endParaRPr>
+          </a:p>
+        </p:txBody>
+      </p:sp>
+      <p:pic>
+        <p:nvPicPr>
+          <p:cNvPr id="9" name="Picture Placeholder 19" descr="Abstract background&#10;">
+            <a:extLst>
+              <a:ext uri="{FF2B5EF4-FFF2-40B4-BE49-F238E27FC236}">
+                <a16:creationId xmlns:a16="http://schemas.microsoft.com/office/drawing/2014/main" id="{62A71D82-8C89-44A2-9F67-C3D0525C1660}"/>
+              </a:ext>
+            </a:extLst>
+          </p:cNvPr>
+          <p:cNvPicPr>
+            <a:picLocks noGrp="1" noChangeAspect="1"/>
+          </p:cNvPicPr>
+          <p:nvPr>
+            <p:ph type="pic" sz="quarter" idx="13"/>
+          </p:nvPr>
+        </p:nvPicPr>
+        <p:blipFill>
+          <a:blip r:embed="rId2">
+            <a:extLst>
+              <a:ext uri="{28A0092B-C50C-407E-A947-70E740481C1C}">
+                <a14:useLocalDpi xmlns:a14="http://schemas.microsoft.com/office/drawing/2010/main" val="0"/>
+              </a:ext>
+            </a:extLst>
+          </a:blip>
+          <a:srcRect t="34558" b="34558"/>
+          <a:stretch>
+            <a:fillRect/>
+          </a:stretch>
+        </p:blipFill>
+        <p:spPr>
+          <a:xfrm>
+            <a:off x="0" y="1620683"/>
+            <a:ext cx="6096000" cy="3616633"/>
+          </a:xfrm>
+        </p:spPr>
+      </p:pic>
+      <p:sp>
+        <p:nvSpPr>
+          <p:cNvPr id="10" name="TextBox 9">
+            <a:extLst>
+              <a:ext uri="{FF2B5EF4-FFF2-40B4-BE49-F238E27FC236}">
+                <a16:creationId xmlns:a16="http://schemas.microsoft.com/office/drawing/2014/main" id="{2E834716-0D22-4ED9-81D5-DBD64C35382C}"/>
+              </a:ext>
+            </a:extLst>
+          </p:cNvPr>
+          <p:cNvSpPr txBox="1"/>
+          <p:nvPr/>
+        </p:nvSpPr>
+        <p:spPr>
+          <a:xfrm>
+            <a:off x="6769767" y="2311154"/>
+            <a:ext cx="5064167" cy="3385542"/>
+          </a:xfrm>
+          <a:prstGeom prst="rect">
+            <a:avLst/>
+          </a:prstGeom>
+          <a:noFill/>
+        </p:spPr>
+        <p:txBody>
+          <a:bodyPr wrap="square" rtlCol="0">
+            <a:spAutoFit/>
+          </a:bodyPr>
+          <a:lstStyle/>
+          <a:p>
+            <a:pPr marL="285750" indent="-285750">
+              <a:buFont typeface="Courier New" panose="02070309020205020404" pitchFamily="49" charset="0"/>
+              <a:buChar char="o"/>
+            </a:pPr>
+            <a:r>
+              <a:rPr lang="en-US" sz="1400" dirty="0">
+                <a:solidFill>
+                  <a:schemeClr val="tx1">
+                    <a:lumMod val="60000"/>
+                    <a:lumOff val="40000"/>
+                  </a:schemeClr>
+                </a:solidFill>
+              </a:rPr>
+              <a:t>To learn the different approaches and real world applications of sentiment analysis. </a:t>
+            </a:r>
+          </a:p>
+          <a:p>
+            <a:pPr marL="285750" indent="-285750">
+              <a:buFont typeface="Courier New" panose="02070309020205020404" pitchFamily="49" charset="0"/>
+              <a:buChar char="o"/>
+            </a:pPr>
+            <a:endParaRPr lang="en-US" sz="1400" dirty="0">
+              <a:solidFill>
+                <a:schemeClr val="tx1">
+                  <a:lumMod val="60000"/>
+                  <a:lumOff val="40000"/>
+                </a:schemeClr>
+              </a:solidFill>
+            </a:endParaRPr>
+          </a:p>
+          <a:p>
+            <a:pPr marL="285750" indent="-285750">
+              <a:buFont typeface="Courier New" panose="02070309020205020404" pitchFamily="49" charset="0"/>
+              <a:buChar char="o"/>
+            </a:pPr>
+            <a:r>
+              <a:rPr lang="en-US" sz="1400" dirty="0">
+                <a:solidFill>
+                  <a:schemeClr val="tx1">
+                    <a:lumMod val="60000"/>
+                    <a:lumOff val="40000"/>
+                  </a:schemeClr>
+                </a:solidFill>
+              </a:rPr>
+              <a:t>To provide a more user friendly way to provide sentiment analysis for text and voice based input.</a:t>
+            </a:r>
+          </a:p>
+          <a:p>
+            <a:pPr marL="285750" indent="-285750">
+              <a:buFont typeface="Courier New" panose="02070309020205020404" pitchFamily="49" charset="0"/>
+              <a:buChar char="o"/>
+            </a:pPr>
+            <a:endParaRPr lang="en-US" sz="1400" dirty="0">
+              <a:solidFill>
+                <a:schemeClr val="tx1">
+                  <a:lumMod val="60000"/>
+                  <a:lumOff val="40000"/>
+                </a:schemeClr>
+              </a:solidFill>
+            </a:endParaRPr>
+          </a:p>
+          <a:p>
+            <a:pPr marL="285750" indent="-285750">
+              <a:buFont typeface="Courier New" panose="02070309020205020404" pitchFamily="49" charset="0"/>
+              <a:buChar char="o"/>
+            </a:pPr>
+            <a:r>
+              <a:rPr lang="en-US" sz="1400" dirty="0">
+                <a:solidFill>
+                  <a:schemeClr val="tx1">
+                    <a:lumMod val="60000"/>
+                    <a:lumOff val="40000"/>
+                  </a:schemeClr>
+                </a:solidFill>
+              </a:rPr>
+              <a:t>To provide a statistical view of a large dataset like movie reviews and revealing users views on the particular item using sentiment analysis.</a:t>
+            </a:r>
+          </a:p>
+          <a:p>
+            <a:pPr marL="285750" indent="-285750">
+              <a:buFont typeface="Arial" panose="020B0604020202020204" pitchFamily="34" charset="0"/>
+              <a:buChar char="•"/>
+            </a:pPr>
+            <a:endParaRPr lang="en-US" sz="1400" dirty="0">
+              <a:solidFill>
+                <a:schemeClr val="tx1">
+                  <a:lumMod val="60000"/>
+                  <a:lumOff val="40000"/>
+                </a:schemeClr>
+              </a:solidFill>
+            </a:endParaRPr>
+          </a:p>
+          <a:p>
+            <a:pPr marL="285750" indent="-285750">
+              <a:buFont typeface="Arial" panose="020B0604020202020204" pitchFamily="34" charset="0"/>
+              <a:buChar char="•"/>
+            </a:pPr>
+            <a:endParaRPr lang="en-US" sz="1400" dirty="0">
+              <a:solidFill>
+                <a:schemeClr val="tx1">
+                  <a:lumMod val="60000"/>
+                  <a:lumOff val="40000"/>
+                </a:schemeClr>
+              </a:solidFill>
+            </a:endParaRPr>
+          </a:p>
+          <a:p>
+            <a:pPr marL="285750" indent="-285750">
+              <a:buFont typeface="Arial" panose="020B0604020202020204" pitchFamily="34" charset="0"/>
+              <a:buChar char="•"/>
+            </a:pPr>
+            <a:endParaRPr lang="en-US" sz="1400" dirty="0">
+              <a:solidFill>
+                <a:schemeClr val="tx1">
+                  <a:lumMod val="60000"/>
+                  <a:lumOff val="40000"/>
+                </a:schemeClr>
+              </a:solidFill>
+            </a:endParaRPr>
+          </a:p>
+          <a:p>
+            <a:endParaRPr lang="en-US" sz="1400" dirty="0">
+              <a:solidFill>
+                <a:schemeClr val="tx1">
+                  <a:lumMod val="60000"/>
+                  <a:lumOff val="40000"/>
+                </a:schemeClr>
+              </a:solidFill>
+            </a:endParaRPr>
+          </a:p>
+          <a:p>
+            <a:endParaRPr lang="en-US" sz="1400" dirty="0">
+              <a:solidFill>
+                <a:schemeClr val="tx1">
+                  <a:lumMod val="60000"/>
+                  <a:lumOff val="40000"/>
+                </a:schemeClr>
+              </a:solidFill>
+            </a:endParaRPr>
+          </a:p>
+          <a:p>
+            <a:endParaRPr lang="en-IN" dirty="0"/>
           </a:p>
         </p:txBody>
       </p:sp>
     </p:spTree>
     <p:extLst>
       <p:ext uri="{BB962C8B-B14F-4D97-AF65-F5344CB8AC3E}">
-        <p14:creationId xmlns:p14="http://schemas.microsoft.com/office/powerpoint/2010/main" val="764296182"/>
+        <p14:creationId xmlns:p14="http://schemas.microsoft.com/office/powerpoint/2010/main" val="43628619"/>
       </p:ext>
     </p:extLst>
   </p:cSld>
@@ -44573,206 +44858,12 @@
           <a:chExt cx="0" cy="0"/>
         </a:xfrm>
       </p:grpSpPr>
-      <p:sp>
-        <p:nvSpPr>
-          <p:cNvPr id="5" name="Slide Number Placeholder 4">
-            <a:extLst>
-              <a:ext uri="{FF2B5EF4-FFF2-40B4-BE49-F238E27FC236}">
-                <a16:creationId xmlns:a16="http://schemas.microsoft.com/office/drawing/2014/main" id="{1C5328BF-D489-4F39-BA27-5AD38E9116D8}"/>
-              </a:ext>
-            </a:extLst>
-          </p:cNvPr>
-          <p:cNvSpPr>
-            <a:spLocks noGrp="1"/>
-          </p:cNvSpPr>
-          <p:nvPr>
-            <p:ph type="sldNum" sz="quarter" idx="12"/>
-          </p:nvPr>
-        </p:nvSpPr>
-        <p:spPr/>
-        <p:txBody>
-          <a:bodyPr/>
-          <a:lstStyle/>
-          <a:p>
-            <a:fld id="{8D581BC7-E183-40DB-AC97-C19EA4EB8894}" type="slidenum">
-              <a:rPr lang="en-US" smtClean="0"/>
-              <a:pPr/>
-              <a:t>4</a:t>
-            </a:fld>
-            <a:endParaRPr lang="en-US" dirty="0"/>
-          </a:p>
-        </p:txBody>
-      </p:sp>
-      <p:sp>
-        <p:nvSpPr>
-          <p:cNvPr id="25" name="Text Placeholder 24">
-            <a:extLst>
-              <a:ext uri="{FF2B5EF4-FFF2-40B4-BE49-F238E27FC236}">
-                <a16:creationId xmlns:a16="http://schemas.microsoft.com/office/drawing/2014/main" id="{7654E044-5122-4B23-9EBA-C2089465A67D}"/>
-              </a:ext>
-            </a:extLst>
-          </p:cNvPr>
-          <p:cNvSpPr>
-            <a:spLocks noGrp="1"/>
-          </p:cNvSpPr>
-          <p:nvPr>
-            <p:ph type="body" idx="14"/>
-          </p:nvPr>
-        </p:nvSpPr>
-        <p:spPr>
-          <a:xfrm>
-            <a:off x="6894591" y="2636668"/>
-            <a:ext cx="4482996" cy="2985503"/>
-          </a:xfrm>
-        </p:spPr>
-        <p:txBody>
-          <a:bodyPr>
-            <a:normAutofit/>
-          </a:bodyPr>
-          <a:lstStyle/>
-          <a:p>
-            <a:endParaRPr lang="en-IN" dirty="0"/>
-          </a:p>
-          <a:p>
-            <a:r>
-              <a:rPr lang="en-IN" b="1" dirty="0">
-                <a:solidFill>
-                  <a:schemeClr val="tx1"/>
-                </a:solidFill>
-              </a:rPr>
-              <a:t>Hemamalini, Dr.S. Perumal,  LITERATURE REVIEW ON SENTIMENT ANALYSIS, ISSN 2277-8616 </a:t>
-            </a:r>
-            <a:endParaRPr lang="en-US" b="1" dirty="0">
-              <a:solidFill>
-                <a:schemeClr val="tx1"/>
-              </a:solidFill>
-              <a:hlinkClick r:id="rId2">
-                <a:extLst>
-                  <a:ext uri="{A12FA001-AC4F-418D-AE19-62706E023703}">
-                    <ahyp:hlinkClr xmlns:ahyp="http://schemas.microsoft.com/office/drawing/2018/hyperlinkcolor" val="tx"/>
-                  </a:ext>
-                </a:extLst>
-              </a:hlinkClick>
-            </a:endParaRPr>
-          </a:p>
-          <a:p>
-            <a:r>
-              <a:rPr lang="en-US" b="1" dirty="0">
-                <a:solidFill>
-                  <a:schemeClr val="tx1"/>
-                </a:solidFill>
-                <a:hlinkClick r:id="rId2">
-                  <a:extLst>
-                    <a:ext uri="{A12FA001-AC4F-418D-AE19-62706E023703}">
-                      <ahyp:hlinkClr xmlns:ahyp="http://schemas.microsoft.com/office/drawing/2018/hyperlinkcolor" val="tx"/>
-                    </a:ext>
-                  </a:extLst>
-                </a:hlinkClick>
-              </a:rPr>
-              <a:t>Kivy framework — Kivy 2.0.0 documentation</a:t>
-            </a:r>
-            <a:endParaRPr lang="en-US" b="1" dirty="0">
-              <a:solidFill>
-                <a:schemeClr val="tx1"/>
-              </a:solidFill>
-            </a:endParaRPr>
-          </a:p>
-          <a:p>
-            <a:r>
-              <a:rPr lang="en-IN" b="1" dirty="0">
-                <a:solidFill>
-                  <a:schemeClr val="tx1"/>
-                </a:solidFill>
-                <a:hlinkClick r:id="rId3">
-                  <a:extLst>
-                    <a:ext uri="{A12FA001-AC4F-418D-AE19-62706E023703}">
-                      <ahyp:hlinkClr xmlns:ahyp="http://schemas.microsoft.com/office/drawing/2018/hyperlinkcolor" val="tx"/>
-                    </a:ext>
-                  </a:extLst>
-                </a:hlinkClick>
-              </a:rPr>
-              <a:t>TextBlob: Simplified Text Processing — TextBlob 0.16.0 documentation</a:t>
-            </a:r>
-            <a:endParaRPr lang="en-IN" b="1" dirty="0">
-              <a:solidFill>
-                <a:schemeClr val="tx1"/>
-              </a:solidFill>
-            </a:endParaRPr>
-          </a:p>
-          <a:p>
-            <a:r>
-              <a:rPr lang="en-IN" b="1" dirty="0">
-                <a:solidFill>
-                  <a:schemeClr val="tx1"/>
-                </a:solidFill>
-                <a:hlinkClick r:id="rId4">
-                  <a:extLst>
-                    <a:ext uri="{A12FA001-AC4F-418D-AE19-62706E023703}">
-                      <ahyp:hlinkClr xmlns:ahyp="http://schemas.microsoft.com/office/drawing/2018/hyperlinkcolor" val="tx"/>
-                    </a:ext>
-                  </a:extLst>
-                </a:hlinkClick>
-              </a:rPr>
-              <a:t>PyAudio · PyPI</a:t>
-            </a:r>
-            <a:endParaRPr lang="en-IN" b="1" dirty="0">
-              <a:solidFill>
-                <a:schemeClr val="tx1"/>
-              </a:solidFill>
-            </a:endParaRPr>
-          </a:p>
-          <a:p>
-            <a:r>
-              <a:rPr lang="en-IN" b="1" dirty="0">
-                <a:solidFill>
-                  <a:schemeClr val="tx1"/>
-                </a:solidFill>
-                <a:hlinkClick r:id="rId5">
-                  <a:extLst>
-                    <a:ext uri="{A12FA001-AC4F-418D-AE19-62706E023703}">
-                      <ahyp:hlinkClr xmlns:ahyp="http://schemas.microsoft.com/office/drawing/2018/hyperlinkcolor" val="tx"/>
-                    </a:ext>
-                  </a:extLst>
-                </a:hlinkClick>
-              </a:rPr>
-              <a:t>PyMySQL · PyPI</a:t>
-            </a:r>
-            <a:endParaRPr lang="en-IN" b="1" dirty="0">
-              <a:solidFill>
-                <a:schemeClr val="tx1"/>
-              </a:solidFill>
-            </a:endParaRPr>
-          </a:p>
-          <a:p>
-            <a:r>
-              <a:rPr lang="en-IN" b="1" dirty="0">
-                <a:solidFill>
-                  <a:schemeClr val="tx1"/>
-                </a:solidFill>
-                <a:hlinkClick r:id="rId6">
-                  <a:extLst>
-                    <a:ext uri="{A12FA001-AC4F-418D-AE19-62706E023703}">
-                      <ahyp:hlinkClr xmlns:ahyp="http://schemas.microsoft.com/office/drawing/2018/hyperlinkcolor" val="tx"/>
-                    </a:ext>
-                  </a:extLst>
-                </a:hlinkClick>
-              </a:rPr>
-              <a:t>SpeechRecognition · PyPI</a:t>
-            </a:r>
-            <a:endParaRPr lang="en-IN" b="1" dirty="0">
-              <a:solidFill>
-                <a:schemeClr val="tx1"/>
-              </a:solidFill>
-            </a:endParaRPr>
-          </a:p>
-        </p:txBody>
-      </p:sp>
       <p:pic>
         <p:nvPicPr>
-          <p:cNvPr id="31" name="Picture Placeholder 17" descr="Abstract background">
-            <a:extLst>
-              <a:ext uri="{FF2B5EF4-FFF2-40B4-BE49-F238E27FC236}">
-                <a16:creationId xmlns:a16="http://schemas.microsoft.com/office/drawing/2014/main" id="{096D9865-737B-4173-AE66-5E2ACB867633}"/>
+          <p:cNvPr id="20" name="Picture Placeholder 19" descr="Abstract background&#10;">
+            <a:extLst>
+              <a:ext uri="{FF2B5EF4-FFF2-40B4-BE49-F238E27FC236}">
+                <a16:creationId xmlns:a16="http://schemas.microsoft.com/office/drawing/2014/main" id="{3330B498-1497-4DA8-99F4-8F8159B24FF9}"/>
               </a:ext>
             </a:extLst>
           </p:cNvPr>
@@ -44784,31 +44875,31 @@
           </p:nvPr>
         </p:nvPicPr>
         <p:blipFill>
-          <a:blip r:embed="rId7">
+          <a:blip r:embed="rId2">
             <a:extLst>
               <a:ext uri="{28A0092B-C50C-407E-A947-70E740481C1C}">
                 <a14:useLocalDpi xmlns:a14="http://schemas.microsoft.com/office/drawing/2010/main" val="0"/>
               </a:ext>
             </a:extLst>
           </a:blip>
-          <a:srcRect t="20177" b="20177"/>
+          <a:srcRect/>
           <a:stretch>
             <a:fillRect/>
           </a:stretch>
         </p:blipFill>
         <p:spPr>
           <a:xfrm>
-            <a:off x="-3175" y="1792288"/>
-            <a:ext cx="6073775" cy="3722687"/>
+            <a:off x="1340528" y="0"/>
+            <a:ext cx="4760087" cy="6858000"/>
           </a:xfrm>
         </p:spPr>
       </p:pic>
       <p:sp>
         <p:nvSpPr>
-          <p:cNvPr id="2" name="Title 1">
-            <a:extLst>
-              <a:ext uri="{FF2B5EF4-FFF2-40B4-BE49-F238E27FC236}">
-                <a16:creationId xmlns:a16="http://schemas.microsoft.com/office/drawing/2014/main" id="{B0406C22-D0C4-4D8E-86F7-1A902F1CA7AB}"/>
+          <p:cNvPr id="5" name="Title 4">
+            <a:extLst>
+              <a:ext uri="{FF2B5EF4-FFF2-40B4-BE49-F238E27FC236}">
+                <a16:creationId xmlns:a16="http://schemas.microsoft.com/office/drawing/2014/main" id="{FF93F71D-1663-42FA-A91E-FA23F03F0287}"/>
               </a:ext>
             </a:extLst>
           </p:cNvPr>
@@ -44821,29 +44912,127 @@
         </p:nvSpPr>
         <p:spPr/>
         <p:txBody>
+          <a:bodyPr>
+            <a:normAutofit fontScale="90000"/>
+          </a:bodyPr>
+          <a:lstStyle/>
+          <a:p>
+            <a:r>
+              <a:rPr lang="en-US" dirty="0">
+                <a:solidFill>
+                  <a:srgbClr val="12FFFE"/>
+                </a:solidFill>
+              </a:rPr>
+              <a:t>Scope and need of the project</a:t>
+            </a:r>
+          </a:p>
+        </p:txBody>
+      </p:sp>
+      <p:sp>
+        <p:nvSpPr>
+          <p:cNvPr id="8" name="Text Placeholder 7">
+            <a:extLst>
+              <a:ext uri="{FF2B5EF4-FFF2-40B4-BE49-F238E27FC236}">
+                <a16:creationId xmlns:a16="http://schemas.microsoft.com/office/drawing/2014/main" id="{1C19D996-1EAD-4EC5-92CC-5A60F9A9E91F}"/>
+              </a:ext>
+            </a:extLst>
+          </p:cNvPr>
+          <p:cNvSpPr>
+            <a:spLocks noGrp="1"/>
+          </p:cNvSpPr>
+          <p:nvPr>
+            <p:ph type="body" idx="14"/>
+          </p:nvPr>
+        </p:nvSpPr>
+        <p:spPr>
+          <a:xfrm>
+            <a:off x="6905728" y="2309150"/>
+            <a:ext cx="4482996" cy="3570506"/>
+          </a:xfrm>
+        </p:spPr>
+        <p:txBody>
+          <a:bodyPr>
+            <a:normAutofit/>
+          </a:bodyPr>
+          <a:lstStyle/>
+          <a:p>
+            <a:r>
+              <a:rPr lang="en-US" dirty="0">
+                <a:solidFill>
+                  <a:schemeClr val="tx1">
+                    <a:lumMod val="60000"/>
+                    <a:lumOff val="40000"/>
+                  </a:schemeClr>
+                </a:solidFill>
+              </a:rPr>
+              <a:t>The applications of sentiment analysis are broad and powerful. The ability to extract insights from social data is a practice that is being widely adopted by organizations across the world.</a:t>
+            </a:r>
+          </a:p>
+          <a:p>
+            <a:r>
+              <a:rPr lang="en-US" dirty="0">
+                <a:solidFill>
+                  <a:schemeClr val="tx1">
+                    <a:lumMod val="60000"/>
+                    <a:lumOff val="40000"/>
+                  </a:schemeClr>
+                </a:solidFill>
+              </a:rPr>
+              <a:t>It can also be an essential part of a company’s market research and customer service approach. Not only can a company see what people think of their own products or services, they can see what they think about their competitors too. The overall customer experience of the users can be revealed quickly with sentiment analysis, but it can get far more granular too.</a:t>
+            </a:r>
+          </a:p>
+          <a:p>
+            <a:r>
+              <a:rPr lang="en-US" dirty="0">
+                <a:solidFill>
+                  <a:schemeClr val="tx1">
+                    <a:lumMod val="60000"/>
+                    <a:lumOff val="40000"/>
+                  </a:schemeClr>
+                </a:solidFill>
+              </a:rPr>
+              <a:t>Companies can get powerful insights to boost their marketing strategy. For example, marketers can keep an eye on industry trends by analyzing sentiment towards new features or products on social media.</a:t>
+            </a:r>
+          </a:p>
+          <a:p>
+            <a:endParaRPr lang="en-US" dirty="0"/>
+          </a:p>
+        </p:txBody>
+      </p:sp>
+      <p:sp>
+        <p:nvSpPr>
+          <p:cNvPr id="4" name="Slide Number Placeholder 3">
+            <a:extLst>
+              <a:ext uri="{FF2B5EF4-FFF2-40B4-BE49-F238E27FC236}">
+                <a16:creationId xmlns:a16="http://schemas.microsoft.com/office/drawing/2014/main" id="{494C7D40-6709-40D4-B0FB-9D6311AF439F}"/>
+              </a:ext>
+            </a:extLst>
+          </p:cNvPr>
+          <p:cNvSpPr>
+            <a:spLocks noGrp="1"/>
+          </p:cNvSpPr>
+          <p:nvPr>
+            <p:ph type="sldNum" sz="quarter" idx="12"/>
+          </p:nvPr>
+        </p:nvSpPr>
+        <p:spPr/>
+        <p:txBody>
           <a:bodyPr/>
           <a:lstStyle/>
           <a:p>
-            <a:r>
-              <a:rPr lang="en-IN" dirty="0">
-                <a:solidFill>
-                  <a:srgbClr val="12FFFE"/>
-                </a:solidFill>
-              </a:rPr>
-              <a:t>Literature Survey</a:t>
-            </a:r>
-            <a:endParaRPr lang="en-US" dirty="0">
-              <a:solidFill>
-                <a:srgbClr val="12FFFE"/>
-              </a:solidFill>
-            </a:endParaRPr>
+            <a:fld id="{8D581BC7-E183-40DB-AC97-C19EA4EB8894}" type="slidenum">
+              <a:rPr lang="en-US" smtClean="0"/>
+              <a:pPr/>
+              <a:t>4</a:t>
+            </a:fld>
+            <a:endParaRPr lang="en-US" dirty="0"/>
           </a:p>
         </p:txBody>
       </p:sp>
     </p:spTree>
     <p:extLst>
       <p:ext uri="{BB962C8B-B14F-4D97-AF65-F5344CB8AC3E}">
-        <p14:creationId xmlns:p14="http://schemas.microsoft.com/office/powerpoint/2010/main" val="2149445884"/>
+        <p14:creationId xmlns:p14="http://schemas.microsoft.com/office/powerpoint/2010/main" val="764296182"/>
       </p:ext>
     </p:extLst>
   </p:cSld>
@@ -44872,10 +45061,240 @@
       </p:grpSpPr>
       <p:sp>
         <p:nvSpPr>
+          <p:cNvPr id="5" name="Slide Number Placeholder 4">
+            <a:extLst>
+              <a:ext uri="{FF2B5EF4-FFF2-40B4-BE49-F238E27FC236}">
+                <a16:creationId xmlns:a16="http://schemas.microsoft.com/office/drawing/2014/main" id="{1C5328BF-D489-4F39-BA27-5AD38E9116D8}"/>
+              </a:ext>
+            </a:extLst>
+          </p:cNvPr>
+          <p:cNvSpPr>
+            <a:spLocks noGrp="1"/>
+          </p:cNvSpPr>
+          <p:nvPr>
+            <p:ph type="sldNum" sz="quarter" idx="12"/>
+          </p:nvPr>
+        </p:nvSpPr>
+        <p:spPr/>
+        <p:txBody>
+          <a:bodyPr/>
+          <a:lstStyle/>
+          <a:p>
+            <a:fld id="{8D581BC7-E183-40DB-AC97-C19EA4EB8894}" type="slidenum">
+              <a:rPr lang="en-US" smtClean="0"/>
+              <a:pPr/>
+              <a:t>5</a:t>
+            </a:fld>
+            <a:endParaRPr lang="en-US" dirty="0"/>
+          </a:p>
+        </p:txBody>
+      </p:sp>
+      <p:sp>
+        <p:nvSpPr>
+          <p:cNvPr id="25" name="Text Placeholder 24">
+            <a:extLst>
+              <a:ext uri="{FF2B5EF4-FFF2-40B4-BE49-F238E27FC236}">
+                <a16:creationId xmlns:a16="http://schemas.microsoft.com/office/drawing/2014/main" id="{7654E044-5122-4B23-9EBA-C2089465A67D}"/>
+              </a:ext>
+            </a:extLst>
+          </p:cNvPr>
+          <p:cNvSpPr>
+            <a:spLocks noGrp="1"/>
+          </p:cNvSpPr>
+          <p:nvPr>
+            <p:ph type="body" idx="14"/>
+          </p:nvPr>
+        </p:nvSpPr>
+        <p:spPr>
+          <a:xfrm>
+            <a:off x="6894591" y="2636668"/>
+            <a:ext cx="4482996" cy="2985503"/>
+          </a:xfrm>
+        </p:spPr>
+        <p:txBody>
+          <a:bodyPr>
+            <a:normAutofit/>
+          </a:bodyPr>
+          <a:lstStyle/>
+          <a:p>
+            <a:endParaRPr lang="en-IN" dirty="0"/>
+          </a:p>
+          <a:p>
+            <a:r>
+              <a:rPr lang="en-IN" b="1" dirty="0">
+                <a:solidFill>
+                  <a:schemeClr val="tx1"/>
+                </a:solidFill>
+              </a:rPr>
+              <a:t>Hemamalini, Dr.S. Perumal,  LITERATURE REVIEW ON SENTIMENT ANALYSIS, ISSN 2277-8616 </a:t>
+            </a:r>
+            <a:endParaRPr lang="en-US" b="1" dirty="0">
+              <a:solidFill>
+                <a:schemeClr val="tx1"/>
+              </a:solidFill>
+              <a:hlinkClick r:id="rId2">
+                <a:extLst>
+                  <a:ext uri="{A12FA001-AC4F-418D-AE19-62706E023703}">
+                    <ahyp:hlinkClr xmlns:ahyp="http://schemas.microsoft.com/office/drawing/2018/hyperlinkcolor" val="tx"/>
+                  </a:ext>
+                </a:extLst>
+              </a:hlinkClick>
+            </a:endParaRPr>
+          </a:p>
+          <a:p>
+            <a:r>
+              <a:rPr lang="en-US" b="1" dirty="0">
+                <a:solidFill>
+                  <a:schemeClr val="tx1"/>
+                </a:solidFill>
+                <a:hlinkClick r:id="rId2">
+                  <a:extLst>
+                    <a:ext uri="{A12FA001-AC4F-418D-AE19-62706E023703}">
+                      <ahyp:hlinkClr xmlns:ahyp="http://schemas.microsoft.com/office/drawing/2018/hyperlinkcolor" val="tx"/>
+                    </a:ext>
+                  </a:extLst>
+                </a:hlinkClick>
+              </a:rPr>
+              <a:t>Kivy framework — Kivy 2.0.0 documentation</a:t>
+            </a:r>
+            <a:endParaRPr lang="en-US" b="1" dirty="0">
+              <a:solidFill>
+                <a:schemeClr val="tx1"/>
+              </a:solidFill>
+            </a:endParaRPr>
+          </a:p>
+          <a:p>
+            <a:r>
+              <a:rPr lang="en-IN" b="1" dirty="0">
+                <a:solidFill>
+                  <a:schemeClr val="tx1"/>
+                </a:solidFill>
+                <a:hlinkClick r:id="rId3">
+                  <a:extLst>
+                    <a:ext uri="{A12FA001-AC4F-418D-AE19-62706E023703}">
+                      <ahyp:hlinkClr xmlns:ahyp="http://schemas.microsoft.com/office/drawing/2018/hyperlinkcolor" val="tx"/>
+                    </a:ext>
+                  </a:extLst>
+                </a:hlinkClick>
+              </a:rPr>
+              <a:t>TextBlob: Simplified Text Processing — TextBlob 0.16.0 documentation</a:t>
+            </a:r>
+            <a:endParaRPr lang="en-IN" b="1" dirty="0">
+              <a:solidFill>
+                <a:schemeClr val="tx1"/>
+              </a:solidFill>
+            </a:endParaRPr>
+          </a:p>
+          <a:p>
+            <a:r>
+              <a:rPr lang="en-IN" b="1" dirty="0">
+                <a:solidFill>
+                  <a:schemeClr val="tx1"/>
+                </a:solidFill>
+                <a:hlinkClick r:id="rId4">
+                  <a:extLst>
+                    <a:ext uri="{A12FA001-AC4F-418D-AE19-62706E023703}">
+                      <ahyp:hlinkClr xmlns:ahyp="http://schemas.microsoft.com/office/drawing/2018/hyperlinkcolor" val="tx"/>
+                    </a:ext>
+                  </a:extLst>
+                </a:hlinkClick>
+              </a:rPr>
+              <a:t>PyAudio · PyPI</a:t>
+            </a:r>
+            <a:endParaRPr lang="en-IN" b="1" dirty="0">
+              <a:solidFill>
+                <a:schemeClr val="tx1"/>
+              </a:solidFill>
+            </a:endParaRPr>
+          </a:p>
+          <a:p>
+            <a:r>
+              <a:rPr lang="en-IN" b="1" dirty="0">
+                <a:solidFill>
+                  <a:schemeClr val="tx1"/>
+                </a:solidFill>
+                <a:hlinkClick r:id="rId5">
+                  <a:extLst>
+                    <a:ext uri="{A12FA001-AC4F-418D-AE19-62706E023703}">
+                      <ahyp:hlinkClr xmlns:ahyp="http://schemas.microsoft.com/office/drawing/2018/hyperlinkcolor" val="tx"/>
+                    </a:ext>
+                  </a:extLst>
+                </a:hlinkClick>
+              </a:rPr>
+              <a:t>PyMySQL · PyPI</a:t>
+            </a:r>
+            <a:endParaRPr lang="en-IN" b="1" dirty="0">
+              <a:solidFill>
+                <a:schemeClr val="tx1"/>
+              </a:solidFill>
+            </a:endParaRPr>
+          </a:p>
+          <a:p>
+            <a:r>
+              <a:rPr lang="en-IN" b="1" dirty="0">
+                <a:solidFill>
+                  <a:schemeClr val="tx1"/>
+                </a:solidFill>
+                <a:hlinkClick r:id="rId6">
+                  <a:extLst>
+                    <a:ext uri="{A12FA001-AC4F-418D-AE19-62706E023703}">
+                      <ahyp:hlinkClr xmlns:ahyp="http://schemas.microsoft.com/office/drawing/2018/hyperlinkcolor" val="tx"/>
+                    </a:ext>
+                  </a:extLst>
+                </a:hlinkClick>
+              </a:rPr>
+              <a:t>SpeechRecognition · PyPI</a:t>
+            </a:r>
+            <a:endParaRPr lang="en-IN" b="1" dirty="0">
+              <a:solidFill>
+                <a:schemeClr val="tx1"/>
+              </a:solidFill>
+            </a:endParaRPr>
+          </a:p>
+        </p:txBody>
+      </p:sp>
+      <p:pic>
+        <p:nvPicPr>
+          <p:cNvPr id="31" name="Picture Placeholder 17" descr="Abstract background">
+            <a:extLst>
+              <a:ext uri="{FF2B5EF4-FFF2-40B4-BE49-F238E27FC236}">
+                <a16:creationId xmlns:a16="http://schemas.microsoft.com/office/drawing/2014/main" id="{096D9865-737B-4173-AE66-5E2ACB867633}"/>
+              </a:ext>
+            </a:extLst>
+          </p:cNvPr>
+          <p:cNvPicPr>
+            <a:picLocks noGrp="1" noChangeAspect="1"/>
+          </p:cNvPicPr>
+          <p:nvPr>
+            <p:ph type="pic" sz="quarter" idx="15"/>
+          </p:nvPr>
+        </p:nvPicPr>
+        <p:blipFill>
+          <a:blip r:embed="rId7">
+            <a:extLst>
+              <a:ext uri="{28A0092B-C50C-407E-A947-70E740481C1C}">
+                <a14:useLocalDpi xmlns:a14="http://schemas.microsoft.com/office/drawing/2010/main" val="0"/>
+              </a:ext>
+            </a:extLst>
+          </a:blip>
+          <a:srcRect t="20177" b="20177"/>
+          <a:stretch>
+            <a:fillRect/>
+          </a:stretch>
+        </p:blipFill>
+        <p:spPr>
+          <a:xfrm>
+            <a:off x="-3175" y="1792288"/>
+            <a:ext cx="6073775" cy="3722687"/>
+          </a:xfrm>
+        </p:spPr>
+      </p:pic>
+      <p:sp>
+        <p:nvSpPr>
           <p:cNvPr id="2" name="Title 1">
             <a:extLst>
               <a:ext uri="{FF2B5EF4-FFF2-40B4-BE49-F238E27FC236}">
-                <a16:creationId xmlns:a16="http://schemas.microsoft.com/office/drawing/2014/main" id="{9A6E18C9-A34F-49C5-973E-6760D1EF1059}"/>
+                <a16:creationId xmlns:a16="http://schemas.microsoft.com/office/drawing/2014/main" id="{B0406C22-D0C4-4D8E-86F7-1A902F1CA7AB}"/>
               </a:ext>
             </a:extLst>
           </p:cNvPr>
@@ -44897,7 +45316,7 @@
                   <a:srgbClr val="12FFFE"/>
                 </a:solidFill>
               </a:rPr>
-              <a:t>Project flow diagram</a:t>
+              <a:t>Literature Survey</a:t>
             </a:r>
             <a:endParaRPr lang="en-US" dirty="0">
               <a:solidFill>
@@ -44907,106 +45326,10 @@
           </a:p>
         </p:txBody>
       </p:sp>
-      <p:sp>
-        <p:nvSpPr>
-          <p:cNvPr id="6" name="Slide Number Placeholder 5">
-            <a:extLst>
-              <a:ext uri="{FF2B5EF4-FFF2-40B4-BE49-F238E27FC236}">
-                <a16:creationId xmlns:a16="http://schemas.microsoft.com/office/drawing/2014/main" id="{C35D9EA8-AA17-47B2-A4C4-B60DC7C7DC49}"/>
-              </a:ext>
-            </a:extLst>
-          </p:cNvPr>
-          <p:cNvSpPr>
-            <a:spLocks noGrp="1"/>
-          </p:cNvSpPr>
-          <p:nvPr>
-            <p:ph type="sldNum" sz="quarter" idx="12"/>
-          </p:nvPr>
-        </p:nvSpPr>
-        <p:spPr/>
-        <p:txBody>
-          <a:bodyPr/>
-          <a:lstStyle/>
-          <a:p>
-            <a:fld id="{8D581BC7-E183-40DB-AC97-C19EA4EB8894}" type="slidenum">
-              <a:rPr lang="en-US" smtClean="0"/>
-              <a:pPr/>
-              <a:t>5</a:t>
-            </a:fld>
-            <a:endParaRPr lang="en-US" dirty="0"/>
-          </a:p>
-        </p:txBody>
-      </p:sp>
-      <p:pic>
-        <p:nvPicPr>
-          <p:cNvPr id="22" name="Picture Placeholder 21" descr="Abstract background">
-            <a:extLst>
-              <a:ext uri="{FF2B5EF4-FFF2-40B4-BE49-F238E27FC236}">
-                <a16:creationId xmlns:a16="http://schemas.microsoft.com/office/drawing/2014/main" id="{0342E5A4-E598-4185-B93F-5814F00C2011}"/>
-              </a:ext>
-            </a:extLst>
-          </p:cNvPr>
-          <p:cNvPicPr>
-            <a:picLocks noGrp="1" noChangeAspect="1"/>
-          </p:cNvPicPr>
-          <p:nvPr>
-            <p:ph type="pic" sz="quarter" idx="13"/>
-          </p:nvPr>
-        </p:nvPicPr>
-        <p:blipFill>
-          <a:blip r:embed="rId2">
-            <a:extLst>
-              <a:ext uri="{28A0092B-C50C-407E-A947-70E740481C1C}">
-                <a14:useLocalDpi xmlns:a14="http://schemas.microsoft.com/office/drawing/2010/main" val="0"/>
-              </a:ext>
-            </a:extLst>
-          </a:blip>
-          <a:srcRect l="21744" r="21744"/>
-          <a:stretch>
-            <a:fillRect/>
-          </a:stretch>
-        </p:blipFill>
-        <p:spPr>
-          <a:xfrm>
-            <a:off x="4021585" y="0"/>
-            <a:ext cx="8170416" cy="5879656"/>
-          </a:xfrm>
-        </p:spPr>
-      </p:pic>
-      <p:pic>
-        <p:nvPicPr>
-          <p:cNvPr id="8" name="Picture 7">
-            <a:extLst>
-              <a:ext uri="{FF2B5EF4-FFF2-40B4-BE49-F238E27FC236}">
-                <a16:creationId xmlns:a16="http://schemas.microsoft.com/office/drawing/2014/main" id="{DB6DF00D-BF1C-46EA-8E33-3E6B8E573853}"/>
-              </a:ext>
-            </a:extLst>
-          </p:cNvPr>
-          <p:cNvPicPr>
-            <a:picLocks noChangeAspect="1"/>
-          </p:cNvPicPr>
-          <p:nvPr/>
-        </p:nvPicPr>
-        <p:blipFill>
-          <a:blip r:embed="rId3"/>
-          <a:stretch>
-            <a:fillRect/>
-          </a:stretch>
-        </p:blipFill>
-        <p:spPr>
-          <a:xfrm>
-            <a:off x="5741546" y="346047"/>
-            <a:ext cx="4905252" cy="5291428"/>
-          </a:xfrm>
-          <a:prstGeom prst="rect">
-            <a:avLst/>
-          </a:prstGeom>
-        </p:spPr>
-      </p:pic>
     </p:spTree>
     <p:extLst>
       <p:ext uri="{BB962C8B-B14F-4D97-AF65-F5344CB8AC3E}">
-        <p14:creationId xmlns:p14="http://schemas.microsoft.com/office/powerpoint/2010/main" val="4080312334"/>
+        <p14:creationId xmlns:p14="http://schemas.microsoft.com/office/powerpoint/2010/main" val="2149445884"/>
       </p:ext>
     </p:extLst>
   </p:cSld>
@@ -45035,6 +45358,169 @@
       </p:grpSpPr>
       <p:sp>
         <p:nvSpPr>
+          <p:cNvPr id="2" name="Title 1">
+            <a:extLst>
+              <a:ext uri="{FF2B5EF4-FFF2-40B4-BE49-F238E27FC236}">
+                <a16:creationId xmlns:a16="http://schemas.microsoft.com/office/drawing/2014/main" id="{9A6E18C9-A34F-49C5-973E-6760D1EF1059}"/>
+              </a:ext>
+            </a:extLst>
+          </p:cNvPr>
+          <p:cNvSpPr>
+            <a:spLocks noGrp="1"/>
+          </p:cNvSpPr>
+          <p:nvPr>
+            <p:ph type="title"/>
+          </p:nvPr>
+        </p:nvSpPr>
+        <p:spPr/>
+        <p:txBody>
+          <a:bodyPr/>
+          <a:lstStyle/>
+          <a:p>
+            <a:r>
+              <a:rPr lang="en-IN" dirty="0">
+                <a:solidFill>
+                  <a:srgbClr val="12FFFE"/>
+                </a:solidFill>
+              </a:rPr>
+              <a:t>Project flow diagram</a:t>
+            </a:r>
+            <a:endParaRPr lang="en-US" dirty="0">
+              <a:solidFill>
+                <a:srgbClr val="12FFFE"/>
+              </a:solidFill>
+            </a:endParaRPr>
+          </a:p>
+        </p:txBody>
+      </p:sp>
+      <p:sp>
+        <p:nvSpPr>
+          <p:cNvPr id="6" name="Slide Number Placeholder 5">
+            <a:extLst>
+              <a:ext uri="{FF2B5EF4-FFF2-40B4-BE49-F238E27FC236}">
+                <a16:creationId xmlns:a16="http://schemas.microsoft.com/office/drawing/2014/main" id="{C35D9EA8-AA17-47B2-A4C4-B60DC7C7DC49}"/>
+              </a:ext>
+            </a:extLst>
+          </p:cNvPr>
+          <p:cNvSpPr>
+            <a:spLocks noGrp="1"/>
+          </p:cNvSpPr>
+          <p:nvPr>
+            <p:ph type="sldNum" sz="quarter" idx="12"/>
+          </p:nvPr>
+        </p:nvSpPr>
+        <p:spPr/>
+        <p:txBody>
+          <a:bodyPr/>
+          <a:lstStyle/>
+          <a:p>
+            <a:fld id="{8D581BC7-E183-40DB-AC97-C19EA4EB8894}" type="slidenum">
+              <a:rPr lang="en-US" smtClean="0"/>
+              <a:pPr/>
+              <a:t>6</a:t>
+            </a:fld>
+            <a:endParaRPr lang="en-US" dirty="0"/>
+          </a:p>
+        </p:txBody>
+      </p:sp>
+      <p:pic>
+        <p:nvPicPr>
+          <p:cNvPr id="22" name="Picture Placeholder 21" descr="Abstract background">
+            <a:extLst>
+              <a:ext uri="{FF2B5EF4-FFF2-40B4-BE49-F238E27FC236}">
+                <a16:creationId xmlns:a16="http://schemas.microsoft.com/office/drawing/2014/main" id="{0342E5A4-E598-4185-B93F-5814F00C2011}"/>
+              </a:ext>
+            </a:extLst>
+          </p:cNvPr>
+          <p:cNvPicPr>
+            <a:picLocks noGrp="1" noChangeAspect="1"/>
+          </p:cNvPicPr>
+          <p:nvPr>
+            <p:ph type="pic" sz="quarter" idx="13"/>
+          </p:nvPr>
+        </p:nvPicPr>
+        <p:blipFill>
+          <a:blip r:embed="rId2">
+            <a:extLst>
+              <a:ext uri="{28A0092B-C50C-407E-A947-70E740481C1C}">
+                <a14:useLocalDpi xmlns:a14="http://schemas.microsoft.com/office/drawing/2010/main" val="0"/>
+              </a:ext>
+            </a:extLst>
+          </a:blip>
+          <a:srcRect l="21744" r="21744"/>
+          <a:stretch>
+            <a:fillRect/>
+          </a:stretch>
+        </p:blipFill>
+        <p:spPr>
+          <a:xfrm>
+            <a:off x="4021585" y="0"/>
+            <a:ext cx="8170416" cy="5879656"/>
+          </a:xfrm>
+        </p:spPr>
+      </p:pic>
+      <p:pic>
+        <p:nvPicPr>
+          <p:cNvPr id="8" name="Picture 7">
+            <a:extLst>
+              <a:ext uri="{FF2B5EF4-FFF2-40B4-BE49-F238E27FC236}">
+                <a16:creationId xmlns:a16="http://schemas.microsoft.com/office/drawing/2014/main" id="{DB6DF00D-BF1C-46EA-8E33-3E6B8E573853}"/>
+              </a:ext>
+            </a:extLst>
+          </p:cNvPr>
+          <p:cNvPicPr>
+            <a:picLocks noChangeAspect="1"/>
+          </p:cNvPicPr>
+          <p:nvPr/>
+        </p:nvPicPr>
+        <p:blipFill>
+          <a:blip r:embed="rId3"/>
+          <a:stretch>
+            <a:fillRect/>
+          </a:stretch>
+        </p:blipFill>
+        <p:spPr>
+          <a:xfrm>
+            <a:off x="5741546" y="346047"/>
+            <a:ext cx="4905252" cy="5291428"/>
+          </a:xfrm>
+          <a:prstGeom prst="rect">
+            <a:avLst/>
+          </a:prstGeom>
+        </p:spPr>
+      </p:pic>
+    </p:spTree>
+    <p:extLst>
+      <p:ext uri="{BB962C8B-B14F-4D97-AF65-F5344CB8AC3E}">
+        <p14:creationId xmlns:p14="http://schemas.microsoft.com/office/powerpoint/2010/main" val="4080312334"/>
+      </p:ext>
+    </p:extLst>
+  </p:cSld>
+  <p:clrMapOvr>
+    <a:masterClrMapping/>
+  </p:clrMapOvr>
+</p:sld>
+</file>
+
+<file path=ppt/slides/slide7.xml><?xml version="1.0" encoding="utf-8"?>
+<p:sld xmlns:a="http://schemas.openxmlformats.org/drawingml/2006/main" xmlns:r="http://schemas.openxmlformats.org/officeDocument/2006/relationships" xmlns:p="http://schemas.openxmlformats.org/presentationml/2006/main">
+  <p:cSld>
+    <p:spTree>
+      <p:nvGrpSpPr>
+        <p:cNvPr id="1" name=""/>
+        <p:cNvGrpSpPr/>
+        <p:nvPr/>
+      </p:nvGrpSpPr>
+      <p:grpSpPr>
+        <a:xfrm>
+          <a:off x="0" y="0"/>
+          <a:ext cx="0" cy="0"/>
+          <a:chOff x="0" y="0"/>
+          <a:chExt cx="0" cy="0"/>
+        </a:xfrm>
+      </p:grpSpPr>
+      <p:sp>
+        <p:nvSpPr>
           <p:cNvPr id="67" name="Title 66">
             <a:extLst>
               <a:ext uri="{FF2B5EF4-FFF2-40B4-BE49-F238E27FC236}">
@@ -45474,7 +45960,7 @@
             <a:fld id="{8D581BC7-E183-40DB-AC97-C19EA4EB8894}" type="slidenum">
               <a:rPr lang="en-US" smtClean="0"/>
               <a:pPr/>
-              <a:t>6</a:t>
+              <a:t>7</a:t>
             </a:fld>
             <a:endParaRPr lang="en-US" dirty="0"/>
           </a:p>
@@ -45518,311 +46004,6 @@
 </p:sld>
 </file>
 
-<file path=ppt/slides/slide7.xml><?xml version="1.0" encoding="utf-8"?>
-<p:sld xmlns:a="http://schemas.openxmlformats.org/drawingml/2006/main" xmlns:r="http://schemas.openxmlformats.org/officeDocument/2006/relationships" xmlns:p="http://schemas.openxmlformats.org/presentationml/2006/main">
-  <p:cSld>
-    <p:spTree>
-      <p:nvGrpSpPr>
-        <p:cNvPr id="1" name=""/>
-        <p:cNvGrpSpPr/>
-        <p:nvPr/>
-      </p:nvGrpSpPr>
-      <p:grpSpPr>
-        <a:xfrm>
-          <a:off x="0" y="0"/>
-          <a:ext cx="0" cy="0"/>
-          <a:chOff x="0" y="0"/>
-          <a:chExt cx="0" cy="0"/>
-        </a:xfrm>
-      </p:grpSpPr>
-      <p:sp>
-        <p:nvSpPr>
-          <p:cNvPr id="5" name="Title 4">
-            <a:extLst>
-              <a:ext uri="{FF2B5EF4-FFF2-40B4-BE49-F238E27FC236}">
-                <a16:creationId xmlns:a16="http://schemas.microsoft.com/office/drawing/2014/main" id="{C27242FD-4B84-40F8-B4E6-626D05771D01}"/>
-              </a:ext>
-            </a:extLst>
-          </p:cNvPr>
-          <p:cNvSpPr>
-            <a:spLocks noGrp="1"/>
-          </p:cNvSpPr>
-          <p:nvPr>
-            <p:ph type="title"/>
-          </p:nvPr>
-        </p:nvSpPr>
-        <p:spPr/>
-        <p:txBody>
-          <a:bodyPr>
-            <a:normAutofit fontScale="90000"/>
-          </a:bodyPr>
-          <a:lstStyle/>
-          <a:p>
-            <a:r>
-              <a:rPr lang="en-IN" dirty="0">
-                <a:solidFill>
-                  <a:srgbClr val="12FFFE"/>
-                </a:solidFill>
-              </a:rPr>
-              <a:t>Expected outcome/Result</a:t>
-            </a:r>
-            <a:endParaRPr lang="en-US" dirty="0">
-              <a:solidFill>
-                <a:srgbClr val="12FFFE"/>
-              </a:solidFill>
-            </a:endParaRPr>
-          </a:p>
-        </p:txBody>
-      </p:sp>
-      <p:pic>
-        <p:nvPicPr>
-          <p:cNvPr id="12" name="Picture 11">
-            <a:extLst>
-              <a:ext uri="{FF2B5EF4-FFF2-40B4-BE49-F238E27FC236}">
-                <a16:creationId xmlns:a16="http://schemas.microsoft.com/office/drawing/2014/main" id="{78DF64A4-122C-47E7-AB39-80C79526700E}"/>
-              </a:ext>
-            </a:extLst>
-          </p:cNvPr>
-          <p:cNvPicPr>
-            <a:picLocks noChangeAspect="1"/>
-          </p:cNvPicPr>
-          <p:nvPr/>
-        </p:nvPicPr>
-        <p:blipFill>
-          <a:blip r:embed="rId2"/>
-          <a:stretch>
-            <a:fillRect/>
-          </a:stretch>
-        </p:blipFill>
-        <p:spPr>
-          <a:xfrm>
-            <a:off x="311134" y="2637888"/>
-            <a:ext cx="3648308" cy="2701641"/>
-          </a:xfrm>
-          <a:prstGeom prst="rect">
-            <a:avLst/>
-          </a:prstGeom>
-        </p:spPr>
-      </p:pic>
-      <p:sp>
-        <p:nvSpPr>
-          <p:cNvPr id="7" name="Text Placeholder 6">
-            <a:extLst>
-              <a:ext uri="{FF2B5EF4-FFF2-40B4-BE49-F238E27FC236}">
-                <a16:creationId xmlns:a16="http://schemas.microsoft.com/office/drawing/2014/main" id="{45F63788-D675-4474-98AF-5CA7F8F0538A}"/>
-              </a:ext>
-            </a:extLst>
-          </p:cNvPr>
-          <p:cNvSpPr>
-            <a:spLocks noGrp="1"/>
-          </p:cNvSpPr>
-          <p:nvPr>
-            <p:ph type="body" idx="29"/>
-          </p:nvPr>
-        </p:nvSpPr>
-        <p:spPr>
-          <a:xfrm>
-            <a:off x="677422" y="2021109"/>
-            <a:ext cx="2915732" cy="360000"/>
-          </a:xfrm>
-        </p:spPr>
-        <p:txBody>
-          <a:bodyPr/>
-          <a:lstStyle/>
-          <a:p>
-            <a:pPr algn="ctr"/>
-            <a:r>
-              <a:rPr lang="en-US" dirty="0">
-                <a:solidFill>
-                  <a:schemeClr val="tx1"/>
-                </a:solidFill>
-              </a:rPr>
-              <a:t>Text input screen</a:t>
-            </a:r>
-          </a:p>
-        </p:txBody>
-      </p:sp>
-      <p:pic>
-        <p:nvPicPr>
-          <p:cNvPr id="14" name="Picture 13">
-            <a:extLst>
-              <a:ext uri="{FF2B5EF4-FFF2-40B4-BE49-F238E27FC236}">
-                <a16:creationId xmlns:a16="http://schemas.microsoft.com/office/drawing/2014/main" id="{9E106153-79AF-4BA1-9A6B-3EA57AE432F2}"/>
-              </a:ext>
-            </a:extLst>
-          </p:cNvPr>
-          <p:cNvPicPr>
-            <a:picLocks noChangeAspect="1"/>
-          </p:cNvPicPr>
-          <p:nvPr/>
-        </p:nvPicPr>
-        <p:blipFill>
-          <a:blip r:embed="rId3"/>
-          <a:stretch>
-            <a:fillRect/>
-          </a:stretch>
-        </p:blipFill>
-        <p:spPr>
-          <a:xfrm>
-            <a:off x="4365949" y="2637887"/>
-            <a:ext cx="3673417" cy="2701641"/>
-          </a:xfrm>
-          <a:prstGeom prst="rect">
-            <a:avLst/>
-          </a:prstGeom>
-        </p:spPr>
-      </p:pic>
-      <p:pic>
-        <p:nvPicPr>
-          <p:cNvPr id="15" name="Picture 14">
-            <a:extLst>
-              <a:ext uri="{FF2B5EF4-FFF2-40B4-BE49-F238E27FC236}">
-                <a16:creationId xmlns:a16="http://schemas.microsoft.com/office/drawing/2014/main" id="{7B152F6D-917C-402F-94B0-CF7ED5158224}"/>
-              </a:ext>
-            </a:extLst>
-          </p:cNvPr>
-          <p:cNvPicPr>
-            <a:picLocks noChangeAspect="1"/>
-          </p:cNvPicPr>
-          <p:nvPr/>
-        </p:nvPicPr>
-        <p:blipFill>
-          <a:blip r:embed="rId4"/>
-          <a:stretch>
-            <a:fillRect/>
-          </a:stretch>
-        </p:blipFill>
-        <p:spPr>
-          <a:xfrm>
-            <a:off x="8445873" y="2637889"/>
-            <a:ext cx="3434993" cy="2701641"/>
-          </a:xfrm>
-          <a:prstGeom prst="rect">
-            <a:avLst/>
-          </a:prstGeom>
-        </p:spPr>
-      </p:pic>
-      <p:sp>
-        <p:nvSpPr>
-          <p:cNvPr id="8" name="Text Placeholder 7">
-            <a:extLst>
-              <a:ext uri="{FF2B5EF4-FFF2-40B4-BE49-F238E27FC236}">
-                <a16:creationId xmlns:a16="http://schemas.microsoft.com/office/drawing/2014/main" id="{B44E1CC1-FC76-4F7F-B7FD-5BF8B23A0369}"/>
-              </a:ext>
-            </a:extLst>
-          </p:cNvPr>
-          <p:cNvSpPr>
-            <a:spLocks noGrp="1"/>
-          </p:cNvSpPr>
-          <p:nvPr>
-            <p:ph type="body" idx="31"/>
-          </p:nvPr>
-        </p:nvSpPr>
-        <p:spPr>
-          <a:xfrm>
-            <a:off x="4744791" y="2021109"/>
-            <a:ext cx="2915732" cy="360000"/>
-          </a:xfrm>
-        </p:spPr>
-        <p:txBody>
-          <a:bodyPr/>
-          <a:lstStyle/>
-          <a:p>
-            <a:pPr algn="ctr"/>
-            <a:r>
-              <a:rPr lang="en-US" dirty="0">
-                <a:solidFill>
-                  <a:schemeClr val="tx1"/>
-                </a:solidFill>
-              </a:rPr>
-              <a:t>Movie Review Screen</a:t>
-            </a:r>
-          </a:p>
-        </p:txBody>
-      </p:sp>
-      <p:sp>
-        <p:nvSpPr>
-          <p:cNvPr id="4" name="Slide Number Placeholder 3">
-            <a:extLst>
-              <a:ext uri="{FF2B5EF4-FFF2-40B4-BE49-F238E27FC236}">
-                <a16:creationId xmlns:a16="http://schemas.microsoft.com/office/drawing/2014/main" id="{EB1FE36B-32AA-4E32-8EB1-0BF1B74BAC4C}"/>
-              </a:ext>
-            </a:extLst>
-          </p:cNvPr>
-          <p:cNvSpPr>
-            <a:spLocks noGrp="1"/>
-          </p:cNvSpPr>
-          <p:nvPr>
-            <p:ph type="sldNum" sz="quarter" idx="12"/>
-          </p:nvPr>
-        </p:nvSpPr>
-        <p:spPr/>
-        <p:txBody>
-          <a:bodyPr/>
-          <a:lstStyle/>
-          <a:p>
-            <a:fld id="{8D581BC7-E183-40DB-AC97-C19EA4EB8894}" type="slidenum">
-              <a:rPr lang="en-US" smtClean="0"/>
-              <a:t>7</a:t>
-            </a:fld>
-            <a:endParaRPr lang="en-US" dirty="0"/>
-          </a:p>
-        </p:txBody>
-      </p:sp>
-      <p:sp>
-        <p:nvSpPr>
-          <p:cNvPr id="18" name="TextBox 17">
-            <a:extLst>
-              <a:ext uri="{FF2B5EF4-FFF2-40B4-BE49-F238E27FC236}">
-                <a16:creationId xmlns:a16="http://schemas.microsoft.com/office/drawing/2014/main" id="{6775B728-CE29-47D5-A5E7-D9B79CA9EA0A}"/>
-              </a:ext>
-            </a:extLst>
-          </p:cNvPr>
-          <p:cNvSpPr txBox="1"/>
-          <p:nvPr/>
-        </p:nvSpPr>
-        <p:spPr>
-          <a:xfrm>
-            <a:off x="8445873" y="1991722"/>
-            <a:ext cx="3399112" cy="400110"/>
-          </a:xfrm>
-          <a:prstGeom prst="rect">
-            <a:avLst/>
-          </a:prstGeom>
-          <a:noFill/>
-        </p:spPr>
-        <p:txBody>
-          <a:bodyPr wrap="square" rtlCol="0">
-            <a:spAutoFit/>
-          </a:bodyPr>
-          <a:lstStyle/>
-          <a:p>
-            <a:pPr algn="ctr"/>
-            <a:r>
-              <a:rPr lang="en-US" sz="2000" b="1" dirty="0">
-                <a:latin typeface="+mj-lt"/>
-              </a:rPr>
-              <a:t>Voice Input Screen</a:t>
-            </a:r>
-            <a:endParaRPr lang="en-IN" sz="2000" b="1" dirty="0">
-              <a:latin typeface="+mj-lt"/>
-            </a:endParaRPr>
-          </a:p>
-        </p:txBody>
-      </p:sp>
-    </p:spTree>
-    <p:extLst>
-      <p:ext uri="{BB962C8B-B14F-4D97-AF65-F5344CB8AC3E}">
-        <p14:creationId xmlns:p14="http://schemas.microsoft.com/office/powerpoint/2010/main" val="4257882665"/>
-      </p:ext>
-    </p:extLst>
-  </p:cSld>
-  <p:clrMapOvr>
-    <a:masterClrMapping/>
-  </p:clrMapOvr>
-</p:sld>
-</file>
-
 <file path=ppt/slides/slide8.xml><?xml version="1.0" encoding="utf-8"?>
 <p:sld xmlns:a="http://schemas.openxmlformats.org/drawingml/2006/main" xmlns:r="http://schemas.openxmlformats.org/officeDocument/2006/relationships" xmlns:p="http://schemas.openxmlformats.org/presentationml/2006/main">
   <p:cSld>
@@ -45842,10 +46023,10 @@
       </p:grpSpPr>
       <p:sp>
         <p:nvSpPr>
-          <p:cNvPr id="6" name="Title 5">
-            <a:extLst>
-              <a:ext uri="{FF2B5EF4-FFF2-40B4-BE49-F238E27FC236}">
-                <a16:creationId xmlns:a16="http://schemas.microsoft.com/office/drawing/2014/main" id="{DBCAB2DE-EF98-46F8-A621-2E1A6624F138}"/>
+          <p:cNvPr id="5" name="Title 4">
+            <a:extLst>
+              <a:ext uri="{FF2B5EF4-FFF2-40B4-BE49-F238E27FC236}">
+                <a16:creationId xmlns:a16="http://schemas.microsoft.com/office/drawing/2014/main" id="{C27242FD-4B84-40F8-B4E6-626D05771D01}"/>
               </a:ext>
             </a:extLst>
           </p:cNvPr>
@@ -45858,57 +46039,109 @@
         </p:nvSpPr>
         <p:spPr/>
         <p:txBody>
+          <a:bodyPr>
+            <a:normAutofit fontScale="90000"/>
+          </a:bodyPr>
+          <a:lstStyle/>
+          <a:p>
+            <a:r>
+              <a:rPr lang="en-IN" dirty="0">
+                <a:solidFill>
+                  <a:srgbClr val="12FFFE"/>
+                </a:solidFill>
+              </a:rPr>
+              <a:t>Expected outcome/Result</a:t>
+            </a:r>
+            <a:endParaRPr lang="en-US" dirty="0">
+              <a:solidFill>
+                <a:srgbClr val="12FFFE"/>
+              </a:solidFill>
+            </a:endParaRPr>
+          </a:p>
+        </p:txBody>
+      </p:sp>
+      <p:sp>
+        <p:nvSpPr>
+          <p:cNvPr id="7" name="Text Placeholder 6">
+            <a:extLst>
+              <a:ext uri="{FF2B5EF4-FFF2-40B4-BE49-F238E27FC236}">
+                <a16:creationId xmlns:a16="http://schemas.microsoft.com/office/drawing/2014/main" id="{45F63788-D675-4474-98AF-5CA7F8F0538A}"/>
+              </a:ext>
+            </a:extLst>
+          </p:cNvPr>
+          <p:cNvSpPr>
+            <a:spLocks noGrp="1"/>
+          </p:cNvSpPr>
+          <p:nvPr>
+            <p:ph type="body" idx="29"/>
+          </p:nvPr>
+        </p:nvSpPr>
+        <p:spPr>
+          <a:xfrm>
+            <a:off x="677422" y="2021109"/>
+            <a:ext cx="2915732" cy="360000"/>
+          </a:xfrm>
+        </p:spPr>
+        <p:txBody>
           <a:bodyPr/>
           <a:lstStyle/>
           <a:p>
+            <a:pPr algn="ctr"/>
             <a:r>
               <a:rPr lang="en-US" dirty="0">
                 <a:solidFill>
-                  <a:srgbClr val="12FFFE"/>
+                  <a:schemeClr val="tx1"/>
                 </a:solidFill>
               </a:rPr>
-              <a:t>ER DIAGRAM</a:t>
+              <a:t>Text input screen</a:t>
             </a:r>
           </a:p>
         </p:txBody>
       </p:sp>
-      <p:pic>
-        <p:nvPicPr>
-          <p:cNvPr id="11" name="Picture Placeholder 10" descr="Abstract background">
-            <a:extLst>
-              <a:ext uri="{FF2B5EF4-FFF2-40B4-BE49-F238E27FC236}">
-                <a16:creationId xmlns:a16="http://schemas.microsoft.com/office/drawing/2014/main" id="{FBF9093D-0565-48ED-AA9F-AE0E34947179}"/>
-              </a:ext>
-            </a:extLst>
-          </p:cNvPr>
-          <p:cNvPicPr>
-            <a:picLocks noGrp="1" noChangeAspect="1"/>
-          </p:cNvPicPr>
+      <p:sp>
+        <p:nvSpPr>
+          <p:cNvPr id="8" name="Text Placeholder 7">
+            <a:extLst>
+              <a:ext uri="{FF2B5EF4-FFF2-40B4-BE49-F238E27FC236}">
+                <a16:creationId xmlns:a16="http://schemas.microsoft.com/office/drawing/2014/main" id="{B44E1CC1-FC76-4F7F-B7FD-5BF8B23A0369}"/>
+              </a:ext>
+            </a:extLst>
+          </p:cNvPr>
+          <p:cNvSpPr>
+            <a:spLocks noGrp="1"/>
+          </p:cNvSpPr>
           <p:nvPr>
-            <p:ph type="pic" sz="quarter" idx="14"/>
+            <p:ph type="body" idx="31"/>
           </p:nvPr>
-        </p:nvPicPr>
-        <p:blipFill>
-          <a:blip r:embed="rId2">
-            <a:extLst>
-              <a:ext uri="{28A0092B-C50C-407E-A947-70E740481C1C}">
-                <a14:useLocalDpi xmlns:a14="http://schemas.microsoft.com/office/drawing/2010/main" val="0"/>
-              </a:ext>
-            </a:extLst>
-          </a:blip>
-          <a:srcRect/>
-          <a:stretch>
-            <a:fillRect/>
-          </a:stretch>
-        </p:blipFill>
-        <p:spPr/>
-      </p:pic>
-      <p:sp>
-        <p:nvSpPr>
-          <p:cNvPr id="5" name="Slide Number Placeholder 4">
-            <a:extLst>
-              <a:ext uri="{FF2B5EF4-FFF2-40B4-BE49-F238E27FC236}">
-                <a16:creationId xmlns:a16="http://schemas.microsoft.com/office/drawing/2014/main" id="{5C57986C-983F-481D-81FB-E03E9127DF12}"/>
+        </p:nvSpPr>
+        <p:spPr>
+          <a:xfrm>
+            <a:off x="4744791" y="2021109"/>
+            <a:ext cx="2915732" cy="360000"/>
+          </a:xfrm>
+        </p:spPr>
+        <p:txBody>
+          <a:bodyPr/>
+          <a:lstStyle/>
+          <a:p>
+            <a:pPr algn="ctr"/>
+            <a:r>
+              <a:rPr lang="en-US" dirty="0">
+                <a:solidFill>
+                  <a:schemeClr val="tx1"/>
+                </a:solidFill>
+              </a:rPr>
+              <a:t>Movie Review Screen</a:t>
+            </a:r>
+          </a:p>
+        </p:txBody>
+      </p:sp>
+      <p:sp>
+        <p:nvSpPr>
+          <p:cNvPr id="4" name="Slide Number Placeholder 3">
+            <a:extLst>
+              <a:ext uri="{FF2B5EF4-FFF2-40B4-BE49-F238E27FC236}">
+                <a16:creationId xmlns:a16="http://schemas.microsoft.com/office/drawing/2014/main" id="{EB1FE36B-32AA-4E32-8EB1-0BF1B74BAC4C}"/>
               </a:ext>
             </a:extLst>
           </p:cNvPr>
@@ -45932,12 +46165,83 @@
           </a:p>
         </p:txBody>
       </p:sp>
+      <p:sp>
+        <p:nvSpPr>
+          <p:cNvPr id="18" name="TextBox 17">
+            <a:extLst>
+              <a:ext uri="{FF2B5EF4-FFF2-40B4-BE49-F238E27FC236}">
+                <a16:creationId xmlns:a16="http://schemas.microsoft.com/office/drawing/2014/main" id="{6775B728-CE29-47D5-A5E7-D9B79CA9EA0A}"/>
+              </a:ext>
+            </a:extLst>
+          </p:cNvPr>
+          <p:cNvSpPr txBox="1"/>
+          <p:nvPr/>
+        </p:nvSpPr>
+        <p:spPr>
+          <a:xfrm>
+            <a:off x="8445873" y="1991722"/>
+            <a:ext cx="3399112" cy="400110"/>
+          </a:xfrm>
+          <a:prstGeom prst="rect">
+            <a:avLst/>
+          </a:prstGeom>
+          <a:noFill/>
+        </p:spPr>
+        <p:txBody>
+          <a:bodyPr wrap="square" rtlCol="0">
+            <a:spAutoFit/>
+          </a:bodyPr>
+          <a:lstStyle/>
+          <a:p>
+            <a:pPr algn="ctr"/>
+            <a:r>
+              <a:rPr lang="en-US" sz="2000" b="1" dirty="0">
+                <a:latin typeface="+mj-lt"/>
+              </a:rPr>
+              <a:t>Voice Input Screen</a:t>
+            </a:r>
+            <a:endParaRPr lang="en-IN" sz="2000" b="1" dirty="0">
+              <a:latin typeface="+mj-lt"/>
+            </a:endParaRPr>
+          </a:p>
+        </p:txBody>
+      </p:sp>
       <p:pic>
         <p:nvPicPr>
-          <p:cNvPr id="7" name="Picture 6">
-            <a:extLst>
-              <a:ext uri="{FF2B5EF4-FFF2-40B4-BE49-F238E27FC236}">
-                <a16:creationId xmlns:a16="http://schemas.microsoft.com/office/drawing/2014/main" id="{260200E9-5FB3-4038-AE69-00ECC30C8FDF}"/>
+          <p:cNvPr id="2" name="Picture 1">
+            <a:extLst>
+              <a:ext uri="{FF2B5EF4-FFF2-40B4-BE49-F238E27FC236}">
+                <a16:creationId xmlns:a16="http://schemas.microsoft.com/office/drawing/2014/main" id="{1535C999-246F-455E-93AC-2B3D350FEFAA}"/>
+              </a:ext>
+            </a:extLst>
+          </p:cNvPr>
+          <p:cNvPicPr>
+            <a:picLocks noChangeAspect="1"/>
+          </p:cNvPicPr>
+          <p:nvPr/>
+        </p:nvPicPr>
+        <p:blipFill>
+          <a:blip r:embed="rId2"/>
+          <a:stretch>
+            <a:fillRect/>
+          </a:stretch>
+        </p:blipFill>
+        <p:spPr>
+          <a:xfrm>
+            <a:off x="299904" y="2434089"/>
+            <a:ext cx="3673417" cy="2897551"/>
+          </a:xfrm>
+          <a:prstGeom prst="rect">
+            <a:avLst/>
+          </a:prstGeom>
+        </p:spPr>
+      </p:pic>
+      <p:pic>
+        <p:nvPicPr>
+          <p:cNvPr id="3" name="Picture 2">
+            <a:extLst>
+              <a:ext uri="{FF2B5EF4-FFF2-40B4-BE49-F238E27FC236}">
+                <a16:creationId xmlns:a16="http://schemas.microsoft.com/office/drawing/2014/main" id="{E4F93F9A-B764-40C5-9033-9C131C2B2206}"/>
               </a:ext>
             </a:extLst>
           </p:cNvPr>
@@ -45954,8 +46258,38 @@
         </p:blipFill>
         <p:spPr>
           <a:xfrm>
-            <a:off x="556432" y="2492360"/>
-            <a:ext cx="11079136" cy="2334180"/>
+            <a:off x="4365948" y="2448799"/>
+            <a:ext cx="3673417" cy="2890196"/>
+          </a:xfrm>
+          <a:prstGeom prst="rect">
+            <a:avLst/>
+          </a:prstGeom>
+        </p:spPr>
+      </p:pic>
+      <p:pic>
+        <p:nvPicPr>
+          <p:cNvPr id="6" name="Picture 5">
+            <a:extLst>
+              <a:ext uri="{FF2B5EF4-FFF2-40B4-BE49-F238E27FC236}">
+                <a16:creationId xmlns:a16="http://schemas.microsoft.com/office/drawing/2014/main" id="{6A52E307-A4F0-4768-B7E5-9E12F9512C7E}"/>
+              </a:ext>
+            </a:extLst>
+          </p:cNvPr>
+          <p:cNvPicPr>
+            <a:picLocks noChangeAspect="1"/>
+          </p:cNvPicPr>
+          <p:nvPr/>
+        </p:nvPicPr>
+        <p:blipFill>
+          <a:blip r:embed="rId4"/>
+          <a:stretch>
+            <a:fillRect/>
+          </a:stretch>
+        </p:blipFill>
+        <p:spPr>
+          <a:xfrm>
+            <a:off x="8317151" y="2434089"/>
+            <a:ext cx="3673416" cy="2901226"/>
           </a:xfrm>
           <a:prstGeom prst="rect">
             <a:avLst/>
@@ -45965,7 +46299,7 @@
     </p:spTree>
     <p:extLst>
       <p:ext uri="{BB962C8B-B14F-4D97-AF65-F5344CB8AC3E}">
-        <p14:creationId xmlns:p14="http://schemas.microsoft.com/office/powerpoint/2010/main" val="689311810"/>
+        <p14:creationId xmlns:p14="http://schemas.microsoft.com/office/powerpoint/2010/main" val="4257882665"/>
       </p:ext>
     </p:extLst>
   </p:cSld>
@@ -45994,10 +46328,10 @@
       </p:grpSpPr>
       <p:sp>
         <p:nvSpPr>
-          <p:cNvPr id="2" name="Title 1">
-            <a:extLst>
-              <a:ext uri="{FF2B5EF4-FFF2-40B4-BE49-F238E27FC236}">
-                <a16:creationId xmlns:a16="http://schemas.microsoft.com/office/drawing/2014/main" id="{5DB65365-4521-4F81-B6BD-11364F3F1A43}"/>
+          <p:cNvPr id="6" name="Title 5">
+            <a:extLst>
+              <a:ext uri="{FF2B5EF4-FFF2-40B4-BE49-F238E27FC236}">
+                <a16:creationId xmlns:a16="http://schemas.microsoft.com/office/drawing/2014/main" id="{DBCAB2DE-EF98-46F8-A621-2E1A6624F138}"/>
               </a:ext>
             </a:extLst>
           </p:cNvPr>
@@ -46019,17 +46353,48 @@
                   <a:srgbClr val="12FFFE"/>
                 </a:solidFill>
               </a:rPr>
-              <a:t>BACKEND</a:t>
+              <a:t>ER DIAGRAM</a:t>
             </a:r>
           </a:p>
         </p:txBody>
       </p:sp>
-      <p:sp>
-        <p:nvSpPr>
-          <p:cNvPr id="6" name="Slide Number Placeholder 5">
-            <a:extLst>
-              <a:ext uri="{FF2B5EF4-FFF2-40B4-BE49-F238E27FC236}">
-                <a16:creationId xmlns:a16="http://schemas.microsoft.com/office/drawing/2014/main" id="{30845F57-2399-46AA-85F3-D790CEA7EE1E}"/>
+      <p:pic>
+        <p:nvPicPr>
+          <p:cNvPr id="11" name="Picture Placeholder 10" descr="Abstract background">
+            <a:extLst>
+              <a:ext uri="{FF2B5EF4-FFF2-40B4-BE49-F238E27FC236}">
+                <a16:creationId xmlns:a16="http://schemas.microsoft.com/office/drawing/2014/main" id="{FBF9093D-0565-48ED-AA9F-AE0E34947179}"/>
+              </a:ext>
+            </a:extLst>
+          </p:cNvPr>
+          <p:cNvPicPr>
+            <a:picLocks noGrp="1" noChangeAspect="1"/>
+          </p:cNvPicPr>
+          <p:nvPr>
+            <p:ph type="pic" sz="quarter" idx="14"/>
+          </p:nvPr>
+        </p:nvPicPr>
+        <p:blipFill>
+          <a:blip r:embed="rId2">
+            <a:extLst>
+              <a:ext uri="{28A0092B-C50C-407E-A947-70E740481C1C}">
+                <a14:useLocalDpi xmlns:a14="http://schemas.microsoft.com/office/drawing/2010/main" val="0"/>
+              </a:ext>
+            </a:extLst>
+          </a:blip>
+          <a:srcRect/>
+          <a:stretch>
+            <a:fillRect/>
+          </a:stretch>
+        </p:blipFill>
+        <p:spPr/>
+      </p:pic>
+      <p:sp>
+        <p:nvSpPr>
+          <p:cNvPr id="5" name="Slide Number Placeholder 4">
+            <a:extLst>
+              <a:ext uri="{FF2B5EF4-FFF2-40B4-BE49-F238E27FC236}">
+                <a16:creationId xmlns:a16="http://schemas.microsoft.com/office/drawing/2014/main" id="{5C57986C-983F-481D-81FB-E03E9127DF12}"/>
               </a:ext>
             </a:extLst>
           </p:cNvPr>
@@ -46055,10 +46420,10 @@
       </p:sp>
       <p:pic>
         <p:nvPicPr>
-          <p:cNvPr id="8" name="Picture 7">
-            <a:extLst>
-              <a:ext uri="{FF2B5EF4-FFF2-40B4-BE49-F238E27FC236}">
-                <a16:creationId xmlns:a16="http://schemas.microsoft.com/office/drawing/2014/main" id="{5F5AEE5F-828F-4A0B-89BC-F09D092EBC81}"/>
+          <p:cNvPr id="7" name="Picture 6">
+            <a:extLst>
+              <a:ext uri="{FF2B5EF4-FFF2-40B4-BE49-F238E27FC236}">
+                <a16:creationId xmlns:a16="http://schemas.microsoft.com/office/drawing/2014/main" id="{260200E9-5FB3-4038-AE69-00ECC30C8FDF}"/>
               </a:ext>
             </a:extLst>
           </p:cNvPr>
@@ -46068,15 +46433,15 @@
           <p:nvPr/>
         </p:nvPicPr>
         <p:blipFill>
-          <a:blip r:embed="rId2"/>
+          <a:blip r:embed="rId3"/>
           <a:stretch>
             <a:fillRect/>
           </a:stretch>
         </p:blipFill>
         <p:spPr>
           <a:xfrm>
-            <a:off x="4714875" y="2743365"/>
-            <a:ext cx="7094691" cy="2029000"/>
+            <a:off x="556432" y="2492360"/>
+            <a:ext cx="11079136" cy="2334180"/>
           </a:xfrm>
           <a:prstGeom prst="rect">
             <a:avLst/>
@@ -46086,7 +46451,7 @@
     </p:spTree>
     <p:extLst>
       <p:ext uri="{BB962C8B-B14F-4D97-AF65-F5344CB8AC3E}">
-        <p14:creationId xmlns:p14="http://schemas.microsoft.com/office/powerpoint/2010/main" val="3507090979"/>
+        <p14:creationId xmlns:p14="http://schemas.microsoft.com/office/powerpoint/2010/main" val="689311810"/>
       </p:ext>
     </p:extLst>
   </p:cSld>
@@ -46934,6 +47299,15 @@
 </file>
 
 <file path=customXml/item2.xml><?xml version="1.0" encoding="utf-8"?>
+<?mso-contentType ?>
+<FormTemplates xmlns="http://schemas.microsoft.com/sharepoint/v3/contenttype/forms">
+  <Display>DocumentLibraryForm</Display>
+  <Edit>DocumentLibraryForm</Edit>
+  <New>DocumentLibraryForm</New>
+</FormTemplates>
+</file>
+
+<file path=customXml/item3.xml><?xml version="1.0" encoding="utf-8"?>
 <ct:contentTypeSchema xmlns:ct="http://schemas.microsoft.com/office/2006/metadata/contentType" xmlns:ma="http://schemas.microsoft.com/office/2006/metadata/properties/metaAttributes" ct:_="" ma:_="" ma:contentTypeName="Document" ma:contentTypeID="0x01010079F111ED35F8CC479449609E8A0923A6" ma:contentTypeVersion="11" ma:contentTypeDescription="Create a new document." ma:contentTypeScope="" ma:versionID="96291512c1ee715ab617f4c07df79fc1">
   <xsd:schema xmlns:xsd="http://www.w3.org/2001/XMLSchema" xmlns:xs="http://www.w3.org/2001/XMLSchema" xmlns:p="http://schemas.microsoft.com/office/2006/metadata/properties" xmlns:ns2="71af3243-3dd4-4a8d-8c0d-dd76da1f02a5" xmlns:ns3="16c05727-aa75-4e4a-9b5f-8a80a1165891" targetNamespace="http://schemas.microsoft.com/office/2006/metadata/properties" ma:root="true" ma:fieldsID="8256c27c40ca5c40ce1cf6c44f0205df" ns2:_="" ns3:_="">
     <xsd:import namespace="71af3243-3dd4-4a8d-8c0d-dd76da1f02a5"/>
@@ -47144,15 +47518,6 @@
 </ct:contentTypeSchema>
 </file>
 
-<file path=customXml/item3.xml><?xml version="1.0" encoding="utf-8"?>
-<?mso-contentType ?>
-<FormTemplates xmlns="http://schemas.microsoft.com/sharepoint/v3/contenttype/forms">
-  <Display>DocumentLibraryForm</Display>
-  <Edit>DocumentLibraryForm</Edit>
-  <New>DocumentLibraryForm</New>
-</FormTemplates>
-</file>
-
 <file path=customXml/itemProps1.xml><?xml version="1.0" encoding="utf-8"?>
 <ds:datastoreItem xmlns:ds="http://schemas.openxmlformats.org/officeDocument/2006/customXml" ds:itemID="{D726A944-A9F4-4295-9B5E-C397EB1318B9}">
   <ds:schemaRefs>
@@ -47164,6 +47529,14 @@
 </file>
 
 <file path=customXml/itemProps2.xml><?xml version="1.0" encoding="utf-8"?>
+<ds:datastoreItem xmlns:ds="http://schemas.openxmlformats.org/officeDocument/2006/customXml" ds:itemID="{01743C61-8CA7-48FF-B2A3-6055DA854CF6}">
+  <ds:schemaRefs>
+    <ds:schemaRef ds:uri="http://schemas.microsoft.com/sharepoint/v3/contenttype/forms"/>
+  </ds:schemaRefs>
+</ds:datastoreItem>
+</file>
+
+<file path=customXml/itemProps3.xml><?xml version="1.0" encoding="utf-8"?>
 <ds:datastoreItem xmlns:ds="http://schemas.openxmlformats.org/officeDocument/2006/customXml" ds:itemID="{472965D8-9C19-4E48-8421-5D6B21FC440C}">
   <ds:schemaRefs>
     <ds:schemaRef ds:uri="http://schemas.microsoft.com/office/2006/metadata/contentType"/>
@@ -47180,12 +47553,4 @@
     <ds:schemaRef ds:uri="http://schemas.microsoft.com/internal/obd"/>
   </ds:schemaRefs>
 </ds:datastoreItem>
-</file>
-
-<file path=customXml/itemProps3.xml><?xml version="1.0" encoding="utf-8"?>
-<ds:datastoreItem xmlns:ds="http://schemas.openxmlformats.org/officeDocument/2006/customXml" ds:itemID="{01743C61-8CA7-48FF-B2A3-6055DA854CF6}">
-  <ds:schemaRefs>
-    <ds:schemaRef ds:uri="http://schemas.microsoft.com/sharepoint/v3/contenttype/forms"/>
-  </ds:schemaRefs>
-</ds:datastoreItem>
 </file>
--- a/Overview.pptx
+++ b/Overview.pptx
@@ -45461,10 +45461,10 @@
       </p:pic>
       <p:pic>
         <p:nvPicPr>
-          <p:cNvPr id="8" name="Picture 7">
-            <a:extLst>
-              <a:ext uri="{FF2B5EF4-FFF2-40B4-BE49-F238E27FC236}">
-                <a16:creationId xmlns:a16="http://schemas.microsoft.com/office/drawing/2014/main" id="{DB6DF00D-BF1C-46EA-8E33-3E6B8E573853}"/>
+          <p:cNvPr id="4" name="Picture 3">
+            <a:extLst>
+              <a:ext uri="{FF2B5EF4-FFF2-40B4-BE49-F238E27FC236}">
+                <a16:creationId xmlns:a16="http://schemas.microsoft.com/office/drawing/2014/main" id="{0D094FD9-90C6-4A26-ADC7-E7E08C667DD5}"/>
               </a:ext>
             </a:extLst>
           </p:cNvPr>
@@ -45481,8 +45481,8 @@
         </p:blipFill>
         <p:spPr>
           <a:xfrm>
-            <a:off x="5741546" y="346047"/>
-            <a:ext cx="4905252" cy="5291428"/>
+            <a:off x="6264552" y="719517"/>
+            <a:ext cx="4382244" cy="4727245"/>
           </a:xfrm>
           <a:prstGeom prst="rect">
             <a:avLst/>
@@ -47299,15 +47299,6 @@
 </file>
 
 <file path=customXml/item2.xml><?xml version="1.0" encoding="utf-8"?>
-<?mso-contentType ?>
-<FormTemplates xmlns="http://schemas.microsoft.com/sharepoint/v3/contenttype/forms">
-  <Display>DocumentLibraryForm</Display>
-  <Edit>DocumentLibraryForm</Edit>
-  <New>DocumentLibraryForm</New>
-</FormTemplates>
-</file>
-
-<file path=customXml/item3.xml><?xml version="1.0" encoding="utf-8"?>
 <ct:contentTypeSchema xmlns:ct="http://schemas.microsoft.com/office/2006/metadata/contentType" xmlns:ma="http://schemas.microsoft.com/office/2006/metadata/properties/metaAttributes" ct:_="" ma:_="" ma:contentTypeName="Document" ma:contentTypeID="0x01010079F111ED35F8CC479449609E8A0923A6" ma:contentTypeVersion="11" ma:contentTypeDescription="Create a new document." ma:contentTypeScope="" ma:versionID="96291512c1ee715ab617f4c07df79fc1">
   <xsd:schema xmlns:xsd="http://www.w3.org/2001/XMLSchema" xmlns:xs="http://www.w3.org/2001/XMLSchema" xmlns:p="http://schemas.microsoft.com/office/2006/metadata/properties" xmlns:ns2="71af3243-3dd4-4a8d-8c0d-dd76da1f02a5" xmlns:ns3="16c05727-aa75-4e4a-9b5f-8a80a1165891" targetNamespace="http://schemas.microsoft.com/office/2006/metadata/properties" ma:root="true" ma:fieldsID="8256c27c40ca5c40ce1cf6c44f0205df" ns2:_="" ns3:_="">
     <xsd:import namespace="71af3243-3dd4-4a8d-8c0d-dd76da1f02a5"/>
@@ -47518,6 +47509,15 @@
 </ct:contentTypeSchema>
 </file>
 
+<file path=customXml/item3.xml><?xml version="1.0" encoding="utf-8"?>
+<?mso-contentType ?>
+<FormTemplates xmlns="http://schemas.microsoft.com/sharepoint/v3/contenttype/forms">
+  <Display>DocumentLibraryForm</Display>
+  <Edit>DocumentLibraryForm</Edit>
+  <New>DocumentLibraryForm</New>
+</FormTemplates>
+</file>
+
 <file path=customXml/itemProps1.xml><?xml version="1.0" encoding="utf-8"?>
 <ds:datastoreItem xmlns:ds="http://schemas.openxmlformats.org/officeDocument/2006/customXml" ds:itemID="{D726A944-A9F4-4295-9B5E-C397EB1318B9}">
   <ds:schemaRefs>
@@ -47529,14 +47529,6 @@
 </file>
 
 <file path=customXml/itemProps2.xml><?xml version="1.0" encoding="utf-8"?>
-<ds:datastoreItem xmlns:ds="http://schemas.openxmlformats.org/officeDocument/2006/customXml" ds:itemID="{01743C61-8CA7-48FF-B2A3-6055DA854CF6}">
-  <ds:schemaRefs>
-    <ds:schemaRef ds:uri="http://schemas.microsoft.com/sharepoint/v3/contenttype/forms"/>
-  </ds:schemaRefs>
-</ds:datastoreItem>
-</file>
-
-<file path=customXml/itemProps3.xml><?xml version="1.0" encoding="utf-8"?>
 <ds:datastoreItem xmlns:ds="http://schemas.openxmlformats.org/officeDocument/2006/customXml" ds:itemID="{472965D8-9C19-4E48-8421-5D6B21FC440C}">
   <ds:schemaRefs>
     <ds:schemaRef ds:uri="http://schemas.microsoft.com/office/2006/metadata/contentType"/>
@@ -47553,4 +47545,12 @@
     <ds:schemaRef ds:uri="http://schemas.microsoft.com/internal/obd"/>
   </ds:schemaRefs>
 </ds:datastoreItem>
+</file>
+
+<file path=customXml/itemProps3.xml><?xml version="1.0" encoding="utf-8"?>
+<ds:datastoreItem xmlns:ds="http://schemas.openxmlformats.org/officeDocument/2006/customXml" ds:itemID="{01743C61-8CA7-48FF-B2A3-6055DA854CF6}">
+  <ds:schemaRefs>
+    <ds:schemaRef ds:uri="http://schemas.microsoft.com/sharepoint/v3/contenttype/forms"/>
+  </ds:schemaRefs>
+</ds:datastoreItem>
 </file>
--- a/Overview.pptx
+++ b/Overview.pptx
@@ -47299,6 +47299,15 @@
 </file>
 
 <file path=customXml/item2.xml><?xml version="1.0" encoding="utf-8"?>
+<?mso-contentType ?>
+<FormTemplates xmlns="http://schemas.microsoft.com/sharepoint/v3/contenttype/forms">
+  <Display>DocumentLibraryForm</Display>
+  <Edit>DocumentLibraryForm</Edit>
+  <New>DocumentLibraryForm</New>
+</FormTemplates>
+</file>
+
+<file path=customXml/item3.xml><?xml version="1.0" encoding="utf-8"?>
 <ct:contentTypeSchema xmlns:ct="http://schemas.microsoft.com/office/2006/metadata/contentType" xmlns:ma="http://schemas.microsoft.com/office/2006/metadata/properties/metaAttributes" ct:_="" ma:_="" ma:contentTypeName="Document" ma:contentTypeID="0x01010079F111ED35F8CC479449609E8A0923A6" ma:contentTypeVersion="11" ma:contentTypeDescription="Create a new document." ma:contentTypeScope="" ma:versionID="96291512c1ee715ab617f4c07df79fc1">
   <xsd:schema xmlns:xsd="http://www.w3.org/2001/XMLSchema" xmlns:xs="http://www.w3.org/2001/XMLSchema" xmlns:p="http://schemas.microsoft.com/office/2006/metadata/properties" xmlns:ns2="71af3243-3dd4-4a8d-8c0d-dd76da1f02a5" xmlns:ns3="16c05727-aa75-4e4a-9b5f-8a80a1165891" targetNamespace="http://schemas.microsoft.com/office/2006/metadata/properties" ma:root="true" ma:fieldsID="8256c27c40ca5c40ce1cf6c44f0205df" ns2:_="" ns3:_="">
     <xsd:import namespace="71af3243-3dd4-4a8d-8c0d-dd76da1f02a5"/>
@@ -47509,15 +47518,6 @@
 </ct:contentTypeSchema>
 </file>
 
-<file path=customXml/item3.xml><?xml version="1.0" encoding="utf-8"?>
-<?mso-contentType ?>
-<FormTemplates xmlns="http://schemas.microsoft.com/sharepoint/v3/contenttype/forms">
-  <Display>DocumentLibraryForm</Display>
-  <Edit>DocumentLibraryForm</Edit>
-  <New>DocumentLibraryForm</New>
-</FormTemplates>
-</file>
-
 <file path=customXml/itemProps1.xml><?xml version="1.0" encoding="utf-8"?>
 <ds:datastoreItem xmlns:ds="http://schemas.openxmlformats.org/officeDocument/2006/customXml" ds:itemID="{D726A944-A9F4-4295-9B5E-C397EB1318B9}">
   <ds:schemaRefs>
@@ -47529,6 +47529,14 @@
 </file>
 
 <file path=customXml/itemProps2.xml><?xml version="1.0" encoding="utf-8"?>
+<ds:datastoreItem xmlns:ds="http://schemas.openxmlformats.org/officeDocument/2006/customXml" ds:itemID="{01743C61-8CA7-48FF-B2A3-6055DA854CF6}">
+  <ds:schemaRefs>
+    <ds:schemaRef ds:uri="http://schemas.microsoft.com/sharepoint/v3/contenttype/forms"/>
+  </ds:schemaRefs>
+</ds:datastoreItem>
+</file>
+
+<file path=customXml/itemProps3.xml><?xml version="1.0" encoding="utf-8"?>
 <ds:datastoreItem xmlns:ds="http://schemas.openxmlformats.org/officeDocument/2006/customXml" ds:itemID="{472965D8-9C19-4E48-8421-5D6B21FC440C}">
   <ds:schemaRefs>
     <ds:schemaRef ds:uri="http://schemas.microsoft.com/office/2006/metadata/contentType"/>
@@ -47545,12 +47553,4 @@
     <ds:schemaRef ds:uri="http://schemas.microsoft.com/internal/obd"/>
   </ds:schemaRefs>
 </ds:datastoreItem>
-</file>
-
-<file path=customXml/itemProps3.xml><?xml version="1.0" encoding="utf-8"?>
-<ds:datastoreItem xmlns:ds="http://schemas.openxmlformats.org/officeDocument/2006/customXml" ds:itemID="{01743C61-8CA7-48FF-B2A3-6055DA854CF6}">
-  <ds:schemaRefs>
-    <ds:schemaRef ds:uri="http://schemas.microsoft.com/sharepoint/v3/contenttype/forms"/>
-  </ds:schemaRefs>
-</ds:datastoreItem>
 </file>